--- a/YouTube.pptx
+++ b/YouTube.pptx
@@ -1,71 +1,71 @@
 
 <file path=ppt/presentation.xml><?xml version="1.0" encoding="utf-8"?>
-<p:presentation xmlns:a="http://schemas.openxmlformats.org/drawingml/2006/main" xmlns:r="http://schemas.openxmlformats.org/officeDocument/2006/relationships" xmlns:mc="http://schemas.openxmlformats.org/markup-compatibility/2006" xmlns:mv="urn:schemas-microsoft-com:mac:vml" xmlns:p="http://schemas.openxmlformats.org/presentationml/2006/main" xmlns:c="http://schemas.openxmlformats.org/drawingml/2006/chart" xmlns:dgm="http://schemas.openxmlformats.org/drawingml/2006/diagram" xmlns:o="urn:schemas-microsoft-com:office:office" xmlns:v="urn:schemas-microsoft-com:vml" xmlns:pvml="urn:schemas-microsoft-com:office:powerpoint" xmlns:com="http://schemas.openxmlformats.org/drawingml/2006/compatibility" xmlns:p14="http://schemas.microsoft.com/office/powerpoint/2010/main" xmlns:p15="http://schemas.microsoft.com/office/powerpoint/2012/main" autoCompressPictures="0" embedTrueTypeFonts="1" strictFirstAndLastChars="0" saveSubsetFonts="1">
+<p:presentation xmlns:a="http://schemas.openxmlformats.org/drawingml/2006/main" xmlns:r="http://schemas.openxmlformats.org/officeDocument/2006/relationships" xmlns:p="http://schemas.openxmlformats.org/presentationml/2006/main" strictFirstAndLastChars="0" embedTrueTypeFonts="1" saveSubsetFonts="1" autoCompressPictures="0">
   <p:sldMasterIdLst>
-    <p:sldMasterId id="2147483659" r:id="rId4"/>
+    <p:sldMasterId id="2147483659" r:id="rId1"/>
   </p:sldMasterIdLst>
   <p:notesMasterIdLst>
-    <p:notesMasterId r:id="rId5"/>
+    <p:notesMasterId r:id="rId39"/>
   </p:notesMasterIdLst>
   <p:sldIdLst>
-    <p:sldId id="256" r:id="rId6"/>
-    <p:sldId id="257" r:id="rId7"/>
-    <p:sldId id="258" r:id="rId8"/>
-    <p:sldId id="259" r:id="rId9"/>
-    <p:sldId id="260" r:id="rId10"/>
-    <p:sldId id="261" r:id="rId11"/>
-    <p:sldId id="262" r:id="rId12"/>
-    <p:sldId id="263" r:id="rId13"/>
-    <p:sldId id="264" r:id="rId14"/>
-    <p:sldId id="265" r:id="rId15"/>
-    <p:sldId id="266" r:id="rId16"/>
-    <p:sldId id="267" r:id="rId17"/>
-    <p:sldId id="268" r:id="rId18"/>
-    <p:sldId id="269" r:id="rId19"/>
-    <p:sldId id="270" r:id="rId20"/>
-    <p:sldId id="271" r:id="rId21"/>
-    <p:sldId id="272" r:id="rId22"/>
-    <p:sldId id="273" r:id="rId23"/>
-    <p:sldId id="274" r:id="rId24"/>
-    <p:sldId id="275" r:id="rId25"/>
-    <p:sldId id="276" r:id="rId26"/>
-    <p:sldId id="277" r:id="rId27"/>
-    <p:sldId id="278" r:id="rId28"/>
-    <p:sldId id="279" r:id="rId29"/>
-    <p:sldId id="280" r:id="rId30"/>
-    <p:sldId id="281" r:id="rId31"/>
-    <p:sldId id="282" r:id="rId32"/>
-    <p:sldId id="283" r:id="rId33"/>
-    <p:sldId id="284" r:id="rId34"/>
-    <p:sldId id="285" r:id="rId35"/>
-    <p:sldId id="286" r:id="rId36"/>
-    <p:sldId id="287" r:id="rId37"/>
-    <p:sldId id="288" r:id="rId38"/>
-    <p:sldId id="289" r:id="rId39"/>
-    <p:sldId id="290" r:id="rId40"/>
-    <p:sldId id="291" r:id="rId41"/>
-    <p:sldId id="292" r:id="rId42"/>
+    <p:sldId id="256" r:id="rId2"/>
+    <p:sldId id="257" r:id="rId3"/>
+    <p:sldId id="258" r:id="rId4"/>
+    <p:sldId id="259" r:id="rId5"/>
+    <p:sldId id="260" r:id="rId6"/>
+    <p:sldId id="261" r:id="rId7"/>
+    <p:sldId id="262" r:id="rId8"/>
+    <p:sldId id="263" r:id="rId9"/>
+    <p:sldId id="264" r:id="rId10"/>
+    <p:sldId id="265" r:id="rId11"/>
+    <p:sldId id="266" r:id="rId12"/>
+    <p:sldId id="267" r:id="rId13"/>
+    <p:sldId id="268" r:id="rId14"/>
+    <p:sldId id="269" r:id="rId15"/>
+    <p:sldId id="270" r:id="rId16"/>
+    <p:sldId id="271" r:id="rId17"/>
+    <p:sldId id="272" r:id="rId18"/>
+    <p:sldId id="273" r:id="rId19"/>
+    <p:sldId id="274" r:id="rId20"/>
+    <p:sldId id="275" r:id="rId21"/>
+    <p:sldId id="276" r:id="rId22"/>
+    <p:sldId id="277" r:id="rId23"/>
+    <p:sldId id="278" r:id="rId24"/>
+    <p:sldId id="279" r:id="rId25"/>
+    <p:sldId id="280" r:id="rId26"/>
+    <p:sldId id="281" r:id="rId27"/>
+    <p:sldId id="282" r:id="rId28"/>
+    <p:sldId id="283" r:id="rId29"/>
+    <p:sldId id="284" r:id="rId30"/>
+    <p:sldId id="285" r:id="rId31"/>
+    <p:sldId id="286" r:id="rId32"/>
+    <p:sldId id="287" r:id="rId33"/>
+    <p:sldId id="288" r:id="rId34"/>
+    <p:sldId id="289" r:id="rId35"/>
+    <p:sldId id="290" r:id="rId36"/>
+    <p:sldId id="291" r:id="rId37"/>
+    <p:sldId id="292" r:id="rId38"/>
   </p:sldIdLst>
-  <p:sldSz cy="5143500" cx="9144000"/>
+  <p:sldSz cx="9144000" cy="5143500" type="screen16x9"/>
   <p:notesSz cx="6858000" cy="9144000"/>
   <p:embeddedFontLst>
     <p:embeddedFont>
-      <p:font typeface="Oswald Regular"/>
+      <p:font typeface="Average" panose="020B0604020202020204" charset="0"/>
+      <p:regular r:id="rId40"/>
+    </p:embeddedFont>
+    <p:embeddedFont>
+      <p:font typeface="Oswald" panose="020B0604020202020204" charset="0"/>
+      <p:regular r:id="rId41"/>
+      <p:bold r:id="rId42"/>
+    </p:embeddedFont>
+    <p:embeddedFont>
+      <p:font typeface="Oswald Regular" panose="020B0604020202020204" charset="0"/>
       <p:regular r:id="rId43"/>
       <p:bold r:id="rId44"/>
     </p:embeddedFont>
-    <p:embeddedFont>
-      <p:font typeface="Average"/>
-      <p:regular r:id="rId45"/>
-    </p:embeddedFont>
-    <p:embeddedFont>
-      <p:font typeface="Oswald"/>
-      <p:regular r:id="rId46"/>
-      <p:bold r:id="rId47"/>
-    </p:embeddedFont>
   </p:embeddedFontLst>
   <p:defaultTextStyle>
-    <a:defPPr lvl="0" marR="0" rtl="0" algn="l">
+    <a:defPPr marR="0" lvl="0" algn="l" rtl="0">
       <a:lnSpc>
         <a:spcPct val="100000"/>
       </a:lnSpc>
@@ -76,7 +76,7 @@
         <a:spcPts val="0"/>
       </a:spcAft>
     </a:defPPr>
-    <a:lvl1pPr lvl="0" marR="0" rtl="0" algn="l">
+    <a:lvl1pPr marR="0" lvl="0" algn="l" rtl="0">
       <a:lnSpc>
         <a:spcPct val="100000"/>
       </a:lnSpc>
@@ -90,7 +90,7 @@
         <a:srgbClr val="000000"/>
       </a:buClr>
       <a:buFont typeface="Arial"/>
-      <a:defRPr b="0" i="0" sz="1400" u="none" cap="none" strike="noStrike">
+      <a:defRPr sz="1400" b="0" i="0" u="none" strike="noStrike" cap="none">
         <a:solidFill>
           <a:srgbClr val="000000"/>
         </a:solidFill>
@@ -100,7 +100,7 @@
         <a:sym typeface="Arial"/>
       </a:defRPr>
     </a:lvl1pPr>
-    <a:lvl2pPr lvl="1" marR="0" rtl="0" algn="l">
+    <a:lvl2pPr marR="0" lvl="1" algn="l" rtl="0">
       <a:lnSpc>
         <a:spcPct val="100000"/>
       </a:lnSpc>
@@ -114,7 +114,7 @@
         <a:srgbClr val="000000"/>
       </a:buClr>
       <a:buFont typeface="Arial"/>
-      <a:defRPr b="0" i="0" sz="1400" u="none" cap="none" strike="noStrike">
+      <a:defRPr sz="1400" b="0" i="0" u="none" strike="noStrike" cap="none">
         <a:solidFill>
           <a:srgbClr val="000000"/>
         </a:solidFill>
@@ -124,7 +124,7 @@
         <a:sym typeface="Arial"/>
       </a:defRPr>
     </a:lvl2pPr>
-    <a:lvl3pPr lvl="2" marR="0" rtl="0" algn="l">
+    <a:lvl3pPr marR="0" lvl="2" algn="l" rtl="0">
       <a:lnSpc>
         <a:spcPct val="100000"/>
       </a:lnSpc>
@@ -138,7 +138,7 @@
         <a:srgbClr val="000000"/>
       </a:buClr>
       <a:buFont typeface="Arial"/>
-      <a:defRPr b="0" i="0" sz="1400" u="none" cap="none" strike="noStrike">
+      <a:defRPr sz="1400" b="0" i="0" u="none" strike="noStrike" cap="none">
         <a:solidFill>
           <a:srgbClr val="000000"/>
         </a:solidFill>
@@ -148,7 +148,7 @@
         <a:sym typeface="Arial"/>
       </a:defRPr>
     </a:lvl3pPr>
-    <a:lvl4pPr lvl="3" marR="0" rtl="0" algn="l">
+    <a:lvl4pPr marR="0" lvl="3" algn="l" rtl="0">
       <a:lnSpc>
         <a:spcPct val="100000"/>
       </a:lnSpc>
@@ -162,7 +162,7 @@
         <a:srgbClr val="000000"/>
       </a:buClr>
       <a:buFont typeface="Arial"/>
-      <a:defRPr b="0" i="0" sz="1400" u="none" cap="none" strike="noStrike">
+      <a:defRPr sz="1400" b="0" i="0" u="none" strike="noStrike" cap="none">
         <a:solidFill>
           <a:srgbClr val="000000"/>
         </a:solidFill>
@@ -172,7 +172,7 @@
         <a:sym typeface="Arial"/>
       </a:defRPr>
     </a:lvl4pPr>
-    <a:lvl5pPr lvl="4" marR="0" rtl="0" algn="l">
+    <a:lvl5pPr marR="0" lvl="4" algn="l" rtl="0">
       <a:lnSpc>
         <a:spcPct val="100000"/>
       </a:lnSpc>
@@ -186,7 +186,7 @@
         <a:srgbClr val="000000"/>
       </a:buClr>
       <a:buFont typeface="Arial"/>
-      <a:defRPr b="0" i="0" sz="1400" u="none" cap="none" strike="noStrike">
+      <a:defRPr sz="1400" b="0" i="0" u="none" strike="noStrike" cap="none">
         <a:solidFill>
           <a:srgbClr val="000000"/>
         </a:solidFill>
@@ -196,7 +196,7 @@
         <a:sym typeface="Arial"/>
       </a:defRPr>
     </a:lvl5pPr>
-    <a:lvl6pPr lvl="5" marR="0" rtl="0" algn="l">
+    <a:lvl6pPr marR="0" lvl="5" algn="l" rtl="0">
       <a:lnSpc>
         <a:spcPct val="100000"/>
       </a:lnSpc>
@@ -210,7 +210,7 @@
         <a:srgbClr val="000000"/>
       </a:buClr>
       <a:buFont typeface="Arial"/>
-      <a:defRPr b="0" i="0" sz="1400" u="none" cap="none" strike="noStrike">
+      <a:defRPr sz="1400" b="0" i="0" u="none" strike="noStrike" cap="none">
         <a:solidFill>
           <a:srgbClr val="000000"/>
         </a:solidFill>
@@ -220,7 +220,7 @@
         <a:sym typeface="Arial"/>
       </a:defRPr>
     </a:lvl6pPr>
-    <a:lvl7pPr lvl="6" marR="0" rtl="0" algn="l">
+    <a:lvl7pPr marR="0" lvl="6" algn="l" rtl="0">
       <a:lnSpc>
         <a:spcPct val="100000"/>
       </a:lnSpc>
@@ -234,7 +234,7 @@
         <a:srgbClr val="000000"/>
       </a:buClr>
       <a:buFont typeface="Arial"/>
-      <a:defRPr b="0" i="0" sz="1400" u="none" cap="none" strike="noStrike">
+      <a:defRPr sz="1400" b="0" i="0" u="none" strike="noStrike" cap="none">
         <a:solidFill>
           <a:srgbClr val="000000"/>
         </a:solidFill>
@@ -244,7 +244,7 @@
         <a:sym typeface="Arial"/>
       </a:defRPr>
     </a:lvl7pPr>
-    <a:lvl8pPr lvl="7" marR="0" rtl="0" algn="l">
+    <a:lvl8pPr marR="0" lvl="7" algn="l" rtl="0">
       <a:lnSpc>
         <a:spcPct val="100000"/>
       </a:lnSpc>
@@ -258,7 +258,7 @@
         <a:srgbClr val="000000"/>
       </a:buClr>
       <a:buFont typeface="Arial"/>
-      <a:defRPr b="0" i="0" sz="1400" u="none" cap="none" strike="noStrike">
+      <a:defRPr sz="1400" b="0" i="0" u="none" strike="noStrike" cap="none">
         <a:solidFill>
           <a:srgbClr val="000000"/>
         </a:solidFill>
@@ -268,7 +268,7 @@
         <a:sym typeface="Arial"/>
       </a:defRPr>
     </a:lvl8pPr>
-    <a:lvl9pPr lvl="8" marR="0" rtl="0" algn="l">
+    <a:lvl9pPr marR="0" lvl="8" algn="l" rtl="0">
       <a:lnSpc>
         <a:spcPct val="100000"/>
       </a:lnSpc>
@@ -282,7 +282,7 @@
         <a:srgbClr val="000000"/>
       </a:buClr>
       <a:buFont typeface="Arial"/>
-      <a:defRPr b="0" i="0" sz="1400" u="none" cap="none" strike="noStrike">
+      <a:defRPr sz="1400" b="0" i="0" u="none" strike="noStrike" cap="none">
         <a:solidFill>
           <a:srgbClr val="000000"/>
         </a:solidFill>
@@ -295,7 +295,7 @@
   </p:defaultTextStyle>
   <p:extLst>
     <p:ext uri="{EFAFB233-063F-42B5-8137-9DF3F51BA10A}">
-      <p15:sldGuideLst>
+      <p15:sldGuideLst xmlns:p15="http://schemas.microsoft.com/office/powerpoint/2012/main">
         <p15:guide id="1" orient="horz" pos="1620">
           <p15:clr>
             <a:srgbClr val="A4A3A4"/>
@@ -313,11 +313,16 @@
 </file>
 
 <file path=ppt/notesMasters/notesMaster1.xml><?xml version="1.0" encoding="utf-8"?>
-<p:notesMaster xmlns:a="http://schemas.openxmlformats.org/drawingml/2006/main" xmlns:r="http://schemas.openxmlformats.org/officeDocument/2006/relationships" xmlns:mc="http://schemas.openxmlformats.org/markup-compatibility/2006" xmlns:mv="urn:schemas-microsoft-com:mac:vml" xmlns:p="http://schemas.openxmlformats.org/presentationml/2006/main" xmlns:c="http://schemas.openxmlformats.org/drawingml/2006/chart" xmlns:dgm="http://schemas.openxmlformats.org/drawingml/2006/diagram" xmlns:o="urn:schemas-microsoft-com:office:office" xmlns:v="urn:schemas-microsoft-com:vml" xmlns:pvml="urn:schemas-microsoft-com:office:powerpoint" xmlns:com="http://schemas.openxmlformats.org/drawingml/2006/compatibility" xmlns:p14="http://schemas.microsoft.com/office/powerpoint/2010/main" xmlns:p15="http://schemas.microsoft.com/office/powerpoint/2012/main">
+<p:notesMaster xmlns:a="http://schemas.openxmlformats.org/drawingml/2006/main" xmlns:r="http://schemas.openxmlformats.org/officeDocument/2006/relationships" xmlns:p="http://schemas.openxmlformats.org/presentationml/2006/main">
   <p:cSld>
+    <p:bg>
+      <p:bgRef idx="1001">
+        <a:schemeClr val="bg1"/>
+      </p:bgRef>
+    </p:bg>
     <p:spTree>
       <p:nvGrpSpPr>
-        <p:cNvPr id="2" name="Shape 2"/>
+        <p:cNvPr id="1" name="Shape 2"/>
         <p:cNvGrpSpPr/>
         <p:nvPr/>
       </p:nvGrpSpPr>
@@ -332,9 +337,11 @@
       <p:sp>
         <p:nvSpPr>
           <p:cNvPr id="3" name="Google Shape;3;n"/>
-          <p:cNvSpPr/>
+          <p:cNvSpPr>
+            <a:spLocks noGrp="1" noRot="1" noChangeAspect="1"/>
+          </p:cNvSpPr>
           <p:nvPr>
-            <p:ph idx="2" type="sldImg"/>
+            <p:ph type="sldImg" idx="2"/>
           </p:nvPr>
         </p:nvSpPr>
         <p:spPr>
@@ -343,9 +350,13 @@
             <a:ext cx="6096075" cy="3429000"/>
           </a:xfrm>
           <a:custGeom>
-            <a:rect b="b" l="l" r="r" t="t"/>
+            <a:avLst/>
+            <a:gdLst/>
+            <a:ahLst/>
+            <a:cxnLst/>
+            <a:rect l="l" t="t" r="r" b="b"/>
             <a:pathLst>
-              <a:path extrusionOk="0" h="120000" w="120000">
+              <a:path w="120000" h="120000" extrusionOk="0">
                 <a:moveTo>
                   <a:pt x="0" y="0"/>
                 </a:moveTo>
@@ -363,23 +374,25 @@
             </a:pathLst>
           </a:custGeom>
           <a:noFill/>
-          <a:ln cap="flat" cmpd="sng" w="9525">
+          <a:ln w="9525" cap="flat" cmpd="sng">
             <a:solidFill>
               <a:srgbClr val="000000"/>
             </a:solidFill>
             <a:prstDash val="solid"/>
             <a:round/>
-            <a:headEnd len="sm" w="sm" type="none"/>
-            <a:tailEnd len="sm" w="sm" type="none"/>
+            <a:headEnd type="none" w="sm" len="sm"/>
+            <a:tailEnd type="none" w="sm" len="sm"/>
           </a:ln>
         </p:spPr>
       </p:sp>
       <p:sp>
         <p:nvSpPr>
           <p:cNvPr id="4" name="Google Shape;4;n"/>
-          <p:cNvSpPr txBox="1"/>
+          <p:cNvSpPr txBox="1">
+            <a:spLocks noGrp="1"/>
+          </p:cNvSpPr>
           <p:nvPr>
-            <p:ph idx="1" type="body"/>
+            <p:ph type="body" idx="1"/>
           </p:nvPr>
         </p:nvSpPr>
         <p:spPr>
@@ -396,11 +409,11 @@
           </a:ln>
         </p:spPr>
         <p:txBody>
-          <a:bodyPr anchorCtr="0" anchor="t" bIns="91425" lIns="91425" spcFirstLastPara="1" rIns="91425" wrap="square" tIns="91425">
+          <a:bodyPr spcFirstLastPara="1" wrap="square" lIns="91425" tIns="91425" rIns="91425" bIns="91425" anchor="t" anchorCtr="0">
             <a:noAutofit/>
           </a:bodyPr>
           <a:lstStyle>
-            <a:lvl1pPr indent="-298450" lvl="0" marL="457200">
+            <a:lvl1pPr marL="457200" lvl="0" indent="-298450">
               <a:spcBef>
                 <a:spcPts val="0"/>
               </a:spcBef>
@@ -411,7 +424,7 @@
               <a:buChar char="●"/>
               <a:defRPr sz="1100"/>
             </a:lvl1pPr>
-            <a:lvl2pPr indent="-298450" lvl="1" marL="914400">
+            <a:lvl2pPr marL="914400" lvl="1" indent="-298450">
               <a:spcBef>
                 <a:spcPts val="0"/>
               </a:spcBef>
@@ -422,7 +435,7 @@
               <a:buChar char="○"/>
               <a:defRPr sz="1100"/>
             </a:lvl2pPr>
-            <a:lvl3pPr indent="-298450" lvl="2" marL="1371600">
+            <a:lvl3pPr marL="1371600" lvl="2" indent="-298450">
               <a:spcBef>
                 <a:spcPts val="0"/>
               </a:spcBef>
@@ -433,7 +446,7 @@
               <a:buChar char="■"/>
               <a:defRPr sz="1100"/>
             </a:lvl3pPr>
-            <a:lvl4pPr indent="-298450" lvl="3" marL="1828800">
+            <a:lvl4pPr marL="1828800" lvl="3" indent="-298450">
               <a:spcBef>
                 <a:spcPts val="0"/>
               </a:spcBef>
@@ -444,7 +457,7 @@
               <a:buChar char="●"/>
               <a:defRPr sz="1100"/>
             </a:lvl4pPr>
-            <a:lvl5pPr indent="-298450" lvl="4" marL="2286000">
+            <a:lvl5pPr marL="2286000" lvl="4" indent="-298450">
               <a:spcBef>
                 <a:spcPts val="0"/>
               </a:spcBef>
@@ -455,7 +468,7 @@
               <a:buChar char="○"/>
               <a:defRPr sz="1100"/>
             </a:lvl5pPr>
-            <a:lvl6pPr indent="-298450" lvl="5" marL="2743200">
+            <a:lvl6pPr marL="2743200" lvl="5" indent="-298450">
               <a:spcBef>
                 <a:spcPts val="0"/>
               </a:spcBef>
@@ -466,7 +479,7 @@
               <a:buChar char="■"/>
               <a:defRPr sz="1100"/>
             </a:lvl6pPr>
-            <a:lvl7pPr indent="-298450" lvl="6" marL="3200400">
+            <a:lvl7pPr marL="3200400" lvl="6" indent="-298450">
               <a:spcBef>
                 <a:spcPts val="0"/>
               </a:spcBef>
@@ -477,7 +490,7 @@
               <a:buChar char="●"/>
               <a:defRPr sz="1100"/>
             </a:lvl7pPr>
-            <a:lvl8pPr indent="-298450" lvl="7" marL="3657600">
+            <a:lvl8pPr marL="3657600" lvl="7" indent="-298450">
               <a:spcBef>
                 <a:spcPts val="0"/>
               </a:spcBef>
@@ -488,7 +501,7 @@
               <a:buChar char="○"/>
               <a:defRPr sz="1100"/>
             </a:lvl8pPr>
-            <a:lvl9pPr indent="-298450" lvl="8" marL="4114800">
+            <a:lvl9pPr marL="4114800" lvl="8" indent="-298450">
               <a:spcBef>
                 <a:spcPts val="0"/>
               </a:spcBef>
@@ -500,14 +513,16 @@
               <a:defRPr sz="1100"/>
             </a:lvl9pPr>
           </a:lstStyle>
-          <a:p/>
+          <a:p>
+            <a:endParaRPr/>
+          </a:p>
         </p:txBody>
       </p:sp>
     </p:spTree>
   </p:cSld>
-  <p:clrMap accent1="accent1" accent2="accent2" accent3="accent3" accent4="accent4" accent5="accent5" accent6="accent6" bg1="lt1" bg2="dk2" tx1="dk1" tx2="lt2" folHlink="folHlink" hlink="hlink"/>
+  <p:clrMap bg1="lt1" tx1="dk1" bg2="dk2" tx2="lt2" accent1="accent1" accent2="accent2" accent3="accent3" accent4="accent4" accent5="accent5" accent6="accent6" hlink="hlink" folHlink="folHlink"/>
   <p:notesStyle>
-    <a:defPPr lvl="0" marR="0" rtl="0" algn="l">
+    <a:defPPr marR="0" lvl="0" algn="l" rtl="0">
       <a:lnSpc>
         <a:spcPct val="100000"/>
       </a:lnSpc>
@@ -518,7 +533,7 @@
         <a:spcPts val="0"/>
       </a:spcAft>
     </a:defPPr>
-    <a:lvl1pPr lvl="0" marR="0" rtl="0" algn="l">
+    <a:lvl1pPr marR="0" lvl="0" algn="l" rtl="0">
       <a:lnSpc>
         <a:spcPct val="100000"/>
       </a:lnSpc>
@@ -532,7 +547,7 @@
         <a:srgbClr val="000000"/>
       </a:buClr>
       <a:buFont typeface="Arial"/>
-      <a:defRPr b="0" i="0" sz="1400" u="none" cap="none" strike="noStrike">
+      <a:defRPr sz="1400" b="0" i="0" u="none" strike="noStrike" cap="none">
         <a:solidFill>
           <a:srgbClr val="000000"/>
         </a:solidFill>
@@ -542,7 +557,7 @@
         <a:sym typeface="Arial"/>
       </a:defRPr>
     </a:lvl1pPr>
-    <a:lvl2pPr lvl="1" marR="0" rtl="0" algn="l">
+    <a:lvl2pPr marR="0" lvl="1" algn="l" rtl="0">
       <a:lnSpc>
         <a:spcPct val="100000"/>
       </a:lnSpc>
@@ -556,7 +571,7 @@
         <a:srgbClr val="000000"/>
       </a:buClr>
       <a:buFont typeface="Arial"/>
-      <a:defRPr b="0" i="0" sz="1400" u="none" cap="none" strike="noStrike">
+      <a:defRPr sz="1400" b="0" i="0" u="none" strike="noStrike" cap="none">
         <a:solidFill>
           <a:srgbClr val="000000"/>
         </a:solidFill>
@@ -566,7 +581,7 @@
         <a:sym typeface="Arial"/>
       </a:defRPr>
     </a:lvl2pPr>
-    <a:lvl3pPr lvl="2" marR="0" rtl="0" algn="l">
+    <a:lvl3pPr marR="0" lvl="2" algn="l" rtl="0">
       <a:lnSpc>
         <a:spcPct val="100000"/>
       </a:lnSpc>
@@ -580,7 +595,7 @@
         <a:srgbClr val="000000"/>
       </a:buClr>
       <a:buFont typeface="Arial"/>
-      <a:defRPr b="0" i="0" sz="1400" u="none" cap="none" strike="noStrike">
+      <a:defRPr sz="1400" b="0" i="0" u="none" strike="noStrike" cap="none">
         <a:solidFill>
           <a:srgbClr val="000000"/>
         </a:solidFill>
@@ -590,7 +605,7 @@
         <a:sym typeface="Arial"/>
       </a:defRPr>
     </a:lvl3pPr>
-    <a:lvl4pPr lvl="3" marR="0" rtl="0" algn="l">
+    <a:lvl4pPr marR="0" lvl="3" algn="l" rtl="0">
       <a:lnSpc>
         <a:spcPct val="100000"/>
       </a:lnSpc>
@@ -604,7 +619,7 @@
         <a:srgbClr val="000000"/>
       </a:buClr>
       <a:buFont typeface="Arial"/>
-      <a:defRPr b="0" i="0" sz="1400" u="none" cap="none" strike="noStrike">
+      <a:defRPr sz="1400" b="0" i="0" u="none" strike="noStrike" cap="none">
         <a:solidFill>
           <a:srgbClr val="000000"/>
         </a:solidFill>
@@ -614,7 +629,7 @@
         <a:sym typeface="Arial"/>
       </a:defRPr>
     </a:lvl4pPr>
-    <a:lvl5pPr lvl="4" marR="0" rtl="0" algn="l">
+    <a:lvl5pPr marR="0" lvl="4" algn="l" rtl="0">
       <a:lnSpc>
         <a:spcPct val="100000"/>
       </a:lnSpc>
@@ -628,7 +643,7 @@
         <a:srgbClr val="000000"/>
       </a:buClr>
       <a:buFont typeface="Arial"/>
-      <a:defRPr b="0" i="0" sz="1400" u="none" cap="none" strike="noStrike">
+      <a:defRPr sz="1400" b="0" i="0" u="none" strike="noStrike" cap="none">
         <a:solidFill>
           <a:srgbClr val="000000"/>
         </a:solidFill>
@@ -638,7 +653,7 @@
         <a:sym typeface="Arial"/>
       </a:defRPr>
     </a:lvl5pPr>
-    <a:lvl6pPr lvl="5" marR="0" rtl="0" algn="l">
+    <a:lvl6pPr marR="0" lvl="5" algn="l" rtl="0">
       <a:lnSpc>
         <a:spcPct val="100000"/>
       </a:lnSpc>
@@ -652,7 +667,7 @@
         <a:srgbClr val="000000"/>
       </a:buClr>
       <a:buFont typeface="Arial"/>
-      <a:defRPr b="0" i="0" sz="1400" u="none" cap="none" strike="noStrike">
+      <a:defRPr sz="1400" b="0" i="0" u="none" strike="noStrike" cap="none">
         <a:solidFill>
           <a:srgbClr val="000000"/>
         </a:solidFill>
@@ -662,7 +677,7 @@
         <a:sym typeface="Arial"/>
       </a:defRPr>
     </a:lvl6pPr>
-    <a:lvl7pPr lvl="6" marR="0" rtl="0" algn="l">
+    <a:lvl7pPr marR="0" lvl="6" algn="l" rtl="0">
       <a:lnSpc>
         <a:spcPct val="100000"/>
       </a:lnSpc>
@@ -676,7 +691,7 @@
         <a:srgbClr val="000000"/>
       </a:buClr>
       <a:buFont typeface="Arial"/>
-      <a:defRPr b="0" i="0" sz="1400" u="none" cap="none" strike="noStrike">
+      <a:defRPr sz="1400" b="0" i="0" u="none" strike="noStrike" cap="none">
         <a:solidFill>
           <a:srgbClr val="000000"/>
         </a:solidFill>
@@ -686,7 +701,7 @@
         <a:sym typeface="Arial"/>
       </a:defRPr>
     </a:lvl7pPr>
-    <a:lvl8pPr lvl="7" marR="0" rtl="0" algn="l">
+    <a:lvl8pPr marR="0" lvl="7" algn="l" rtl="0">
       <a:lnSpc>
         <a:spcPct val="100000"/>
       </a:lnSpc>
@@ -700,7 +715,7 @@
         <a:srgbClr val="000000"/>
       </a:buClr>
       <a:buFont typeface="Arial"/>
-      <a:defRPr b="0" i="0" sz="1400" u="none" cap="none" strike="noStrike">
+      <a:defRPr sz="1400" b="0" i="0" u="none" strike="noStrike" cap="none">
         <a:solidFill>
           <a:srgbClr val="000000"/>
         </a:solidFill>
@@ -710,7 +725,7 @@
         <a:sym typeface="Arial"/>
       </a:defRPr>
     </a:lvl8pPr>
-    <a:lvl9pPr lvl="8" marR="0" rtl="0" algn="l">
+    <a:lvl9pPr marR="0" lvl="8" algn="l" rtl="0">
       <a:lnSpc>
         <a:spcPct val="100000"/>
       </a:lnSpc>
@@ -724,7 +739,7 @@
         <a:srgbClr val="000000"/>
       </a:buClr>
       <a:buFont typeface="Arial"/>
-      <a:defRPr b="0" i="0" sz="1400" u="none" cap="none" strike="noStrike">
+      <a:defRPr sz="1400" b="0" i="0" u="none" strike="noStrike" cap="none">
         <a:solidFill>
           <a:srgbClr val="000000"/>
         </a:solidFill>
@@ -739,11 +754,11 @@
 </file>
 
 <file path=ppt/notesSlides/notesSlide1.xml><?xml version="1.0" encoding="utf-8"?>
-<p:notes xmlns:a="http://schemas.openxmlformats.org/drawingml/2006/main" xmlns:r="http://schemas.openxmlformats.org/officeDocument/2006/relationships" xmlns:mc="http://schemas.openxmlformats.org/markup-compatibility/2006" xmlns:mv="urn:schemas-microsoft-com:mac:vml" xmlns:p="http://schemas.openxmlformats.org/presentationml/2006/main" xmlns:c="http://schemas.openxmlformats.org/drawingml/2006/chart" xmlns:dgm="http://schemas.openxmlformats.org/drawingml/2006/diagram" xmlns:o="urn:schemas-microsoft-com:office:office" xmlns:v="urn:schemas-microsoft-com:vml" xmlns:pvml="urn:schemas-microsoft-com:office:powerpoint" xmlns:com="http://schemas.openxmlformats.org/drawingml/2006/compatibility" xmlns:p14="http://schemas.microsoft.com/office/powerpoint/2010/main" xmlns:p15="http://schemas.microsoft.com/office/powerpoint/2012/main" showMasterPhAnim="0" showMasterSp="0">
+<p:notes xmlns:a="http://schemas.openxmlformats.org/drawingml/2006/main" xmlns:r="http://schemas.openxmlformats.org/officeDocument/2006/relationships" xmlns:p="http://schemas.openxmlformats.org/presentationml/2006/main" showMasterSp="0" showMasterPhAnim="0">
   <p:cSld>
     <p:spTree>
       <p:nvGrpSpPr>
-        <p:cNvPr id="55" name="Shape 55"/>
+        <p:cNvPr id="1" name="Shape 55"/>
         <p:cNvGrpSpPr/>
         <p:nvPr/>
       </p:nvGrpSpPr>
@@ -758,9 +773,11 @@
       <p:sp>
         <p:nvSpPr>
           <p:cNvPr id="56" name="Google Shape;56;p:notes"/>
-          <p:cNvSpPr/>
+          <p:cNvSpPr>
+            <a:spLocks noGrp="1" noRot="1" noChangeAspect="1"/>
+          </p:cNvSpPr>
           <p:nvPr>
-            <p:ph idx="2" type="sldImg"/>
+            <p:ph type="sldImg" idx="2"/>
           </p:nvPr>
         </p:nvSpPr>
         <p:spPr>
@@ -769,9 +786,13 @@
             <a:ext cx="6096075" cy="3429000"/>
           </a:xfrm>
           <a:custGeom>
-            <a:rect b="b" l="l" r="r" t="t"/>
+            <a:avLst/>
+            <a:gdLst/>
+            <a:ahLst/>
+            <a:cxnLst/>
+            <a:rect l="l" t="t" r="r" b="b"/>
             <a:pathLst>
-              <a:path extrusionOk="0" h="120000" w="120000">
+              <a:path w="120000" h="120000" extrusionOk="0">
                 <a:moveTo>
                   <a:pt x="0" y="0"/>
                 </a:moveTo>
@@ -793,9 +814,11 @@
       <p:sp>
         <p:nvSpPr>
           <p:cNvPr id="57" name="Google Shape;57;p:notes"/>
-          <p:cNvSpPr txBox="1"/>
+          <p:cNvSpPr txBox="1">
+            <a:spLocks noGrp="1"/>
+          </p:cNvSpPr>
           <p:nvPr>
-            <p:ph idx="1" type="body"/>
+            <p:ph type="body" idx="1"/>
           </p:nvPr>
         </p:nvSpPr>
         <p:spPr>
@@ -808,23 +831,20 @@
           </a:prstGeom>
         </p:spPr>
         <p:txBody>
-          <a:bodyPr anchorCtr="0" anchor="t" bIns="91425" lIns="91425" spcFirstLastPara="1" rIns="91425" wrap="square" tIns="91425">
+          <a:bodyPr spcFirstLastPara="1" wrap="square" lIns="91425" tIns="91425" rIns="91425" bIns="91425" anchor="t" anchorCtr="0">
             <a:noAutofit/>
           </a:bodyPr>
           <a:lstStyle/>
           <a:p>
-            <a:pPr indent="0" lvl="0" marL="0" rtl="0" algn="l">
-              <a:spcBef>
-                <a:spcPts val="0"/>
-              </a:spcBef>
-              <a:spcAft>
-                <a:spcPts val="0"/>
-              </a:spcAft>
-              <a:buNone/>
-            </a:pPr>
-            <a:r>
-              <a:t/>
-            </a:r>
+            <a:pPr marL="0" lvl="0" indent="0" algn="l" rtl="0">
+              <a:spcBef>
+                <a:spcPts val="0"/>
+              </a:spcBef>
+              <a:spcAft>
+                <a:spcPts val="0"/>
+              </a:spcAft>
+              <a:buNone/>
+            </a:pPr>
             <a:endParaRPr/>
           </a:p>
         </p:txBody>
@@ -838,11 +858,11 @@
 </file>
 
 <file path=ppt/notesSlides/notesSlide10.xml><?xml version="1.0" encoding="utf-8"?>
-<p:notes xmlns:a="http://schemas.openxmlformats.org/drawingml/2006/main" xmlns:r="http://schemas.openxmlformats.org/officeDocument/2006/relationships" xmlns:mc="http://schemas.openxmlformats.org/markup-compatibility/2006" xmlns:mv="urn:schemas-microsoft-com:mac:vml" xmlns:p="http://schemas.openxmlformats.org/presentationml/2006/main" xmlns:c="http://schemas.openxmlformats.org/drawingml/2006/chart" xmlns:dgm="http://schemas.openxmlformats.org/drawingml/2006/diagram" xmlns:o="urn:schemas-microsoft-com:office:office" xmlns:v="urn:schemas-microsoft-com:vml" xmlns:pvml="urn:schemas-microsoft-com:office:powerpoint" xmlns:com="http://schemas.openxmlformats.org/drawingml/2006/compatibility" xmlns:p14="http://schemas.microsoft.com/office/powerpoint/2010/main" xmlns:p15="http://schemas.microsoft.com/office/powerpoint/2012/main" showMasterPhAnim="0" showMasterSp="0">
+<p:notes xmlns:a="http://schemas.openxmlformats.org/drawingml/2006/main" xmlns:r="http://schemas.openxmlformats.org/officeDocument/2006/relationships" xmlns:p="http://schemas.openxmlformats.org/presentationml/2006/main" showMasterSp="0" showMasterPhAnim="0">
   <p:cSld>
     <p:spTree>
       <p:nvGrpSpPr>
-        <p:cNvPr id="112" name="Shape 112"/>
+        <p:cNvPr id="1" name="Shape 112"/>
         <p:cNvGrpSpPr/>
         <p:nvPr/>
       </p:nvGrpSpPr>
@@ -857,9 +877,11 @@
       <p:sp>
         <p:nvSpPr>
           <p:cNvPr id="113" name="Google Shape;113;g80c4d6a8ab_2_48:notes"/>
-          <p:cNvSpPr/>
+          <p:cNvSpPr>
+            <a:spLocks noGrp="1" noRot="1" noChangeAspect="1"/>
+          </p:cNvSpPr>
           <p:nvPr>
-            <p:ph idx="2" type="sldImg"/>
+            <p:ph type="sldImg" idx="2"/>
           </p:nvPr>
         </p:nvSpPr>
         <p:spPr>
@@ -868,9 +890,13 @@
             <a:ext cx="6096000" cy="3429000"/>
           </a:xfrm>
           <a:custGeom>
-            <a:rect b="b" l="l" r="r" t="t"/>
+            <a:avLst/>
+            <a:gdLst/>
+            <a:ahLst/>
+            <a:cxnLst/>
+            <a:rect l="l" t="t" r="r" b="b"/>
             <a:pathLst>
-              <a:path extrusionOk="0" h="120000" w="120000">
+              <a:path w="120000" h="120000" extrusionOk="0">
                 <a:moveTo>
                   <a:pt x="0" y="0"/>
                 </a:moveTo>
@@ -892,9 +918,11 @@
       <p:sp>
         <p:nvSpPr>
           <p:cNvPr id="114" name="Google Shape;114;g80c4d6a8ab_2_48:notes"/>
-          <p:cNvSpPr txBox="1"/>
+          <p:cNvSpPr txBox="1">
+            <a:spLocks noGrp="1"/>
+          </p:cNvSpPr>
           <p:nvPr>
-            <p:ph idx="1" type="body"/>
+            <p:ph type="body" idx="1"/>
           </p:nvPr>
         </p:nvSpPr>
         <p:spPr>
@@ -907,23 +935,20 @@
           </a:prstGeom>
         </p:spPr>
         <p:txBody>
-          <a:bodyPr anchorCtr="0" anchor="t" bIns="91425" lIns="91425" spcFirstLastPara="1" rIns="91425" wrap="square" tIns="91425">
+          <a:bodyPr spcFirstLastPara="1" wrap="square" lIns="91425" tIns="91425" rIns="91425" bIns="91425" anchor="t" anchorCtr="0">
             <a:noAutofit/>
           </a:bodyPr>
           <a:lstStyle/>
           <a:p>
-            <a:pPr indent="0" lvl="0" marL="0" rtl="0" algn="l">
-              <a:spcBef>
-                <a:spcPts val="0"/>
-              </a:spcBef>
-              <a:spcAft>
-                <a:spcPts val="0"/>
-              </a:spcAft>
-              <a:buNone/>
-            </a:pPr>
-            <a:r>
-              <a:t/>
-            </a:r>
+            <a:pPr marL="0" lvl="0" indent="0" algn="l" rtl="0">
+              <a:spcBef>
+                <a:spcPts val="0"/>
+              </a:spcBef>
+              <a:spcAft>
+                <a:spcPts val="0"/>
+              </a:spcAft>
+              <a:buNone/>
+            </a:pPr>
             <a:endParaRPr/>
           </a:p>
         </p:txBody>
@@ -937,11 +962,11 @@
 </file>
 
 <file path=ppt/notesSlides/notesSlide11.xml><?xml version="1.0" encoding="utf-8"?>
-<p:notes xmlns:a="http://schemas.openxmlformats.org/drawingml/2006/main" xmlns:r="http://schemas.openxmlformats.org/officeDocument/2006/relationships" xmlns:mc="http://schemas.openxmlformats.org/markup-compatibility/2006" xmlns:mv="urn:schemas-microsoft-com:mac:vml" xmlns:p="http://schemas.openxmlformats.org/presentationml/2006/main" xmlns:c="http://schemas.openxmlformats.org/drawingml/2006/chart" xmlns:dgm="http://schemas.openxmlformats.org/drawingml/2006/diagram" xmlns:o="urn:schemas-microsoft-com:office:office" xmlns:v="urn:schemas-microsoft-com:vml" xmlns:pvml="urn:schemas-microsoft-com:office:powerpoint" xmlns:com="http://schemas.openxmlformats.org/drawingml/2006/compatibility" xmlns:p14="http://schemas.microsoft.com/office/powerpoint/2010/main" xmlns:p15="http://schemas.microsoft.com/office/powerpoint/2012/main" showMasterPhAnim="0" showMasterSp="0">
+<p:notes xmlns:a="http://schemas.openxmlformats.org/drawingml/2006/main" xmlns:r="http://schemas.openxmlformats.org/officeDocument/2006/relationships" xmlns:p="http://schemas.openxmlformats.org/presentationml/2006/main" showMasterSp="0" showMasterPhAnim="0">
   <p:cSld>
     <p:spTree>
       <p:nvGrpSpPr>
-        <p:cNvPr id="118" name="Shape 118"/>
+        <p:cNvPr id="1" name="Shape 118"/>
         <p:cNvGrpSpPr/>
         <p:nvPr/>
       </p:nvGrpSpPr>
@@ -956,9 +981,11 @@
       <p:sp>
         <p:nvSpPr>
           <p:cNvPr id="119" name="Google Shape;119;g80c4d6a8ab_2_82:notes"/>
-          <p:cNvSpPr/>
+          <p:cNvSpPr>
+            <a:spLocks noGrp="1" noRot="1" noChangeAspect="1"/>
+          </p:cNvSpPr>
           <p:nvPr>
-            <p:ph idx="2" type="sldImg"/>
+            <p:ph type="sldImg" idx="2"/>
           </p:nvPr>
         </p:nvSpPr>
         <p:spPr>
@@ -967,9 +994,13 @@
             <a:ext cx="6096000" cy="3429000"/>
           </a:xfrm>
           <a:custGeom>
-            <a:rect b="b" l="l" r="r" t="t"/>
+            <a:avLst/>
+            <a:gdLst/>
+            <a:ahLst/>
+            <a:cxnLst/>
+            <a:rect l="l" t="t" r="r" b="b"/>
             <a:pathLst>
-              <a:path extrusionOk="0" h="120000" w="120000">
+              <a:path w="120000" h="120000" extrusionOk="0">
                 <a:moveTo>
                   <a:pt x="0" y="0"/>
                 </a:moveTo>
@@ -991,9 +1022,11 @@
       <p:sp>
         <p:nvSpPr>
           <p:cNvPr id="120" name="Google Shape;120;g80c4d6a8ab_2_82:notes"/>
-          <p:cNvSpPr txBox="1"/>
+          <p:cNvSpPr txBox="1">
+            <a:spLocks noGrp="1"/>
+          </p:cNvSpPr>
           <p:nvPr>
-            <p:ph idx="1" type="body"/>
+            <p:ph type="body" idx="1"/>
           </p:nvPr>
         </p:nvSpPr>
         <p:spPr>
@@ -1006,23 +1039,20 @@
           </a:prstGeom>
         </p:spPr>
         <p:txBody>
-          <a:bodyPr anchorCtr="0" anchor="t" bIns="91425" lIns="91425" spcFirstLastPara="1" rIns="91425" wrap="square" tIns="91425">
+          <a:bodyPr spcFirstLastPara="1" wrap="square" lIns="91425" tIns="91425" rIns="91425" bIns="91425" anchor="t" anchorCtr="0">
             <a:noAutofit/>
           </a:bodyPr>
           <a:lstStyle/>
           <a:p>
-            <a:pPr indent="0" lvl="0" marL="0" rtl="0" algn="l">
-              <a:spcBef>
-                <a:spcPts val="0"/>
-              </a:spcBef>
-              <a:spcAft>
-                <a:spcPts val="0"/>
-              </a:spcAft>
-              <a:buNone/>
-            </a:pPr>
-            <a:r>
-              <a:t/>
-            </a:r>
+            <a:pPr marL="0" lvl="0" indent="0" algn="l" rtl="0">
+              <a:spcBef>
+                <a:spcPts val="0"/>
+              </a:spcBef>
+              <a:spcAft>
+                <a:spcPts val="0"/>
+              </a:spcAft>
+              <a:buNone/>
+            </a:pPr>
             <a:endParaRPr/>
           </a:p>
         </p:txBody>
@@ -1036,11 +1066,11 @@
 </file>
 
 <file path=ppt/notesSlides/notesSlide12.xml><?xml version="1.0" encoding="utf-8"?>
-<p:notes xmlns:a="http://schemas.openxmlformats.org/drawingml/2006/main" xmlns:r="http://schemas.openxmlformats.org/officeDocument/2006/relationships" xmlns:mc="http://schemas.openxmlformats.org/markup-compatibility/2006" xmlns:mv="urn:schemas-microsoft-com:mac:vml" xmlns:p="http://schemas.openxmlformats.org/presentationml/2006/main" xmlns:c="http://schemas.openxmlformats.org/drawingml/2006/chart" xmlns:dgm="http://schemas.openxmlformats.org/drawingml/2006/diagram" xmlns:o="urn:schemas-microsoft-com:office:office" xmlns:v="urn:schemas-microsoft-com:vml" xmlns:pvml="urn:schemas-microsoft-com:office:powerpoint" xmlns:com="http://schemas.openxmlformats.org/drawingml/2006/compatibility" xmlns:p14="http://schemas.microsoft.com/office/powerpoint/2010/main" xmlns:p15="http://schemas.microsoft.com/office/powerpoint/2012/main" showMasterPhAnim="0" showMasterSp="0">
+<p:notes xmlns:a="http://schemas.openxmlformats.org/drawingml/2006/main" xmlns:r="http://schemas.openxmlformats.org/officeDocument/2006/relationships" xmlns:p="http://schemas.openxmlformats.org/presentationml/2006/main" showMasterSp="0" showMasterPhAnim="0">
   <p:cSld>
     <p:spTree>
       <p:nvGrpSpPr>
-        <p:cNvPr id="124" name="Shape 124"/>
+        <p:cNvPr id="1" name="Shape 124"/>
         <p:cNvGrpSpPr/>
         <p:nvPr/>
       </p:nvGrpSpPr>
@@ -1055,9 +1085,11 @@
       <p:sp>
         <p:nvSpPr>
           <p:cNvPr id="125" name="Google Shape;125;g887ebad2f6_1_6:notes"/>
-          <p:cNvSpPr/>
+          <p:cNvSpPr>
+            <a:spLocks noGrp="1" noRot="1" noChangeAspect="1"/>
+          </p:cNvSpPr>
           <p:nvPr>
-            <p:ph idx="2" type="sldImg"/>
+            <p:ph type="sldImg" idx="2"/>
           </p:nvPr>
         </p:nvSpPr>
         <p:spPr>
@@ -1066,9 +1098,13 @@
             <a:ext cx="6096000" cy="3429000"/>
           </a:xfrm>
           <a:custGeom>
-            <a:rect b="b" l="l" r="r" t="t"/>
+            <a:avLst/>
+            <a:gdLst/>
+            <a:ahLst/>
+            <a:cxnLst/>
+            <a:rect l="l" t="t" r="r" b="b"/>
             <a:pathLst>
-              <a:path extrusionOk="0" h="120000" w="120000">
+              <a:path w="120000" h="120000" extrusionOk="0">
                 <a:moveTo>
                   <a:pt x="0" y="0"/>
                 </a:moveTo>
@@ -1090,9 +1126,11 @@
       <p:sp>
         <p:nvSpPr>
           <p:cNvPr id="126" name="Google Shape;126;g887ebad2f6_1_6:notes"/>
-          <p:cNvSpPr txBox="1"/>
+          <p:cNvSpPr txBox="1">
+            <a:spLocks noGrp="1"/>
+          </p:cNvSpPr>
           <p:nvPr>
-            <p:ph idx="1" type="body"/>
+            <p:ph type="body" idx="1"/>
           </p:nvPr>
         </p:nvSpPr>
         <p:spPr>
@@ -1105,12 +1143,12 @@
           </a:prstGeom>
         </p:spPr>
         <p:txBody>
-          <a:bodyPr anchorCtr="0" anchor="t" bIns="91425" lIns="91425" spcFirstLastPara="1" rIns="91425" wrap="square" tIns="91425">
+          <a:bodyPr spcFirstLastPara="1" wrap="square" lIns="91425" tIns="91425" rIns="91425" bIns="91425" anchor="t" anchorCtr="0">
             <a:noAutofit/>
           </a:bodyPr>
           <a:lstStyle/>
           <a:p>
-            <a:pPr indent="0" lvl="0" marL="0" rtl="0" algn="just">
+            <a:pPr marL="0" lvl="0" indent="0" algn="just" rtl="0">
               <a:lnSpc>
                 <a:spcPct val="115000"/>
               </a:lnSpc>
@@ -1129,7 +1167,7 @@
             <a:endParaRPr sz="1400"/>
           </a:p>
           <a:p>
-            <a:pPr indent="0" lvl="0" marL="0" rtl="0" algn="just">
+            <a:pPr marL="0" lvl="0" indent="0" algn="just" rtl="0">
               <a:lnSpc>
                 <a:spcPct val="115000"/>
               </a:lnSpc>
@@ -1148,7 +1186,7 @@
             <a:endParaRPr sz="1400"/>
           </a:p>
           <a:p>
-            <a:pPr indent="0" lvl="0" marL="0" rtl="0" algn="just">
+            <a:pPr marL="0" lvl="0" indent="0" algn="just" rtl="0">
               <a:lnSpc>
                 <a:spcPct val="115000"/>
               </a:lnSpc>
@@ -1167,7 +1205,7 @@
             <a:endParaRPr sz="1400"/>
           </a:p>
           <a:p>
-            <a:pPr indent="0" lvl="0" marL="0" rtl="0" algn="just">
+            <a:pPr marL="0" lvl="0" indent="0" algn="just" rtl="0">
               <a:lnSpc>
                 <a:spcPct val="115000"/>
               </a:lnSpc>
@@ -1179,9 +1217,6 @@
               </a:spcAft>
               <a:buNone/>
             </a:pPr>
-            <a:r>
-              <a:t/>
-            </a:r>
             <a:endParaRPr sz="1200">
               <a:latin typeface="Courier New"/>
               <a:ea typeface="Courier New"/>
@@ -1190,7 +1225,7 @@
             </a:endParaRPr>
           </a:p>
           <a:p>
-            <a:pPr indent="0" lvl="0" marL="0" rtl="0" algn="l">
+            <a:pPr marL="0" lvl="0" indent="0" algn="l" rtl="0">
               <a:spcBef>
                 <a:spcPts val="1200"/>
               </a:spcBef>
@@ -1199,9 +1234,6 @@
               </a:spcAft>
               <a:buNone/>
             </a:pPr>
-            <a:r>
-              <a:t/>
-            </a:r>
             <a:endParaRPr/>
           </a:p>
         </p:txBody>
@@ -1215,11 +1247,11 @@
 </file>
 
 <file path=ppt/notesSlides/notesSlide13.xml><?xml version="1.0" encoding="utf-8"?>
-<p:notes xmlns:a="http://schemas.openxmlformats.org/drawingml/2006/main" xmlns:r="http://schemas.openxmlformats.org/officeDocument/2006/relationships" xmlns:mc="http://schemas.openxmlformats.org/markup-compatibility/2006" xmlns:mv="urn:schemas-microsoft-com:mac:vml" xmlns:p="http://schemas.openxmlformats.org/presentationml/2006/main" xmlns:c="http://schemas.openxmlformats.org/drawingml/2006/chart" xmlns:dgm="http://schemas.openxmlformats.org/drawingml/2006/diagram" xmlns:o="urn:schemas-microsoft-com:office:office" xmlns:v="urn:schemas-microsoft-com:vml" xmlns:pvml="urn:schemas-microsoft-com:office:powerpoint" xmlns:com="http://schemas.openxmlformats.org/drawingml/2006/compatibility" xmlns:p14="http://schemas.microsoft.com/office/powerpoint/2010/main" xmlns:p15="http://schemas.microsoft.com/office/powerpoint/2012/main" showMasterPhAnim="0" showMasterSp="0">
+<p:notes xmlns:a="http://schemas.openxmlformats.org/drawingml/2006/main" xmlns:r="http://schemas.openxmlformats.org/officeDocument/2006/relationships" xmlns:p="http://schemas.openxmlformats.org/presentationml/2006/main" showMasterSp="0" showMasterPhAnim="0">
   <p:cSld>
     <p:spTree>
       <p:nvGrpSpPr>
-        <p:cNvPr id="133" name="Shape 133"/>
+        <p:cNvPr id="1" name="Shape 133"/>
         <p:cNvGrpSpPr/>
         <p:nvPr/>
       </p:nvGrpSpPr>
@@ -1234,9 +1266,11 @@
       <p:sp>
         <p:nvSpPr>
           <p:cNvPr id="134" name="Google Shape;134;g887ebad2f6_1_0:notes"/>
-          <p:cNvSpPr/>
+          <p:cNvSpPr>
+            <a:spLocks noGrp="1" noRot="1" noChangeAspect="1"/>
+          </p:cNvSpPr>
           <p:nvPr>
-            <p:ph idx="2" type="sldImg"/>
+            <p:ph type="sldImg" idx="2"/>
           </p:nvPr>
         </p:nvSpPr>
         <p:spPr>
@@ -1245,9 +1279,13 @@
             <a:ext cx="6096000" cy="3429000"/>
           </a:xfrm>
           <a:custGeom>
-            <a:rect b="b" l="l" r="r" t="t"/>
+            <a:avLst/>
+            <a:gdLst/>
+            <a:ahLst/>
+            <a:cxnLst/>
+            <a:rect l="l" t="t" r="r" b="b"/>
             <a:pathLst>
-              <a:path extrusionOk="0" h="120000" w="120000">
+              <a:path w="120000" h="120000" extrusionOk="0">
                 <a:moveTo>
                   <a:pt x="0" y="0"/>
                 </a:moveTo>
@@ -1269,9 +1307,11 @@
       <p:sp>
         <p:nvSpPr>
           <p:cNvPr id="135" name="Google Shape;135;g887ebad2f6_1_0:notes"/>
-          <p:cNvSpPr txBox="1"/>
+          <p:cNvSpPr txBox="1">
+            <a:spLocks noGrp="1"/>
+          </p:cNvSpPr>
           <p:nvPr>
-            <p:ph idx="1" type="body"/>
+            <p:ph type="body" idx="1"/>
           </p:nvPr>
         </p:nvSpPr>
         <p:spPr>
@@ -1284,12 +1324,12 @@
           </a:prstGeom>
         </p:spPr>
         <p:txBody>
-          <a:bodyPr anchorCtr="0" anchor="t" bIns="91425" lIns="91425" spcFirstLastPara="1" rIns="91425" wrap="square" tIns="91425">
+          <a:bodyPr spcFirstLastPara="1" wrap="square" lIns="91425" tIns="91425" rIns="91425" bIns="91425" anchor="t" anchorCtr="0">
             <a:noAutofit/>
           </a:bodyPr>
           <a:lstStyle/>
           <a:p>
-            <a:pPr indent="0" lvl="0" marL="0" rtl="0" algn="just">
+            <a:pPr marL="0" lvl="0" indent="0" algn="just" rtl="0">
               <a:lnSpc>
                 <a:spcPct val="115000"/>
               </a:lnSpc>
@@ -1308,7 +1348,7 @@
             <a:endParaRPr sz="1400"/>
           </a:p>
           <a:p>
-            <a:pPr indent="0" lvl="0" marL="0" rtl="0" algn="just">
+            <a:pPr marL="0" lvl="0" indent="0" algn="just" rtl="0">
               <a:lnSpc>
                 <a:spcPct val="115000"/>
               </a:lnSpc>
@@ -1340,7 +1380,7 @@
             <a:endParaRPr sz="1400"/>
           </a:p>
           <a:p>
-            <a:pPr indent="0" lvl="0" marL="0" rtl="0" algn="l">
+            <a:pPr marL="0" lvl="0" indent="0" algn="l" rtl="0">
               <a:spcBef>
                 <a:spcPts val="1200"/>
               </a:spcBef>
@@ -1349,9 +1389,6 @@
               </a:spcAft>
               <a:buNone/>
             </a:pPr>
-            <a:r>
-              <a:t/>
-            </a:r>
             <a:endParaRPr/>
           </a:p>
         </p:txBody>
@@ -1365,11 +1402,11 @@
 </file>
 
 <file path=ppt/notesSlides/notesSlide14.xml><?xml version="1.0" encoding="utf-8"?>
-<p:notes xmlns:a="http://schemas.openxmlformats.org/drawingml/2006/main" xmlns:r="http://schemas.openxmlformats.org/officeDocument/2006/relationships" xmlns:mc="http://schemas.openxmlformats.org/markup-compatibility/2006" xmlns:mv="urn:schemas-microsoft-com:mac:vml" xmlns:p="http://schemas.openxmlformats.org/presentationml/2006/main" xmlns:c="http://schemas.openxmlformats.org/drawingml/2006/chart" xmlns:dgm="http://schemas.openxmlformats.org/drawingml/2006/diagram" xmlns:o="urn:schemas-microsoft-com:office:office" xmlns:v="urn:schemas-microsoft-com:vml" xmlns:pvml="urn:schemas-microsoft-com:office:powerpoint" xmlns:com="http://schemas.openxmlformats.org/drawingml/2006/compatibility" xmlns:p14="http://schemas.microsoft.com/office/powerpoint/2010/main" xmlns:p15="http://schemas.microsoft.com/office/powerpoint/2012/main" showMasterPhAnim="0" showMasterSp="0">
+<p:notes xmlns:a="http://schemas.openxmlformats.org/drawingml/2006/main" xmlns:r="http://schemas.openxmlformats.org/officeDocument/2006/relationships" xmlns:p="http://schemas.openxmlformats.org/presentationml/2006/main" showMasterSp="0" showMasterPhAnim="0">
   <p:cSld>
     <p:spTree>
       <p:nvGrpSpPr>
-        <p:cNvPr id="139" name="Shape 139"/>
+        <p:cNvPr id="1" name="Shape 139"/>
         <p:cNvGrpSpPr/>
         <p:nvPr/>
       </p:nvGrpSpPr>
@@ -1384,9 +1421,11 @@
       <p:sp>
         <p:nvSpPr>
           <p:cNvPr id="140" name="Google Shape;140;g887ebad2f6_1_29:notes"/>
-          <p:cNvSpPr/>
+          <p:cNvSpPr>
+            <a:spLocks noGrp="1" noRot="1" noChangeAspect="1"/>
+          </p:cNvSpPr>
           <p:nvPr>
-            <p:ph idx="2" type="sldImg"/>
+            <p:ph type="sldImg" idx="2"/>
           </p:nvPr>
         </p:nvSpPr>
         <p:spPr>
@@ -1395,9 +1434,13 @@
             <a:ext cx="6096000" cy="3429000"/>
           </a:xfrm>
           <a:custGeom>
-            <a:rect b="b" l="l" r="r" t="t"/>
+            <a:avLst/>
+            <a:gdLst/>
+            <a:ahLst/>
+            <a:cxnLst/>
+            <a:rect l="l" t="t" r="r" b="b"/>
             <a:pathLst>
-              <a:path extrusionOk="0" h="120000" w="120000">
+              <a:path w="120000" h="120000" extrusionOk="0">
                 <a:moveTo>
                   <a:pt x="0" y="0"/>
                 </a:moveTo>
@@ -1419,9 +1462,11 @@
       <p:sp>
         <p:nvSpPr>
           <p:cNvPr id="141" name="Google Shape;141;g887ebad2f6_1_29:notes"/>
-          <p:cNvSpPr txBox="1"/>
+          <p:cNvSpPr txBox="1">
+            <a:spLocks noGrp="1"/>
+          </p:cNvSpPr>
           <p:nvPr>
-            <p:ph idx="1" type="body"/>
+            <p:ph type="body" idx="1"/>
           </p:nvPr>
         </p:nvSpPr>
         <p:spPr>
@@ -1434,12 +1479,12 @@
           </a:prstGeom>
         </p:spPr>
         <p:txBody>
-          <a:bodyPr anchorCtr="0" anchor="t" bIns="91425" lIns="91425" spcFirstLastPara="1" rIns="91425" wrap="square" tIns="91425">
+          <a:bodyPr spcFirstLastPara="1" wrap="square" lIns="91425" tIns="91425" rIns="91425" bIns="91425" anchor="t" anchorCtr="0">
             <a:noAutofit/>
           </a:bodyPr>
           <a:lstStyle/>
           <a:p>
-            <a:pPr indent="0" lvl="0" marL="0" rtl="0" algn="just">
+            <a:pPr marL="0" lvl="0" indent="0" algn="just" rtl="0">
               <a:lnSpc>
                 <a:spcPct val="115000"/>
               </a:lnSpc>
@@ -1468,11 +1513,11 @@
 </file>
 
 <file path=ppt/notesSlides/notesSlide15.xml><?xml version="1.0" encoding="utf-8"?>
-<p:notes xmlns:a="http://schemas.openxmlformats.org/drawingml/2006/main" xmlns:r="http://schemas.openxmlformats.org/officeDocument/2006/relationships" xmlns:mc="http://schemas.openxmlformats.org/markup-compatibility/2006" xmlns:mv="urn:schemas-microsoft-com:mac:vml" xmlns:p="http://schemas.openxmlformats.org/presentationml/2006/main" xmlns:c="http://schemas.openxmlformats.org/drawingml/2006/chart" xmlns:dgm="http://schemas.openxmlformats.org/drawingml/2006/diagram" xmlns:o="urn:schemas-microsoft-com:office:office" xmlns:v="urn:schemas-microsoft-com:vml" xmlns:pvml="urn:schemas-microsoft-com:office:powerpoint" xmlns:com="http://schemas.openxmlformats.org/drawingml/2006/compatibility" xmlns:p14="http://schemas.microsoft.com/office/powerpoint/2010/main" xmlns:p15="http://schemas.microsoft.com/office/powerpoint/2012/main" showMasterPhAnim="0" showMasterSp="0">
+<p:notes xmlns:a="http://schemas.openxmlformats.org/drawingml/2006/main" xmlns:r="http://schemas.openxmlformats.org/officeDocument/2006/relationships" xmlns:p="http://schemas.openxmlformats.org/presentationml/2006/main" showMasterSp="0" showMasterPhAnim="0">
   <p:cSld>
     <p:spTree>
       <p:nvGrpSpPr>
-        <p:cNvPr id="145" name="Shape 145"/>
+        <p:cNvPr id="1" name="Shape 145"/>
         <p:cNvGrpSpPr/>
         <p:nvPr/>
       </p:nvGrpSpPr>
@@ -1487,20 +1532,26 @@
       <p:sp>
         <p:nvSpPr>
           <p:cNvPr id="146" name="Google Shape;146;g88562d1a52_1_20:notes"/>
-          <p:cNvSpPr/>
+          <p:cNvSpPr>
+            <a:spLocks noGrp="1" noRot="1" noChangeAspect="1"/>
+          </p:cNvSpPr>
           <p:nvPr>
-            <p:ph idx="2" type="sldImg"/>
+            <p:ph type="sldImg" idx="2"/>
           </p:nvPr>
         </p:nvSpPr>
         <p:spPr>
           <a:xfrm>
-            <a:off x="381300" y="685800"/>
+            <a:off x="381000" y="685800"/>
             <a:ext cx="6096000" cy="3429000"/>
           </a:xfrm>
           <a:custGeom>
-            <a:rect b="b" l="l" r="r" t="t"/>
+            <a:avLst/>
+            <a:gdLst/>
+            <a:ahLst/>
+            <a:cxnLst/>
+            <a:rect l="l" t="t" r="r" b="b"/>
             <a:pathLst>
-              <a:path extrusionOk="0" h="120000" w="120000">
+              <a:path w="120000" h="120000" extrusionOk="0">
                 <a:moveTo>
                   <a:pt x="0" y="0"/>
                 </a:moveTo>
@@ -1522,9 +1573,11 @@
       <p:sp>
         <p:nvSpPr>
           <p:cNvPr id="147" name="Google Shape;147;g88562d1a52_1_20:notes"/>
-          <p:cNvSpPr txBox="1"/>
+          <p:cNvSpPr txBox="1">
+            <a:spLocks noGrp="1"/>
+          </p:cNvSpPr>
           <p:nvPr>
-            <p:ph idx="1" type="body"/>
+            <p:ph type="body" idx="1"/>
           </p:nvPr>
         </p:nvSpPr>
         <p:spPr>
@@ -1537,12 +1590,12 @@
           </a:prstGeom>
         </p:spPr>
         <p:txBody>
-          <a:bodyPr anchorCtr="0" anchor="t" bIns="91425" lIns="91425" spcFirstLastPara="1" rIns="91425" wrap="square" tIns="91425">
+          <a:bodyPr spcFirstLastPara="1" wrap="square" lIns="91425" tIns="91425" rIns="91425" bIns="91425" anchor="t" anchorCtr="0">
             <a:noAutofit/>
           </a:bodyPr>
           <a:lstStyle/>
           <a:p>
-            <a:pPr indent="0" lvl="0" marL="0" rtl="0" algn="just">
+            <a:pPr marL="0" lvl="0" indent="0" algn="just" rtl="0">
               <a:lnSpc>
                 <a:spcPct val="115000"/>
               </a:lnSpc>
@@ -1555,13 +1608,13 @@
               <a:buNone/>
             </a:pPr>
             <a:r>
-              <a:rPr lang="en" sz="1400"/>
-              <a:t>I created a function for linear regression plots. While the Total Views and Total Dislikes indicated by Pearson(r)is equal to a moderate positive relationship of 0.47, Total Views and Total Likes displayed on the plot has r squared of 0.85 which is a strong correlation.  This tells us about a linear relationship between those variables.</a:t>
+              <a:rPr lang="en" sz="1400" dirty="0"/>
+              <a:t>I created a function for linear regression plots. While the Total Views and Total Dislikes indicated by Pearson(r)is equal to a moderate positive relationship of 0.47, Total Views and Total Likes displayed on the plot has r value of 0.85 which is a strong correlation.  This tells us about a linear relationship between those variables.</a:t>
             </a:r>
-            <a:endParaRPr sz="1400"/>
-          </a:p>
-          <a:p>
-            <a:pPr indent="0" lvl="0" marL="0" rtl="0" algn="l">
+            <a:endParaRPr sz="1400" dirty="0"/>
+          </a:p>
+          <a:p>
+            <a:pPr marL="0" lvl="0" indent="0" algn="l" rtl="0">
               <a:spcBef>
                 <a:spcPts val="1200"/>
               </a:spcBef>
@@ -1570,10 +1623,7 @@
               </a:spcAft>
               <a:buNone/>
             </a:pPr>
-            <a:r>
-              <a:t/>
-            </a:r>
-            <a:endParaRPr/>
+            <a:endParaRPr dirty="0"/>
           </a:p>
         </p:txBody>
       </p:sp>
@@ -1586,11 +1636,11 @@
 </file>
 
 <file path=ppt/notesSlides/notesSlide16.xml><?xml version="1.0" encoding="utf-8"?>
-<p:notes xmlns:a="http://schemas.openxmlformats.org/drawingml/2006/main" xmlns:r="http://schemas.openxmlformats.org/officeDocument/2006/relationships" xmlns:mc="http://schemas.openxmlformats.org/markup-compatibility/2006" xmlns:mv="urn:schemas-microsoft-com:mac:vml" xmlns:p="http://schemas.openxmlformats.org/presentationml/2006/main" xmlns:c="http://schemas.openxmlformats.org/drawingml/2006/chart" xmlns:dgm="http://schemas.openxmlformats.org/drawingml/2006/diagram" xmlns:o="urn:schemas-microsoft-com:office:office" xmlns:v="urn:schemas-microsoft-com:vml" xmlns:pvml="urn:schemas-microsoft-com:office:powerpoint" xmlns:com="http://schemas.openxmlformats.org/drawingml/2006/compatibility" xmlns:p14="http://schemas.microsoft.com/office/powerpoint/2010/main" xmlns:p15="http://schemas.microsoft.com/office/powerpoint/2012/main" showMasterPhAnim="0" showMasterSp="0">
+<p:notes xmlns:a="http://schemas.openxmlformats.org/drawingml/2006/main" xmlns:r="http://schemas.openxmlformats.org/officeDocument/2006/relationships" xmlns:p="http://schemas.openxmlformats.org/presentationml/2006/main" showMasterSp="0" showMasterPhAnim="0">
   <p:cSld>
     <p:spTree>
       <p:nvGrpSpPr>
-        <p:cNvPr id="153" name="Shape 153"/>
+        <p:cNvPr id="1" name="Shape 153"/>
         <p:cNvGrpSpPr/>
         <p:nvPr/>
       </p:nvGrpSpPr>
@@ -1605,9 +1655,11 @@
       <p:sp>
         <p:nvSpPr>
           <p:cNvPr id="154" name="Google Shape;154;g88562d1a52_3_3:notes"/>
-          <p:cNvSpPr/>
+          <p:cNvSpPr>
+            <a:spLocks noGrp="1" noRot="1" noChangeAspect="1"/>
+          </p:cNvSpPr>
           <p:nvPr>
-            <p:ph idx="2" type="sldImg"/>
+            <p:ph type="sldImg" idx="2"/>
           </p:nvPr>
         </p:nvSpPr>
         <p:spPr>
@@ -1616,9 +1668,13 @@
             <a:ext cx="6096000" cy="3429000"/>
           </a:xfrm>
           <a:custGeom>
-            <a:rect b="b" l="l" r="r" t="t"/>
+            <a:avLst/>
+            <a:gdLst/>
+            <a:ahLst/>
+            <a:cxnLst/>
+            <a:rect l="l" t="t" r="r" b="b"/>
             <a:pathLst>
-              <a:path extrusionOk="0" h="120000" w="120000">
+              <a:path w="120000" h="120000" extrusionOk="0">
                 <a:moveTo>
                   <a:pt x="0" y="0"/>
                 </a:moveTo>
@@ -1640,9 +1696,11 @@
       <p:sp>
         <p:nvSpPr>
           <p:cNvPr id="155" name="Google Shape;155;g88562d1a52_3_3:notes"/>
-          <p:cNvSpPr txBox="1"/>
+          <p:cNvSpPr txBox="1">
+            <a:spLocks noGrp="1"/>
+          </p:cNvSpPr>
           <p:nvPr>
-            <p:ph idx="1" type="body"/>
+            <p:ph type="body" idx="1"/>
           </p:nvPr>
         </p:nvSpPr>
         <p:spPr>
@@ -1655,12 +1713,12 @@
           </a:prstGeom>
         </p:spPr>
         <p:txBody>
-          <a:bodyPr anchorCtr="0" anchor="t" bIns="91425" lIns="91425" spcFirstLastPara="1" rIns="91425" wrap="square" tIns="91425">
+          <a:bodyPr spcFirstLastPara="1" wrap="square" lIns="91425" tIns="91425" rIns="91425" bIns="91425" anchor="t" anchorCtr="0">
             <a:noAutofit/>
           </a:bodyPr>
           <a:lstStyle/>
           <a:p>
-            <a:pPr indent="0" lvl="0" marL="0" rtl="0" algn="just">
+            <a:pPr marL="0" lvl="0" indent="0" algn="just" rtl="0">
               <a:lnSpc>
                 <a:spcPct val="115000"/>
               </a:lnSpc>
@@ -1679,7 +1737,7 @@
             <a:endParaRPr sz="1400"/>
           </a:p>
           <a:p>
-            <a:pPr indent="0" lvl="0" marL="0" rtl="0" algn="l">
+            <a:pPr marL="0" lvl="0" indent="0" algn="l" rtl="0">
               <a:spcBef>
                 <a:spcPts val="1200"/>
               </a:spcBef>
@@ -1688,9 +1746,6 @@
               </a:spcAft>
               <a:buNone/>
             </a:pPr>
-            <a:r>
-              <a:t/>
-            </a:r>
             <a:endParaRPr/>
           </a:p>
         </p:txBody>
@@ -1704,11 +1759,11 @@
 </file>
 
 <file path=ppt/notesSlides/notesSlide17.xml><?xml version="1.0" encoding="utf-8"?>
-<p:notes xmlns:a="http://schemas.openxmlformats.org/drawingml/2006/main" xmlns:r="http://schemas.openxmlformats.org/officeDocument/2006/relationships" xmlns:mc="http://schemas.openxmlformats.org/markup-compatibility/2006" xmlns:mv="urn:schemas-microsoft-com:mac:vml" xmlns:p="http://schemas.openxmlformats.org/presentationml/2006/main" xmlns:c="http://schemas.openxmlformats.org/drawingml/2006/chart" xmlns:dgm="http://schemas.openxmlformats.org/drawingml/2006/diagram" xmlns:o="urn:schemas-microsoft-com:office:office" xmlns:v="urn:schemas-microsoft-com:vml" xmlns:pvml="urn:schemas-microsoft-com:office:powerpoint" xmlns:com="http://schemas.openxmlformats.org/drawingml/2006/compatibility" xmlns:p14="http://schemas.microsoft.com/office/powerpoint/2010/main" xmlns:p15="http://schemas.microsoft.com/office/powerpoint/2012/main" showMasterPhAnim="0" showMasterSp="0">
+<p:notes xmlns:a="http://schemas.openxmlformats.org/drawingml/2006/main" xmlns:r="http://schemas.openxmlformats.org/officeDocument/2006/relationships" xmlns:p="http://schemas.openxmlformats.org/presentationml/2006/main" showMasterSp="0" showMasterPhAnim="0">
   <p:cSld>
     <p:spTree>
       <p:nvGrpSpPr>
-        <p:cNvPr id="160" name="Shape 160"/>
+        <p:cNvPr id="1" name="Shape 160"/>
         <p:cNvGrpSpPr/>
         <p:nvPr/>
       </p:nvGrpSpPr>
@@ -1723,9 +1778,11 @@
       <p:sp>
         <p:nvSpPr>
           <p:cNvPr id="161" name="Google Shape;161;g88562d1a52_1_25:notes"/>
-          <p:cNvSpPr/>
+          <p:cNvSpPr>
+            <a:spLocks noGrp="1" noRot="1" noChangeAspect="1"/>
+          </p:cNvSpPr>
           <p:nvPr>
-            <p:ph idx="2" type="sldImg"/>
+            <p:ph type="sldImg" idx="2"/>
           </p:nvPr>
         </p:nvSpPr>
         <p:spPr>
@@ -1734,9 +1791,13 @@
             <a:ext cx="6096000" cy="3429000"/>
           </a:xfrm>
           <a:custGeom>
-            <a:rect b="b" l="l" r="r" t="t"/>
+            <a:avLst/>
+            <a:gdLst/>
+            <a:ahLst/>
+            <a:cxnLst/>
+            <a:rect l="l" t="t" r="r" b="b"/>
             <a:pathLst>
-              <a:path extrusionOk="0" h="120000" w="120000">
+              <a:path w="120000" h="120000" extrusionOk="0">
                 <a:moveTo>
                   <a:pt x="0" y="0"/>
                 </a:moveTo>
@@ -1758,9 +1819,11 @@
       <p:sp>
         <p:nvSpPr>
           <p:cNvPr id="162" name="Google Shape;162;g88562d1a52_1_25:notes"/>
-          <p:cNvSpPr txBox="1"/>
+          <p:cNvSpPr txBox="1">
+            <a:spLocks noGrp="1"/>
+          </p:cNvSpPr>
           <p:nvPr>
-            <p:ph idx="1" type="body"/>
+            <p:ph type="body" idx="1"/>
           </p:nvPr>
         </p:nvSpPr>
         <p:spPr>
@@ -1773,12 +1836,12 @@
           </a:prstGeom>
         </p:spPr>
         <p:txBody>
-          <a:bodyPr anchorCtr="0" anchor="t" bIns="91425" lIns="91425" spcFirstLastPara="1" rIns="91425" wrap="square" tIns="91425">
+          <a:bodyPr spcFirstLastPara="1" wrap="square" lIns="91425" tIns="91425" rIns="91425" bIns="91425" anchor="t" anchorCtr="0">
             <a:noAutofit/>
           </a:bodyPr>
           <a:lstStyle/>
           <a:p>
-            <a:pPr indent="0" lvl="0" marL="0" rtl="0" algn="l">
+            <a:pPr marL="0" lvl="0" indent="0" algn="l" rtl="0">
               <a:lnSpc>
                 <a:spcPct val="115000"/>
               </a:lnSpc>
@@ -1803,29 +1866,7 @@
                   <a:srgbClr val="FFFFFF"/>
                 </a:highlight>
               </a:rPr>
-              <a:t>s standard scientific </a:t>
-            </a:r>
-            <a:r>
-              <a:rPr lang="en" sz="1400">
-                <a:solidFill>
-                  <a:srgbClr val="242729"/>
-                </a:solidFill>
-                <a:highlight>
-                  <a:srgbClr val="FFFFFF"/>
-                </a:highlight>
-              </a:rPr>
-              <a:t>notation</a:t>
-            </a:r>
-            <a:r>
-              <a:rPr lang="en" sz="1400">
-                <a:solidFill>
-                  <a:srgbClr val="242729"/>
-                </a:solidFill>
-                <a:highlight>
-                  <a:srgbClr val="FFFFFF"/>
-                </a:highlight>
-              </a:rPr>
-              <a:t>, indicating scale factor for the y axis (2 actually indicates </a:t>
+              <a:t>s standard scientific notation, indicating scale factor for the y axis (2 actually indicates </a:t>
             </a:r>
             <a:r>
               <a:rPr lang="en" sz="1400">
@@ -1842,7 +1883,7 @@
             </a:endParaRPr>
           </a:p>
           <a:p>
-            <a:pPr indent="0" lvl="0" marL="0" rtl="0" algn="just">
+            <a:pPr marL="0" lvl="0" indent="0" algn="just" rtl="0">
               <a:lnSpc>
                 <a:spcPct val="115000"/>
               </a:lnSpc>
@@ -1861,7 +1902,7 @@
             <a:endParaRPr sz="1400"/>
           </a:p>
           <a:p>
-            <a:pPr indent="0" lvl="0" marL="0" rtl="0" algn="just">
+            <a:pPr marL="0" lvl="0" indent="0" algn="just" rtl="0">
               <a:lnSpc>
                 <a:spcPct val="115000"/>
               </a:lnSpc>
@@ -1873,9 +1914,6 @@
               </a:spcAft>
               <a:buNone/>
             </a:pPr>
-            <a:r>
-              <a:t/>
-            </a:r>
             <a:endParaRPr sz="1200">
               <a:latin typeface="Courier New"/>
               <a:ea typeface="Courier New"/>
@@ -1884,7 +1922,7 @@
             </a:endParaRPr>
           </a:p>
           <a:p>
-            <a:pPr indent="0" lvl="0" marL="0" rtl="0" algn="l">
+            <a:pPr marL="0" lvl="0" indent="0" algn="l" rtl="0">
               <a:spcBef>
                 <a:spcPts val="1200"/>
               </a:spcBef>
@@ -1893,9 +1931,6 @@
               </a:spcAft>
               <a:buNone/>
             </a:pPr>
-            <a:r>
-              <a:t/>
-            </a:r>
             <a:endParaRPr/>
           </a:p>
         </p:txBody>
@@ -1909,11 +1944,11 @@
 </file>
 
 <file path=ppt/notesSlides/notesSlide18.xml><?xml version="1.0" encoding="utf-8"?>
-<p:notes xmlns:a="http://schemas.openxmlformats.org/drawingml/2006/main" xmlns:r="http://schemas.openxmlformats.org/officeDocument/2006/relationships" xmlns:mc="http://schemas.openxmlformats.org/markup-compatibility/2006" xmlns:mv="urn:schemas-microsoft-com:mac:vml" xmlns:p="http://schemas.openxmlformats.org/presentationml/2006/main" xmlns:c="http://schemas.openxmlformats.org/drawingml/2006/chart" xmlns:dgm="http://schemas.openxmlformats.org/drawingml/2006/diagram" xmlns:o="urn:schemas-microsoft-com:office:office" xmlns:v="urn:schemas-microsoft-com:vml" xmlns:pvml="urn:schemas-microsoft-com:office:powerpoint" xmlns:com="http://schemas.openxmlformats.org/drawingml/2006/compatibility" xmlns:p14="http://schemas.microsoft.com/office/powerpoint/2010/main" xmlns:p15="http://schemas.microsoft.com/office/powerpoint/2012/main" showMasterPhAnim="0" showMasterSp="0">
+<p:notes xmlns:a="http://schemas.openxmlformats.org/drawingml/2006/main" xmlns:r="http://schemas.openxmlformats.org/officeDocument/2006/relationships" xmlns:p="http://schemas.openxmlformats.org/presentationml/2006/main" showMasterSp="0" showMasterPhAnim="0">
   <p:cSld>
     <p:spTree>
       <p:nvGrpSpPr>
-        <p:cNvPr id="167" name="Shape 167"/>
+        <p:cNvPr id="1" name="Shape 167"/>
         <p:cNvGrpSpPr/>
         <p:nvPr/>
       </p:nvGrpSpPr>
@@ -1928,9 +1963,11 @@
       <p:sp>
         <p:nvSpPr>
           <p:cNvPr id="168" name="Google Shape;168;g88562d1a52_1_153:notes"/>
-          <p:cNvSpPr/>
+          <p:cNvSpPr>
+            <a:spLocks noGrp="1" noRot="1" noChangeAspect="1"/>
+          </p:cNvSpPr>
           <p:nvPr>
-            <p:ph idx="2" type="sldImg"/>
+            <p:ph type="sldImg" idx="2"/>
           </p:nvPr>
         </p:nvSpPr>
         <p:spPr>
@@ -1939,9 +1976,13 @@
             <a:ext cx="6096000" cy="3429000"/>
           </a:xfrm>
           <a:custGeom>
-            <a:rect b="b" l="l" r="r" t="t"/>
+            <a:avLst/>
+            <a:gdLst/>
+            <a:ahLst/>
+            <a:cxnLst/>
+            <a:rect l="l" t="t" r="r" b="b"/>
             <a:pathLst>
-              <a:path extrusionOk="0" h="120000" w="120000">
+              <a:path w="120000" h="120000" extrusionOk="0">
                 <a:moveTo>
                   <a:pt x="0" y="0"/>
                 </a:moveTo>
@@ -1963,9 +2004,11 @@
       <p:sp>
         <p:nvSpPr>
           <p:cNvPr id="169" name="Google Shape;169;g88562d1a52_1_153:notes"/>
-          <p:cNvSpPr txBox="1"/>
+          <p:cNvSpPr txBox="1">
+            <a:spLocks noGrp="1"/>
+          </p:cNvSpPr>
           <p:nvPr>
-            <p:ph idx="1" type="body"/>
+            <p:ph type="body" idx="1"/>
           </p:nvPr>
         </p:nvSpPr>
         <p:spPr>
@@ -1978,12 +2021,12 @@
           </a:prstGeom>
         </p:spPr>
         <p:txBody>
-          <a:bodyPr anchorCtr="0" anchor="t" bIns="91425" lIns="91425" spcFirstLastPara="1" rIns="91425" wrap="square" tIns="91425">
+          <a:bodyPr spcFirstLastPara="1" wrap="square" lIns="91425" tIns="91425" rIns="91425" bIns="91425" anchor="t" anchorCtr="0">
             <a:noAutofit/>
           </a:bodyPr>
           <a:lstStyle/>
           <a:p>
-            <a:pPr indent="0" lvl="0" marL="0" rtl="0" algn="l">
+            <a:pPr marL="0" lvl="0" indent="0" algn="l" rtl="0">
               <a:spcBef>
                 <a:spcPts val="0"/>
               </a:spcBef>
@@ -1994,15 +2037,7 @@
             </a:pPr>
             <a:r>
               <a:rPr lang="en"/>
-              <a:t>So when we were </a:t>
-            </a:r>
-            <a:r>
-              <a:rPr lang="en"/>
-              <a:t>divvying</a:t>
-            </a:r>
-            <a:r>
-              <a:rPr lang="en"/>
-              <a:t> up the topics, I thought it would be interesting to see if there was any connection between the time things were posted and how many days they trended and how many total views they got. It definitely stretched my abilities as I had to sort thru and break up information to get what I needed and I got a lot of practice trying different charts and graphs that are available in the libraries we have been working with!</a:t>
+              <a:t>So when we were divvying up the topics, I thought it would be interesting to see if there was any connection between the time things were posted and how many days they trended and how many total views they got. It definitely stretched my abilities as I had to sort thru and break up information to get what I needed and I got a lot of practice trying different charts and graphs that are available in the libraries we have been working with!</a:t>
             </a:r>
             <a:endParaRPr/>
           </a:p>
@@ -2017,11 +2052,11 @@
 </file>
 
 <file path=ppt/notesSlides/notesSlide19.xml><?xml version="1.0" encoding="utf-8"?>
-<p:notes xmlns:a="http://schemas.openxmlformats.org/drawingml/2006/main" xmlns:r="http://schemas.openxmlformats.org/officeDocument/2006/relationships" xmlns:mc="http://schemas.openxmlformats.org/markup-compatibility/2006" xmlns:mv="urn:schemas-microsoft-com:mac:vml" xmlns:p="http://schemas.openxmlformats.org/presentationml/2006/main" xmlns:c="http://schemas.openxmlformats.org/drawingml/2006/chart" xmlns:dgm="http://schemas.openxmlformats.org/drawingml/2006/diagram" xmlns:o="urn:schemas-microsoft-com:office:office" xmlns:v="urn:schemas-microsoft-com:vml" xmlns:pvml="urn:schemas-microsoft-com:office:powerpoint" xmlns:com="http://schemas.openxmlformats.org/drawingml/2006/compatibility" xmlns:p14="http://schemas.microsoft.com/office/powerpoint/2010/main" xmlns:p15="http://schemas.microsoft.com/office/powerpoint/2012/main" showMasterPhAnim="0" showMasterSp="0">
+<p:notes xmlns:a="http://schemas.openxmlformats.org/drawingml/2006/main" xmlns:r="http://schemas.openxmlformats.org/officeDocument/2006/relationships" xmlns:p="http://schemas.openxmlformats.org/presentationml/2006/main" showMasterSp="0" showMasterPhAnim="0">
   <p:cSld>
     <p:spTree>
       <p:nvGrpSpPr>
-        <p:cNvPr id="174" name="Shape 174"/>
+        <p:cNvPr id="1" name="Shape 174"/>
         <p:cNvGrpSpPr/>
         <p:nvPr/>
       </p:nvGrpSpPr>
@@ -2036,9 +2071,11 @@
       <p:sp>
         <p:nvSpPr>
           <p:cNvPr id="175" name="Google Shape;175;g88562d1a52_1_30:notes"/>
-          <p:cNvSpPr/>
+          <p:cNvSpPr>
+            <a:spLocks noGrp="1" noRot="1" noChangeAspect="1"/>
+          </p:cNvSpPr>
           <p:nvPr>
-            <p:ph idx="2" type="sldImg"/>
+            <p:ph type="sldImg" idx="2"/>
           </p:nvPr>
         </p:nvSpPr>
         <p:spPr>
@@ -2047,9 +2084,13 @@
             <a:ext cx="6096000" cy="3429000"/>
           </a:xfrm>
           <a:custGeom>
-            <a:rect b="b" l="l" r="r" t="t"/>
+            <a:avLst/>
+            <a:gdLst/>
+            <a:ahLst/>
+            <a:cxnLst/>
+            <a:rect l="l" t="t" r="r" b="b"/>
             <a:pathLst>
-              <a:path extrusionOk="0" h="120000" w="120000">
+              <a:path w="120000" h="120000" extrusionOk="0">
                 <a:moveTo>
                   <a:pt x="0" y="0"/>
                 </a:moveTo>
@@ -2071,9 +2112,11 @@
       <p:sp>
         <p:nvSpPr>
           <p:cNvPr id="176" name="Google Shape;176;g88562d1a52_1_30:notes"/>
-          <p:cNvSpPr txBox="1"/>
+          <p:cNvSpPr txBox="1">
+            <a:spLocks noGrp="1"/>
+          </p:cNvSpPr>
           <p:nvPr>
-            <p:ph idx="1" type="body"/>
+            <p:ph type="body" idx="1"/>
           </p:nvPr>
         </p:nvSpPr>
         <p:spPr>
@@ -2086,12 +2129,12 @@
           </a:prstGeom>
         </p:spPr>
         <p:txBody>
-          <a:bodyPr anchorCtr="0" anchor="t" bIns="91425" lIns="91425" spcFirstLastPara="1" rIns="91425" wrap="square" tIns="91425">
+          <a:bodyPr spcFirstLastPara="1" wrap="square" lIns="91425" tIns="91425" rIns="91425" bIns="91425" anchor="t" anchorCtr="0">
             <a:noAutofit/>
           </a:bodyPr>
           <a:lstStyle/>
           <a:p>
-            <a:pPr indent="0" lvl="0" marL="0" rtl="0" algn="l">
+            <a:pPr marL="0" lvl="0" indent="0" algn="l" rtl="0">
               <a:spcBef>
                 <a:spcPts val="0"/>
               </a:spcBef>
@@ -2117,11 +2160,11 @@
 </file>
 
 <file path=ppt/notesSlides/notesSlide2.xml><?xml version="1.0" encoding="utf-8"?>
-<p:notes xmlns:a="http://schemas.openxmlformats.org/drawingml/2006/main" xmlns:r="http://schemas.openxmlformats.org/officeDocument/2006/relationships" xmlns:mc="http://schemas.openxmlformats.org/markup-compatibility/2006" xmlns:mv="urn:schemas-microsoft-com:mac:vml" xmlns:p="http://schemas.openxmlformats.org/presentationml/2006/main" xmlns:c="http://schemas.openxmlformats.org/drawingml/2006/chart" xmlns:dgm="http://schemas.openxmlformats.org/drawingml/2006/diagram" xmlns:o="urn:schemas-microsoft-com:office:office" xmlns:v="urn:schemas-microsoft-com:vml" xmlns:pvml="urn:schemas-microsoft-com:office:powerpoint" xmlns:com="http://schemas.openxmlformats.org/drawingml/2006/compatibility" xmlns:p14="http://schemas.microsoft.com/office/powerpoint/2010/main" xmlns:p15="http://schemas.microsoft.com/office/powerpoint/2012/main" showMasterPhAnim="0" showMasterSp="0">
+<p:notes xmlns:a="http://schemas.openxmlformats.org/drawingml/2006/main" xmlns:r="http://schemas.openxmlformats.org/officeDocument/2006/relationships" xmlns:p="http://schemas.openxmlformats.org/presentationml/2006/main" showMasterSp="0" showMasterPhAnim="0">
   <p:cSld>
     <p:spTree>
       <p:nvGrpSpPr>
-        <p:cNvPr id="60" name="Shape 60"/>
+        <p:cNvPr id="1" name="Shape 60"/>
         <p:cNvGrpSpPr/>
         <p:nvPr/>
       </p:nvGrpSpPr>
@@ -2136,9 +2179,11 @@
       <p:sp>
         <p:nvSpPr>
           <p:cNvPr id="61" name="Google Shape;61;g88562d1a52_0_261:notes"/>
-          <p:cNvSpPr/>
+          <p:cNvSpPr>
+            <a:spLocks noGrp="1" noRot="1" noChangeAspect="1"/>
+          </p:cNvSpPr>
           <p:nvPr>
-            <p:ph idx="2" type="sldImg"/>
+            <p:ph type="sldImg" idx="2"/>
           </p:nvPr>
         </p:nvSpPr>
         <p:spPr>
@@ -2147,9 +2192,13 @@
             <a:ext cx="6096000" cy="3429000"/>
           </a:xfrm>
           <a:custGeom>
-            <a:rect b="b" l="l" r="r" t="t"/>
+            <a:avLst/>
+            <a:gdLst/>
+            <a:ahLst/>
+            <a:cxnLst/>
+            <a:rect l="l" t="t" r="r" b="b"/>
             <a:pathLst>
-              <a:path extrusionOk="0" h="120000" w="120000">
+              <a:path w="120000" h="120000" extrusionOk="0">
                 <a:moveTo>
                   <a:pt x="0" y="0"/>
                 </a:moveTo>
@@ -2171,9 +2220,11 @@
       <p:sp>
         <p:nvSpPr>
           <p:cNvPr id="62" name="Google Shape;62;g88562d1a52_0_261:notes"/>
-          <p:cNvSpPr txBox="1"/>
+          <p:cNvSpPr txBox="1">
+            <a:spLocks noGrp="1"/>
+          </p:cNvSpPr>
           <p:nvPr>
-            <p:ph idx="1" type="body"/>
+            <p:ph type="body" idx="1"/>
           </p:nvPr>
         </p:nvSpPr>
         <p:spPr>
@@ -2186,12 +2237,12 @@
           </a:prstGeom>
         </p:spPr>
         <p:txBody>
-          <a:bodyPr anchorCtr="0" anchor="t" bIns="91425" lIns="91425" spcFirstLastPara="1" rIns="91425" wrap="square" tIns="91425">
+          <a:bodyPr spcFirstLastPara="1" wrap="square" lIns="91425" tIns="91425" rIns="91425" bIns="91425" anchor="t" anchorCtr="0">
             <a:noAutofit/>
           </a:bodyPr>
           <a:lstStyle/>
           <a:p>
-            <a:pPr indent="0" lvl="0" marL="0" rtl="0" algn="l">
+            <a:pPr marL="0" lvl="0" indent="0" algn="l" rtl="0">
               <a:spcBef>
                 <a:spcPts val="0"/>
               </a:spcBef>
@@ -2217,11 +2268,11 @@
 </file>
 
 <file path=ppt/notesSlides/notesSlide20.xml><?xml version="1.0" encoding="utf-8"?>
-<p:notes xmlns:a="http://schemas.openxmlformats.org/drawingml/2006/main" xmlns:r="http://schemas.openxmlformats.org/officeDocument/2006/relationships" xmlns:mc="http://schemas.openxmlformats.org/markup-compatibility/2006" xmlns:mv="urn:schemas-microsoft-com:mac:vml" xmlns:p="http://schemas.openxmlformats.org/presentationml/2006/main" xmlns:c="http://schemas.openxmlformats.org/drawingml/2006/chart" xmlns:dgm="http://schemas.openxmlformats.org/drawingml/2006/diagram" xmlns:o="urn:schemas-microsoft-com:office:office" xmlns:v="urn:schemas-microsoft-com:vml" xmlns:pvml="urn:schemas-microsoft-com:office:powerpoint" xmlns:com="http://schemas.openxmlformats.org/drawingml/2006/compatibility" xmlns:p14="http://schemas.microsoft.com/office/powerpoint/2010/main" xmlns:p15="http://schemas.microsoft.com/office/powerpoint/2012/main" showMasterPhAnim="0" showMasterSp="0">
+<p:notes xmlns:a="http://schemas.openxmlformats.org/drawingml/2006/main" xmlns:r="http://schemas.openxmlformats.org/officeDocument/2006/relationships" xmlns:p="http://schemas.openxmlformats.org/presentationml/2006/main" showMasterSp="0" showMasterPhAnim="0">
   <p:cSld>
     <p:spTree>
       <p:nvGrpSpPr>
-        <p:cNvPr id="181" name="Shape 181"/>
+        <p:cNvPr id="1" name="Shape 181"/>
         <p:cNvGrpSpPr/>
         <p:nvPr/>
       </p:nvGrpSpPr>
@@ -2236,9 +2287,11 @@
       <p:sp>
         <p:nvSpPr>
           <p:cNvPr id="182" name="Google Shape;182;g88562d1a52_1_78:notes"/>
-          <p:cNvSpPr/>
+          <p:cNvSpPr>
+            <a:spLocks noGrp="1" noRot="1" noChangeAspect="1"/>
+          </p:cNvSpPr>
           <p:nvPr>
-            <p:ph idx="2" type="sldImg"/>
+            <p:ph type="sldImg" idx="2"/>
           </p:nvPr>
         </p:nvSpPr>
         <p:spPr>
@@ -2247,9 +2300,13 @@
             <a:ext cx="6096000" cy="3429000"/>
           </a:xfrm>
           <a:custGeom>
-            <a:rect b="b" l="l" r="r" t="t"/>
+            <a:avLst/>
+            <a:gdLst/>
+            <a:ahLst/>
+            <a:cxnLst/>
+            <a:rect l="l" t="t" r="r" b="b"/>
             <a:pathLst>
-              <a:path extrusionOk="0" h="120000" w="120000">
+              <a:path w="120000" h="120000" extrusionOk="0">
                 <a:moveTo>
                   <a:pt x="0" y="0"/>
                 </a:moveTo>
@@ -2271,9 +2328,11 @@
       <p:sp>
         <p:nvSpPr>
           <p:cNvPr id="183" name="Google Shape;183;g88562d1a52_1_78:notes"/>
-          <p:cNvSpPr txBox="1"/>
+          <p:cNvSpPr txBox="1">
+            <a:spLocks noGrp="1"/>
+          </p:cNvSpPr>
           <p:nvPr>
-            <p:ph idx="1" type="body"/>
+            <p:ph type="body" idx="1"/>
           </p:nvPr>
         </p:nvSpPr>
         <p:spPr>
@@ -2286,12 +2345,12 @@
           </a:prstGeom>
         </p:spPr>
         <p:txBody>
-          <a:bodyPr anchorCtr="0" anchor="t" bIns="91425" lIns="91425" spcFirstLastPara="1" rIns="91425" wrap="square" tIns="91425">
+          <a:bodyPr spcFirstLastPara="1" wrap="square" lIns="91425" tIns="91425" rIns="91425" bIns="91425" anchor="t" anchorCtr="0">
             <a:noAutofit/>
           </a:bodyPr>
           <a:lstStyle/>
           <a:p>
-            <a:pPr indent="0" lvl="0" marL="0" rtl="0" algn="l">
+            <a:pPr marL="0" lvl="0" indent="0" algn="l" rtl="0">
               <a:spcBef>
                 <a:spcPts val="0"/>
               </a:spcBef>
@@ -2321,11 +2380,11 @@
 </file>
 
 <file path=ppt/notesSlides/notesSlide21.xml><?xml version="1.0" encoding="utf-8"?>
-<p:notes xmlns:a="http://schemas.openxmlformats.org/drawingml/2006/main" xmlns:r="http://schemas.openxmlformats.org/officeDocument/2006/relationships" xmlns:mc="http://schemas.openxmlformats.org/markup-compatibility/2006" xmlns:mv="urn:schemas-microsoft-com:mac:vml" xmlns:p="http://schemas.openxmlformats.org/presentationml/2006/main" xmlns:c="http://schemas.openxmlformats.org/drawingml/2006/chart" xmlns:dgm="http://schemas.openxmlformats.org/drawingml/2006/diagram" xmlns:o="urn:schemas-microsoft-com:office:office" xmlns:v="urn:schemas-microsoft-com:vml" xmlns:pvml="urn:schemas-microsoft-com:office:powerpoint" xmlns:com="http://schemas.openxmlformats.org/drawingml/2006/compatibility" xmlns:p14="http://schemas.microsoft.com/office/powerpoint/2010/main" xmlns:p15="http://schemas.microsoft.com/office/powerpoint/2012/main" showMasterPhAnim="0" showMasterSp="0">
+<p:notes xmlns:a="http://schemas.openxmlformats.org/drawingml/2006/main" xmlns:r="http://schemas.openxmlformats.org/officeDocument/2006/relationships" xmlns:p="http://schemas.openxmlformats.org/presentationml/2006/main" showMasterSp="0" showMasterPhAnim="0">
   <p:cSld>
     <p:spTree>
       <p:nvGrpSpPr>
-        <p:cNvPr id="188" name="Shape 188"/>
+        <p:cNvPr id="1" name="Shape 188"/>
         <p:cNvGrpSpPr/>
         <p:nvPr/>
       </p:nvGrpSpPr>
@@ -2340,9 +2399,11 @@
       <p:sp>
         <p:nvSpPr>
           <p:cNvPr id="189" name="Google Shape;189;g88562d1a52_1_85:notes"/>
-          <p:cNvSpPr/>
+          <p:cNvSpPr>
+            <a:spLocks noGrp="1" noRot="1" noChangeAspect="1"/>
+          </p:cNvSpPr>
           <p:nvPr>
-            <p:ph idx="2" type="sldImg"/>
+            <p:ph type="sldImg" idx="2"/>
           </p:nvPr>
         </p:nvSpPr>
         <p:spPr>
@@ -2351,9 +2412,13 @@
             <a:ext cx="6096000" cy="3429000"/>
           </a:xfrm>
           <a:custGeom>
-            <a:rect b="b" l="l" r="r" t="t"/>
+            <a:avLst/>
+            <a:gdLst/>
+            <a:ahLst/>
+            <a:cxnLst/>
+            <a:rect l="l" t="t" r="r" b="b"/>
             <a:pathLst>
-              <a:path extrusionOk="0" h="120000" w="120000">
+              <a:path w="120000" h="120000" extrusionOk="0">
                 <a:moveTo>
                   <a:pt x="0" y="0"/>
                 </a:moveTo>
@@ -2375,9 +2440,11 @@
       <p:sp>
         <p:nvSpPr>
           <p:cNvPr id="190" name="Google Shape;190;g88562d1a52_1_85:notes"/>
-          <p:cNvSpPr txBox="1"/>
+          <p:cNvSpPr txBox="1">
+            <a:spLocks noGrp="1"/>
+          </p:cNvSpPr>
           <p:nvPr>
-            <p:ph idx="1" type="body"/>
+            <p:ph type="body" idx="1"/>
           </p:nvPr>
         </p:nvSpPr>
         <p:spPr>
@@ -2390,12 +2457,12 @@
           </a:prstGeom>
         </p:spPr>
         <p:txBody>
-          <a:bodyPr anchorCtr="0" anchor="t" bIns="91425" lIns="91425" spcFirstLastPara="1" rIns="91425" wrap="square" tIns="91425">
+          <a:bodyPr spcFirstLastPara="1" wrap="square" lIns="91425" tIns="91425" rIns="91425" bIns="91425" anchor="t" anchorCtr="0">
             <a:noAutofit/>
           </a:bodyPr>
           <a:lstStyle/>
           <a:p>
-            <a:pPr indent="0" lvl="0" marL="0" rtl="0" algn="l">
+            <a:pPr marL="0" lvl="0" indent="0" algn="l" rtl="0">
               <a:spcBef>
                 <a:spcPts val="0"/>
               </a:spcBef>
@@ -2421,11 +2488,11 @@
 </file>
 
 <file path=ppt/notesSlides/notesSlide22.xml><?xml version="1.0" encoding="utf-8"?>
-<p:notes xmlns:a="http://schemas.openxmlformats.org/drawingml/2006/main" xmlns:r="http://schemas.openxmlformats.org/officeDocument/2006/relationships" xmlns:mc="http://schemas.openxmlformats.org/markup-compatibility/2006" xmlns:mv="urn:schemas-microsoft-com:mac:vml" xmlns:p="http://schemas.openxmlformats.org/presentationml/2006/main" xmlns:c="http://schemas.openxmlformats.org/drawingml/2006/chart" xmlns:dgm="http://schemas.openxmlformats.org/drawingml/2006/diagram" xmlns:o="urn:schemas-microsoft-com:office:office" xmlns:v="urn:schemas-microsoft-com:vml" xmlns:pvml="urn:schemas-microsoft-com:office:powerpoint" xmlns:com="http://schemas.openxmlformats.org/drawingml/2006/compatibility" xmlns:p14="http://schemas.microsoft.com/office/powerpoint/2010/main" xmlns:p15="http://schemas.microsoft.com/office/powerpoint/2012/main" showMasterPhAnim="0" showMasterSp="0">
+<p:notes xmlns:a="http://schemas.openxmlformats.org/drawingml/2006/main" xmlns:r="http://schemas.openxmlformats.org/officeDocument/2006/relationships" xmlns:p="http://schemas.openxmlformats.org/presentationml/2006/main" showMasterSp="0" showMasterPhAnim="0">
   <p:cSld>
     <p:spTree>
       <p:nvGrpSpPr>
-        <p:cNvPr id="196" name="Shape 196"/>
+        <p:cNvPr id="1" name="Shape 196"/>
         <p:cNvGrpSpPr/>
         <p:nvPr/>
       </p:nvGrpSpPr>
@@ -2440,9 +2507,11 @@
       <p:sp>
         <p:nvSpPr>
           <p:cNvPr id="197" name="Google Shape;197;g88562d1a52_1_103:notes"/>
-          <p:cNvSpPr/>
+          <p:cNvSpPr>
+            <a:spLocks noGrp="1" noRot="1" noChangeAspect="1"/>
+          </p:cNvSpPr>
           <p:nvPr>
-            <p:ph idx="2" type="sldImg"/>
+            <p:ph type="sldImg" idx="2"/>
           </p:nvPr>
         </p:nvSpPr>
         <p:spPr>
@@ -2451,9 +2520,13 @@
             <a:ext cx="6096000" cy="3429000"/>
           </a:xfrm>
           <a:custGeom>
-            <a:rect b="b" l="l" r="r" t="t"/>
+            <a:avLst/>
+            <a:gdLst/>
+            <a:ahLst/>
+            <a:cxnLst/>
+            <a:rect l="l" t="t" r="r" b="b"/>
             <a:pathLst>
-              <a:path extrusionOk="0" h="120000" w="120000">
+              <a:path w="120000" h="120000" extrusionOk="0">
                 <a:moveTo>
                   <a:pt x="0" y="0"/>
                 </a:moveTo>
@@ -2475,9 +2548,11 @@
       <p:sp>
         <p:nvSpPr>
           <p:cNvPr id="198" name="Google Shape;198;g88562d1a52_1_103:notes"/>
-          <p:cNvSpPr txBox="1"/>
+          <p:cNvSpPr txBox="1">
+            <a:spLocks noGrp="1"/>
+          </p:cNvSpPr>
           <p:nvPr>
-            <p:ph idx="1" type="body"/>
+            <p:ph type="body" idx="1"/>
           </p:nvPr>
         </p:nvSpPr>
         <p:spPr>
@@ -2490,12 +2565,12 @@
           </a:prstGeom>
         </p:spPr>
         <p:txBody>
-          <a:bodyPr anchorCtr="0" anchor="t" bIns="91425" lIns="91425" spcFirstLastPara="1" rIns="91425" wrap="square" tIns="91425">
+          <a:bodyPr spcFirstLastPara="1" wrap="square" lIns="91425" tIns="91425" rIns="91425" bIns="91425" anchor="t" anchorCtr="0">
             <a:noAutofit/>
           </a:bodyPr>
           <a:lstStyle/>
           <a:p>
-            <a:pPr indent="0" lvl="0" marL="0" rtl="0" algn="l">
+            <a:pPr marL="0" lvl="0" indent="0" algn="l" rtl="0">
               <a:spcBef>
                 <a:spcPts val="0"/>
               </a:spcBef>
@@ -2521,11 +2596,11 @@
 </file>
 
 <file path=ppt/notesSlides/notesSlide23.xml><?xml version="1.0" encoding="utf-8"?>
-<p:notes xmlns:a="http://schemas.openxmlformats.org/drawingml/2006/main" xmlns:r="http://schemas.openxmlformats.org/officeDocument/2006/relationships" xmlns:mc="http://schemas.openxmlformats.org/markup-compatibility/2006" xmlns:mv="urn:schemas-microsoft-com:mac:vml" xmlns:p="http://schemas.openxmlformats.org/presentationml/2006/main" xmlns:c="http://schemas.openxmlformats.org/drawingml/2006/chart" xmlns:dgm="http://schemas.openxmlformats.org/drawingml/2006/diagram" xmlns:o="urn:schemas-microsoft-com:office:office" xmlns:v="urn:schemas-microsoft-com:vml" xmlns:pvml="urn:schemas-microsoft-com:office:powerpoint" xmlns:com="http://schemas.openxmlformats.org/drawingml/2006/compatibility" xmlns:p14="http://schemas.microsoft.com/office/powerpoint/2010/main" xmlns:p15="http://schemas.microsoft.com/office/powerpoint/2012/main" showMasterPhAnim="0" showMasterSp="0">
+<p:notes xmlns:a="http://schemas.openxmlformats.org/drawingml/2006/main" xmlns:r="http://schemas.openxmlformats.org/officeDocument/2006/relationships" xmlns:p="http://schemas.openxmlformats.org/presentationml/2006/main" showMasterSp="0" showMasterPhAnim="0">
   <p:cSld>
     <p:spTree>
       <p:nvGrpSpPr>
-        <p:cNvPr id="202" name="Shape 202"/>
+        <p:cNvPr id="1" name="Shape 202"/>
         <p:cNvGrpSpPr/>
         <p:nvPr/>
       </p:nvGrpSpPr>
@@ -2540,9 +2615,11 @@
       <p:sp>
         <p:nvSpPr>
           <p:cNvPr id="203" name="Google Shape;203;g88562d1a52_1_110:notes"/>
-          <p:cNvSpPr/>
+          <p:cNvSpPr>
+            <a:spLocks noGrp="1" noRot="1" noChangeAspect="1"/>
+          </p:cNvSpPr>
           <p:nvPr>
-            <p:ph idx="2" type="sldImg"/>
+            <p:ph type="sldImg" idx="2"/>
           </p:nvPr>
         </p:nvSpPr>
         <p:spPr>
@@ -2551,9 +2628,13 @@
             <a:ext cx="6096000" cy="3429000"/>
           </a:xfrm>
           <a:custGeom>
-            <a:rect b="b" l="l" r="r" t="t"/>
+            <a:avLst/>
+            <a:gdLst/>
+            <a:ahLst/>
+            <a:cxnLst/>
+            <a:rect l="l" t="t" r="r" b="b"/>
             <a:pathLst>
-              <a:path extrusionOk="0" h="120000" w="120000">
+              <a:path w="120000" h="120000" extrusionOk="0">
                 <a:moveTo>
                   <a:pt x="0" y="0"/>
                 </a:moveTo>
@@ -2575,9 +2656,11 @@
       <p:sp>
         <p:nvSpPr>
           <p:cNvPr id="204" name="Google Shape;204;g88562d1a52_1_110:notes"/>
-          <p:cNvSpPr txBox="1"/>
+          <p:cNvSpPr txBox="1">
+            <a:spLocks noGrp="1"/>
+          </p:cNvSpPr>
           <p:nvPr>
-            <p:ph idx="1" type="body"/>
+            <p:ph type="body" idx="1"/>
           </p:nvPr>
         </p:nvSpPr>
         <p:spPr>
@@ -2590,12 +2673,12 @@
           </a:prstGeom>
         </p:spPr>
         <p:txBody>
-          <a:bodyPr anchorCtr="0" anchor="t" bIns="91425" lIns="91425" spcFirstLastPara="1" rIns="91425" wrap="square" tIns="91425">
+          <a:bodyPr spcFirstLastPara="1" wrap="square" lIns="91425" tIns="91425" rIns="91425" bIns="91425" anchor="t" anchorCtr="0">
             <a:noAutofit/>
           </a:bodyPr>
           <a:lstStyle/>
           <a:p>
-            <a:pPr indent="0" lvl="0" marL="0" rtl="0" algn="l">
+            <a:pPr marL="0" lvl="0" indent="0" algn="l" rtl="0">
               <a:spcBef>
                 <a:spcPts val="0"/>
               </a:spcBef>
@@ -2621,11 +2704,11 @@
 </file>
 
 <file path=ppt/notesSlides/notesSlide24.xml><?xml version="1.0" encoding="utf-8"?>
-<p:notes xmlns:a="http://schemas.openxmlformats.org/drawingml/2006/main" xmlns:r="http://schemas.openxmlformats.org/officeDocument/2006/relationships" xmlns:mc="http://schemas.openxmlformats.org/markup-compatibility/2006" xmlns:mv="urn:schemas-microsoft-com:mac:vml" xmlns:p="http://schemas.openxmlformats.org/presentationml/2006/main" xmlns:c="http://schemas.openxmlformats.org/drawingml/2006/chart" xmlns:dgm="http://schemas.openxmlformats.org/drawingml/2006/diagram" xmlns:o="urn:schemas-microsoft-com:office:office" xmlns:v="urn:schemas-microsoft-com:vml" xmlns:pvml="urn:schemas-microsoft-com:office:powerpoint" xmlns:com="http://schemas.openxmlformats.org/drawingml/2006/compatibility" xmlns:p14="http://schemas.microsoft.com/office/powerpoint/2010/main" xmlns:p15="http://schemas.microsoft.com/office/powerpoint/2012/main" showMasterPhAnim="0" showMasterSp="0">
+<p:notes xmlns:a="http://schemas.openxmlformats.org/drawingml/2006/main" xmlns:r="http://schemas.openxmlformats.org/officeDocument/2006/relationships" xmlns:p="http://schemas.openxmlformats.org/presentationml/2006/main" showMasterSp="0" showMasterPhAnim="0">
   <p:cSld>
     <p:spTree>
       <p:nvGrpSpPr>
-        <p:cNvPr id="209" name="Shape 209"/>
+        <p:cNvPr id="1" name="Shape 209"/>
         <p:cNvGrpSpPr/>
         <p:nvPr/>
       </p:nvGrpSpPr>
@@ -2640,9 +2723,11 @@
       <p:sp>
         <p:nvSpPr>
           <p:cNvPr id="210" name="Google Shape;210;g88562d1a52_1_118:notes"/>
-          <p:cNvSpPr/>
+          <p:cNvSpPr>
+            <a:spLocks noGrp="1" noRot="1" noChangeAspect="1"/>
+          </p:cNvSpPr>
           <p:nvPr>
-            <p:ph idx="2" type="sldImg"/>
+            <p:ph type="sldImg" idx="2"/>
           </p:nvPr>
         </p:nvSpPr>
         <p:spPr>
@@ -2651,9 +2736,13 @@
             <a:ext cx="6096000" cy="3429000"/>
           </a:xfrm>
           <a:custGeom>
-            <a:rect b="b" l="l" r="r" t="t"/>
+            <a:avLst/>
+            <a:gdLst/>
+            <a:ahLst/>
+            <a:cxnLst/>
+            <a:rect l="l" t="t" r="r" b="b"/>
             <a:pathLst>
-              <a:path extrusionOk="0" h="120000" w="120000">
+              <a:path w="120000" h="120000" extrusionOk="0">
                 <a:moveTo>
                   <a:pt x="0" y="0"/>
                 </a:moveTo>
@@ -2675,9 +2764,11 @@
       <p:sp>
         <p:nvSpPr>
           <p:cNvPr id="211" name="Google Shape;211;g88562d1a52_1_118:notes"/>
-          <p:cNvSpPr txBox="1"/>
+          <p:cNvSpPr txBox="1">
+            <a:spLocks noGrp="1"/>
+          </p:cNvSpPr>
           <p:nvPr>
-            <p:ph idx="1" type="body"/>
+            <p:ph type="body" idx="1"/>
           </p:nvPr>
         </p:nvSpPr>
         <p:spPr>
@@ -2690,12 +2781,12 @@
           </a:prstGeom>
         </p:spPr>
         <p:txBody>
-          <a:bodyPr anchorCtr="0" anchor="t" bIns="91425" lIns="91425" spcFirstLastPara="1" rIns="91425" wrap="square" tIns="91425">
+          <a:bodyPr spcFirstLastPara="1" wrap="square" lIns="91425" tIns="91425" rIns="91425" bIns="91425" anchor="t" anchorCtr="0">
             <a:noAutofit/>
           </a:bodyPr>
           <a:lstStyle/>
           <a:p>
-            <a:pPr indent="0" lvl="0" marL="0" rtl="0" algn="l">
+            <a:pPr marL="0" lvl="0" indent="0" algn="l" rtl="0">
               <a:spcBef>
                 <a:spcPts val="0"/>
               </a:spcBef>
@@ -2721,11 +2812,11 @@
 </file>
 
 <file path=ppt/notesSlides/notesSlide25.xml><?xml version="1.0" encoding="utf-8"?>
-<p:notes xmlns:a="http://schemas.openxmlformats.org/drawingml/2006/main" xmlns:r="http://schemas.openxmlformats.org/officeDocument/2006/relationships" xmlns:mc="http://schemas.openxmlformats.org/markup-compatibility/2006" xmlns:mv="urn:schemas-microsoft-com:mac:vml" xmlns:p="http://schemas.openxmlformats.org/presentationml/2006/main" xmlns:c="http://schemas.openxmlformats.org/drawingml/2006/chart" xmlns:dgm="http://schemas.openxmlformats.org/drawingml/2006/diagram" xmlns:o="urn:schemas-microsoft-com:office:office" xmlns:v="urn:schemas-microsoft-com:vml" xmlns:pvml="urn:schemas-microsoft-com:office:powerpoint" xmlns:com="http://schemas.openxmlformats.org/drawingml/2006/compatibility" xmlns:p14="http://schemas.microsoft.com/office/powerpoint/2010/main" xmlns:p15="http://schemas.microsoft.com/office/powerpoint/2012/main" showMasterPhAnim="0" showMasterSp="0">
+<p:notes xmlns:a="http://schemas.openxmlformats.org/drawingml/2006/main" xmlns:r="http://schemas.openxmlformats.org/officeDocument/2006/relationships" xmlns:p="http://schemas.openxmlformats.org/presentationml/2006/main" showMasterSp="0" showMasterPhAnim="0">
   <p:cSld>
     <p:spTree>
       <p:nvGrpSpPr>
-        <p:cNvPr id="217" name="Shape 217"/>
+        <p:cNvPr id="1" name="Shape 217"/>
         <p:cNvGrpSpPr/>
         <p:nvPr/>
       </p:nvGrpSpPr>
@@ -2740,9 +2831,11 @@
       <p:sp>
         <p:nvSpPr>
           <p:cNvPr id="218" name="Google Shape;218;g88562d1a52_1_127:notes"/>
-          <p:cNvSpPr/>
+          <p:cNvSpPr>
+            <a:spLocks noGrp="1" noRot="1" noChangeAspect="1"/>
+          </p:cNvSpPr>
           <p:nvPr>
-            <p:ph idx="2" type="sldImg"/>
+            <p:ph type="sldImg" idx="2"/>
           </p:nvPr>
         </p:nvSpPr>
         <p:spPr>
@@ -2751,9 +2844,13 @@
             <a:ext cx="6096000" cy="3429000"/>
           </a:xfrm>
           <a:custGeom>
-            <a:rect b="b" l="l" r="r" t="t"/>
+            <a:avLst/>
+            <a:gdLst/>
+            <a:ahLst/>
+            <a:cxnLst/>
+            <a:rect l="l" t="t" r="r" b="b"/>
             <a:pathLst>
-              <a:path extrusionOk="0" h="120000" w="120000">
+              <a:path w="120000" h="120000" extrusionOk="0">
                 <a:moveTo>
                   <a:pt x="0" y="0"/>
                 </a:moveTo>
@@ -2775,9 +2872,11 @@
       <p:sp>
         <p:nvSpPr>
           <p:cNvPr id="219" name="Google Shape;219;g88562d1a52_1_127:notes"/>
-          <p:cNvSpPr txBox="1"/>
+          <p:cNvSpPr txBox="1">
+            <a:spLocks noGrp="1"/>
+          </p:cNvSpPr>
           <p:nvPr>
-            <p:ph idx="1" type="body"/>
+            <p:ph type="body" idx="1"/>
           </p:nvPr>
         </p:nvSpPr>
         <p:spPr>
@@ -2790,12 +2889,12 @@
           </a:prstGeom>
         </p:spPr>
         <p:txBody>
-          <a:bodyPr anchorCtr="0" anchor="t" bIns="91425" lIns="91425" spcFirstLastPara="1" rIns="91425" wrap="square" tIns="91425">
+          <a:bodyPr spcFirstLastPara="1" wrap="square" lIns="91425" tIns="91425" rIns="91425" bIns="91425" anchor="t" anchorCtr="0">
             <a:noAutofit/>
           </a:bodyPr>
           <a:lstStyle/>
           <a:p>
-            <a:pPr indent="0" lvl="0" marL="0" rtl="0" algn="l">
+            <a:pPr marL="0" lvl="0" indent="0" algn="l" rtl="0">
               <a:spcBef>
                 <a:spcPts val="0"/>
               </a:spcBef>
@@ -2821,11 +2920,11 @@
 </file>
 
 <file path=ppt/notesSlides/notesSlide26.xml><?xml version="1.0" encoding="utf-8"?>
-<p:notes xmlns:a="http://schemas.openxmlformats.org/drawingml/2006/main" xmlns:r="http://schemas.openxmlformats.org/officeDocument/2006/relationships" xmlns:mc="http://schemas.openxmlformats.org/markup-compatibility/2006" xmlns:mv="urn:schemas-microsoft-com:mac:vml" xmlns:p="http://schemas.openxmlformats.org/presentationml/2006/main" xmlns:c="http://schemas.openxmlformats.org/drawingml/2006/chart" xmlns:dgm="http://schemas.openxmlformats.org/drawingml/2006/diagram" xmlns:o="urn:schemas-microsoft-com:office:office" xmlns:v="urn:schemas-microsoft-com:vml" xmlns:pvml="urn:schemas-microsoft-com:office:powerpoint" xmlns:com="http://schemas.openxmlformats.org/drawingml/2006/compatibility" xmlns:p14="http://schemas.microsoft.com/office/powerpoint/2010/main" xmlns:p15="http://schemas.microsoft.com/office/powerpoint/2012/main" showMasterPhAnim="0" showMasterSp="0">
+<p:notes xmlns:a="http://schemas.openxmlformats.org/drawingml/2006/main" xmlns:r="http://schemas.openxmlformats.org/officeDocument/2006/relationships" xmlns:p="http://schemas.openxmlformats.org/presentationml/2006/main" showMasterSp="0" showMasterPhAnim="0">
   <p:cSld>
     <p:spTree>
       <p:nvGrpSpPr>
-        <p:cNvPr id="224" name="Shape 224"/>
+        <p:cNvPr id="1" name="Shape 224"/>
         <p:cNvGrpSpPr/>
         <p:nvPr/>
       </p:nvGrpSpPr>
@@ -2840,9 +2939,11 @@
       <p:sp>
         <p:nvSpPr>
           <p:cNvPr id="225" name="Google Shape;225;g88562d1a52_1_136:notes"/>
-          <p:cNvSpPr/>
+          <p:cNvSpPr>
+            <a:spLocks noGrp="1" noRot="1" noChangeAspect="1"/>
+          </p:cNvSpPr>
           <p:nvPr>
-            <p:ph idx="2" type="sldImg"/>
+            <p:ph type="sldImg" idx="2"/>
           </p:nvPr>
         </p:nvSpPr>
         <p:spPr>
@@ -2851,9 +2952,13 @@
             <a:ext cx="6096000" cy="3429000"/>
           </a:xfrm>
           <a:custGeom>
-            <a:rect b="b" l="l" r="r" t="t"/>
+            <a:avLst/>
+            <a:gdLst/>
+            <a:ahLst/>
+            <a:cxnLst/>
+            <a:rect l="l" t="t" r="r" b="b"/>
             <a:pathLst>
-              <a:path extrusionOk="0" h="120000" w="120000">
+              <a:path w="120000" h="120000" extrusionOk="0">
                 <a:moveTo>
                   <a:pt x="0" y="0"/>
                 </a:moveTo>
@@ -2875,9 +2980,11 @@
       <p:sp>
         <p:nvSpPr>
           <p:cNvPr id="226" name="Google Shape;226;g88562d1a52_1_136:notes"/>
-          <p:cNvSpPr txBox="1"/>
+          <p:cNvSpPr txBox="1">
+            <a:spLocks noGrp="1"/>
+          </p:cNvSpPr>
           <p:nvPr>
-            <p:ph idx="1" type="body"/>
+            <p:ph type="body" idx="1"/>
           </p:nvPr>
         </p:nvSpPr>
         <p:spPr>
@@ -2890,12 +2997,12 @@
           </a:prstGeom>
         </p:spPr>
         <p:txBody>
-          <a:bodyPr anchorCtr="0" anchor="t" bIns="91425" lIns="91425" spcFirstLastPara="1" rIns="91425" wrap="square" tIns="91425">
+          <a:bodyPr spcFirstLastPara="1" wrap="square" lIns="91425" tIns="91425" rIns="91425" bIns="91425" anchor="t" anchorCtr="0">
             <a:noAutofit/>
           </a:bodyPr>
           <a:lstStyle/>
           <a:p>
-            <a:pPr indent="0" lvl="0" marL="0" rtl="0" algn="l">
+            <a:pPr marL="0" lvl="0" indent="0" algn="l" rtl="0">
               <a:spcBef>
                 <a:spcPts val="0"/>
               </a:spcBef>
@@ -2921,11 +3028,11 @@
 </file>
 
 <file path=ppt/notesSlides/notesSlide27.xml><?xml version="1.0" encoding="utf-8"?>
-<p:notes xmlns:a="http://schemas.openxmlformats.org/drawingml/2006/main" xmlns:r="http://schemas.openxmlformats.org/officeDocument/2006/relationships" xmlns:mc="http://schemas.openxmlformats.org/markup-compatibility/2006" xmlns:mv="urn:schemas-microsoft-com:mac:vml" xmlns:p="http://schemas.openxmlformats.org/presentationml/2006/main" xmlns:c="http://schemas.openxmlformats.org/drawingml/2006/chart" xmlns:dgm="http://schemas.openxmlformats.org/drawingml/2006/diagram" xmlns:o="urn:schemas-microsoft-com:office:office" xmlns:v="urn:schemas-microsoft-com:vml" xmlns:pvml="urn:schemas-microsoft-com:office:powerpoint" xmlns:com="http://schemas.openxmlformats.org/drawingml/2006/compatibility" xmlns:p14="http://schemas.microsoft.com/office/powerpoint/2010/main" xmlns:p15="http://schemas.microsoft.com/office/powerpoint/2012/main" showMasterPhAnim="0" showMasterSp="0">
+<p:notes xmlns:a="http://schemas.openxmlformats.org/drawingml/2006/main" xmlns:r="http://schemas.openxmlformats.org/officeDocument/2006/relationships" xmlns:p="http://schemas.openxmlformats.org/presentationml/2006/main" showMasterSp="0" showMasterPhAnim="0">
   <p:cSld>
     <p:spTree>
       <p:nvGrpSpPr>
-        <p:cNvPr id="235" name="Shape 235"/>
+        <p:cNvPr id="1" name="Shape 235"/>
         <p:cNvGrpSpPr/>
         <p:nvPr/>
       </p:nvGrpSpPr>
@@ -2940,9 +3047,11 @@
       <p:sp>
         <p:nvSpPr>
           <p:cNvPr id="236" name="Google Shape;236;g88562d1a52_1_147:notes"/>
-          <p:cNvSpPr/>
+          <p:cNvSpPr>
+            <a:spLocks noGrp="1" noRot="1" noChangeAspect="1"/>
+          </p:cNvSpPr>
           <p:nvPr>
-            <p:ph idx="2" type="sldImg"/>
+            <p:ph type="sldImg" idx="2"/>
           </p:nvPr>
         </p:nvSpPr>
         <p:spPr>
@@ -2951,9 +3060,13 @@
             <a:ext cx="6096000" cy="3429000"/>
           </a:xfrm>
           <a:custGeom>
-            <a:rect b="b" l="l" r="r" t="t"/>
+            <a:avLst/>
+            <a:gdLst/>
+            <a:ahLst/>
+            <a:cxnLst/>
+            <a:rect l="l" t="t" r="r" b="b"/>
             <a:pathLst>
-              <a:path extrusionOk="0" h="120000" w="120000">
+              <a:path w="120000" h="120000" extrusionOk="0">
                 <a:moveTo>
                   <a:pt x="0" y="0"/>
                 </a:moveTo>
@@ -2975,9 +3088,11 @@
       <p:sp>
         <p:nvSpPr>
           <p:cNvPr id="237" name="Google Shape;237;g88562d1a52_1_147:notes"/>
-          <p:cNvSpPr txBox="1"/>
+          <p:cNvSpPr txBox="1">
+            <a:spLocks noGrp="1"/>
+          </p:cNvSpPr>
           <p:nvPr>
-            <p:ph idx="1" type="body"/>
+            <p:ph type="body" idx="1"/>
           </p:nvPr>
         </p:nvSpPr>
         <p:spPr>
@@ -2990,12 +3105,12 @@
           </a:prstGeom>
         </p:spPr>
         <p:txBody>
-          <a:bodyPr anchorCtr="0" anchor="t" bIns="91425" lIns="91425" spcFirstLastPara="1" rIns="91425" wrap="square" tIns="91425">
+          <a:bodyPr spcFirstLastPara="1" wrap="square" lIns="91425" tIns="91425" rIns="91425" bIns="91425" anchor="t" anchorCtr="0">
             <a:noAutofit/>
           </a:bodyPr>
           <a:lstStyle/>
           <a:p>
-            <a:pPr indent="0" lvl="0" marL="0" rtl="0" algn="l">
+            <a:pPr marL="0" lvl="0" indent="0" algn="l" rtl="0">
               <a:spcBef>
                 <a:spcPts val="0"/>
               </a:spcBef>
@@ -3010,15 +3125,7 @@
                   <a:schemeClr val="dk1"/>
                 </a:solidFill>
               </a:rPr>
-              <a:t>I decided some of the other things I looked into were not worth pursuing or reporting on. </a:t>
-            </a:r>
-            <a:r>
-              <a:rPr lang="en">
-                <a:solidFill>
-                  <a:schemeClr val="dk1"/>
-                </a:solidFill>
-              </a:rPr>
-              <a:t>I was a little disappointed that I didn’t find more connections between the topics I was researching. But I did find a few, and I gained a lot more confidence in my ability to work on a project like this and with data like this, and now feel much more prepared to tackle something like this again! And from here I pass it on to my teammate, Katie.</a:t>
+              <a:t>I decided some of the other things I looked into were not worth pursuing or reporting on. I was a little disappointed that I didn’t find more connections between the topics I was researching. But I did find a few, and I gained a lot more confidence in my ability to work on a project like this and with data like this, and now feel much more prepared to tackle something like this again! And from here I pass it on to my teammate, Katie.</a:t>
             </a:r>
             <a:endParaRPr/>
           </a:p>
@@ -3033,11 +3140,11 @@
 </file>
 
 <file path=ppt/notesSlides/notesSlide28.xml><?xml version="1.0" encoding="utf-8"?>
-<p:notes xmlns:a="http://schemas.openxmlformats.org/drawingml/2006/main" xmlns:r="http://schemas.openxmlformats.org/officeDocument/2006/relationships" xmlns:mc="http://schemas.openxmlformats.org/markup-compatibility/2006" xmlns:mv="urn:schemas-microsoft-com:mac:vml" xmlns:p="http://schemas.openxmlformats.org/presentationml/2006/main" xmlns:c="http://schemas.openxmlformats.org/drawingml/2006/chart" xmlns:dgm="http://schemas.openxmlformats.org/drawingml/2006/diagram" xmlns:o="urn:schemas-microsoft-com:office:office" xmlns:v="urn:schemas-microsoft-com:vml" xmlns:pvml="urn:schemas-microsoft-com:office:powerpoint" xmlns:com="http://schemas.openxmlformats.org/drawingml/2006/compatibility" xmlns:p14="http://schemas.microsoft.com/office/powerpoint/2010/main" xmlns:p15="http://schemas.microsoft.com/office/powerpoint/2012/main" showMasterPhAnim="0" showMasterSp="0">
+<p:notes xmlns:a="http://schemas.openxmlformats.org/drawingml/2006/main" xmlns:r="http://schemas.openxmlformats.org/officeDocument/2006/relationships" xmlns:p="http://schemas.openxmlformats.org/presentationml/2006/main" showMasterSp="0" showMasterPhAnim="0">
   <p:cSld>
     <p:spTree>
       <p:nvGrpSpPr>
-        <p:cNvPr id="241" name="Shape 241"/>
+        <p:cNvPr id="1" name="Shape 241"/>
         <p:cNvGrpSpPr/>
         <p:nvPr/>
       </p:nvGrpSpPr>
@@ -3052,9 +3159,11 @@
       <p:sp>
         <p:nvSpPr>
           <p:cNvPr id="242" name="Google Shape;242;g80c4d6a8ab_8_0:notes"/>
-          <p:cNvSpPr/>
+          <p:cNvSpPr>
+            <a:spLocks noGrp="1" noRot="1" noChangeAspect="1"/>
+          </p:cNvSpPr>
           <p:nvPr>
-            <p:ph idx="2" type="sldImg"/>
+            <p:ph type="sldImg" idx="2"/>
           </p:nvPr>
         </p:nvSpPr>
         <p:spPr>
@@ -3063,9 +3172,13 @@
             <a:ext cx="6096000" cy="3429000"/>
           </a:xfrm>
           <a:custGeom>
-            <a:rect b="b" l="l" r="r" t="t"/>
+            <a:avLst/>
+            <a:gdLst/>
+            <a:ahLst/>
+            <a:cxnLst/>
+            <a:rect l="l" t="t" r="r" b="b"/>
             <a:pathLst>
-              <a:path extrusionOk="0" h="120000" w="120000">
+              <a:path w="120000" h="120000" extrusionOk="0">
                 <a:moveTo>
                   <a:pt x="0" y="0"/>
                 </a:moveTo>
@@ -3087,9 +3200,11 @@
       <p:sp>
         <p:nvSpPr>
           <p:cNvPr id="243" name="Google Shape;243;g80c4d6a8ab_8_0:notes"/>
-          <p:cNvSpPr txBox="1"/>
+          <p:cNvSpPr txBox="1">
+            <a:spLocks noGrp="1"/>
+          </p:cNvSpPr>
           <p:nvPr>
-            <p:ph idx="1" type="body"/>
+            <p:ph type="body" idx="1"/>
           </p:nvPr>
         </p:nvSpPr>
         <p:spPr>
@@ -3102,23 +3217,20 @@
           </a:prstGeom>
         </p:spPr>
         <p:txBody>
-          <a:bodyPr anchorCtr="0" anchor="t" bIns="91425" lIns="91425" spcFirstLastPara="1" rIns="91425" wrap="square" tIns="91425">
+          <a:bodyPr spcFirstLastPara="1" wrap="square" lIns="91425" tIns="91425" rIns="91425" bIns="91425" anchor="t" anchorCtr="0">
             <a:noAutofit/>
           </a:bodyPr>
           <a:lstStyle/>
           <a:p>
-            <a:pPr indent="0" lvl="0" marL="0" rtl="0" algn="l">
-              <a:spcBef>
-                <a:spcPts val="0"/>
-              </a:spcBef>
-              <a:spcAft>
-                <a:spcPts val="0"/>
-              </a:spcAft>
-              <a:buNone/>
-            </a:pPr>
-            <a:r>
-              <a:t/>
-            </a:r>
+            <a:pPr marL="0" lvl="0" indent="0" algn="l" rtl="0">
+              <a:spcBef>
+                <a:spcPts val="0"/>
+              </a:spcBef>
+              <a:spcAft>
+                <a:spcPts val="0"/>
+              </a:spcAft>
+              <a:buNone/>
+            </a:pPr>
             <a:endParaRPr/>
           </a:p>
         </p:txBody>
@@ -3132,11 +3244,11 @@
 </file>
 
 <file path=ppt/notesSlides/notesSlide29.xml><?xml version="1.0" encoding="utf-8"?>
-<p:notes xmlns:a="http://schemas.openxmlformats.org/drawingml/2006/main" xmlns:r="http://schemas.openxmlformats.org/officeDocument/2006/relationships" xmlns:mc="http://schemas.openxmlformats.org/markup-compatibility/2006" xmlns:mv="urn:schemas-microsoft-com:mac:vml" xmlns:p="http://schemas.openxmlformats.org/presentationml/2006/main" xmlns:c="http://schemas.openxmlformats.org/drawingml/2006/chart" xmlns:dgm="http://schemas.openxmlformats.org/drawingml/2006/diagram" xmlns:o="urn:schemas-microsoft-com:office:office" xmlns:v="urn:schemas-microsoft-com:vml" xmlns:pvml="urn:schemas-microsoft-com:office:powerpoint" xmlns:com="http://schemas.openxmlformats.org/drawingml/2006/compatibility" xmlns:p14="http://schemas.microsoft.com/office/powerpoint/2010/main" xmlns:p15="http://schemas.microsoft.com/office/powerpoint/2012/main" showMasterPhAnim="0" showMasterSp="0">
+<p:notes xmlns:a="http://schemas.openxmlformats.org/drawingml/2006/main" xmlns:r="http://schemas.openxmlformats.org/officeDocument/2006/relationships" xmlns:p="http://schemas.openxmlformats.org/presentationml/2006/main" showMasterSp="0" showMasterPhAnim="0">
   <p:cSld>
     <p:spTree>
       <p:nvGrpSpPr>
-        <p:cNvPr id="247" name="Shape 247"/>
+        <p:cNvPr id="1" name="Shape 247"/>
         <p:cNvGrpSpPr/>
         <p:nvPr/>
       </p:nvGrpSpPr>
@@ -3151,9 +3263,11 @@
       <p:sp>
         <p:nvSpPr>
           <p:cNvPr id="248" name="Google Shape;248;g80c4d6a8ab_8_5:notes"/>
-          <p:cNvSpPr/>
+          <p:cNvSpPr>
+            <a:spLocks noGrp="1" noRot="1" noChangeAspect="1"/>
+          </p:cNvSpPr>
           <p:nvPr>
-            <p:ph idx="2" type="sldImg"/>
+            <p:ph type="sldImg" idx="2"/>
           </p:nvPr>
         </p:nvSpPr>
         <p:spPr>
@@ -3162,9 +3276,13 @@
             <a:ext cx="6096000" cy="3429000"/>
           </a:xfrm>
           <a:custGeom>
-            <a:rect b="b" l="l" r="r" t="t"/>
+            <a:avLst/>
+            <a:gdLst/>
+            <a:ahLst/>
+            <a:cxnLst/>
+            <a:rect l="l" t="t" r="r" b="b"/>
             <a:pathLst>
-              <a:path extrusionOk="0" h="120000" w="120000">
+              <a:path w="120000" h="120000" extrusionOk="0">
                 <a:moveTo>
                   <a:pt x="0" y="0"/>
                 </a:moveTo>
@@ -3186,9 +3304,11 @@
       <p:sp>
         <p:nvSpPr>
           <p:cNvPr id="249" name="Google Shape;249;g80c4d6a8ab_8_5:notes"/>
-          <p:cNvSpPr txBox="1"/>
+          <p:cNvSpPr txBox="1">
+            <a:spLocks noGrp="1"/>
+          </p:cNvSpPr>
           <p:nvPr>
-            <p:ph idx="1" type="body"/>
+            <p:ph type="body" idx="1"/>
           </p:nvPr>
         </p:nvSpPr>
         <p:spPr>
@@ -3201,23 +3321,20 @@
           </a:prstGeom>
         </p:spPr>
         <p:txBody>
-          <a:bodyPr anchorCtr="0" anchor="t" bIns="91425" lIns="91425" spcFirstLastPara="1" rIns="91425" wrap="square" tIns="91425">
+          <a:bodyPr spcFirstLastPara="1" wrap="square" lIns="91425" tIns="91425" rIns="91425" bIns="91425" anchor="t" anchorCtr="0">
             <a:noAutofit/>
           </a:bodyPr>
           <a:lstStyle/>
           <a:p>
-            <a:pPr indent="0" lvl="0" marL="0" rtl="0" algn="l">
-              <a:spcBef>
-                <a:spcPts val="0"/>
-              </a:spcBef>
-              <a:spcAft>
-                <a:spcPts val="0"/>
-              </a:spcAft>
-              <a:buNone/>
-            </a:pPr>
-            <a:r>
-              <a:t/>
-            </a:r>
+            <a:pPr marL="0" lvl="0" indent="0" algn="l" rtl="0">
+              <a:spcBef>
+                <a:spcPts val="0"/>
+              </a:spcBef>
+              <a:spcAft>
+                <a:spcPts val="0"/>
+              </a:spcAft>
+              <a:buNone/>
+            </a:pPr>
             <a:endParaRPr/>
           </a:p>
         </p:txBody>
@@ -3231,11 +3348,11 @@
 </file>
 
 <file path=ppt/notesSlides/notesSlide3.xml><?xml version="1.0" encoding="utf-8"?>
-<p:notes xmlns:a="http://schemas.openxmlformats.org/drawingml/2006/main" xmlns:r="http://schemas.openxmlformats.org/officeDocument/2006/relationships" xmlns:mc="http://schemas.openxmlformats.org/markup-compatibility/2006" xmlns:mv="urn:schemas-microsoft-com:mac:vml" xmlns:p="http://schemas.openxmlformats.org/presentationml/2006/main" xmlns:c="http://schemas.openxmlformats.org/drawingml/2006/chart" xmlns:dgm="http://schemas.openxmlformats.org/drawingml/2006/diagram" xmlns:o="urn:schemas-microsoft-com:office:office" xmlns:v="urn:schemas-microsoft-com:vml" xmlns:pvml="urn:schemas-microsoft-com:office:powerpoint" xmlns:com="http://schemas.openxmlformats.org/drawingml/2006/compatibility" xmlns:p14="http://schemas.microsoft.com/office/powerpoint/2010/main" xmlns:p15="http://schemas.microsoft.com/office/powerpoint/2012/main" showMasterPhAnim="0" showMasterSp="0">
+<p:notes xmlns:a="http://schemas.openxmlformats.org/drawingml/2006/main" xmlns:r="http://schemas.openxmlformats.org/officeDocument/2006/relationships" xmlns:p="http://schemas.openxmlformats.org/presentationml/2006/main" showMasterSp="0" showMasterPhAnim="0">
   <p:cSld>
     <p:spTree>
       <p:nvGrpSpPr>
-        <p:cNvPr id="66" name="Shape 66"/>
+        <p:cNvPr id="1" name="Shape 66"/>
         <p:cNvGrpSpPr/>
         <p:nvPr/>
       </p:nvGrpSpPr>
@@ -3250,9 +3367,11 @@
       <p:sp>
         <p:nvSpPr>
           <p:cNvPr id="67" name="Google Shape;67;g88562d1a52_0_252:notes"/>
-          <p:cNvSpPr/>
+          <p:cNvSpPr>
+            <a:spLocks noGrp="1" noRot="1" noChangeAspect="1"/>
+          </p:cNvSpPr>
           <p:nvPr>
-            <p:ph idx="2" type="sldImg"/>
+            <p:ph type="sldImg" idx="2"/>
           </p:nvPr>
         </p:nvSpPr>
         <p:spPr>
@@ -3261,9 +3380,13 @@
             <a:ext cx="6096000" cy="3429000"/>
           </a:xfrm>
           <a:custGeom>
-            <a:rect b="b" l="l" r="r" t="t"/>
+            <a:avLst/>
+            <a:gdLst/>
+            <a:ahLst/>
+            <a:cxnLst/>
+            <a:rect l="l" t="t" r="r" b="b"/>
             <a:pathLst>
-              <a:path extrusionOk="0" h="120000" w="120000">
+              <a:path w="120000" h="120000" extrusionOk="0">
                 <a:moveTo>
                   <a:pt x="0" y="0"/>
                 </a:moveTo>
@@ -3285,9 +3408,11 @@
       <p:sp>
         <p:nvSpPr>
           <p:cNvPr id="68" name="Google Shape;68;g88562d1a52_0_252:notes"/>
-          <p:cNvSpPr txBox="1"/>
+          <p:cNvSpPr txBox="1">
+            <a:spLocks noGrp="1"/>
+          </p:cNvSpPr>
           <p:nvPr>
-            <p:ph idx="1" type="body"/>
+            <p:ph type="body" idx="1"/>
           </p:nvPr>
         </p:nvSpPr>
         <p:spPr>
@@ -3300,12 +3425,12 @@
           </a:prstGeom>
         </p:spPr>
         <p:txBody>
-          <a:bodyPr anchorCtr="0" anchor="t" bIns="91425" lIns="91425" spcFirstLastPara="1" rIns="91425" wrap="square" tIns="91425">
+          <a:bodyPr spcFirstLastPara="1" wrap="square" lIns="91425" tIns="91425" rIns="91425" bIns="91425" anchor="t" anchorCtr="0">
             <a:noAutofit/>
           </a:bodyPr>
           <a:lstStyle/>
           <a:p>
-            <a:pPr indent="0" lvl="0" marL="0" rtl="0" algn="l">
+            <a:pPr marL="0" lvl="0" indent="0" algn="l" rtl="0">
               <a:spcBef>
                 <a:spcPts val="0"/>
               </a:spcBef>
@@ -3331,11 +3456,11 @@
 </file>
 
 <file path=ppt/notesSlides/notesSlide30.xml><?xml version="1.0" encoding="utf-8"?>
-<p:notes xmlns:a="http://schemas.openxmlformats.org/drawingml/2006/main" xmlns:r="http://schemas.openxmlformats.org/officeDocument/2006/relationships" xmlns:mc="http://schemas.openxmlformats.org/markup-compatibility/2006" xmlns:mv="urn:schemas-microsoft-com:mac:vml" xmlns:p="http://schemas.openxmlformats.org/presentationml/2006/main" xmlns:c="http://schemas.openxmlformats.org/drawingml/2006/chart" xmlns:dgm="http://schemas.openxmlformats.org/drawingml/2006/diagram" xmlns:o="urn:schemas-microsoft-com:office:office" xmlns:v="urn:schemas-microsoft-com:vml" xmlns:pvml="urn:schemas-microsoft-com:office:powerpoint" xmlns:com="http://schemas.openxmlformats.org/drawingml/2006/compatibility" xmlns:p14="http://schemas.microsoft.com/office/powerpoint/2010/main" xmlns:p15="http://schemas.microsoft.com/office/powerpoint/2012/main" showMasterPhAnim="0" showMasterSp="0">
+<p:notes xmlns:a="http://schemas.openxmlformats.org/drawingml/2006/main" xmlns:r="http://schemas.openxmlformats.org/officeDocument/2006/relationships" xmlns:p="http://schemas.openxmlformats.org/presentationml/2006/main" showMasterSp="0" showMasterPhAnim="0">
   <p:cSld>
     <p:spTree>
       <p:nvGrpSpPr>
-        <p:cNvPr id="253" name="Shape 253"/>
+        <p:cNvPr id="1" name="Shape 253"/>
         <p:cNvGrpSpPr/>
         <p:nvPr/>
       </p:nvGrpSpPr>
@@ -3350,9 +3475,11 @@
       <p:sp>
         <p:nvSpPr>
           <p:cNvPr id="254" name="Google Shape;254;g80c4d6a8ab_8_10:notes"/>
-          <p:cNvSpPr/>
+          <p:cNvSpPr>
+            <a:spLocks noGrp="1" noRot="1" noChangeAspect="1"/>
+          </p:cNvSpPr>
           <p:nvPr>
-            <p:ph idx="2" type="sldImg"/>
+            <p:ph type="sldImg" idx="2"/>
           </p:nvPr>
         </p:nvSpPr>
         <p:spPr>
@@ -3361,9 +3488,13 @@
             <a:ext cx="6096000" cy="3429000"/>
           </a:xfrm>
           <a:custGeom>
-            <a:rect b="b" l="l" r="r" t="t"/>
+            <a:avLst/>
+            <a:gdLst/>
+            <a:ahLst/>
+            <a:cxnLst/>
+            <a:rect l="l" t="t" r="r" b="b"/>
             <a:pathLst>
-              <a:path extrusionOk="0" h="120000" w="120000">
+              <a:path w="120000" h="120000" extrusionOk="0">
                 <a:moveTo>
                   <a:pt x="0" y="0"/>
                 </a:moveTo>
@@ -3385,9 +3516,11 @@
       <p:sp>
         <p:nvSpPr>
           <p:cNvPr id="255" name="Google Shape;255;g80c4d6a8ab_8_10:notes"/>
-          <p:cNvSpPr txBox="1"/>
+          <p:cNvSpPr txBox="1">
+            <a:spLocks noGrp="1"/>
+          </p:cNvSpPr>
           <p:nvPr>
-            <p:ph idx="1" type="body"/>
+            <p:ph type="body" idx="1"/>
           </p:nvPr>
         </p:nvSpPr>
         <p:spPr>
@@ -3400,23 +3533,20 @@
           </a:prstGeom>
         </p:spPr>
         <p:txBody>
-          <a:bodyPr anchorCtr="0" anchor="t" bIns="91425" lIns="91425" spcFirstLastPara="1" rIns="91425" wrap="square" tIns="91425">
+          <a:bodyPr spcFirstLastPara="1" wrap="square" lIns="91425" tIns="91425" rIns="91425" bIns="91425" anchor="t" anchorCtr="0">
             <a:noAutofit/>
           </a:bodyPr>
           <a:lstStyle/>
           <a:p>
-            <a:pPr indent="0" lvl="0" marL="0" rtl="0" algn="l">
-              <a:spcBef>
-                <a:spcPts val="0"/>
-              </a:spcBef>
-              <a:spcAft>
-                <a:spcPts val="0"/>
-              </a:spcAft>
-              <a:buNone/>
-            </a:pPr>
-            <a:r>
-              <a:t/>
-            </a:r>
+            <a:pPr marL="0" lvl="0" indent="0" algn="l" rtl="0">
+              <a:spcBef>
+                <a:spcPts val="0"/>
+              </a:spcBef>
+              <a:spcAft>
+                <a:spcPts val="0"/>
+              </a:spcAft>
+              <a:buNone/>
+            </a:pPr>
             <a:endParaRPr/>
           </a:p>
         </p:txBody>
@@ -3430,11 +3560,11 @@
 </file>
 
 <file path=ppt/notesSlides/notesSlide31.xml><?xml version="1.0" encoding="utf-8"?>
-<p:notes xmlns:a="http://schemas.openxmlformats.org/drawingml/2006/main" xmlns:r="http://schemas.openxmlformats.org/officeDocument/2006/relationships" xmlns:mc="http://schemas.openxmlformats.org/markup-compatibility/2006" xmlns:mv="urn:schemas-microsoft-com:mac:vml" xmlns:p="http://schemas.openxmlformats.org/presentationml/2006/main" xmlns:c="http://schemas.openxmlformats.org/drawingml/2006/chart" xmlns:dgm="http://schemas.openxmlformats.org/drawingml/2006/diagram" xmlns:o="urn:schemas-microsoft-com:office:office" xmlns:v="urn:schemas-microsoft-com:vml" xmlns:pvml="urn:schemas-microsoft-com:office:powerpoint" xmlns:com="http://schemas.openxmlformats.org/drawingml/2006/compatibility" xmlns:p14="http://schemas.microsoft.com/office/powerpoint/2010/main" xmlns:p15="http://schemas.microsoft.com/office/powerpoint/2012/main" showMasterPhAnim="0" showMasterSp="0">
+<p:notes xmlns:a="http://schemas.openxmlformats.org/drawingml/2006/main" xmlns:r="http://schemas.openxmlformats.org/officeDocument/2006/relationships" xmlns:p="http://schemas.openxmlformats.org/presentationml/2006/main" showMasterSp="0" showMasterPhAnim="0">
   <p:cSld>
     <p:spTree>
       <p:nvGrpSpPr>
-        <p:cNvPr id="259" name="Shape 259"/>
+        <p:cNvPr id="1" name="Shape 259"/>
         <p:cNvGrpSpPr/>
         <p:nvPr/>
       </p:nvGrpSpPr>
@@ -3449,9 +3579,11 @@
       <p:sp>
         <p:nvSpPr>
           <p:cNvPr id="260" name="Google Shape;260;g80c4d6a8ab_8_15:notes"/>
-          <p:cNvSpPr/>
+          <p:cNvSpPr>
+            <a:spLocks noGrp="1" noRot="1" noChangeAspect="1"/>
+          </p:cNvSpPr>
           <p:nvPr>
-            <p:ph idx="2" type="sldImg"/>
+            <p:ph type="sldImg" idx="2"/>
           </p:nvPr>
         </p:nvSpPr>
         <p:spPr>
@@ -3460,9 +3592,13 @@
             <a:ext cx="6096000" cy="3429000"/>
           </a:xfrm>
           <a:custGeom>
-            <a:rect b="b" l="l" r="r" t="t"/>
+            <a:avLst/>
+            <a:gdLst/>
+            <a:ahLst/>
+            <a:cxnLst/>
+            <a:rect l="l" t="t" r="r" b="b"/>
             <a:pathLst>
-              <a:path extrusionOk="0" h="120000" w="120000">
+              <a:path w="120000" h="120000" extrusionOk="0">
                 <a:moveTo>
                   <a:pt x="0" y="0"/>
                 </a:moveTo>
@@ -3484,9 +3620,11 @@
       <p:sp>
         <p:nvSpPr>
           <p:cNvPr id="261" name="Google Shape;261;g80c4d6a8ab_8_15:notes"/>
-          <p:cNvSpPr txBox="1"/>
+          <p:cNvSpPr txBox="1">
+            <a:spLocks noGrp="1"/>
+          </p:cNvSpPr>
           <p:nvPr>
-            <p:ph idx="1" type="body"/>
+            <p:ph type="body" idx="1"/>
           </p:nvPr>
         </p:nvSpPr>
         <p:spPr>
@@ -3499,23 +3637,20 @@
           </a:prstGeom>
         </p:spPr>
         <p:txBody>
-          <a:bodyPr anchorCtr="0" anchor="t" bIns="91425" lIns="91425" spcFirstLastPara="1" rIns="91425" wrap="square" tIns="91425">
+          <a:bodyPr spcFirstLastPara="1" wrap="square" lIns="91425" tIns="91425" rIns="91425" bIns="91425" anchor="t" anchorCtr="0">
             <a:noAutofit/>
           </a:bodyPr>
           <a:lstStyle/>
           <a:p>
-            <a:pPr indent="0" lvl="0" marL="0" rtl="0" algn="l">
-              <a:spcBef>
-                <a:spcPts val="0"/>
-              </a:spcBef>
-              <a:spcAft>
-                <a:spcPts val="0"/>
-              </a:spcAft>
-              <a:buNone/>
-            </a:pPr>
-            <a:r>
-              <a:t/>
-            </a:r>
+            <a:pPr marL="0" lvl="0" indent="0" algn="l" rtl="0">
+              <a:spcBef>
+                <a:spcPts val="0"/>
+              </a:spcBef>
+              <a:spcAft>
+                <a:spcPts val="0"/>
+              </a:spcAft>
+              <a:buNone/>
+            </a:pPr>
             <a:endParaRPr/>
           </a:p>
         </p:txBody>
@@ -3529,11 +3664,11 @@
 </file>
 
 <file path=ppt/notesSlides/notesSlide32.xml><?xml version="1.0" encoding="utf-8"?>
-<p:notes xmlns:a="http://schemas.openxmlformats.org/drawingml/2006/main" xmlns:r="http://schemas.openxmlformats.org/officeDocument/2006/relationships" xmlns:mc="http://schemas.openxmlformats.org/markup-compatibility/2006" xmlns:mv="urn:schemas-microsoft-com:mac:vml" xmlns:p="http://schemas.openxmlformats.org/presentationml/2006/main" xmlns:c="http://schemas.openxmlformats.org/drawingml/2006/chart" xmlns:dgm="http://schemas.openxmlformats.org/drawingml/2006/diagram" xmlns:o="urn:schemas-microsoft-com:office:office" xmlns:v="urn:schemas-microsoft-com:vml" xmlns:pvml="urn:schemas-microsoft-com:office:powerpoint" xmlns:com="http://schemas.openxmlformats.org/drawingml/2006/compatibility" xmlns:p14="http://schemas.microsoft.com/office/powerpoint/2010/main" xmlns:p15="http://schemas.microsoft.com/office/powerpoint/2012/main" showMasterPhAnim="0" showMasterSp="0">
+<p:notes xmlns:a="http://schemas.openxmlformats.org/drawingml/2006/main" xmlns:r="http://schemas.openxmlformats.org/officeDocument/2006/relationships" xmlns:p="http://schemas.openxmlformats.org/presentationml/2006/main" showMasterSp="0" showMasterPhAnim="0">
   <p:cSld>
     <p:spTree>
       <p:nvGrpSpPr>
-        <p:cNvPr id="266" name="Shape 266"/>
+        <p:cNvPr id="1" name="Shape 266"/>
         <p:cNvGrpSpPr/>
         <p:nvPr/>
       </p:nvGrpSpPr>
@@ -3548,9 +3683,11 @@
       <p:sp>
         <p:nvSpPr>
           <p:cNvPr id="267" name="Google Shape;267;g80c4d6a8ab_8_20:notes"/>
-          <p:cNvSpPr/>
+          <p:cNvSpPr>
+            <a:spLocks noGrp="1" noRot="1" noChangeAspect="1"/>
+          </p:cNvSpPr>
           <p:nvPr>
-            <p:ph idx="2" type="sldImg"/>
+            <p:ph type="sldImg" idx="2"/>
           </p:nvPr>
         </p:nvSpPr>
         <p:spPr>
@@ -3559,9 +3696,13 @@
             <a:ext cx="6096000" cy="3429000"/>
           </a:xfrm>
           <a:custGeom>
-            <a:rect b="b" l="l" r="r" t="t"/>
+            <a:avLst/>
+            <a:gdLst/>
+            <a:ahLst/>
+            <a:cxnLst/>
+            <a:rect l="l" t="t" r="r" b="b"/>
             <a:pathLst>
-              <a:path extrusionOk="0" h="120000" w="120000">
+              <a:path w="120000" h="120000" extrusionOk="0">
                 <a:moveTo>
                   <a:pt x="0" y="0"/>
                 </a:moveTo>
@@ -3583,9 +3724,11 @@
       <p:sp>
         <p:nvSpPr>
           <p:cNvPr id="268" name="Google Shape;268;g80c4d6a8ab_8_20:notes"/>
-          <p:cNvSpPr txBox="1"/>
+          <p:cNvSpPr txBox="1">
+            <a:spLocks noGrp="1"/>
+          </p:cNvSpPr>
           <p:nvPr>
-            <p:ph idx="1" type="body"/>
+            <p:ph type="body" idx="1"/>
           </p:nvPr>
         </p:nvSpPr>
         <p:spPr>
@@ -3598,23 +3741,20 @@
           </a:prstGeom>
         </p:spPr>
         <p:txBody>
-          <a:bodyPr anchorCtr="0" anchor="t" bIns="91425" lIns="91425" spcFirstLastPara="1" rIns="91425" wrap="square" tIns="91425">
+          <a:bodyPr spcFirstLastPara="1" wrap="square" lIns="91425" tIns="91425" rIns="91425" bIns="91425" anchor="t" anchorCtr="0">
             <a:noAutofit/>
           </a:bodyPr>
           <a:lstStyle/>
           <a:p>
-            <a:pPr indent="0" lvl="0" marL="0" rtl="0" algn="l">
-              <a:spcBef>
-                <a:spcPts val="0"/>
-              </a:spcBef>
-              <a:spcAft>
-                <a:spcPts val="0"/>
-              </a:spcAft>
-              <a:buNone/>
-            </a:pPr>
-            <a:r>
-              <a:t/>
-            </a:r>
+            <a:pPr marL="0" lvl="0" indent="0" algn="l" rtl="0">
+              <a:spcBef>
+                <a:spcPts val="0"/>
+              </a:spcBef>
+              <a:spcAft>
+                <a:spcPts val="0"/>
+              </a:spcAft>
+              <a:buNone/>
+            </a:pPr>
             <a:endParaRPr/>
           </a:p>
         </p:txBody>
@@ -3628,11 +3768,11 @@
 </file>
 
 <file path=ppt/notesSlides/notesSlide33.xml><?xml version="1.0" encoding="utf-8"?>
-<p:notes xmlns:a="http://schemas.openxmlformats.org/drawingml/2006/main" xmlns:r="http://schemas.openxmlformats.org/officeDocument/2006/relationships" xmlns:mc="http://schemas.openxmlformats.org/markup-compatibility/2006" xmlns:mv="urn:schemas-microsoft-com:mac:vml" xmlns:p="http://schemas.openxmlformats.org/presentationml/2006/main" xmlns:c="http://schemas.openxmlformats.org/drawingml/2006/chart" xmlns:dgm="http://schemas.openxmlformats.org/drawingml/2006/diagram" xmlns:o="urn:schemas-microsoft-com:office:office" xmlns:v="urn:schemas-microsoft-com:vml" xmlns:pvml="urn:schemas-microsoft-com:office:powerpoint" xmlns:com="http://schemas.openxmlformats.org/drawingml/2006/compatibility" xmlns:p14="http://schemas.microsoft.com/office/powerpoint/2010/main" xmlns:p15="http://schemas.microsoft.com/office/powerpoint/2012/main" showMasterPhAnim="0" showMasterSp="0">
+<p:notes xmlns:a="http://schemas.openxmlformats.org/drawingml/2006/main" xmlns:r="http://schemas.openxmlformats.org/officeDocument/2006/relationships" xmlns:p="http://schemas.openxmlformats.org/presentationml/2006/main" showMasterSp="0" showMasterPhAnim="0">
   <p:cSld>
     <p:spTree>
       <p:nvGrpSpPr>
-        <p:cNvPr id="273" name="Shape 273"/>
+        <p:cNvPr id="1" name="Shape 273"/>
         <p:cNvGrpSpPr/>
         <p:nvPr/>
       </p:nvGrpSpPr>
@@ -3647,9 +3787,11 @@
       <p:sp>
         <p:nvSpPr>
           <p:cNvPr id="274" name="Google Shape;274;g80c4d6a8ab_8_25:notes"/>
-          <p:cNvSpPr/>
+          <p:cNvSpPr>
+            <a:spLocks noGrp="1" noRot="1" noChangeAspect="1"/>
+          </p:cNvSpPr>
           <p:nvPr>
-            <p:ph idx="2" type="sldImg"/>
+            <p:ph type="sldImg" idx="2"/>
           </p:nvPr>
         </p:nvSpPr>
         <p:spPr>
@@ -3658,9 +3800,13 @@
             <a:ext cx="6096000" cy="3429000"/>
           </a:xfrm>
           <a:custGeom>
-            <a:rect b="b" l="l" r="r" t="t"/>
+            <a:avLst/>
+            <a:gdLst/>
+            <a:ahLst/>
+            <a:cxnLst/>
+            <a:rect l="l" t="t" r="r" b="b"/>
             <a:pathLst>
-              <a:path extrusionOk="0" h="120000" w="120000">
+              <a:path w="120000" h="120000" extrusionOk="0">
                 <a:moveTo>
                   <a:pt x="0" y="0"/>
                 </a:moveTo>
@@ -3682,9 +3828,11 @@
       <p:sp>
         <p:nvSpPr>
           <p:cNvPr id="275" name="Google Shape;275;g80c4d6a8ab_8_25:notes"/>
-          <p:cNvSpPr txBox="1"/>
+          <p:cNvSpPr txBox="1">
+            <a:spLocks noGrp="1"/>
+          </p:cNvSpPr>
           <p:nvPr>
-            <p:ph idx="1" type="body"/>
+            <p:ph type="body" idx="1"/>
           </p:nvPr>
         </p:nvSpPr>
         <p:spPr>
@@ -3697,23 +3845,20 @@
           </a:prstGeom>
         </p:spPr>
         <p:txBody>
-          <a:bodyPr anchorCtr="0" anchor="t" bIns="91425" lIns="91425" spcFirstLastPara="1" rIns="91425" wrap="square" tIns="91425">
+          <a:bodyPr spcFirstLastPara="1" wrap="square" lIns="91425" tIns="91425" rIns="91425" bIns="91425" anchor="t" anchorCtr="0">
             <a:noAutofit/>
           </a:bodyPr>
           <a:lstStyle/>
           <a:p>
-            <a:pPr indent="0" lvl="0" marL="0" rtl="0" algn="l">
-              <a:spcBef>
-                <a:spcPts val="0"/>
-              </a:spcBef>
-              <a:spcAft>
-                <a:spcPts val="0"/>
-              </a:spcAft>
-              <a:buNone/>
-            </a:pPr>
-            <a:r>
-              <a:t/>
-            </a:r>
+            <a:pPr marL="0" lvl="0" indent="0" algn="l" rtl="0">
+              <a:spcBef>
+                <a:spcPts val="0"/>
+              </a:spcBef>
+              <a:spcAft>
+                <a:spcPts val="0"/>
+              </a:spcAft>
+              <a:buNone/>
+            </a:pPr>
             <a:endParaRPr/>
           </a:p>
         </p:txBody>
@@ -3727,11 +3872,11 @@
 </file>
 
 <file path=ppt/notesSlides/notesSlide34.xml><?xml version="1.0" encoding="utf-8"?>
-<p:notes xmlns:a="http://schemas.openxmlformats.org/drawingml/2006/main" xmlns:r="http://schemas.openxmlformats.org/officeDocument/2006/relationships" xmlns:mc="http://schemas.openxmlformats.org/markup-compatibility/2006" xmlns:mv="urn:schemas-microsoft-com:mac:vml" xmlns:p="http://schemas.openxmlformats.org/presentationml/2006/main" xmlns:c="http://schemas.openxmlformats.org/drawingml/2006/chart" xmlns:dgm="http://schemas.openxmlformats.org/drawingml/2006/diagram" xmlns:o="urn:schemas-microsoft-com:office:office" xmlns:v="urn:schemas-microsoft-com:vml" xmlns:pvml="urn:schemas-microsoft-com:office:powerpoint" xmlns:com="http://schemas.openxmlformats.org/drawingml/2006/compatibility" xmlns:p14="http://schemas.microsoft.com/office/powerpoint/2010/main" xmlns:p15="http://schemas.microsoft.com/office/powerpoint/2012/main" showMasterPhAnim="0" showMasterSp="0">
+<p:notes xmlns:a="http://schemas.openxmlformats.org/drawingml/2006/main" xmlns:r="http://schemas.openxmlformats.org/officeDocument/2006/relationships" xmlns:p="http://schemas.openxmlformats.org/presentationml/2006/main" showMasterSp="0" showMasterPhAnim="0">
   <p:cSld>
     <p:spTree>
       <p:nvGrpSpPr>
-        <p:cNvPr id="280" name="Shape 280"/>
+        <p:cNvPr id="1" name="Shape 280"/>
         <p:cNvGrpSpPr/>
         <p:nvPr/>
       </p:nvGrpSpPr>
@@ -3746,9 +3891,11 @@
       <p:sp>
         <p:nvSpPr>
           <p:cNvPr id="281" name="Google Shape;281;g80c4d6a8ab_8_30:notes"/>
-          <p:cNvSpPr/>
+          <p:cNvSpPr>
+            <a:spLocks noGrp="1" noRot="1" noChangeAspect="1"/>
+          </p:cNvSpPr>
           <p:nvPr>
-            <p:ph idx="2" type="sldImg"/>
+            <p:ph type="sldImg" idx="2"/>
           </p:nvPr>
         </p:nvSpPr>
         <p:spPr>
@@ -3757,9 +3904,13 @@
             <a:ext cx="6096000" cy="3429000"/>
           </a:xfrm>
           <a:custGeom>
-            <a:rect b="b" l="l" r="r" t="t"/>
+            <a:avLst/>
+            <a:gdLst/>
+            <a:ahLst/>
+            <a:cxnLst/>
+            <a:rect l="l" t="t" r="r" b="b"/>
             <a:pathLst>
-              <a:path extrusionOk="0" h="120000" w="120000">
+              <a:path w="120000" h="120000" extrusionOk="0">
                 <a:moveTo>
                   <a:pt x="0" y="0"/>
                 </a:moveTo>
@@ -3781,9 +3932,11 @@
       <p:sp>
         <p:nvSpPr>
           <p:cNvPr id="282" name="Google Shape;282;g80c4d6a8ab_8_30:notes"/>
-          <p:cNvSpPr txBox="1"/>
+          <p:cNvSpPr txBox="1">
+            <a:spLocks noGrp="1"/>
+          </p:cNvSpPr>
           <p:nvPr>
-            <p:ph idx="1" type="body"/>
+            <p:ph type="body" idx="1"/>
           </p:nvPr>
         </p:nvSpPr>
         <p:spPr>
@@ -3796,23 +3949,20 @@
           </a:prstGeom>
         </p:spPr>
         <p:txBody>
-          <a:bodyPr anchorCtr="0" anchor="t" bIns="91425" lIns="91425" spcFirstLastPara="1" rIns="91425" wrap="square" tIns="91425">
+          <a:bodyPr spcFirstLastPara="1" wrap="square" lIns="91425" tIns="91425" rIns="91425" bIns="91425" anchor="t" anchorCtr="0">
             <a:noAutofit/>
           </a:bodyPr>
           <a:lstStyle/>
           <a:p>
-            <a:pPr indent="0" lvl="0" marL="0" rtl="0" algn="l">
-              <a:spcBef>
-                <a:spcPts val="0"/>
-              </a:spcBef>
-              <a:spcAft>
-                <a:spcPts val="0"/>
-              </a:spcAft>
-              <a:buNone/>
-            </a:pPr>
-            <a:r>
-              <a:t/>
-            </a:r>
+            <a:pPr marL="0" lvl="0" indent="0" algn="l" rtl="0">
+              <a:spcBef>
+                <a:spcPts val="0"/>
+              </a:spcBef>
+              <a:spcAft>
+                <a:spcPts val="0"/>
+              </a:spcAft>
+              <a:buNone/>
+            </a:pPr>
             <a:endParaRPr/>
           </a:p>
         </p:txBody>
@@ -3826,11 +3976,11 @@
 </file>
 
 <file path=ppt/notesSlides/notesSlide35.xml><?xml version="1.0" encoding="utf-8"?>
-<p:notes xmlns:a="http://schemas.openxmlformats.org/drawingml/2006/main" xmlns:r="http://schemas.openxmlformats.org/officeDocument/2006/relationships" xmlns:mc="http://schemas.openxmlformats.org/markup-compatibility/2006" xmlns:mv="urn:schemas-microsoft-com:mac:vml" xmlns:p="http://schemas.openxmlformats.org/presentationml/2006/main" xmlns:c="http://schemas.openxmlformats.org/drawingml/2006/chart" xmlns:dgm="http://schemas.openxmlformats.org/drawingml/2006/diagram" xmlns:o="urn:schemas-microsoft-com:office:office" xmlns:v="urn:schemas-microsoft-com:vml" xmlns:pvml="urn:schemas-microsoft-com:office:powerpoint" xmlns:com="http://schemas.openxmlformats.org/drawingml/2006/compatibility" xmlns:p14="http://schemas.microsoft.com/office/powerpoint/2010/main" xmlns:p15="http://schemas.microsoft.com/office/powerpoint/2012/main" showMasterPhAnim="0" showMasterSp="0">
+<p:notes xmlns:a="http://schemas.openxmlformats.org/drawingml/2006/main" xmlns:r="http://schemas.openxmlformats.org/officeDocument/2006/relationships" xmlns:p="http://schemas.openxmlformats.org/presentationml/2006/main" showMasterSp="0" showMasterPhAnim="0">
   <p:cSld>
     <p:spTree>
       <p:nvGrpSpPr>
-        <p:cNvPr id="286" name="Shape 286"/>
+        <p:cNvPr id="1" name="Shape 286"/>
         <p:cNvGrpSpPr/>
         <p:nvPr/>
       </p:nvGrpSpPr>
@@ -3845,9 +3995,11 @@
       <p:sp>
         <p:nvSpPr>
           <p:cNvPr id="287" name="Google Shape;287;g80c4d6a8ab_8_45:notes"/>
-          <p:cNvSpPr/>
+          <p:cNvSpPr>
+            <a:spLocks noGrp="1" noRot="1" noChangeAspect="1"/>
+          </p:cNvSpPr>
           <p:nvPr>
-            <p:ph idx="2" type="sldImg"/>
+            <p:ph type="sldImg" idx="2"/>
           </p:nvPr>
         </p:nvSpPr>
         <p:spPr>
@@ -3856,9 +4008,13 @@
             <a:ext cx="6096000" cy="3429000"/>
           </a:xfrm>
           <a:custGeom>
-            <a:rect b="b" l="l" r="r" t="t"/>
+            <a:avLst/>
+            <a:gdLst/>
+            <a:ahLst/>
+            <a:cxnLst/>
+            <a:rect l="l" t="t" r="r" b="b"/>
             <a:pathLst>
-              <a:path extrusionOk="0" h="120000" w="120000">
+              <a:path w="120000" h="120000" extrusionOk="0">
                 <a:moveTo>
                   <a:pt x="0" y="0"/>
                 </a:moveTo>
@@ -3880,9 +4036,11 @@
       <p:sp>
         <p:nvSpPr>
           <p:cNvPr id="288" name="Google Shape;288;g80c4d6a8ab_8_45:notes"/>
-          <p:cNvSpPr txBox="1"/>
+          <p:cNvSpPr txBox="1">
+            <a:spLocks noGrp="1"/>
+          </p:cNvSpPr>
           <p:nvPr>
-            <p:ph idx="1" type="body"/>
+            <p:ph type="body" idx="1"/>
           </p:nvPr>
         </p:nvSpPr>
         <p:spPr>
@@ -3895,23 +4053,20 @@
           </a:prstGeom>
         </p:spPr>
         <p:txBody>
-          <a:bodyPr anchorCtr="0" anchor="t" bIns="91425" lIns="91425" spcFirstLastPara="1" rIns="91425" wrap="square" tIns="91425">
+          <a:bodyPr spcFirstLastPara="1" wrap="square" lIns="91425" tIns="91425" rIns="91425" bIns="91425" anchor="t" anchorCtr="0">
             <a:noAutofit/>
           </a:bodyPr>
           <a:lstStyle/>
           <a:p>
-            <a:pPr indent="0" lvl="0" marL="0" rtl="0" algn="l">
-              <a:spcBef>
-                <a:spcPts val="0"/>
-              </a:spcBef>
-              <a:spcAft>
-                <a:spcPts val="0"/>
-              </a:spcAft>
-              <a:buNone/>
-            </a:pPr>
-            <a:r>
-              <a:t/>
-            </a:r>
+            <a:pPr marL="0" lvl="0" indent="0" algn="l" rtl="0">
+              <a:spcBef>
+                <a:spcPts val="0"/>
+              </a:spcBef>
+              <a:spcAft>
+                <a:spcPts val="0"/>
+              </a:spcAft>
+              <a:buNone/>
+            </a:pPr>
             <a:endParaRPr/>
           </a:p>
         </p:txBody>
@@ -3925,11 +4080,11 @@
 </file>
 
 <file path=ppt/notesSlides/notesSlide36.xml><?xml version="1.0" encoding="utf-8"?>
-<p:notes xmlns:a="http://schemas.openxmlformats.org/drawingml/2006/main" xmlns:r="http://schemas.openxmlformats.org/officeDocument/2006/relationships" xmlns:mc="http://schemas.openxmlformats.org/markup-compatibility/2006" xmlns:mv="urn:schemas-microsoft-com:mac:vml" xmlns:p="http://schemas.openxmlformats.org/presentationml/2006/main" xmlns:c="http://schemas.openxmlformats.org/drawingml/2006/chart" xmlns:dgm="http://schemas.openxmlformats.org/drawingml/2006/diagram" xmlns:o="urn:schemas-microsoft-com:office:office" xmlns:v="urn:schemas-microsoft-com:vml" xmlns:pvml="urn:schemas-microsoft-com:office:powerpoint" xmlns:com="http://schemas.openxmlformats.org/drawingml/2006/compatibility" xmlns:p14="http://schemas.microsoft.com/office/powerpoint/2010/main" xmlns:p15="http://schemas.microsoft.com/office/powerpoint/2012/main" showMasterPhAnim="0" showMasterSp="0">
+<p:notes xmlns:a="http://schemas.openxmlformats.org/drawingml/2006/main" xmlns:r="http://schemas.openxmlformats.org/officeDocument/2006/relationships" xmlns:p="http://schemas.openxmlformats.org/presentationml/2006/main" showMasterSp="0" showMasterPhAnim="0">
   <p:cSld>
     <p:spTree>
       <p:nvGrpSpPr>
-        <p:cNvPr id="292" name="Shape 292"/>
+        <p:cNvPr id="1" name="Shape 292"/>
         <p:cNvGrpSpPr/>
         <p:nvPr/>
       </p:nvGrpSpPr>
@@ -3944,9 +4099,11 @@
       <p:sp>
         <p:nvSpPr>
           <p:cNvPr id="293" name="Google Shape;293;g88562d1a52_1_50:notes"/>
-          <p:cNvSpPr/>
+          <p:cNvSpPr>
+            <a:spLocks noGrp="1" noRot="1" noChangeAspect="1"/>
+          </p:cNvSpPr>
           <p:nvPr>
-            <p:ph idx="2" type="sldImg"/>
+            <p:ph type="sldImg" idx="2"/>
           </p:nvPr>
         </p:nvSpPr>
         <p:spPr>
@@ -3955,9 +4112,13 @@
             <a:ext cx="6096000" cy="3429000"/>
           </a:xfrm>
           <a:custGeom>
-            <a:rect b="b" l="l" r="r" t="t"/>
+            <a:avLst/>
+            <a:gdLst/>
+            <a:ahLst/>
+            <a:cxnLst/>
+            <a:rect l="l" t="t" r="r" b="b"/>
             <a:pathLst>
-              <a:path extrusionOk="0" h="120000" w="120000">
+              <a:path w="120000" h="120000" extrusionOk="0">
                 <a:moveTo>
                   <a:pt x="0" y="0"/>
                 </a:moveTo>
@@ -3979,9 +4140,11 @@
       <p:sp>
         <p:nvSpPr>
           <p:cNvPr id="294" name="Google Shape;294;g88562d1a52_1_50:notes"/>
-          <p:cNvSpPr txBox="1"/>
+          <p:cNvSpPr txBox="1">
+            <a:spLocks noGrp="1"/>
+          </p:cNvSpPr>
           <p:nvPr>
-            <p:ph idx="1" type="body"/>
+            <p:ph type="body" idx="1"/>
           </p:nvPr>
         </p:nvSpPr>
         <p:spPr>
@@ -3994,12 +4157,12 @@
           </a:prstGeom>
         </p:spPr>
         <p:txBody>
-          <a:bodyPr anchorCtr="0" anchor="t" bIns="91425" lIns="91425" spcFirstLastPara="1" rIns="91425" wrap="square" tIns="91425">
+          <a:bodyPr spcFirstLastPara="1" wrap="square" lIns="91425" tIns="91425" rIns="91425" bIns="91425" anchor="t" anchorCtr="0">
             <a:noAutofit/>
           </a:bodyPr>
           <a:lstStyle/>
           <a:p>
-            <a:pPr indent="0" lvl="0" marL="0" rtl="0" algn="l">
+            <a:pPr marL="0" lvl="0" indent="0" algn="l" rtl="0">
               <a:spcBef>
                 <a:spcPts val="0"/>
               </a:spcBef>
@@ -4025,11 +4188,11 @@
 </file>
 
 <file path=ppt/notesSlides/notesSlide37.xml><?xml version="1.0" encoding="utf-8"?>
-<p:notes xmlns:a="http://schemas.openxmlformats.org/drawingml/2006/main" xmlns:r="http://schemas.openxmlformats.org/officeDocument/2006/relationships" xmlns:mc="http://schemas.openxmlformats.org/markup-compatibility/2006" xmlns:mv="urn:schemas-microsoft-com:mac:vml" xmlns:p="http://schemas.openxmlformats.org/presentationml/2006/main" xmlns:c="http://schemas.openxmlformats.org/drawingml/2006/chart" xmlns:dgm="http://schemas.openxmlformats.org/drawingml/2006/diagram" xmlns:o="urn:schemas-microsoft-com:office:office" xmlns:v="urn:schemas-microsoft-com:vml" xmlns:pvml="urn:schemas-microsoft-com:office:powerpoint" xmlns:com="http://schemas.openxmlformats.org/drawingml/2006/compatibility" xmlns:p14="http://schemas.microsoft.com/office/powerpoint/2010/main" xmlns:p15="http://schemas.microsoft.com/office/powerpoint/2012/main" showMasterPhAnim="0" showMasterSp="0">
+<p:notes xmlns:a="http://schemas.openxmlformats.org/drawingml/2006/main" xmlns:r="http://schemas.openxmlformats.org/officeDocument/2006/relationships" xmlns:p="http://schemas.openxmlformats.org/presentationml/2006/main" showMasterSp="0" showMasterPhAnim="0">
   <p:cSld>
     <p:spTree>
       <p:nvGrpSpPr>
-        <p:cNvPr id="299" name="Shape 299"/>
+        <p:cNvPr id="1" name="Shape 299"/>
         <p:cNvGrpSpPr/>
         <p:nvPr/>
       </p:nvGrpSpPr>
@@ -4044,9 +4207,11 @@
       <p:sp>
         <p:nvSpPr>
           <p:cNvPr id="300" name="Google Shape;300;g88562d1a52_1_55:notes"/>
-          <p:cNvSpPr/>
+          <p:cNvSpPr>
+            <a:spLocks noGrp="1" noRot="1" noChangeAspect="1"/>
+          </p:cNvSpPr>
           <p:nvPr>
-            <p:ph idx="2" type="sldImg"/>
+            <p:ph type="sldImg" idx="2"/>
           </p:nvPr>
         </p:nvSpPr>
         <p:spPr>
@@ -4055,9 +4220,13 @@
             <a:ext cx="6096000" cy="3429000"/>
           </a:xfrm>
           <a:custGeom>
-            <a:rect b="b" l="l" r="r" t="t"/>
+            <a:avLst/>
+            <a:gdLst/>
+            <a:ahLst/>
+            <a:cxnLst/>
+            <a:rect l="l" t="t" r="r" b="b"/>
             <a:pathLst>
-              <a:path extrusionOk="0" h="120000" w="120000">
+              <a:path w="120000" h="120000" extrusionOk="0">
                 <a:moveTo>
                   <a:pt x="0" y="0"/>
                 </a:moveTo>
@@ -4079,9 +4248,11 @@
       <p:sp>
         <p:nvSpPr>
           <p:cNvPr id="301" name="Google Shape;301;g88562d1a52_1_55:notes"/>
-          <p:cNvSpPr txBox="1"/>
+          <p:cNvSpPr txBox="1">
+            <a:spLocks noGrp="1"/>
+          </p:cNvSpPr>
           <p:nvPr>
-            <p:ph idx="1" type="body"/>
+            <p:ph type="body" idx="1"/>
           </p:nvPr>
         </p:nvSpPr>
         <p:spPr>
@@ -4094,12 +4265,12 @@
           </a:prstGeom>
         </p:spPr>
         <p:txBody>
-          <a:bodyPr anchorCtr="0" anchor="t" bIns="91425" lIns="91425" spcFirstLastPara="1" rIns="91425" wrap="square" tIns="91425">
+          <a:bodyPr spcFirstLastPara="1" wrap="square" lIns="91425" tIns="91425" rIns="91425" bIns="91425" anchor="t" anchorCtr="0">
             <a:noAutofit/>
           </a:bodyPr>
           <a:lstStyle/>
           <a:p>
-            <a:pPr indent="0" lvl="0" marL="0" rtl="0" algn="l">
+            <a:pPr marL="0" lvl="0" indent="0" algn="l" rtl="0">
               <a:spcBef>
                 <a:spcPts val="0"/>
               </a:spcBef>
@@ -4125,11 +4296,11 @@
 </file>
 
 <file path=ppt/notesSlides/notesSlide4.xml><?xml version="1.0" encoding="utf-8"?>
-<p:notes xmlns:a="http://schemas.openxmlformats.org/drawingml/2006/main" xmlns:r="http://schemas.openxmlformats.org/officeDocument/2006/relationships" xmlns:mc="http://schemas.openxmlformats.org/markup-compatibility/2006" xmlns:mv="urn:schemas-microsoft-com:mac:vml" xmlns:p="http://schemas.openxmlformats.org/presentationml/2006/main" xmlns:c="http://schemas.openxmlformats.org/drawingml/2006/chart" xmlns:dgm="http://schemas.openxmlformats.org/drawingml/2006/diagram" xmlns:o="urn:schemas-microsoft-com:office:office" xmlns:v="urn:schemas-microsoft-com:vml" xmlns:pvml="urn:schemas-microsoft-com:office:powerpoint" xmlns:com="http://schemas.openxmlformats.org/drawingml/2006/compatibility" xmlns:p14="http://schemas.microsoft.com/office/powerpoint/2010/main" xmlns:p15="http://schemas.microsoft.com/office/powerpoint/2012/main" showMasterPhAnim="0" showMasterSp="0">
+<p:notes xmlns:a="http://schemas.openxmlformats.org/drawingml/2006/main" xmlns:r="http://schemas.openxmlformats.org/officeDocument/2006/relationships" xmlns:p="http://schemas.openxmlformats.org/presentationml/2006/main" showMasterSp="0" showMasterPhAnim="0">
   <p:cSld>
     <p:spTree>
       <p:nvGrpSpPr>
-        <p:cNvPr id="74" name="Shape 74"/>
+        <p:cNvPr id="1" name="Shape 74"/>
         <p:cNvGrpSpPr/>
         <p:nvPr/>
       </p:nvGrpSpPr>
@@ -4144,9 +4315,11 @@
       <p:sp>
         <p:nvSpPr>
           <p:cNvPr id="75" name="Google Shape;75;g88562d1a52_1_5:notes"/>
-          <p:cNvSpPr/>
+          <p:cNvSpPr>
+            <a:spLocks noGrp="1" noRot="1" noChangeAspect="1"/>
+          </p:cNvSpPr>
           <p:nvPr>
-            <p:ph idx="2" type="sldImg"/>
+            <p:ph type="sldImg" idx="2"/>
           </p:nvPr>
         </p:nvSpPr>
         <p:spPr>
@@ -4155,9 +4328,13 @@
             <a:ext cx="6096000" cy="3429000"/>
           </a:xfrm>
           <a:custGeom>
-            <a:rect b="b" l="l" r="r" t="t"/>
+            <a:avLst/>
+            <a:gdLst/>
+            <a:ahLst/>
+            <a:cxnLst/>
+            <a:rect l="l" t="t" r="r" b="b"/>
             <a:pathLst>
-              <a:path extrusionOk="0" h="120000" w="120000">
+              <a:path w="120000" h="120000" extrusionOk="0">
                 <a:moveTo>
                   <a:pt x="0" y="0"/>
                 </a:moveTo>
@@ -4179,9 +4356,11 @@
       <p:sp>
         <p:nvSpPr>
           <p:cNvPr id="76" name="Google Shape;76;g88562d1a52_1_5:notes"/>
-          <p:cNvSpPr txBox="1"/>
+          <p:cNvSpPr txBox="1">
+            <a:spLocks noGrp="1"/>
+          </p:cNvSpPr>
           <p:nvPr>
-            <p:ph idx="1" type="body"/>
+            <p:ph type="body" idx="1"/>
           </p:nvPr>
         </p:nvSpPr>
         <p:spPr>
@@ -4194,12 +4373,12 @@
           </a:prstGeom>
         </p:spPr>
         <p:txBody>
-          <a:bodyPr anchorCtr="0" anchor="t" bIns="91425" lIns="91425" spcFirstLastPara="1" rIns="91425" wrap="square" tIns="91425">
+          <a:bodyPr spcFirstLastPara="1" wrap="square" lIns="91425" tIns="91425" rIns="91425" bIns="91425" anchor="t" anchorCtr="0">
             <a:noAutofit/>
           </a:bodyPr>
           <a:lstStyle/>
           <a:p>
-            <a:pPr indent="0" lvl="0" marL="0" rtl="0" algn="l">
+            <a:pPr marL="0" lvl="0" indent="0" algn="l" rtl="0">
               <a:spcBef>
                 <a:spcPts val="0"/>
               </a:spcBef>
@@ -4225,11 +4404,11 @@
 </file>
 
 <file path=ppt/notesSlides/notesSlide5.xml><?xml version="1.0" encoding="utf-8"?>
-<p:notes xmlns:a="http://schemas.openxmlformats.org/drawingml/2006/main" xmlns:r="http://schemas.openxmlformats.org/officeDocument/2006/relationships" xmlns:mc="http://schemas.openxmlformats.org/markup-compatibility/2006" xmlns:mv="urn:schemas-microsoft-com:mac:vml" xmlns:p="http://schemas.openxmlformats.org/presentationml/2006/main" xmlns:c="http://schemas.openxmlformats.org/drawingml/2006/chart" xmlns:dgm="http://schemas.openxmlformats.org/drawingml/2006/diagram" xmlns:o="urn:schemas-microsoft-com:office:office" xmlns:v="urn:schemas-microsoft-com:vml" xmlns:pvml="urn:schemas-microsoft-com:office:powerpoint" xmlns:com="http://schemas.openxmlformats.org/drawingml/2006/compatibility" xmlns:p14="http://schemas.microsoft.com/office/powerpoint/2010/main" xmlns:p15="http://schemas.microsoft.com/office/powerpoint/2012/main" showMasterPhAnim="0" showMasterSp="0">
+<p:notes xmlns:a="http://schemas.openxmlformats.org/drawingml/2006/main" xmlns:r="http://schemas.openxmlformats.org/officeDocument/2006/relationships" xmlns:p="http://schemas.openxmlformats.org/presentationml/2006/main" showMasterSp="0" showMasterPhAnim="0">
   <p:cSld>
     <p:spTree>
       <p:nvGrpSpPr>
-        <p:cNvPr id="81" name="Shape 81"/>
+        <p:cNvPr id="1" name="Shape 81"/>
         <p:cNvGrpSpPr/>
         <p:nvPr/>
       </p:nvGrpSpPr>
@@ -4244,9 +4423,11 @@
       <p:sp>
         <p:nvSpPr>
           <p:cNvPr id="82" name="Google Shape;82;g80c4d6a8ab_2_53:notes"/>
-          <p:cNvSpPr/>
+          <p:cNvSpPr>
+            <a:spLocks noGrp="1" noRot="1" noChangeAspect="1"/>
+          </p:cNvSpPr>
           <p:nvPr>
-            <p:ph idx="2" type="sldImg"/>
+            <p:ph type="sldImg" idx="2"/>
           </p:nvPr>
         </p:nvSpPr>
         <p:spPr>
@@ -4255,9 +4436,13 @@
             <a:ext cx="6096000" cy="3429000"/>
           </a:xfrm>
           <a:custGeom>
-            <a:rect b="b" l="l" r="r" t="t"/>
+            <a:avLst/>
+            <a:gdLst/>
+            <a:ahLst/>
+            <a:cxnLst/>
+            <a:rect l="l" t="t" r="r" b="b"/>
             <a:pathLst>
-              <a:path extrusionOk="0" h="120000" w="120000">
+              <a:path w="120000" h="120000" extrusionOk="0">
                 <a:moveTo>
                   <a:pt x="0" y="0"/>
                 </a:moveTo>
@@ -4279,9 +4464,11 @@
       <p:sp>
         <p:nvSpPr>
           <p:cNvPr id="83" name="Google Shape;83;g80c4d6a8ab_2_53:notes"/>
-          <p:cNvSpPr txBox="1"/>
+          <p:cNvSpPr txBox="1">
+            <a:spLocks noGrp="1"/>
+          </p:cNvSpPr>
           <p:nvPr>
-            <p:ph idx="1" type="body"/>
+            <p:ph type="body" idx="1"/>
           </p:nvPr>
         </p:nvSpPr>
         <p:spPr>
@@ -4294,23 +4481,20 @@
           </a:prstGeom>
         </p:spPr>
         <p:txBody>
-          <a:bodyPr anchorCtr="0" anchor="t" bIns="91425" lIns="91425" spcFirstLastPara="1" rIns="91425" wrap="square" tIns="91425">
+          <a:bodyPr spcFirstLastPara="1" wrap="square" lIns="91425" tIns="91425" rIns="91425" bIns="91425" anchor="t" anchorCtr="0">
             <a:noAutofit/>
           </a:bodyPr>
           <a:lstStyle/>
           <a:p>
-            <a:pPr indent="0" lvl="0" marL="0" rtl="0" algn="l">
-              <a:spcBef>
-                <a:spcPts val="0"/>
-              </a:spcBef>
-              <a:spcAft>
-                <a:spcPts val="0"/>
-              </a:spcAft>
-              <a:buNone/>
-            </a:pPr>
-            <a:r>
-              <a:t/>
-            </a:r>
+            <a:pPr marL="0" lvl="0" indent="0" algn="l" rtl="0">
+              <a:spcBef>
+                <a:spcPts val="0"/>
+              </a:spcBef>
+              <a:spcAft>
+                <a:spcPts val="0"/>
+              </a:spcAft>
+              <a:buNone/>
+            </a:pPr>
             <a:endParaRPr/>
           </a:p>
         </p:txBody>
@@ -4324,11 +4508,11 @@
 </file>
 
 <file path=ppt/notesSlides/notesSlide6.xml><?xml version="1.0" encoding="utf-8"?>
-<p:notes xmlns:a="http://schemas.openxmlformats.org/drawingml/2006/main" xmlns:r="http://schemas.openxmlformats.org/officeDocument/2006/relationships" xmlns:mc="http://schemas.openxmlformats.org/markup-compatibility/2006" xmlns:mv="urn:schemas-microsoft-com:mac:vml" xmlns:p="http://schemas.openxmlformats.org/presentationml/2006/main" xmlns:c="http://schemas.openxmlformats.org/drawingml/2006/chart" xmlns:dgm="http://schemas.openxmlformats.org/drawingml/2006/diagram" xmlns:o="urn:schemas-microsoft-com:office:office" xmlns:v="urn:schemas-microsoft-com:vml" xmlns:pvml="urn:schemas-microsoft-com:office:powerpoint" xmlns:com="http://schemas.openxmlformats.org/drawingml/2006/compatibility" xmlns:p14="http://schemas.microsoft.com/office/powerpoint/2010/main" xmlns:p15="http://schemas.microsoft.com/office/powerpoint/2012/main" showMasterPhAnim="0" showMasterSp="0">
+<p:notes xmlns:a="http://schemas.openxmlformats.org/drawingml/2006/main" xmlns:r="http://schemas.openxmlformats.org/officeDocument/2006/relationships" xmlns:p="http://schemas.openxmlformats.org/presentationml/2006/main" showMasterSp="0" showMasterPhAnim="0">
   <p:cSld>
     <p:spTree>
       <p:nvGrpSpPr>
-        <p:cNvPr id="87" name="Shape 87"/>
+        <p:cNvPr id="1" name="Shape 87"/>
         <p:cNvGrpSpPr/>
         <p:nvPr/>
       </p:nvGrpSpPr>
@@ -4343,9 +4527,11 @@
       <p:sp>
         <p:nvSpPr>
           <p:cNvPr id="88" name="Google Shape;88;g80c4d6a8ab_2_71:notes"/>
-          <p:cNvSpPr/>
+          <p:cNvSpPr>
+            <a:spLocks noGrp="1" noRot="1" noChangeAspect="1"/>
+          </p:cNvSpPr>
           <p:nvPr>
-            <p:ph idx="2" type="sldImg"/>
+            <p:ph type="sldImg" idx="2"/>
           </p:nvPr>
         </p:nvSpPr>
         <p:spPr>
@@ -4354,9 +4540,13 @@
             <a:ext cx="6096000" cy="3429000"/>
           </a:xfrm>
           <a:custGeom>
-            <a:rect b="b" l="l" r="r" t="t"/>
+            <a:avLst/>
+            <a:gdLst/>
+            <a:ahLst/>
+            <a:cxnLst/>
+            <a:rect l="l" t="t" r="r" b="b"/>
             <a:pathLst>
-              <a:path extrusionOk="0" h="120000" w="120000">
+              <a:path w="120000" h="120000" extrusionOk="0">
                 <a:moveTo>
                   <a:pt x="0" y="0"/>
                 </a:moveTo>
@@ -4378,9 +4568,11 @@
       <p:sp>
         <p:nvSpPr>
           <p:cNvPr id="89" name="Google Shape;89;g80c4d6a8ab_2_71:notes"/>
-          <p:cNvSpPr txBox="1"/>
+          <p:cNvSpPr txBox="1">
+            <a:spLocks noGrp="1"/>
+          </p:cNvSpPr>
           <p:nvPr>
-            <p:ph idx="1" type="body"/>
+            <p:ph type="body" idx="1"/>
           </p:nvPr>
         </p:nvSpPr>
         <p:spPr>
@@ -4393,23 +4585,20 @@
           </a:prstGeom>
         </p:spPr>
         <p:txBody>
-          <a:bodyPr anchorCtr="0" anchor="t" bIns="91425" lIns="91425" spcFirstLastPara="1" rIns="91425" wrap="square" tIns="91425">
+          <a:bodyPr spcFirstLastPara="1" wrap="square" lIns="91425" tIns="91425" rIns="91425" bIns="91425" anchor="t" anchorCtr="0">
             <a:noAutofit/>
           </a:bodyPr>
           <a:lstStyle/>
           <a:p>
-            <a:pPr indent="0" lvl="0" marL="0" rtl="0" algn="l">
-              <a:spcBef>
-                <a:spcPts val="0"/>
-              </a:spcBef>
-              <a:spcAft>
-                <a:spcPts val="0"/>
-              </a:spcAft>
-              <a:buNone/>
-            </a:pPr>
-            <a:r>
-              <a:t/>
-            </a:r>
+            <a:pPr marL="0" lvl="0" indent="0" algn="l" rtl="0">
+              <a:spcBef>
+                <a:spcPts val="0"/>
+              </a:spcBef>
+              <a:spcAft>
+                <a:spcPts val="0"/>
+              </a:spcAft>
+              <a:buNone/>
+            </a:pPr>
             <a:endParaRPr/>
           </a:p>
         </p:txBody>
@@ -4423,11 +4612,11 @@
 </file>
 
 <file path=ppt/notesSlides/notesSlide7.xml><?xml version="1.0" encoding="utf-8"?>
-<p:notes xmlns:a="http://schemas.openxmlformats.org/drawingml/2006/main" xmlns:r="http://schemas.openxmlformats.org/officeDocument/2006/relationships" xmlns:mc="http://schemas.openxmlformats.org/markup-compatibility/2006" xmlns:mv="urn:schemas-microsoft-com:mac:vml" xmlns:p="http://schemas.openxmlformats.org/presentationml/2006/main" xmlns:c="http://schemas.openxmlformats.org/drawingml/2006/chart" xmlns:dgm="http://schemas.openxmlformats.org/drawingml/2006/diagram" xmlns:o="urn:schemas-microsoft-com:office:office" xmlns:v="urn:schemas-microsoft-com:vml" xmlns:pvml="urn:schemas-microsoft-com:office:powerpoint" xmlns:com="http://schemas.openxmlformats.org/drawingml/2006/compatibility" xmlns:p14="http://schemas.microsoft.com/office/powerpoint/2010/main" xmlns:p15="http://schemas.microsoft.com/office/powerpoint/2012/main" showMasterPhAnim="0" showMasterSp="0">
+<p:notes xmlns:a="http://schemas.openxmlformats.org/drawingml/2006/main" xmlns:r="http://schemas.openxmlformats.org/officeDocument/2006/relationships" xmlns:p="http://schemas.openxmlformats.org/presentationml/2006/main" showMasterSp="0" showMasterPhAnim="0">
   <p:cSld>
     <p:spTree>
       <p:nvGrpSpPr>
-        <p:cNvPr id="94" name="Shape 94"/>
+        <p:cNvPr id="1" name="Shape 94"/>
         <p:cNvGrpSpPr/>
         <p:nvPr/>
       </p:nvGrpSpPr>
@@ -4442,9 +4631,11 @@
       <p:sp>
         <p:nvSpPr>
           <p:cNvPr id="95" name="Google Shape;95;g80c4d6a8ab_2_59:notes"/>
-          <p:cNvSpPr/>
+          <p:cNvSpPr>
+            <a:spLocks noGrp="1" noRot="1" noChangeAspect="1"/>
+          </p:cNvSpPr>
           <p:nvPr>
-            <p:ph idx="2" type="sldImg"/>
+            <p:ph type="sldImg" idx="2"/>
           </p:nvPr>
         </p:nvSpPr>
         <p:spPr>
@@ -4453,9 +4644,13 @@
             <a:ext cx="6096000" cy="3429000"/>
           </a:xfrm>
           <a:custGeom>
-            <a:rect b="b" l="l" r="r" t="t"/>
+            <a:avLst/>
+            <a:gdLst/>
+            <a:ahLst/>
+            <a:cxnLst/>
+            <a:rect l="l" t="t" r="r" b="b"/>
             <a:pathLst>
-              <a:path extrusionOk="0" h="120000" w="120000">
+              <a:path w="120000" h="120000" extrusionOk="0">
                 <a:moveTo>
                   <a:pt x="0" y="0"/>
                 </a:moveTo>
@@ -4477,9 +4672,11 @@
       <p:sp>
         <p:nvSpPr>
           <p:cNvPr id="96" name="Google Shape;96;g80c4d6a8ab_2_59:notes"/>
-          <p:cNvSpPr txBox="1"/>
+          <p:cNvSpPr txBox="1">
+            <a:spLocks noGrp="1"/>
+          </p:cNvSpPr>
           <p:nvPr>
-            <p:ph idx="1" type="body"/>
+            <p:ph type="body" idx="1"/>
           </p:nvPr>
         </p:nvSpPr>
         <p:spPr>
@@ -4492,23 +4689,20 @@
           </a:prstGeom>
         </p:spPr>
         <p:txBody>
-          <a:bodyPr anchorCtr="0" anchor="t" bIns="91425" lIns="91425" spcFirstLastPara="1" rIns="91425" wrap="square" tIns="91425">
+          <a:bodyPr spcFirstLastPara="1" wrap="square" lIns="91425" tIns="91425" rIns="91425" bIns="91425" anchor="t" anchorCtr="0">
             <a:noAutofit/>
           </a:bodyPr>
           <a:lstStyle/>
           <a:p>
-            <a:pPr indent="0" lvl="0" marL="0" rtl="0" algn="l">
-              <a:spcBef>
-                <a:spcPts val="0"/>
-              </a:spcBef>
-              <a:spcAft>
-                <a:spcPts val="0"/>
-              </a:spcAft>
-              <a:buNone/>
-            </a:pPr>
-            <a:r>
-              <a:t/>
-            </a:r>
+            <a:pPr marL="0" lvl="0" indent="0" algn="l" rtl="0">
+              <a:spcBef>
+                <a:spcPts val="0"/>
+              </a:spcBef>
+              <a:spcAft>
+                <a:spcPts val="0"/>
+              </a:spcAft>
+              <a:buNone/>
+            </a:pPr>
             <a:endParaRPr/>
           </a:p>
         </p:txBody>
@@ -4522,11 +4716,11 @@
 </file>
 
 <file path=ppt/notesSlides/notesSlide8.xml><?xml version="1.0" encoding="utf-8"?>
-<p:notes xmlns:a="http://schemas.openxmlformats.org/drawingml/2006/main" xmlns:r="http://schemas.openxmlformats.org/officeDocument/2006/relationships" xmlns:mc="http://schemas.openxmlformats.org/markup-compatibility/2006" xmlns:mv="urn:schemas-microsoft-com:mac:vml" xmlns:p="http://schemas.openxmlformats.org/presentationml/2006/main" xmlns:c="http://schemas.openxmlformats.org/drawingml/2006/chart" xmlns:dgm="http://schemas.openxmlformats.org/drawingml/2006/diagram" xmlns:o="urn:schemas-microsoft-com:office:office" xmlns:v="urn:schemas-microsoft-com:vml" xmlns:pvml="urn:schemas-microsoft-com:office:powerpoint" xmlns:com="http://schemas.openxmlformats.org/drawingml/2006/compatibility" xmlns:p14="http://schemas.microsoft.com/office/powerpoint/2010/main" xmlns:p15="http://schemas.microsoft.com/office/powerpoint/2012/main" showMasterPhAnim="0" showMasterSp="0">
+<p:notes xmlns:a="http://schemas.openxmlformats.org/drawingml/2006/main" xmlns:r="http://schemas.openxmlformats.org/officeDocument/2006/relationships" xmlns:p="http://schemas.openxmlformats.org/presentationml/2006/main" showMasterSp="0" showMasterPhAnim="0">
   <p:cSld>
     <p:spTree>
       <p:nvGrpSpPr>
-        <p:cNvPr id="100" name="Shape 100"/>
+        <p:cNvPr id="1" name="Shape 100"/>
         <p:cNvGrpSpPr/>
         <p:nvPr/>
       </p:nvGrpSpPr>
@@ -4541,9 +4735,11 @@
       <p:sp>
         <p:nvSpPr>
           <p:cNvPr id="101" name="Google Shape;101;g80c4d6a8ab_2_34:notes"/>
-          <p:cNvSpPr/>
+          <p:cNvSpPr>
+            <a:spLocks noGrp="1" noRot="1" noChangeAspect="1"/>
+          </p:cNvSpPr>
           <p:nvPr>
-            <p:ph idx="2" type="sldImg"/>
+            <p:ph type="sldImg" idx="2"/>
           </p:nvPr>
         </p:nvSpPr>
         <p:spPr>
@@ -4552,9 +4748,13 @@
             <a:ext cx="6096000" cy="3429000"/>
           </a:xfrm>
           <a:custGeom>
-            <a:rect b="b" l="l" r="r" t="t"/>
+            <a:avLst/>
+            <a:gdLst/>
+            <a:ahLst/>
+            <a:cxnLst/>
+            <a:rect l="l" t="t" r="r" b="b"/>
             <a:pathLst>
-              <a:path extrusionOk="0" h="120000" w="120000">
+              <a:path w="120000" h="120000" extrusionOk="0">
                 <a:moveTo>
                   <a:pt x="0" y="0"/>
                 </a:moveTo>
@@ -4576,9 +4776,11 @@
       <p:sp>
         <p:nvSpPr>
           <p:cNvPr id="102" name="Google Shape;102;g80c4d6a8ab_2_34:notes"/>
-          <p:cNvSpPr txBox="1"/>
+          <p:cNvSpPr txBox="1">
+            <a:spLocks noGrp="1"/>
+          </p:cNvSpPr>
           <p:nvPr>
-            <p:ph idx="1" type="body"/>
+            <p:ph type="body" idx="1"/>
           </p:nvPr>
         </p:nvSpPr>
         <p:spPr>
@@ -4591,23 +4793,20 @@
           </a:prstGeom>
         </p:spPr>
         <p:txBody>
-          <a:bodyPr anchorCtr="0" anchor="t" bIns="91425" lIns="91425" spcFirstLastPara="1" rIns="91425" wrap="square" tIns="91425">
+          <a:bodyPr spcFirstLastPara="1" wrap="square" lIns="91425" tIns="91425" rIns="91425" bIns="91425" anchor="t" anchorCtr="0">
             <a:noAutofit/>
           </a:bodyPr>
           <a:lstStyle/>
           <a:p>
-            <a:pPr indent="0" lvl="0" marL="0" rtl="0" algn="l">
-              <a:spcBef>
-                <a:spcPts val="0"/>
-              </a:spcBef>
-              <a:spcAft>
-                <a:spcPts val="0"/>
-              </a:spcAft>
-              <a:buNone/>
-            </a:pPr>
-            <a:r>
-              <a:t/>
-            </a:r>
+            <a:pPr marL="0" lvl="0" indent="0" algn="l" rtl="0">
+              <a:spcBef>
+                <a:spcPts val="0"/>
+              </a:spcBef>
+              <a:spcAft>
+                <a:spcPts val="0"/>
+              </a:spcAft>
+              <a:buNone/>
+            </a:pPr>
             <a:endParaRPr/>
           </a:p>
         </p:txBody>
@@ -4621,11 +4820,11 @@
 </file>
 
 <file path=ppt/notesSlides/notesSlide9.xml><?xml version="1.0" encoding="utf-8"?>
-<p:notes xmlns:a="http://schemas.openxmlformats.org/drawingml/2006/main" xmlns:r="http://schemas.openxmlformats.org/officeDocument/2006/relationships" xmlns:mc="http://schemas.openxmlformats.org/markup-compatibility/2006" xmlns:mv="urn:schemas-microsoft-com:mac:vml" xmlns:p="http://schemas.openxmlformats.org/presentationml/2006/main" xmlns:c="http://schemas.openxmlformats.org/drawingml/2006/chart" xmlns:dgm="http://schemas.openxmlformats.org/drawingml/2006/diagram" xmlns:o="urn:schemas-microsoft-com:office:office" xmlns:v="urn:schemas-microsoft-com:vml" xmlns:pvml="urn:schemas-microsoft-com:office:powerpoint" xmlns:com="http://schemas.openxmlformats.org/drawingml/2006/compatibility" xmlns:p14="http://schemas.microsoft.com/office/powerpoint/2010/main" xmlns:p15="http://schemas.microsoft.com/office/powerpoint/2012/main" showMasterPhAnim="0" showMasterSp="0">
+<p:notes xmlns:a="http://schemas.openxmlformats.org/drawingml/2006/main" xmlns:r="http://schemas.openxmlformats.org/officeDocument/2006/relationships" xmlns:p="http://schemas.openxmlformats.org/presentationml/2006/main" showMasterSp="0" showMasterPhAnim="0">
   <p:cSld>
     <p:spTree>
       <p:nvGrpSpPr>
-        <p:cNvPr id="106" name="Shape 106"/>
+        <p:cNvPr id="1" name="Shape 106"/>
         <p:cNvGrpSpPr/>
         <p:nvPr/>
       </p:nvGrpSpPr>
@@ -4640,9 +4839,11 @@
       <p:sp>
         <p:nvSpPr>
           <p:cNvPr id="107" name="Google Shape;107;g80c4d6a8ab_2_43:notes"/>
-          <p:cNvSpPr/>
+          <p:cNvSpPr>
+            <a:spLocks noGrp="1" noRot="1" noChangeAspect="1"/>
+          </p:cNvSpPr>
           <p:nvPr>
-            <p:ph idx="2" type="sldImg"/>
+            <p:ph type="sldImg" idx="2"/>
           </p:nvPr>
         </p:nvSpPr>
         <p:spPr>
@@ -4651,9 +4852,13 @@
             <a:ext cx="6096000" cy="3429000"/>
           </a:xfrm>
           <a:custGeom>
-            <a:rect b="b" l="l" r="r" t="t"/>
+            <a:avLst/>
+            <a:gdLst/>
+            <a:ahLst/>
+            <a:cxnLst/>
+            <a:rect l="l" t="t" r="r" b="b"/>
             <a:pathLst>
-              <a:path extrusionOk="0" h="120000" w="120000">
+              <a:path w="120000" h="120000" extrusionOk="0">
                 <a:moveTo>
                   <a:pt x="0" y="0"/>
                 </a:moveTo>
@@ -4675,9 +4880,11 @@
       <p:sp>
         <p:nvSpPr>
           <p:cNvPr id="108" name="Google Shape;108;g80c4d6a8ab_2_43:notes"/>
-          <p:cNvSpPr txBox="1"/>
+          <p:cNvSpPr txBox="1">
+            <a:spLocks noGrp="1"/>
+          </p:cNvSpPr>
           <p:nvPr>
-            <p:ph idx="1" type="body"/>
+            <p:ph type="body" idx="1"/>
           </p:nvPr>
         </p:nvSpPr>
         <p:spPr>
@@ -4690,23 +4897,20 @@
           </a:prstGeom>
         </p:spPr>
         <p:txBody>
-          <a:bodyPr anchorCtr="0" anchor="t" bIns="91425" lIns="91425" spcFirstLastPara="1" rIns="91425" wrap="square" tIns="91425">
+          <a:bodyPr spcFirstLastPara="1" wrap="square" lIns="91425" tIns="91425" rIns="91425" bIns="91425" anchor="t" anchorCtr="0">
             <a:noAutofit/>
           </a:bodyPr>
           <a:lstStyle/>
           <a:p>
-            <a:pPr indent="0" lvl="0" marL="0" rtl="0" algn="l">
-              <a:spcBef>
-                <a:spcPts val="0"/>
-              </a:spcBef>
-              <a:spcAft>
-                <a:spcPts val="0"/>
-              </a:spcAft>
-              <a:buNone/>
-            </a:pPr>
-            <a:r>
-              <a:t/>
-            </a:r>
+            <a:pPr marL="0" lvl="0" indent="0" algn="l" rtl="0">
+              <a:spcBef>
+                <a:spcPts val="0"/>
+              </a:spcBef>
+              <a:spcAft>
+                <a:spcPts val="0"/>
+              </a:spcAft>
+              <a:buNone/>
+            </a:pPr>
             <a:endParaRPr/>
           </a:p>
         </p:txBody>
@@ -4720,11 +4924,11 @@
 </file>
 
 <file path=ppt/slideLayouts/slideLayout1.xml><?xml version="1.0" encoding="utf-8"?>
-<p:sldLayout xmlns:a="http://schemas.openxmlformats.org/drawingml/2006/main" xmlns:r="http://schemas.openxmlformats.org/officeDocument/2006/relationships" xmlns:mc="http://schemas.openxmlformats.org/markup-compatibility/2006" xmlns:mv="urn:schemas-microsoft-com:mac:vml" xmlns:p="http://schemas.openxmlformats.org/presentationml/2006/main" xmlns:c="http://schemas.openxmlformats.org/drawingml/2006/chart" xmlns:dgm="http://schemas.openxmlformats.org/drawingml/2006/diagram" xmlns:o="urn:schemas-microsoft-com:office:office" xmlns:v="urn:schemas-microsoft-com:vml" xmlns:pvml="urn:schemas-microsoft-com:office:powerpoint" xmlns:com="http://schemas.openxmlformats.org/drawingml/2006/compatibility" xmlns:p14="http://schemas.microsoft.com/office/powerpoint/2010/main" xmlns:p15="http://schemas.microsoft.com/office/powerpoint/2012/main" matchingName="Title slide" type="title">
+<p:sldLayout xmlns:a="http://schemas.openxmlformats.org/drawingml/2006/main" xmlns:r="http://schemas.openxmlformats.org/officeDocument/2006/relationships" xmlns:p="http://schemas.openxmlformats.org/presentationml/2006/main" matchingName="Title slide" type="title">
   <p:cSld name="TITLE">
     <p:spTree>
       <p:nvGrpSpPr>
-        <p:cNvPr id="9" name="Shape 9"/>
+        <p:cNvPr id="1" name="Shape 9"/>
         <p:cNvGrpSpPr/>
         <p:nvPr/>
       </p:nvGrpSpPr>
@@ -4772,12 +4976,12 @@
             </a:ln>
           </p:spPr>
           <p:txBody>
-            <a:bodyPr anchorCtr="0" anchor="ctr" bIns="91425" lIns="91425" spcFirstLastPara="1" rIns="91425" wrap="square" tIns="91425">
+            <a:bodyPr spcFirstLastPara="1" wrap="square" lIns="91425" tIns="91425" rIns="91425" bIns="91425" anchor="ctr" anchorCtr="0">
               <a:noAutofit/>
             </a:bodyPr>
             <a:lstStyle/>
             <a:p>
-              <a:pPr indent="0" lvl="0" marL="0" rtl="0" algn="l">
+              <a:pPr marL="0" lvl="0" indent="0" algn="l" rtl="0">
                 <a:spcBef>
                   <a:spcPts val="0"/>
                 </a:spcBef>
@@ -4786,9 +4990,6 @@
                 </a:spcAft>
                 <a:buNone/>
               </a:pPr>
-              <a:r>
-                <a:t/>
-              </a:r>
               <a:endParaRPr/>
             </a:p>
           </p:txBody>
@@ -4815,12 +5016,12 @@
             </a:ln>
           </p:spPr>
           <p:txBody>
-            <a:bodyPr anchorCtr="0" anchor="ctr" bIns="91425" lIns="91425" spcFirstLastPara="1" rIns="91425" wrap="square" tIns="91425">
+            <a:bodyPr spcFirstLastPara="1" wrap="square" lIns="91425" tIns="91425" rIns="91425" bIns="91425" anchor="ctr" anchorCtr="0">
               <a:noAutofit/>
             </a:bodyPr>
             <a:lstStyle/>
             <a:p>
-              <a:pPr indent="0" lvl="0" marL="0" rtl="0" algn="l">
+              <a:pPr marL="0" lvl="0" indent="0" algn="l" rtl="0">
                 <a:spcBef>
                   <a:spcPts val="0"/>
                 </a:spcBef>
@@ -4829,9 +5030,6 @@
                 </a:spcAft>
                 <a:buNone/>
               </a:pPr>
-              <a:r>
-                <a:t/>
-              </a:r>
               <a:endParaRPr/>
             </a:p>
           </p:txBody>
@@ -4858,12 +5056,12 @@
             </a:ln>
           </p:spPr>
           <p:txBody>
-            <a:bodyPr anchorCtr="0" anchor="ctr" bIns="91425" lIns="91425" spcFirstLastPara="1" rIns="91425" wrap="square" tIns="91425">
+            <a:bodyPr spcFirstLastPara="1" wrap="square" lIns="91425" tIns="91425" rIns="91425" bIns="91425" anchor="ctr" anchorCtr="0">
               <a:noAutofit/>
             </a:bodyPr>
             <a:lstStyle/>
             <a:p>
-              <a:pPr indent="0" lvl="0" marL="0" rtl="0" algn="l">
+              <a:pPr marL="0" lvl="0" indent="0" algn="l" rtl="0">
                 <a:spcBef>
                   <a:spcPts val="0"/>
                 </a:spcBef>
@@ -4872,9 +5070,6 @@
                 </a:spcAft>
                 <a:buNone/>
               </a:pPr>
-              <a:r>
-                <a:t/>
-              </a:r>
               <a:endParaRPr/>
             </a:p>
           </p:txBody>
@@ -4883,7 +5078,9 @@
       <p:sp>
         <p:nvSpPr>
           <p:cNvPr id="14" name="Google Shape;14;p2"/>
-          <p:cNvSpPr txBox="1"/>
+          <p:cNvSpPr txBox="1">
+            <a:spLocks noGrp="1"/>
+          </p:cNvSpPr>
           <p:nvPr>
             <p:ph type="ctrTitle"/>
           </p:nvPr>
@@ -4898,7 +5095,7 @@
           </a:prstGeom>
         </p:spPr>
         <p:txBody>
-          <a:bodyPr anchorCtr="0" anchor="b" bIns="91425" lIns="91425" spcFirstLastPara="1" rIns="91425" wrap="square" tIns="91425">
+          <a:bodyPr spcFirstLastPara="1" wrap="square" lIns="91425" tIns="91425" rIns="91425" bIns="91425" anchor="b" anchorCtr="0">
             <a:noAutofit/>
           </a:bodyPr>
           <a:lstStyle>
@@ -5002,15 +5199,19 @@
               <a:defRPr sz="4800"/>
             </a:lvl9pPr>
           </a:lstStyle>
-          <a:p/>
+          <a:p>
+            <a:endParaRPr/>
+          </a:p>
         </p:txBody>
       </p:sp>
       <p:sp>
         <p:nvSpPr>
           <p:cNvPr id="15" name="Google Shape;15;p2"/>
-          <p:cNvSpPr txBox="1"/>
+          <p:cNvSpPr txBox="1">
+            <a:spLocks noGrp="1"/>
+          </p:cNvSpPr>
           <p:nvPr>
-            <p:ph idx="1" type="subTitle"/>
+            <p:ph type="subTitle" idx="1"/>
           </p:nvPr>
         </p:nvSpPr>
         <p:spPr>
@@ -5023,7 +5224,7 @@
           </a:prstGeom>
         </p:spPr>
         <p:txBody>
-          <a:bodyPr anchorCtr="0" anchor="t" bIns="91425" lIns="91425" spcFirstLastPara="1" rIns="91425" wrap="square" tIns="91425">
+          <a:bodyPr spcFirstLastPara="1" wrap="square" lIns="91425" tIns="91425" rIns="91425" bIns="91425" anchor="t" anchorCtr="0">
             <a:noAutofit/>
           </a:bodyPr>
           <a:lstStyle>
@@ -5154,15 +5355,19 @@
               <a:defRPr sz="2100"/>
             </a:lvl9pPr>
           </a:lstStyle>
-          <a:p/>
+          <a:p>
+            <a:endParaRPr/>
+          </a:p>
         </p:txBody>
       </p:sp>
       <p:sp>
         <p:nvSpPr>
           <p:cNvPr id="16" name="Google Shape;16;p2"/>
-          <p:cNvSpPr txBox="1"/>
+          <p:cNvSpPr txBox="1">
+            <a:spLocks noGrp="1"/>
+          </p:cNvSpPr>
           <p:nvPr>
-            <p:ph idx="12" type="sldNum"/>
+            <p:ph type="sldNum" idx="12"/>
           </p:nvPr>
         </p:nvSpPr>
         <p:spPr>
@@ -5175,7 +5380,7 @@
           </a:prstGeom>
         </p:spPr>
         <p:txBody>
-          <a:bodyPr anchorCtr="0" anchor="ctr" bIns="91425" lIns="91425" spcFirstLastPara="1" rIns="91425" wrap="square" tIns="91425">
+          <a:bodyPr spcFirstLastPara="1" wrap="square" lIns="91425" tIns="91425" rIns="91425" bIns="91425" anchor="ctr" anchorCtr="0">
             <a:noAutofit/>
           </a:bodyPr>
           <a:lstStyle>
@@ -5217,7 +5422,7 @@
             </a:lvl9pPr>
           </a:lstStyle>
           <a:p>
-            <a:pPr indent="0" lvl="0" marL="0" rtl="0" algn="r">
+            <a:pPr marL="0" lvl="0" indent="0" algn="r" rtl="0">
               <a:spcBef>
                 <a:spcPts val="0"/>
               </a:spcBef>
@@ -5243,11 +5448,11 @@
 </file>
 
 <file path=ppt/slideLayouts/slideLayout10.xml><?xml version="1.0" encoding="utf-8"?>
-<p:sldLayout xmlns:a="http://schemas.openxmlformats.org/drawingml/2006/main" xmlns:r="http://schemas.openxmlformats.org/officeDocument/2006/relationships" xmlns:mc="http://schemas.openxmlformats.org/markup-compatibility/2006" xmlns:mv="urn:schemas-microsoft-com:mac:vml" xmlns:p="http://schemas.openxmlformats.org/presentationml/2006/main" xmlns:c="http://schemas.openxmlformats.org/drawingml/2006/chart" xmlns:dgm="http://schemas.openxmlformats.org/drawingml/2006/diagram" xmlns:o="urn:schemas-microsoft-com:office:office" xmlns:v="urn:schemas-microsoft-com:vml" xmlns:pvml="urn:schemas-microsoft-com:office:powerpoint" xmlns:com="http://schemas.openxmlformats.org/drawingml/2006/compatibility" xmlns:p14="http://schemas.microsoft.com/office/powerpoint/2010/main" xmlns:p15="http://schemas.microsoft.com/office/powerpoint/2012/main" matchingName="Big number">
+<p:sldLayout xmlns:a="http://schemas.openxmlformats.org/drawingml/2006/main" xmlns:r="http://schemas.openxmlformats.org/officeDocument/2006/relationships" xmlns:p="http://schemas.openxmlformats.org/presentationml/2006/main" matchingName="Big number">
   <p:cSld name="BIG_NUMBER">
     <p:spTree>
       <p:nvGrpSpPr>
-        <p:cNvPr id="49" name="Shape 49"/>
+        <p:cNvPr id="1" name="Shape 49"/>
         <p:cNvGrpSpPr/>
         <p:nvPr/>
       </p:nvGrpSpPr>
@@ -5262,9 +5467,11 @@
       <p:sp>
         <p:nvSpPr>
           <p:cNvPr id="50" name="Google Shape;50;p11"/>
-          <p:cNvSpPr txBox="1"/>
+          <p:cNvSpPr txBox="1">
+            <a:spLocks noGrp="1"/>
+          </p:cNvSpPr>
           <p:nvPr>
-            <p:ph hasCustomPrompt="1" type="title"/>
+            <p:ph type="title" hasCustomPrompt="1"/>
           </p:nvPr>
         </p:nvSpPr>
         <p:spPr>
@@ -5277,7 +5484,7 @@
           </a:prstGeom>
         </p:spPr>
         <p:txBody>
-          <a:bodyPr anchorCtr="0" anchor="b" bIns="91425" lIns="91425" spcFirstLastPara="1" rIns="91425" wrap="square" tIns="91425">
+          <a:bodyPr spcFirstLastPara="1" wrap="square" lIns="91425" tIns="91425" rIns="91425" bIns="91425" anchor="b" anchorCtr="0">
             <a:noAutofit/>
           </a:bodyPr>
           <a:lstStyle>
@@ -5391,9 +5598,11 @@
       <p:sp>
         <p:nvSpPr>
           <p:cNvPr id="51" name="Google Shape;51;p11"/>
-          <p:cNvSpPr txBox="1"/>
+          <p:cNvSpPr txBox="1">
+            <a:spLocks noGrp="1"/>
+          </p:cNvSpPr>
           <p:nvPr>
-            <p:ph idx="1" type="body"/>
+            <p:ph type="body" idx="1"/>
           </p:nvPr>
         </p:nvSpPr>
         <p:spPr>
@@ -5406,11 +5615,11 @@
           </a:prstGeom>
         </p:spPr>
         <p:txBody>
-          <a:bodyPr anchorCtr="0" anchor="t" bIns="91425" lIns="91425" spcFirstLastPara="1" rIns="91425" wrap="square" tIns="91425">
+          <a:bodyPr spcFirstLastPara="1" wrap="square" lIns="91425" tIns="91425" rIns="91425" bIns="91425" anchor="t" anchorCtr="0">
             <a:noAutofit/>
           </a:bodyPr>
           <a:lstStyle>
-            <a:lvl1pPr indent="-342900" lvl="0" marL="457200" algn="ctr">
+            <a:lvl1pPr marL="457200" lvl="0" indent="-342900" algn="ctr">
               <a:spcBef>
                 <a:spcPts val="0"/>
               </a:spcBef>
@@ -5421,7 +5630,7 @@
               <a:buChar char="●"/>
               <a:defRPr/>
             </a:lvl1pPr>
-            <a:lvl2pPr indent="-317500" lvl="1" marL="914400" algn="ctr">
+            <a:lvl2pPr marL="914400" lvl="1" indent="-317500" algn="ctr">
               <a:spcBef>
                 <a:spcPts val="1600"/>
               </a:spcBef>
@@ -5432,7 +5641,7 @@
               <a:buChar char="○"/>
               <a:defRPr/>
             </a:lvl2pPr>
-            <a:lvl3pPr indent="-317500" lvl="2" marL="1371600" algn="ctr">
+            <a:lvl3pPr marL="1371600" lvl="2" indent="-317500" algn="ctr">
               <a:spcBef>
                 <a:spcPts val="1600"/>
               </a:spcBef>
@@ -5443,7 +5652,7 @@
               <a:buChar char="■"/>
               <a:defRPr/>
             </a:lvl3pPr>
-            <a:lvl4pPr indent="-317500" lvl="3" marL="1828800" algn="ctr">
+            <a:lvl4pPr marL="1828800" lvl="3" indent="-317500" algn="ctr">
               <a:spcBef>
                 <a:spcPts val="1600"/>
               </a:spcBef>
@@ -5454,7 +5663,7 @@
               <a:buChar char="●"/>
               <a:defRPr/>
             </a:lvl4pPr>
-            <a:lvl5pPr indent="-317500" lvl="4" marL="2286000" algn="ctr">
+            <a:lvl5pPr marL="2286000" lvl="4" indent="-317500" algn="ctr">
               <a:spcBef>
                 <a:spcPts val="1600"/>
               </a:spcBef>
@@ -5465,7 +5674,7 @@
               <a:buChar char="○"/>
               <a:defRPr/>
             </a:lvl5pPr>
-            <a:lvl6pPr indent="-317500" lvl="5" marL="2743200" algn="ctr">
+            <a:lvl6pPr marL="2743200" lvl="5" indent="-317500" algn="ctr">
               <a:spcBef>
                 <a:spcPts val="1600"/>
               </a:spcBef>
@@ -5476,7 +5685,7 @@
               <a:buChar char="■"/>
               <a:defRPr/>
             </a:lvl6pPr>
-            <a:lvl7pPr indent="-317500" lvl="6" marL="3200400" algn="ctr">
+            <a:lvl7pPr marL="3200400" lvl="6" indent="-317500" algn="ctr">
               <a:spcBef>
                 <a:spcPts val="1600"/>
               </a:spcBef>
@@ -5487,7 +5696,7 @@
               <a:buChar char="●"/>
               <a:defRPr/>
             </a:lvl7pPr>
-            <a:lvl8pPr indent="-317500" lvl="7" marL="3657600" algn="ctr">
+            <a:lvl8pPr marL="3657600" lvl="7" indent="-317500" algn="ctr">
               <a:spcBef>
                 <a:spcPts val="1600"/>
               </a:spcBef>
@@ -5498,7 +5707,7 @@
               <a:buChar char="○"/>
               <a:defRPr/>
             </a:lvl8pPr>
-            <a:lvl9pPr indent="-317500" lvl="8" marL="4114800" algn="ctr">
+            <a:lvl9pPr marL="4114800" lvl="8" indent="-317500" algn="ctr">
               <a:spcBef>
                 <a:spcPts val="1600"/>
               </a:spcBef>
@@ -5510,15 +5719,19 @@
               <a:defRPr/>
             </a:lvl9pPr>
           </a:lstStyle>
-          <a:p/>
+          <a:p>
+            <a:endParaRPr/>
+          </a:p>
         </p:txBody>
       </p:sp>
       <p:sp>
         <p:nvSpPr>
           <p:cNvPr id="52" name="Google Shape;52;p11"/>
-          <p:cNvSpPr txBox="1"/>
+          <p:cNvSpPr txBox="1">
+            <a:spLocks noGrp="1"/>
+          </p:cNvSpPr>
           <p:nvPr>
-            <p:ph idx="12" type="sldNum"/>
+            <p:ph type="sldNum" idx="12"/>
           </p:nvPr>
         </p:nvSpPr>
         <p:spPr>
@@ -5531,7 +5744,7 @@
           </a:prstGeom>
         </p:spPr>
         <p:txBody>
-          <a:bodyPr anchorCtr="0" anchor="ctr" bIns="91425" lIns="91425" spcFirstLastPara="1" rIns="91425" wrap="square" tIns="91425">
+          <a:bodyPr spcFirstLastPara="1" wrap="square" lIns="91425" tIns="91425" rIns="91425" bIns="91425" anchor="ctr" anchorCtr="0">
             <a:noAutofit/>
           </a:bodyPr>
           <a:lstStyle>
@@ -5573,7 +5786,7 @@
             </a:lvl9pPr>
           </a:lstStyle>
           <a:p>
-            <a:pPr indent="0" lvl="0" marL="0" rtl="0" algn="r">
+            <a:pPr marL="0" lvl="0" indent="0" algn="r" rtl="0">
               <a:spcBef>
                 <a:spcPts val="0"/>
               </a:spcBef>
@@ -5599,11 +5812,11 @@
 </file>
 
 <file path=ppt/slideLayouts/slideLayout11.xml><?xml version="1.0" encoding="utf-8"?>
-<p:sldLayout xmlns:a="http://schemas.openxmlformats.org/drawingml/2006/main" xmlns:r="http://schemas.openxmlformats.org/officeDocument/2006/relationships" xmlns:mc="http://schemas.openxmlformats.org/markup-compatibility/2006" xmlns:mv="urn:schemas-microsoft-com:mac:vml" xmlns:p="http://schemas.openxmlformats.org/presentationml/2006/main" xmlns:c="http://schemas.openxmlformats.org/drawingml/2006/chart" xmlns:dgm="http://schemas.openxmlformats.org/drawingml/2006/diagram" xmlns:o="urn:schemas-microsoft-com:office:office" xmlns:v="urn:schemas-microsoft-com:vml" xmlns:pvml="urn:schemas-microsoft-com:office:powerpoint" xmlns:com="http://schemas.openxmlformats.org/drawingml/2006/compatibility" xmlns:p14="http://schemas.microsoft.com/office/powerpoint/2010/main" xmlns:p15="http://schemas.microsoft.com/office/powerpoint/2012/main" matchingName="Blank" type="blank">
+<p:sldLayout xmlns:a="http://schemas.openxmlformats.org/drawingml/2006/main" xmlns:r="http://schemas.openxmlformats.org/officeDocument/2006/relationships" xmlns:p="http://schemas.openxmlformats.org/presentationml/2006/main" matchingName="Blank" type="blank">
   <p:cSld name="BLANK">
     <p:spTree>
       <p:nvGrpSpPr>
-        <p:cNvPr id="53" name="Shape 53"/>
+        <p:cNvPr id="1" name="Shape 53"/>
         <p:cNvGrpSpPr/>
         <p:nvPr/>
       </p:nvGrpSpPr>
@@ -5618,9 +5831,11 @@
       <p:sp>
         <p:nvSpPr>
           <p:cNvPr id="54" name="Google Shape;54;p12"/>
-          <p:cNvSpPr txBox="1"/>
+          <p:cNvSpPr txBox="1">
+            <a:spLocks noGrp="1"/>
+          </p:cNvSpPr>
           <p:nvPr>
-            <p:ph idx="12" type="sldNum"/>
+            <p:ph type="sldNum" idx="12"/>
           </p:nvPr>
         </p:nvSpPr>
         <p:spPr>
@@ -5633,7 +5848,7 @@
           </a:prstGeom>
         </p:spPr>
         <p:txBody>
-          <a:bodyPr anchorCtr="0" anchor="ctr" bIns="91425" lIns="91425" spcFirstLastPara="1" rIns="91425" wrap="square" tIns="91425">
+          <a:bodyPr spcFirstLastPara="1" wrap="square" lIns="91425" tIns="91425" rIns="91425" bIns="91425" anchor="ctr" anchorCtr="0">
             <a:noAutofit/>
           </a:bodyPr>
           <a:lstStyle>
@@ -5675,7 +5890,7 @@
             </a:lvl9pPr>
           </a:lstStyle>
           <a:p>
-            <a:pPr indent="0" lvl="0" marL="0" rtl="0" algn="r">
+            <a:pPr marL="0" lvl="0" indent="0" algn="r" rtl="0">
               <a:spcBef>
                 <a:spcPts val="0"/>
               </a:spcBef>
@@ -5701,11 +5916,11 @@
 </file>
 
 <file path=ppt/slideLayouts/slideLayout2.xml><?xml version="1.0" encoding="utf-8"?>
-<p:sldLayout xmlns:a="http://schemas.openxmlformats.org/drawingml/2006/main" xmlns:r="http://schemas.openxmlformats.org/officeDocument/2006/relationships" xmlns:mc="http://schemas.openxmlformats.org/markup-compatibility/2006" xmlns:mv="urn:schemas-microsoft-com:mac:vml" xmlns:p="http://schemas.openxmlformats.org/presentationml/2006/main" xmlns:c="http://schemas.openxmlformats.org/drawingml/2006/chart" xmlns:dgm="http://schemas.openxmlformats.org/drawingml/2006/diagram" xmlns:o="urn:schemas-microsoft-com:office:office" xmlns:v="urn:schemas-microsoft-com:vml" xmlns:pvml="urn:schemas-microsoft-com:office:powerpoint" xmlns:com="http://schemas.openxmlformats.org/drawingml/2006/compatibility" xmlns:p14="http://schemas.microsoft.com/office/powerpoint/2010/main" xmlns:p15="http://schemas.microsoft.com/office/powerpoint/2012/main" matchingName="Section header" type="secHead">
+<p:sldLayout xmlns:a="http://schemas.openxmlformats.org/drawingml/2006/main" xmlns:r="http://schemas.openxmlformats.org/officeDocument/2006/relationships" xmlns:p="http://schemas.openxmlformats.org/presentationml/2006/main" matchingName="Section header" type="secHead">
   <p:cSld name="SECTION_HEADER">
     <p:spTree>
       <p:nvGrpSpPr>
-        <p:cNvPr id="17" name="Shape 17"/>
+        <p:cNvPr id="1" name="Shape 17"/>
         <p:cNvGrpSpPr/>
         <p:nvPr/>
       </p:nvGrpSpPr>
@@ -5720,7 +5935,9 @@
       <p:sp>
         <p:nvSpPr>
           <p:cNvPr id="18" name="Google Shape;18;p3"/>
-          <p:cNvSpPr txBox="1"/>
+          <p:cNvSpPr txBox="1">
+            <a:spLocks noGrp="1"/>
+          </p:cNvSpPr>
           <p:nvPr>
             <p:ph type="title"/>
           </p:nvPr>
@@ -5735,7 +5952,7 @@
           </a:prstGeom>
         </p:spPr>
         <p:txBody>
-          <a:bodyPr anchorCtr="0" anchor="ctr" bIns="91425" lIns="91425" spcFirstLastPara="1" rIns="91425" wrap="square" tIns="91425">
+          <a:bodyPr spcFirstLastPara="1" wrap="square" lIns="91425" tIns="91425" rIns="91425" bIns="91425" anchor="ctr" anchorCtr="0">
             <a:noAutofit/>
           </a:bodyPr>
           <a:lstStyle>
@@ -5839,15 +6056,19 @@
               <a:defRPr sz="3600"/>
             </a:lvl9pPr>
           </a:lstStyle>
-          <a:p/>
+          <a:p>
+            <a:endParaRPr/>
+          </a:p>
         </p:txBody>
       </p:sp>
       <p:sp>
         <p:nvSpPr>
           <p:cNvPr id="19" name="Google Shape;19;p3"/>
-          <p:cNvSpPr txBox="1"/>
+          <p:cNvSpPr txBox="1">
+            <a:spLocks noGrp="1"/>
+          </p:cNvSpPr>
           <p:nvPr>
-            <p:ph idx="12" type="sldNum"/>
+            <p:ph type="sldNum" idx="12"/>
           </p:nvPr>
         </p:nvSpPr>
         <p:spPr>
@@ -5860,7 +6081,7 @@
           </a:prstGeom>
         </p:spPr>
         <p:txBody>
-          <a:bodyPr anchorCtr="0" anchor="ctr" bIns="91425" lIns="91425" spcFirstLastPara="1" rIns="91425" wrap="square" tIns="91425">
+          <a:bodyPr spcFirstLastPara="1" wrap="square" lIns="91425" tIns="91425" rIns="91425" bIns="91425" anchor="ctr" anchorCtr="0">
             <a:noAutofit/>
           </a:bodyPr>
           <a:lstStyle>
@@ -5902,7 +6123,7 @@
             </a:lvl9pPr>
           </a:lstStyle>
           <a:p>
-            <a:pPr indent="0" lvl="0" marL="0" rtl="0" algn="r">
+            <a:pPr marL="0" lvl="0" indent="0" algn="r" rtl="0">
               <a:spcBef>
                 <a:spcPts val="0"/>
               </a:spcBef>
@@ -5928,11 +6149,11 @@
 </file>
 
 <file path=ppt/slideLayouts/slideLayout3.xml><?xml version="1.0" encoding="utf-8"?>
-<p:sldLayout xmlns:a="http://schemas.openxmlformats.org/drawingml/2006/main" xmlns:r="http://schemas.openxmlformats.org/officeDocument/2006/relationships" xmlns:mc="http://schemas.openxmlformats.org/markup-compatibility/2006" xmlns:mv="urn:schemas-microsoft-com:mac:vml" xmlns:p="http://schemas.openxmlformats.org/presentationml/2006/main" xmlns:c="http://schemas.openxmlformats.org/drawingml/2006/chart" xmlns:dgm="http://schemas.openxmlformats.org/drawingml/2006/diagram" xmlns:o="urn:schemas-microsoft-com:office:office" xmlns:v="urn:schemas-microsoft-com:vml" xmlns:pvml="urn:schemas-microsoft-com:office:powerpoint" xmlns:com="http://schemas.openxmlformats.org/drawingml/2006/compatibility" xmlns:p14="http://schemas.microsoft.com/office/powerpoint/2010/main" xmlns:p15="http://schemas.microsoft.com/office/powerpoint/2012/main" matchingName="Title and body" type="tx">
+<p:sldLayout xmlns:a="http://schemas.openxmlformats.org/drawingml/2006/main" xmlns:r="http://schemas.openxmlformats.org/officeDocument/2006/relationships" xmlns:p="http://schemas.openxmlformats.org/presentationml/2006/main" matchingName="Title and body" type="tx">
   <p:cSld name="TITLE_AND_BODY">
     <p:spTree>
       <p:nvGrpSpPr>
-        <p:cNvPr id="20" name="Shape 20"/>
+        <p:cNvPr id="1" name="Shape 20"/>
         <p:cNvGrpSpPr/>
         <p:nvPr/>
       </p:nvGrpSpPr>
@@ -5947,7 +6168,9 @@
       <p:sp>
         <p:nvSpPr>
           <p:cNvPr id="21" name="Google Shape;21;p4"/>
-          <p:cNvSpPr txBox="1"/>
+          <p:cNvSpPr txBox="1">
+            <a:spLocks noGrp="1"/>
+          </p:cNvSpPr>
           <p:nvPr>
             <p:ph type="title"/>
           </p:nvPr>
@@ -5962,7 +6185,7 @@
           </a:prstGeom>
         </p:spPr>
         <p:txBody>
-          <a:bodyPr anchorCtr="0" anchor="t" bIns="91425" lIns="91425" spcFirstLastPara="1" rIns="91425" wrap="square" tIns="91425">
+          <a:bodyPr spcFirstLastPara="1" wrap="square" lIns="91425" tIns="91425" rIns="91425" bIns="91425" anchor="t" anchorCtr="0">
             <a:noAutofit/>
           </a:bodyPr>
           <a:lstStyle>
@@ -6066,15 +6289,19 @@
               <a:defRPr/>
             </a:lvl9pPr>
           </a:lstStyle>
-          <a:p/>
+          <a:p>
+            <a:endParaRPr/>
+          </a:p>
         </p:txBody>
       </p:sp>
       <p:sp>
         <p:nvSpPr>
           <p:cNvPr id="22" name="Google Shape;22;p4"/>
-          <p:cNvSpPr txBox="1"/>
+          <p:cNvSpPr txBox="1">
+            <a:spLocks noGrp="1"/>
+          </p:cNvSpPr>
           <p:nvPr>
-            <p:ph idx="1" type="body"/>
+            <p:ph type="body" idx="1"/>
           </p:nvPr>
         </p:nvSpPr>
         <p:spPr>
@@ -6087,11 +6314,11 @@
           </a:prstGeom>
         </p:spPr>
         <p:txBody>
-          <a:bodyPr anchorCtr="0" anchor="t" bIns="91425" lIns="91425" spcFirstLastPara="1" rIns="91425" wrap="square" tIns="91425">
+          <a:bodyPr spcFirstLastPara="1" wrap="square" lIns="91425" tIns="91425" rIns="91425" bIns="91425" anchor="t" anchorCtr="0">
             <a:noAutofit/>
           </a:bodyPr>
           <a:lstStyle>
-            <a:lvl1pPr indent="-342900" lvl="0" marL="457200">
+            <a:lvl1pPr marL="457200" lvl="0" indent="-342900">
               <a:spcBef>
                 <a:spcPts val="0"/>
               </a:spcBef>
@@ -6102,7 +6329,7 @@
               <a:buChar char="●"/>
               <a:defRPr/>
             </a:lvl1pPr>
-            <a:lvl2pPr indent="-317500" lvl="1" marL="914400">
+            <a:lvl2pPr marL="914400" lvl="1" indent="-317500">
               <a:spcBef>
                 <a:spcPts val="1600"/>
               </a:spcBef>
@@ -6113,7 +6340,7 @@
               <a:buChar char="○"/>
               <a:defRPr/>
             </a:lvl2pPr>
-            <a:lvl3pPr indent="-317500" lvl="2" marL="1371600">
+            <a:lvl3pPr marL="1371600" lvl="2" indent="-317500">
               <a:spcBef>
                 <a:spcPts val="1600"/>
               </a:spcBef>
@@ -6124,7 +6351,7 @@
               <a:buChar char="■"/>
               <a:defRPr/>
             </a:lvl3pPr>
-            <a:lvl4pPr indent="-317500" lvl="3" marL="1828800">
+            <a:lvl4pPr marL="1828800" lvl="3" indent="-317500">
               <a:spcBef>
                 <a:spcPts val="1600"/>
               </a:spcBef>
@@ -6135,7 +6362,7 @@
               <a:buChar char="●"/>
               <a:defRPr/>
             </a:lvl4pPr>
-            <a:lvl5pPr indent="-317500" lvl="4" marL="2286000">
+            <a:lvl5pPr marL="2286000" lvl="4" indent="-317500">
               <a:spcBef>
                 <a:spcPts val="1600"/>
               </a:spcBef>
@@ -6146,7 +6373,7 @@
               <a:buChar char="○"/>
               <a:defRPr/>
             </a:lvl5pPr>
-            <a:lvl6pPr indent="-317500" lvl="5" marL="2743200">
+            <a:lvl6pPr marL="2743200" lvl="5" indent="-317500">
               <a:spcBef>
                 <a:spcPts val="1600"/>
               </a:spcBef>
@@ -6157,7 +6384,7 @@
               <a:buChar char="■"/>
               <a:defRPr/>
             </a:lvl6pPr>
-            <a:lvl7pPr indent="-317500" lvl="6" marL="3200400">
+            <a:lvl7pPr marL="3200400" lvl="6" indent="-317500">
               <a:spcBef>
                 <a:spcPts val="1600"/>
               </a:spcBef>
@@ -6168,7 +6395,7 @@
               <a:buChar char="●"/>
               <a:defRPr/>
             </a:lvl7pPr>
-            <a:lvl8pPr indent="-317500" lvl="7" marL="3657600">
+            <a:lvl8pPr marL="3657600" lvl="7" indent="-317500">
               <a:spcBef>
                 <a:spcPts val="1600"/>
               </a:spcBef>
@@ -6179,7 +6406,7 @@
               <a:buChar char="○"/>
               <a:defRPr/>
             </a:lvl8pPr>
-            <a:lvl9pPr indent="-317500" lvl="8" marL="4114800">
+            <a:lvl9pPr marL="4114800" lvl="8" indent="-317500">
               <a:spcBef>
                 <a:spcPts val="1600"/>
               </a:spcBef>
@@ -6191,15 +6418,19 @@
               <a:defRPr/>
             </a:lvl9pPr>
           </a:lstStyle>
-          <a:p/>
+          <a:p>
+            <a:endParaRPr/>
+          </a:p>
         </p:txBody>
       </p:sp>
       <p:sp>
         <p:nvSpPr>
           <p:cNvPr id="23" name="Google Shape;23;p4"/>
-          <p:cNvSpPr txBox="1"/>
+          <p:cNvSpPr txBox="1">
+            <a:spLocks noGrp="1"/>
+          </p:cNvSpPr>
           <p:nvPr>
-            <p:ph idx="12" type="sldNum"/>
+            <p:ph type="sldNum" idx="12"/>
           </p:nvPr>
         </p:nvSpPr>
         <p:spPr>
@@ -6212,7 +6443,7 @@
           </a:prstGeom>
         </p:spPr>
         <p:txBody>
-          <a:bodyPr anchorCtr="0" anchor="ctr" bIns="91425" lIns="91425" spcFirstLastPara="1" rIns="91425" wrap="square" tIns="91425">
+          <a:bodyPr spcFirstLastPara="1" wrap="square" lIns="91425" tIns="91425" rIns="91425" bIns="91425" anchor="ctr" anchorCtr="0">
             <a:noAutofit/>
           </a:bodyPr>
           <a:lstStyle>
@@ -6254,7 +6485,7 @@
             </a:lvl9pPr>
           </a:lstStyle>
           <a:p>
-            <a:pPr indent="0" lvl="0" marL="0" rtl="0" algn="r">
+            <a:pPr marL="0" lvl="0" indent="0" algn="r" rtl="0">
               <a:spcBef>
                 <a:spcPts val="0"/>
               </a:spcBef>
@@ -6280,11 +6511,11 @@
 </file>
 
 <file path=ppt/slideLayouts/slideLayout4.xml><?xml version="1.0" encoding="utf-8"?>
-<p:sldLayout xmlns:a="http://schemas.openxmlformats.org/drawingml/2006/main" xmlns:r="http://schemas.openxmlformats.org/officeDocument/2006/relationships" xmlns:mc="http://schemas.openxmlformats.org/markup-compatibility/2006" xmlns:mv="urn:schemas-microsoft-com:mac:vml" xmlns:p="http://schemas.openxmlformats.org/presentationml/2006/main" xmlns:c="http://schemas.openxmlformats.org/drawingml/2006/chart" xmlns:dgm="http://schemas.openxmlformats.org/drawingml/2006/diagram" xmlns:o="urn:schemas-microsoft-com:office:office" xmlns:v="urn:schemas-microsoft-com:vml" xmlns:pvml="urn:schemas-microsoft-com:office:powerpoint" xmlns:com="http://schemas.openxmlformats.org/drawingml/2006/compatibility" xmlns:p14="http://schemas.microsoft.com/office/powerpoint/2010/main" xmlns:p15="http://schemas.microsoft.com/office/powerpoint/2012/main" matchingName="Title and two columns" type="twoColTx">
+<p:sldLayout xmlns:a="http://schemas.openxmlformats.org/drawingml/2006/main" xmlns:r="http://schemas.openxmlformats.org/officeDocument/2006/relationships" xmlns:p="http://schemas.openxmlformats.org/presentationml/2006/main" matchingName="Title and two columns" type="twoColTx">
   <p:cSld name="TITLE_AND_TWO_COLUMNS">
     <p:spTree>
       <p:nvGrpSpPr>
-        <p:cNvPr id="24" name="Shape 24"/>
+        <p:cNvPr id="1" name="Shape 24"/>
         <p:cNvGrpSpPr/>
         <p:nvPr/>
       </p:nvGrpSpPr>
@@ -6299,7 +6530,9 @@
       <p:sp>
         <p:nvSpPr>
           <p:cNvPr id="25" name="Google Shape;25;p5"/>
-          <p:cNvSpPr txBox="1"/>
+          <p:cNvSpPr txBox="1">
+            <a:spLocks noGrp="1"/>
+          </p:cNvSpPr>
           <p:nvPr>
             <p:ph type="title"/>
           </p:nvPr>
@@ -6314,7 +6547,7 @@
           </a:prstGeom>
         </p:spPr>
         <p:txBody>
-          <a:bodyPr anchorCtr="0" anchor="t" bIns="91425" lIns="91425" spcFirstLastPara="1" rIns="91425" wrap="square" tIns="91425">
+          <a:bodyPr spcFirstLastPara="1" wrap="square" lIns="91425" tIns="91425" rIns="91425" bIns="91425" anchor="t" anchorCtr="0">
             <a:noAutofit/>
           </a:bodyPr>
           <a:lstStyle>
@@ -6418,15 +6651,19 @@
               <a:defRPr/>
             </a:lvl9pPr>
           </a:lstStyle>
-          <a:p/>
+          <a:p>
+            <a:endParaRPr/>
+          </a:p>
         </p:txBody>
       </p:sp>
       <p:sp>
         <p:nvSpPr>
           <p:cNvPr id="26" name="Google Shape;26;p5"/>
-          <p:cNvSpPr txBox="1"/>
+          <p:cNvSpPr txBox="1">
+            <a:spLocks noGrp="1"/>
+          </p:cNvSpPr>
           <p:nvPr>
-            <p:ph idx="1" type="body"/>
+            <p:ph type="body" idx="1"/>
           </p:nvPr>
         </p:nvSpPr>
         <p:spPr>
@@ -6439,11 +6676,11 @@
           </a:prstGeom>
         </p:spPr>
         <p:txBody>
-          <a:bodyPr anchorCtr="0" anchor="t" bIns="91425" lIns="91425" spcFirstLastPara="1" rIns="91425" wrap="square" tIns="91425">
+          <a:bodyPr spcFirstLastPara="1" wrap="square" lIns="91425" tIns="91425" rIns="91425" bIns="91425" anchor="t" anchorCtr="0">
             <a:noAutofit/>
           </a:bodyPr>
           <a:lstStyle>
-            <a:lvl1pPr indent="-317500" lvl="0" marL="457200">
+            <a:lvl1pPr marL="457200" lvl="0" indent="-317500">
               <a:spcBef>
                 <a:spcPts val="0"/>
               </a:spcBef>
@@ -6454,7 +6691,7 @@
               <a:buChar char="●"/>
               <a:defRPr sz="1400"/>
             </a:lvl1pPr>
-            <a:lvl2pPr indent="-304800" lvl="1" marL="914400">
+            <a:lvl2pPr marL="914400" lvl="1" indent="-304800">
               <a:spcBef>
                 <a:spcPts val="1600"/>
               </a:spcBef>
@@ -6465,7 +6702,7 @@
               <a:buChar char="○"/>
               <a:defRPr sz="1200"/>
             </a:lvl2pPr>
-            <a:lvl3pPr indent="-304800" lvl="2" marL="1371600">
+            <a:lvl3pPr marL="1371600" lvl="2" indent="-304800">
               <a:spcBef>
                 <a:spcPts val="1600"/>
               </a:spcBef>
@@ -6476,7 +6713,7 @@
               <a:buChar char="■"/>
               <a:defRPr sz="1200"/>
             </a:lvl3pPr>
-            <a:lvl4pPr indent="-304800" lvl="3" marL="1828800">
+            <a:lvl4pPr marL="1828800" lvl="3" indent="-304800">
               <a:spcBef>
                 <a:spcPts val="1600"/>
               </a:spcBef>
@@ -6487,7 +6724,7 @@
               <a:buChar char="●"/>
               <a:defRPr sz="1200"/>
             </a:lvl4pPr>
-            <a:lvl5pPr indent="-304800" lvl="4" marL="2286000">
+            <a:lvl5pPr marL="2286000" lvl="4" indent="-304800">
               <a:spcBef>
                 <a:spcPts val="1600"/>
               </a:spcBef>
@@ -6498,7 +6735,7 @@
               <a:buChar char="○"/>
               <a:defRPr sz="1200"/>
             </a:lvl5pPr>
-            <a:lvl6pPr indent="-304800" lvl="5" marL="2743200">
+            <a:lvl6pPr marL="2743200" lvl="5" indent="-304800">
               <a:spcBef>
                 <a:spcPts val="1600"/>
               </a:spcBef>
@@ -6509,7 +6746,7 @@
               <a:buChar char="■"/>
               <a:defRPr sz="1200"/>
             </a:lvl6pPr>
-            <a:lvl7pPr indent="-304800" lvl="6" marL="3200400">
+            <a:lvl7pPr marL="3200400" lvl="6" indent="-304800">
               <a:spcBef>
                 <a:spcPts val="1600"/>
               </a:spcBef>
@@ -6520,7 +6757,7 @@
               <a:buChar char="●"/>
               <a:defRPr sz="1200"/>
             </a:lvl7pPr>
-            <a:lvl8pPr indent="-304800" lvl="7" marL="3657600">
+            <a:lvl8pPr marL="3657600" lvl="7" indent="-304800">
               <a:spcBef>
                 <a:spcPts val="1600"/>
               </a:spcBef>
@@ -6531,7 +6768,7 @@
               <a:buChar char="○"/>
               <a:defRPr sz="1200"/>
             </a:lvl8pPr>
-            <a:lvl9pPr indent="-304800" lvl="8" marL="4114800">
+            <a:lvl9pPr marL="4114800" lvl="8" indent="-304800">
               <a:spcBef>
                 <a:spcPts val="1600"/>
               </a:spcBef>
@@ -6543,15 +6780,19 @@
               <a:defRPr sz="1200"/>
             </a:lvl9pPr>
           </a:lstStyle>
-          <a:p/>
+          <a:p>
+            <a:endParaRPr/>
+          </a:p>
         </p:txBody>
       </p:sp>
       <p:sp>
         <p:nvSpPr>
           <p:cNvPr id="27" name="Google Shape;27;p5"/>
-          <p:cNvSpPr txBox="1"/>
+          <p:cNvSpPr txBox="1">
+            <a:spLocks noGrp="1"/>
+          </p:cNvSpPr>
           <p:nvPr>
-            <p:ph idx="2" type="body"/>
+            <p:ph type="body" idx="2"/>
           </p:nvPr>
         </p:nvSpPr>
         <p:spPr>
@@ -6564,11 +6805,11 @@
           </a:prstGeom>
         </p:spPr>
         <p:txBody>
-          <a:bodyPr anchorCtr="0" anchor="t" bIns="91425" lIns="91425" spcFirstLastPara="1" rIns="91425" wrap="square" tIns="91425">
+          <a:bodyPr spcFirstLastPara="1" wrap="square" lIns="91425" tIns="91425" rIns="91425" bIns="91425" anchor="t" anchorCtr="0">
             <a:noAutofit/>
           </a:bodyPr>
           <a:lstStyle>
-            <a:lvl1pPr indent="-317500" lvl="0" marL="457200">
+            <a:lvl1pPr marL="457200" lvl="0" indent="-317500">
               <a:spcBef>
                 <a:spcPts val="0"/>
               </a:spcBef>
@@ -6579,7 +6820,7 @@
               <a:buChar char="●"/>
               <a:defRPr sz="1400"/>
             </a:lvl1pPr>
-            <a:lvl2pPr indent="-304800" lvl="1" marL="914400">
+            <a:lvl2pPr marL="914400" lvl="1" indent="-304800">
               <a:spcBef>
                 <a:spcPts val="1600"/>
               </a:spcBef>
@@ -6590,7 +6831,7 @@
               <a:buChar char="○"/>
               <a:defRPr sz="1200"/>
             </a:lvl2pPr>
-            <a:lvl3pPr indent="-304800" lvl="2" marL="1371600">
+            <a:lvl3pPr marL="1371600" lvl="2" indent="-304800">
               <a:spcBef>
                 <a:spcPts val="1600"/>
               </a:spcBef>
@@ -6601,7 +6842,7 @@
               <a:buChar char="■"/>
               <a:defRPr sz="1200"/>
             </a:lvl3pPr>
-            <a:lvl4pPr indent="-304800" lvl="3" marL="1828800">
+            <a:lvl4pPr marL="1828800" lvl="3" indent="-304800">
               <a:spcBef>
                 <a:spcPts val="1600"/>
               </a:spcBef>
@@ -6612,7 +6853,7 @@
               <a:buChar char="●"/>
               <a:defRPr sz="1200"/>
             </a:lvl4pPr>
-            <a:lvl5pPr indent="-304800" lvl="4" marL="2286000">
+            <a:lvl5pPr marL="2286000" lvl="4" indent="-304800">
               <a:spcBef>
                 <a:spcPts val="1600"/>
               </a:spcBef>
@@ -6623,7 +6864,7 @@
               <a:buChar char="○"/>
               <a:defRPr sz="1200"/>
             </a:lvl5pPr>
-            <a:lvl6pPr indent="-304800" lvl="5" marL="2743200">
+            <a:lvl6pPr marL="2743200" lvl="5" indent="-304800">
               <a:spcBef>
                 <a:spcPts val="1600"/>
               </a:spcBef>
@@ -6634,7 +6875,7 @@
               <a:buChar char="■"/>
               <a:defRPr sz="1200"/>
             </a:lvl6pPr>
-            <a:lvl7pPr indent="-304800" lvl="6" marL="3200400">
+            <a:lvl7pPr marL="3200400" lvl="6" indent="-304800">
               <a:spcBef>
                 <a:spcPts val="1600"/>
               </a:spcBef>
@@ -6645,7 +6886,7 @@
               <a:buChar char="●"/>
               <a:defRPr sz="1200"/>
             </a:lvl7pPr>
-            <a:lvl8pPr indent="-304800" lvl="7" marL="3657600">
+            <a:lvl8pPr marL="3657600" lvl="7" indent="-304800">
               <a:spcBef>
                 <a:spcPts val="1600"/>
               </a:spcBef>
@@ -6656,7 +6897,7 @@
               <a:buChar char="○"/>
               <a:defRPr sz="1200"/>
             </a:lvl8pPr>
-            <a:lvl9pPr indent="-304800" lvl="8" marL="4114800">
+            <a:lvl9pPr marL="4114800" lvl="8" indent="-304800">
               <a:spcBef>
                 <a:spcPts val="1600"/>
               </a:spcBef>
@@ -6668,15 +6909,19 @@
               <a:defRPr sz="1200"/>
             </a:lvl9pPr>
           </a:lstStyle>
-          <a:p/>
+          <a:p>
+            <a:endParaRPr/>
+          </a:p>
         </p:txBody>
       </p:sp>
       <p:sp>
         <p:nvSpPr>
           <p:cNvPr id="28" name="Google Shape;28;p5"/>
-          <p:cNvSpPr txBox="1"/>
+          <p:cNvSpPr txBox="1">
+            <a:spLocks noGrp="1"/>
+          </p:cNvSpPr>
           <p:nvPr>
-            <p:ph idx="12" type="sldNum"/>
+            <p:ph type="sldNum" idx="12"/>
           </p:nvPr>
         </p:nvSpPr>
         <p:spPr>
@@ -6689,7 +6934,7 @@
           </a:prstGeom>
         </p:spPr>
         <p:txBody>
-          <a:bodyPr anchorCtr="0" anchor="ctr" bIns="91425" lIns="91425" spcFirstLastPara="1" rIns="91425" wrap="square" tIns="91425">
+          <a:bodyPr spcFirstLastPara="1" wrap="square" lIns="91425" tIns="91425" rIns="91425" bIns="91425" anchor="ctr" anchorCtr="0">
             <a:noAutofit/>
           </a:bodyPr>
           <a:lstStyle>
@@ -6731,7 +6976,7 @@
             </a:lvl9pPr>
           </a:lstStyle>
           <a:p>
-            <a:pPr indent="0" lvl="0" marL="0" rtl="0" algn="r">
+            <a:pPr marL="0" lvl="0" indent="0" algn="r" rtl="0">
               <a:spcBef>
                 <a:spcPts val="0"/>
               </a:spcBef>
@@ -6757,11 +7002,11 @@
 </file>
 
 <file path=ppt/slideLayouts/slideLayout5.xml><?xml version="1.0" encoding="utf-8"?>
-<p:sldLayout xmlns:a="http://schemas.openxmlformats.org/drawingml/2006/main" xmlns:r="http://schemas.openxmlformats.org/officeDocument/2006/relationships" xmlns:mc="http://schemas.openxmlformats.org/markup-compatibility/2006" xmlns:mv="urn:schemas-microsoft-com:mac:vml" xmlns:p="http://schemas.openxmlformats.org/presentationml/2006/main" xmlns:c="http://schemas.openxmlformats.org/drawingml/2006/chart" xmlns:dgm="http://schemas.openxmlformats.org/drawingml/2006/diagram" xmlns:o="urn:schemas-microsoft-com:office:office" xmlns:v="urn:schemas-microsoft-com:vml" xmlns:pvml="urn:schemas-microsoft-com:office:powerpoint" xmlns:com="http://schemas.openxmlformats.org/drawingml/2006/compatibility" xmlns:p14="http://schemas.microsoft.com/office/powerpoint/2010/main" xmlns:p15="http://schemas.microsoft.com/office/powerpoint/2012/main" matchingName="Title only" type="titleOnly">
+<p:sldLayout xmlns:a="http://schemas.openxmlformats.org/drawingml/2006/main" xmlns:r="http://schemas.openxmlformats.org/officeDocument/2006/relationships" xmlns:p="http://schemas.openxmlformats.org/presentationml/2006/main" matchingName="Title only" type="titleOnly">
   <p:cSld name="TITLE_ONLY">
     <p:spTree>
       <p:nvGrpSpPr>
-        <p:cNvPr id="29" name="Shape 29"/>
+        <p:cNvPr id="1" name="Shape 29"/>
         <p:cNvGrpSpPr/>
         <p:nvPr/>
       </p:nvGrpSpPr>
@@ -6776,7 +7021,9 @@
       <p:sp>
         <p:nvSpPr>
           <p:cNvPr id="30" name="Google Shape;30;p6"/>
-          <p:cNvSpPr txBox="1"/>
+          <p:cNvSpPr txBox="1">
+            <a:spLocks noGrp="1"/>
+          </p:cNvSpPr>
           <p:nvPr>
             <p:ph type="title"/>
           </p:nvPr>
@@ -6791,7 +7038,7 @@
           </a:prstGeom>
         </p:spPr>
         <p:txBody>
-          <a:bodyPr anchorCtr="0" anchor="t" bIns="91425" lIns="91425" spcFirstLastPara="1" rIns="91425" wrap="square" tIns="91425">
+          <a:bodyPr spcFirstLastPara="1" wrap="square" lIns="91425" tIns="91425" rIns="91425" bIns="91425" anchor="t" anchorCtr="0">
             <a:noAutofit/>
           </a:bodyPr>
           <a:lstStyle>
@@ -6895,15 +7142,19 @@
               <a:defRPr/>
             </a:lvl9pPr>
           </a:lstStyle>
-          <a:p/>
+          <a:p>
+            <a:endParaRPr/>
+          </a:p>
         </p:txBody>
       </p:sp>
       <p:sp>
         <p:nvSpPr>
           <p:cNvPr id="31" name="Google Shape;31;p6"/>
-          <p:cNvSpPr txBox="1"/>
+          <p:cNvSpPr txBox="1">
+            <a:spLocks noGrp="1"/>
+          </p:cNvSpPr>
           <p:nvPr>
-            <p:ph idx="12" type="sldNum"/>
+            <p:ph type="sldNum" idx="12"/>
           </p:nvPr>
         </p:nvSpPr>
         <p:spPr>
@@ -6916,7 +7167,7 @@
           </a:prstGeom>
         </p:spPr>
         <p:txBody>
-          <a:bodyPr anchorCtr="0" anchor="ctr" bIns="91425" lIns="91425" spcFirstLastPara="1" rIns="91425" wrap="square" tIns="91425">
+          <a:bodyPr spcFirstLastPara="1" wrap="square" lIns="91425" tIns="91425" rIns="91425" bIns="91425" anchor="ctr" anchorCtr="0">
             <a:noAutofit/>
           </a:bodyPr>
           <a:lstStyle>
@@ -6958,7 +7209,7 @@
             </a:lvl9pPr>
           </a:lstStyle>
           <a:p>
-            <a:pPr indent="0" lvl="0" marL="0" rtl="0" algn="r">
+            <a:pPr marL="0" lvl="0" indent="0" algn="r" rtl="0">
               <a:spcBef>
                 <a:spcPts val="0"/>
               </a:spcBef>
@@ -6984,11 +7235,11 @@
 </file>
 
 <file path=ppt/slideLayouts/slideLayout6.xml><?xml version="1.0" encoding="utf-8"?>
-<p:sldLayout xmlns:a="http://schemas.openxmlformats.org/drawingml/2006/main" xmlns:r="http://schemas.openxmlformats.org/officeDocument/2006/relationships" xmlns:mc="http://schemas.openxmlformats.org/markup-compatibility/2006" xmlns:mv="urn:schemas-microsoft-com:mac:vml" xmlns:p="http://schemas.openxmlformats.org/presentationml/2006/main" xmlns:c="http://schemas.openxmlformats.org/drawingml/2006/chart" xmlns:dgm="http://schemas.openxmlformats.org/drawingml/2006/diagram" xmlns:o="urn:schemas-microsoft-com:office:office" xmlns:v="urn:schemas-microsoft-com:vml" xmlns:pvml="urn:schemas-microsoft-com:office:powerpoint" xmlns:com="http://schemas.openxmlformats.org/drawingml/2006/compatibility" xmlns:p14="http://schemas.microsoft.com/office/powerpoint/2010/main" xmlns:p15="http://schemas.microsoft.com/office/powerpoint/2012/main" matchingName="One column text">
+<p:sldLayout xmlns:a="http://schemas.openxmlformats.org/drawingml/2006/main" xmlns:r="http://schemas.openxmlformats.org/officeDocument/2006/relationships" xmlns:p="http://schemas.openxmlformats.org/presentationml/2006/main" matchingName="One column text">
   <p:cSld name="ONE_COLUMN_TEXT">
     <p:spTree>
       <p:nvGrpSpPr>
-        <p:cNvPr id="32" name="Shape 32"/>
+        <p:cNvPr id="1" name="Shape 32"/>
         <p:cNvGrpSpPr/>
         <p:nvPr/>
       </p:nvGrpSpPr>
@@ -7003,7 +7254,9 @@
       <p:sp>
         <p:nvSpPr>
           <p:cNvPr id="33" name="Google Shape;33;p7"/>
-          <p:cNvSpPr txBox="1"/>
+          <p:cNvSpPr txBox="1">
+            <a:spLocks noGrp="1"/>
+          </p:cNvSpPr>
           <p:nvPr>
             <p:ph type="title"/>
           </p:nvPr>
@@ -7018,7 +7271,7 @@
           </a:prstGeom>
         </p:spPr>
         <p:txBody>
-          <a:bodyPr anchorCtr="0" anchor="b" bIns="91425" lIns="91425" spcFirstLastPara="1" rIns="91425" wrap="square" tIns="91425">
+          <a:bodyPr spcFirstLastPara="1" wrap="square" lIns="91425" tIns="91425" rIns="91425" bIns="91425" anchor="b" anchorCtr="0">
             <a:noAutofit/>
           </a:bodyPr>
           <a:lstStyle>
@@ -7122,15 +7375,19 @@
               <a:defRPr sz="2400"/>
             </a:lvl9pPr>
           </a:lstStyle>
-          <a:p/>
+          <a:p>
+            <a:endParaRPr/>
+          </a:p>
         </p:txBody>
       </p:sp>
       <p:sp>
         <p:nvSpPr>
           <p:cNvPr id="34" name="Google Shape;34;p7"/>
-          <p:cNvSpPr txBox="1"/>
+          <p:cNvSpPr txBox="1">
+            <a:spLocks noGrp="1"/>
+          </p:cNvSpPr>
           <p:nvPr>
-            <p:ph idx="1" type="body"/>
+            <p:ph type="body" idx="1"/>
           </p:nvPr>
         </p:nvSpPr>
         <p:spPr>
@@ -7143,11 +7400,11 @@
           </a:prstGeom>
         </p:spPr>
         <p:txBody>
-          <a:bodyPr anchorCtr="0" anchor="t" bIns="91425" lIns="91425" spcFirstLastPara="1" rIns="91425" wrap="square" tIns="91425">
+          <a:bodyPr spcFirstLastPara="1" wrap="square" lIns="91425" tIns="91425" rIns="91425" bIns="91425" anchor="t" anchorCtr="0">
             <a:noAutofit/>
           </a:bodyPr>
           <a:lstStyle>
-            <a:lvl1pPr indent="-304800" lvl="0" marL="457200">
+            <a:lvl1pPr marL="457200" lvl="0" indent="-304800">
               <a:spcBef>
                 <a:spcPts val="0"/>
               </a:spcBef>
@@ -7158,7 +7415,7 @@
               <a:buChar char="●"/>
               <a:defRPr sz="1200"/>
             </a:lvl1pPr>
-            <a:lvl2pPr indent="-304800" lvl="1" marL="914400">
+            <a:lvl2pPr marL="914400" lvl="1" indent="-304800">
               <a:spcBef>
                 <a:spcPts val="1600"/>
               </a:spcBef>
@@ -7169,7 +7426,7 @@
               <a:buChar char="○"/>
               <a:defRPr sz="1200"/>
             </a:lvl2pPr>
-            <a:lvl3pPr indent="-304800" lvl="2" marL="1371600">
+            <a:lvl3pPr marL="1371600" lvl="2" indent="-304800">
               <a:spcBef>
                 <a:spcPts val="1600"/>
               </a:spcBef>
@@ -7180,7 +7437,7 @@
               <a:buChar char="■"/>
               <a:defRPr sz="1200"/>
             </a:lvl3pPr>
-            <a:lvl4pPr indent="-304800" lvl="3" marL="1828800">
+            <a:lvl4pPr marL="1828800" lvl="3" indent="-304800">
               <a:spcBef>
                 <a:spcPts val="1600"/>
               </a:spcBef>
@@ -7191,7 +7448,7 @@
               <a:buChar char="●"/>
               <a:defRPr sz="1200"/>
             </a:lvl4pPr>
-            <a:lvl5pPr indent="-304800" lvl="4" marL="2286000">
+            <a:lvl5pPr marL="2286000" lvl="4" indent="-304800">
               <a:spcBef>
                 <a:spcPts val="1600"/>
               </a:spcBef>
@@ -7202,7 +7459,7 @@
               <a:buChar char="○"/>
               <a:defRPr sz="1200"/>
             </a:lvl5pPr>
-            <a:lvl6pPr indent="-304800" lvl="5" marL="2743200">
+            <a:lvl6pPr marL="2743200" lvl="5" indent="-304800">
               <a:spcBef>
                 <a:spcPts val="1600"/>
               </a:spcBef>
@@ -7213,7 +7470,7 @@
               <a:buChar char="■"/>
               <a:defRPr sz="1200"/>
             </a:lvl6pPr>
-            <a:lvl7pPr indent="-304800" lvl="6" marL="3200400">
+            <a:lvl7pPr marL="3200400" lvl="6" indent="-304800">
               <a:spcBef>
                 <a:spcPts val="1600"/>
               </a:spcBef>
@@ -7224,7 +7481,7 @@
               <a:buChar char="●"/>
               <a:defRPr sz="1200"/>
             </a:lvl7pPr>
-            <a:lvl8pPr indent="-304800" lvl="7" marL="3657600">
+            <a:lvl8pPr marL="3657600" lvl="7" indent="-304800">
               <a:spcBef>
                 <a:spcPts val="1600"/>
               </a:spcBef>
@@ -7235,7 +7492,7 @@
               <a:buChar char="○"/>
               <a:defRPr sz="1200"/>
             </a:lvl8pPr>
-            <a:lvl9pPr indent="-304800" lvl="8" marL="4114800">
+            <a:lvl9pPr marL="4114800" lvl="8" indent="-304800">
               <a:spcBef>
                 <a:spcPts val="1600"/>
               </a:spcBef>
@@ -7247,15 +7504,19 @@
               <a:defRPr sz="1200"/>
             </a:lvl9pPr>
           </a:lstStyle>
-          <a:p/>
+          <a:p>
+            <a:endParaRPr/>
+          </a:p>
         </p:txBody>
       </p:sp>
       <p:sp>
         <p:nvSpPr>
           <p:cNvPr id="35" name="Google Shape;35;p7"/>
-          <p:cNvSpPr txBox="1"/>
+          <p:cNvSpPr txBox="1">
+            <a:spLocks noGrp="1"/>
+          </p:cNvSpPr>
           <p:nvPr>
-            <p:ph idx="12" type="sldNum"/>
+            <p:ph type="sldNum" idx="12"/>
           </p:nvPr>
         </p:nvSpPr>
         <p:spPr>
@@ -7268,7 +7529,7 @@
           </a:prstGeom>
         </p:spPr>
         <p:txBody>
-          <a:bodyPr anchorCtr="0" anchor="ctr" bIns="91425" lIns="91425" spcFirstLastPara="1" rIns="91425" wrap="square" tIns="91425">
+          <a:bodyPr spcFirstLastPara="1" wrap="square" lIns="91425" tIns="91425" rIns="91425" bIns="91425" anchor="ctr" anchorCtr="0">
             <a:noAutofit/>
           </a:bodyPr>
           <a:lstStyle>
@@ -7310,7 +7571,7 @@
             </a:lvl9pPr>
           </a:lstStyle>
           <a:p>
-            <a:pPr indent="0" lvl="0" marL="0" rtl="0" algn="r">
+            <a:pPr marL="0" lvl="0" indent="0" algn="r" rtl="0">
               <a:spcBef>
                 <a:spcPts val="0"/>
               </a:spcBef>
@@ -7336,18 +7597,19 @@
 </file>
 
 <file path=ppt/slideLayouts/slideLayout7.xml><?xml version="1.0" encoding="utf-8"?>
-<p:sldLayout xmlns:a="http://schemas.openxmlformats.org/drawingml/2006/main" xmlns:r="http://schemas.openxmlformats.org/officeDocument/2006/relationships" xmlns:mc="http://schemas.openxmlformats.org/markup-compatibility/2006" xmlns:mv="urn:schemas-microsoft-com:mac:vml" xmlns:p="http://schemas.openxmlformats.org/presentationml/2006/main" xmlns:c="http://schemas.openxmlformats.org/drawingml/2006/chart" xmlns:dgm="http://schemas.openxmlformats.org/drawingml/2006/diagram" xmlns:o="urn:schemas-microsoft-com:office:office" xmlns:v="urn:schemas-microsoft-com:vml" xmlns:pvml="urn:schemas-microsoft-com:office:powerpoint" xmlns:com="http://schemas.openxmlformats.org/drawingml/2006/compatibility" xmlns:p14="http://schemas.microsoft.com/office/powerpoint/2010/main" xmlns:p15="http://schemas.microsoft.com/office/powerpoint/2012/main" matchingName="Main point">
+<p:sldLayout xmlns:a="http://schemas.openxmlformats.org/drawingml/2006/main" xmlns:r="http://schemas.openxmlformats.org/officeDocument/2006/relationships" xmlns:p="http://schemas.openxmlformats.org/presentationml/2006/main" matchingName="Main point">
   <p:cSld name="MAIN_POINT">
     <p:bg>
       <p:bgPr>
         <a:solidFill>
           <a:schemeClr val="lt2"/>
         </a:solidFill>
+        <a:effectLst/>
       </p:bgPr>
     </p:bg>
     <p:spTree>
       <p:nvGrpSpPr>
-        <p:cNvPr id="36" name="Shape 36"/>
+        <p:cNvPr id="1" name="Shape 36"/>
         <p:cNvGrpSpPr/>
         <p:nvPr/>
       </p:nvGrpSpPr>
@@ -7362,7 +7624,9 @@
       <p:sp>
         <p:nvSpPr>
           <p:cNvPr id="37" name="Google Shape;37;p8"/>
-          <p:cNvSpPr txBox="1"/>
+          <p:cNvSpPr txBox="1">
+            <a:spLocks noGrp="1"/>
+          </p:cNvSpPr>
           <p:nvPr>
             <p:ph type="title"/>
           </p:nvPr>
@@ -7377,7 +7641,7 @@
           </a:prstGeom>
         </p:spPr>
         <p:txBody>
-          <a:bodyPr anchorCtr="0" anchor="ctr" bIns="91425" lIns="91425" spcFirstLastPara="1" rIns="91425" wrap="square" tIns="91425">
+          <a:bodyPr spcFirstLastPara="1" wrap="square" lIns="91425" tIns="91425" rIns="91425" bIns="91425" anchor="ctr" anchorCtr="0">
             <a:noAutofit/>
           </a:bodyPr>
           <a:lstStyle>
@@ -7544,15 +7808,19 @@
               </a:defRPr>
             </a:lvl9pPr>
           </a:lstStyle>
-          <a:p/>
+          <a:p>
+            <a:endParaRPr/>
+          </a:p>
         </p:txBody>
       </p:sp>
       <p:sp>
         <p:nvSpPr>
           <p:cNvPr id="38" name="Google Shape;38;p8"/>
-          <p:cNvSpPr txBox="1"/>
+          <p:cNvSpPr txBox="1">
+            <a:spLocks noGrp="1"/>
+          </p:cNvSpPr>
           <p:nvPr>
-            <p:ph idx="12" type="sldNum"/>
+            <p:ph type="sldNum" idx="12"/>
           </p:nvPr>
         </p:nvSpPr>
         <p:spPr>
@@ -7565,7 +7833,7 @@
           </a:prstGeom>
         </p:spPr>
         <p:txBody>
-          <a:bodyPr anchorCtr="0" anchor="ctr" bIns="91425" lIns="91425" spcFirstLastPara="1" rIns="91425" wrap="square" tIns="91425">
+          <a:bodyPr spcFirstLastPara="1" wrap="square" lIns="91425" tIns="91425" rIns="91425" bIns="91425" anchor="ctr" anchorCtr="0">
             <a:noAutofit/>
           </a:bodyPr>
           <a:lstStyle>
@@ -7643,7 +7911,7 @@
             </a:lvl9pPr>
           </a:lstStyle>
           <a:p>
-            <a:pPr indent="0" lvl="0" marL="0" rtl="0" algn="r">
+            <a:pPr marL="0" lvl="0" indent="0" algn="r" rtl="0">
               <a:spcBef>
                 <a:spcPts val="0"/>
               </a:spcBef>
@@ -7669,11 +7937,11 @@
 </file>
 
 <file path=ppt/slideLayouts/slideLayout8.xml><?xml version="1.0" encoding="utf-8"?>
-<p:sldLayout xmlns:a="http://schemas.openxmlformats.org/drawingml/2006/main" xmlns:r="http://schemas.openxmlformats.org/officeDocument/2006/relationships" xmlns:mc="http://schemas.openxmlformats.org/markup-compatibility/2006" xmlns:mv="urn:schemas-microsoft-com:mac:vml" xmlns:p="http://schemas.openxmlformats.org/presentationml/2006/main" xmlns:c="http://schemas.openxmlformats.org/drawingml/2006/chart" xmlns:dgm="http://schemas.openxmlformats.org/drawingml/2006/diagram" xmlns:o="urn:schemas-microsoft-com:office:office" xmlns:v="urn:schemas-microsoft-com:vml" xmlns:pvml="urn:schemas-microsoft-com:office:powerpoint" xmlns:com="http://schemas.openxmlformats.org/drawingml/2006/compatibility" xmlns:p14="http://schemas.microsoft.com/office/powerpoint/2010/main" xmlns:p15="http://schemas.microsoft.com/office/powerpoint/2012/main" matchingName="Section title and description">
+<p:sldLayout xmlns:a="http://schemas.openxmlformats.org/drawingml/2006/main" xmlns:r="http://schemas.openxmlformats.org/officeDocument/2006/relationships" xmlns:p="http://schemas.openxmlformats.org/presentationml/2006/main" matchingName="Section title and description">
   <p:cSld name="SECTION_TITLE_AND_DESCRIPTION">
     <p:spTree>
       <p:nvGrpSpPr>
-        <p:cNvPr id="39" name="Shape 39"/>
+        <p:cNvPr id="1" name="Shape 39"/>
         <p:cNvGrpSpPr/>
         <p:nvPr/>
       </p:nvGrpSpPr>
@@ -7707,23 +7975,20 @@
           </a:ln>
         </p:spPr>
         <p:txBody>
-          <a:bodyPr anchorCtr="0" anchor="ctr" bIns="91425" lIns="91425" spcFirstLastPara="1" rIns="91425" wrap="square" tIns="91425">
+          <a:bodyPr spcFirstLastPara="1" wrap="square" lIns="91425" tIns="91425" rIns="91425" bIns="91425" anchor="ctr" anchorCtr="0">
             <a:noAutofit/>
           </a:bodyPr>
           <a:lstStyle/>
           <a:p>
-            <a:pPr indent="0" lvl="0" marL="0" rtl="0" algn="l">
-              <a:spcBef>
-                <a:spcPts val="0"/>
-              </a:spcBef>
-              <a:spcAft>
-                <a:spcPts val="0"/>
-              </a:spcAft>
-              <a:buNone/>
-            </a:pPr>
-            <a:r>
-              <a:t/>
-            </a:r>
+            <a:pPr marL="0" lvl="0" indent="0" algn="l" rtl="0">
+              <a:spcBef>
+                <a:spcPts val="0"/>
+              </a:spcBef>
+              <a:spcAft>
+                <a:spcPts val="0"/>
+              </a:spcAft>
+              <a:buNone/>
+            </a:pPr>
             <a:endParaRPr/>
           </a:p>
         </p:txBody>
@@ -7743,21 +8008,23 @@
             <a:avLst/>
           </a:prstGeom>
           <a:noFill/>
-          <a:ln cap="flat" cmpd="sng" w="19050">
+          <a:ln w="19050" cap="flat" cmpd="sng">
             <a:solidFill>
               <a:schemeClr val="lt1"/>
             </a:solidFill>
             <a:prstDash val="solid"/>
             <a:round/>
-            <a:headEnd len="sm" w="sm" type="none"/>
-            <a:tailEnd len="sm" w="sm" type="none"/>
+            <a:headEnd type="none" w="sm" len="sm"/>
+            <a:tailEnd type="none" w="sm" len="sm"/>
           </a:ln>
         </p:spPr>
       </p:cxnSp>
       <p:sp>
         <p:nvSpPr>
           <p:cNvPr id="42" name="Google Shape;42;p9"/>
-          <p:cNvSpPr txBox="1"/>
+          <p:cNvSpPr txBox="1">
+            <a:spLocks noGrp="1"/>
+          </p:cNvSpPr>
           <p:nvPr>
             <p:ph type="title"/>
           </p:nvPr>
@@ -7772,7 +8039,7 @@
           </a:prstGeom>
         </p:spPr>
         <p:txBody>
-          <a:bodyPr anchorCtr="0" anchor="b" bIns="91425" lIns="91425" spcFirstLastPara="1" rIns="91425" wrap="square" tIns="91425">
+          <a:bodyPr spcFirstLastPara="1" wrap="square" lIns="91425" tIns="91425" rIns="91425" bIns="91425" anchor="b" anchorCtr="0">
             <a:noAutofit/>
           </a:bodyPr>
           <a:lstStyle>
@@ -7876,15 +8143,19 @@
               <a:defRPr sz="4200"/>
             </a:lvl9pPr>
           </a:lstStyle>
-          <a:p/>
+          <a:p>
+            <a:endParaRPr/>
+          </a:p>
         </p:txBody>
       </p:sp>
       <p:sp>
         <p:nvSpPr>
           <p:cNvPr id="43" name="Google Shape;43;p9"/>
-          <p:cNvSpPr txBox="1"/>
+          <p:cNvSpPr txBox="1">
+            <a:spLocks noGrp="1"/>
+          </p:cNvSpPr>
           <p:nvPr>
-            <p:ph idx="1" type="subTitle"/>
+            <p:ph type="subTitle" idx="1"/>
           </p:nvPr>
         </p:nvSpPr>
         <p:spPr>
@@ -7897,7 +8168,7 @@
           </a:prstGeom>
         </p:spPr>
         <p:txBody>
-          <a:bodyPr anchorCtr="0" anchor="t" bIns="91425" lIns="91425" spcFirstLastPara="1" rIns="91425" wrap="square" tIns="91425">
+          <a:bodyPr spcFirstLastPara="1" wrap="square" lIns="91425" tIns="91425" rIns="91425" bIns="91425" anchor="t" anchorCtr="0">
             <a:noAutofit/>
           </a:bodyPr>
           <a:lstStyle>
@@ -8091,15 +8362,19 @@
               </a:defRPr>
             </a:lvl9pPr>
           </a:lstStyle>
-          <a:p/>
+          <a:p>
+            <a:endParaRPr/>
+          </a:p>
         </p:txBody>
       </p:sp>
       <p:sp>
         <p:nvSpPr>
           <p:cNvPr id="44" name="Google Shape;44;p9"/>
-          <p:cNvSpPr txBox="1"/>
+          <p:cNvSpPr txBox="1">
+            <a:spLocks noGrp="1"/>
+          </p:cNvSpPr>
           <p:nvPr>
-            <p:ph idx="2" type="body"/>
+            <p:ph type="body" idx="2"/>
           </p:nvPr>
         </p:nvSpPr>
         <p:spPr>
@@ -8112,11 +8387,11 @@
           </a:prstGeom>
         </p:spPr>
         <p:txBody>
-          <a:bodyPr anchorCtr="0" anchor="ctr" bIns="91425" lIns="91425" spcFirstLastPara="1" rIns="91425" wrap="square" tIns="91425">
+          <a:bodyPr spcFirstLastPara="1" wrap="square" lIns="91425" tIns="91425" rIns="91425" bIns="91425" anchor="ctr" anchorCtr="0">
             <a:noAutofit/>
           </a:bodyPr>
           <a:lstStyle>
-            <a:lvl1pPr indent="-342900" lvl="0" marL="457200">
+            <a:lvl1pPr marL="457200" lvl="0" indent="-342900">
               <a:spcBef>
                 <a:spcPts val="0"/>
               </a:spcBef>
@@ -8134,7 +8409,7 @@
                 </a:solidFill>
               </a:defRPr>
             </a:lvl1pPr>
-            <a:lvl2pPr indent="-317500" lvl="1" marL="914400">
+            <a:lvl2pPr marL="914400" lvl="1" indent="-317500">
               <a:spcBef>
                 <a:spcPts val="1600"/>
               </a:spcBef>
@@ -8152,7 +8427,7 @@
                 </a:solidFill>
               </a:defRPr>
             </a:lvl2pPr>
-            <a:lvl3pPr indent="-317500" lvl="2" marL="1371600">
+            <a:lvl3pPr marL="1371600" lvl="2" indent="-317500">
               <a:spcBef>
                 <a:spcPts val="1600"/>
               </a:spcBef>
@@ -8170,7 +8445,7 @@
                 </a:solidFill>
               </a:defRPr>
             </a:lvl3pPr>
-            <a:lvl4pPr indent="-317500" lvl="3" marL="1828800">
+            <a:lvl4pPr marL="1828800" lvl="3" indent="-317500">
               <a:spcBef>
                 <a:spcPts val="1600"/>
               </a:spcBef>
@@ -8188,7 +8463,7 @@
                 </a:solidFill>
               </a:defRPr>
             </a:lvl4pPr>
-            <a:lvl5pPr indent="-317500" lvl="4" marL="2286000">
+            <a:lvl5pPr marL="2286000" lvl="4" indent="-317500">
               <a:spcBef>
                 <a:spcPts val="1600"/>
               </a:spcBef>
@@ -8206,7 +8481,7 @@
                 </a:solidFill>
               </a:defRPr>
             </a:lvl5pPr>
-            <a:lvl6pPr indent="-317500" lvl="5" marL="2743200">
+            <a:lvl6pPr marL="2743200" lvl="5" indent="-317500">
               <a:spcBef>
                 <a:spcPts val="1600"/>
               </a:spcBef>
@@ -8224,7 +8499,7 @@
                 </a:solidFill>
               </a:defRPr>
             </a:lvl6pPr>
-            <a:lvl7pPr indent="-317500" lvl="6" marL="3200400">
+            <a:lvl7pPr marL="3200400" lvl="6" indent="-317500">
               <a:spcBef>
                 <a:spcPts val="1600"/>
               </a:spcBef>
@@ -8242,7 +8517,7 @@
                 </a:solidFill>
               </a:defRPr>
             </a:lvl7pPr>
-            <a:lvl8pPr indent="-317500" lvl="7" marL="3657600">
+            <a:lvl8pPr marL="3657600" lvl="7" indent="-317500">
               <a:spcBef>
                 <a:spcPts val="1600"/>
               </a:spcBef>
@@ -8260,7 +8535,7 @@
                 </a:solidFill>
               </a:defRPr>
             </a:lvl8pPr>
-            <a:lvl9pPr indent="-317500" lvl="8" marL="4114800">
+            <a:lvl9pPr marL="4114800" lvl="8" indent="-317500">
               <a:spcBef>
                 <a:spcPts val="1600"/>
               </a:spcBef>
@@ -8279,15 +8554,19 @@
               </a:defRPr>
             </a:lvl9pPr>
           </a:lstStyle>
-          <a:p/>
+          <a:p>
+            <a:endParaRPr/>
+          </a:p>
         </p:txBody>
       </p:sp>
       <p:sp>
         <p:nvSpPr>
           <p:cNvPr id="45" name="Google Shape;45;p9"/>
-          <p:cNvSpPr txBox="1"/>
+          <p:cNvSpPr txBox="1">
+            <a:spLocks noGrp="1"/>
+          </p:cNvSpPr>
           <p:nvPr>
-            <p:ph idx="12" type="sldNum"/>
+            <p:ph type="sldNum" idx="12"/>
           </p:nvPr>
         </p:nvSpPr>
         <p:spPr>
@@ -8300,7 +8579,7 @@
           </a:prstGeom>
         </p:spPr>
         <p:txBody>
-          <a:bodyPr anchorCtr="0" anchor="ctr" bIns="91425" lIns="91425" spcFirstLastPara="1" rIns="91425" wrap="square" tIns="91425">
+          <a:bodyPr spcFirstLastPara="1" wrap="square" lIns="91425" tIns="91425" rIns="91425" bIns="91425" anchor="ctr" anchorCtr="0">
             <a:noAutofit/>
           </a:bodyPr>
           <a:lstStyle>
@@ -8378,7 +8657,7 @@
             </a:lvl9pPr>
           </a:lstStyle>
           <a:p>
-            <a:pPr indent="0" lvl="0" marL="0" rtl="0" algn="r">
+            <a:pPr marL="0" lvl="0" indent="0" algn="r" rtl="0">
               <a:spcBef>
                 <a:spcPts val="0"/>
               </a:spcBef>
@@ -8404,11 +8683,11 @@
 </file>
 
 <file path=ppt/slideLayouts/slideLayout9.xml><?xml version="1.0" encoding="utf-8"?>
-<p:sldLayout xmlns:a="http://schemas.openxmlformats.org/drawingml/2006/main" xmlns:r="http://schemas.openxmlformats.org/officeDocument/2006/relationships" xmlns:mc="http://schemas.openxmlformats.org/markup-compatibility/2006" xmlns:mv="urn:schemas-microsoft-com:mac:vml" xmlns:p="http://schemas.openxmlformats.org/presentationml/2006/main" xmlns:c="http://schemas.openxmlformats.org/drawingml/2006/chart" xmlns:dgm="http://schemas.openxmlformats.org/drawingml/2006/diagram" xmlns:o="urn:schemas-microsoft-com:office:office" xmlns:v="urn:schemas-microsoft-com:vml" xmlns:pvml="urn:schemas-microsoft-com:office:powerpoint" xmlns:com="http://schemas.openxmlformats.org/drawingml/2006/compatibility" xmlns:p14="http://schemas.microsoft.com/office/powerpoint/2010/main" xmlns:p15="http://schemas.microsoft.com/office/powerpoint/2012/main" matchingName="Caption">
+<p:sldLayout xmlns:a="http://schemas.openxmlformats.org/drawingml/2006/main" xmlns:r="http://schemas.openxmlformats.org/officeDocument/2006/relationships" xmlns:p="http://schemas.openxmlformats.org/presentationml/2006/main" matchingName="Caption">
   <p:cSld name="CAPTION_ONLY">
     <p:spTree>
       <p:nvGrpSpPr>
-        <p:cNvPr id="46" name="Shape 46"/>
+        <p:cNvPr id="1" name="Shape 46"/>
         <p:cNvGrpSpPr/>
         <p:nvPr/>
       </p:nvGrpSpPr>
@@ -8423,9 +8702,11 @@
       <p:sp>
         <p:nvSpPr>
           <p:cNvPr id="47" name="Google Shape;47;p10"/>
-          <p:cNvSpPr txBox="1"/>
+          <p:cNvSpPr txBox="1">
+            <a:spLocks noGrp="1"/>
+          </p:cNvSpPr>
           <p:nvPr>
-            <p:ph idx="1" type="body"/>
+            <p:ph type="body" idx="1"/>
           </p:nvPr>
         </p:nvSpPr>
         <p:spPr>
@@ -8438,11 +8719,11 @@
           </a:prstGeom>
         </p:spPr>
         <p:txBody>
-          <a:bodyPr anchorCtr="0" anchor="ctr" bIns="91425" lIns="91425" spcFirstLastPara="1" rIns="91425" wrap="square" tIns="91425">
+          <a:bodyPr spcFirstLastPara="1" wrap="square" lIns="91425" tIns="91425" rIns="91425" bIns="91425" anchor="ctr" anchorCtr="0">
             <a:noAutofit/>
           </a:bodyPr>
           <a:lstStyle>
-            <a:lvl1pPr indent="-228600" lvl="0" marL="457200">
+            <a:lvl1pPr marL="457200" lvl="0" indent="-228600">
               <a:lnSpc>
                 <a:spcPct val="100000"/>
               </a:lnSpc>
@@ -8469,15 +8750,19 @@
               </a:defRPr>
             </a:lvl1pPr>
           </a:lstStyle>
-          <a:p/>
+          <a:p>
+            <a:endParaRPr/>
+          </a:p>
         </p:txBody>
       </p:sp>
       <p:sp>
         <p:nvSpPr>
           <p:cNvPr id="48" name="Google Shape;48;p10"/>
-          <p:cNvSpPr txBox="1"/>
+          <p:cNvSpPr txBox="1">
+            <a:spLocks noGrp="1"/>
+          </p:cNvSpPr>
           <p:nvPr>
-            <p:ph idx="12" type="sldNum"/>
+            <p:ph type="sldNum" idx="12"/>
           </p:nvPr>
         </p:nvSpPr>
         <p:spPr>
@@ -8490,7 +8775,7 @@
           </a:prstGeom>
         </p:spPr>
         <p:txBody>
-          <a:bodyPr anchorCtr="0" anchor="ctr" bIns="91425" lIns="91425" spcFirstLastPara="1" rIns="91425" wrap="square" tIns="91425">
+          <a:bodyPr spcFirstLastPara="1" wrap="square" lIns="91425" tIns="91425" rIns="91425" bIns="91425" anchor="ctr" anchorCtr="0">
             <a:noAutofit/>
           </a:bodyPr>
           <a:lstStyle>
@@ -8532,7 +8817,7 @@
             </a:lvl9pPr>
           </a:lstStyle>
           <a:p>
-            <a:pPr indent="0" lvl="0" marL="0" rtl="0" algn="r">
+            <a:pPr marL="0" lvl="0" indent="0" algn="r" rtl="0">
               <a:spcBef>
                 <a:spcPts val="0"/>
               </a:spcBef>
@@ -8558,18 +8843,19 @@
 </file>
 
 <file path=ppt/slideMasters/slideMaster1.xml><?xml version="1.0" encoding="utf-8"?>
-<p:sldMaster xmlns:a="http://schemas.openxmlformats.org/drawingml/2006/main" xmlns:r="http://schemas.openxmlformats.org/officeDocument/2006/relationships" xmlns:mc="http://schemas.openxmlformats.org/markup-compatibility/2006" xmlns:mv="urn:schemas-microsoft-com:mac:vml" xmlns:p="http://schemas.openxmlformats.org/presentationml/2006/main" xmlns:c="http://schemas.openxmlformats.org/drawingml/2006/chart" xmlns:dgm="http://schemas.openxmlformats.org/drawingml/2006/diagram" xmlns:o="urn:schemas-microsoft-com:office:office" xmlns:v="urn:schemas-microsoft-com:vml" xmlns:pvml="urn:schemas-microsoft-com:office:powerpoint" xmlns:com="http://schemas.openxmlformats.org/drawingml/2006/compatibility" xmlns:p14="http://schemas.microsoft.com/office/powerpoint/2010/main" xmlns:p15="http://schemas.microsoft.com/office/powerpoint/2012/main">
+<p:sldMaster xmlns:a="http://schemas.openxmlformats.org/drawingml/2006/main" xmlns:r="http://schemas.openxmlformats.org/officeDocument/2006/relationships" xmlns:p="http://schemas.openxmlformats.org/presentationml/2006/main">
   <p:cSld name="slate">
     <p:bg>
       <p:bgPr>
         <a:solidFill>
           <a:schemeClr val="lt1"/>
         </a:solidFill>
+        <a:effectLst/>
       </p:bgPr>
     </p:bg>
     <p:spTree>
       <p:nvGrpSpPr>
-        <p:cNvPr id="5" name="Shape 5"/>
+        <p:cNvPr id="1" name="Shape 5"/>
         <p:cNvGrpSpPr/>
         <p:nvPr/>
       </p:nvGrpSpPr>
@@ -8584,7 +8870,9 @@
       <p:sp>
         <p:nvSpPr>
           <p:cNvPr id="6" name="Google Shape;6;p1"/>
-          <p:cNvSpPr txBox="1"/>
+          <p:cNvSpPr txBox="1">
+            <a:spLocks noGrp="1"/>
+          </p:cNvSpPr>
           <p:nvPr>
             <p:ph type="title"/>
           </p:nvPr>
@@ -8603,7 +8891,7 @@
           </a:ln>
         </p:spPr>
         <p:txBody>
-          <a:bodyPr anchorCtr="0" anchor="t" bIns="91425" lIns="91425" spcFirstLastPara="1" rIns="91425" wrap="square" tIns="91425">
+          <a:bodyPr spcFirstLastPara="1" wrap="square" lIns="91425" tIns="91425" rIns="91425" bIns="91425" anchor="t" anchorCtr="0">
             <a:noAutofit/>
           </a:bodyPr>
           <a:lstStyle>
@@ -8815,15 +9103,19 @@
               </a:defRPr>
             </a:lvl9pPr>
           </a:lstStyle>
-          <a:p/>
+          <a:p>
+            <a:endParaRPr/>
+          </a:p>
         </p:txBody>
       </p:sp>
       <p:sp>
         <p:nvSpPr>
           <p:cNvPr id="7" name="Google Shape;7;p1"/>
-          <p:cNvSpPr txBox="1"/>
+          <p:cNvSpPr txBox="1">
+            <a:spLocks noGrp="1"/>
+          </p:cNvSpPr>
           <p:nvPr>
-            <p:ph idx="1" type="body"/>
+            <p:ph type="body" idx="1"/>
           </p:nvPr>
         </p:nvSpPr>
         <p:spPr>
@@ -8840,11 +9132,11 @@
           </a:ln>
         </p:spPr>
         <p:txBody>
-          <a:bodyPr anchorCtr="0" anchor="t" bIns="91425" lIns="91425" spcFirstLastPara="1" rIns="91425" wrap="square" tIns="91425">
+          <a:bodyPr spcFirstLastPara="1" wrap="square" lIns="91425" tIns="91425" rIns="91425" bIns="91425" anchor="t" anchorCtr="0">
             <a:noAutofit/>
           </a:bodyPr>
           <a:lstStyle>
-            <a:lvl1pPr indent="-342900" lvl="0" marL="457200">
+            <a:lvl1pPr marL="457200" lvl="0" indent="-342900">
               <a:lnSpc>
                 <a:spcPct val="115000"/>
               </a:lnSpc>
@@ -8870,7 +9162,7 @@
                 <a:sym typeface="Average"/>
               </a:defRPr>
             </a:lvl1pPr>
-            <a:lvl2pPr indent="-317500" lvl="1" marL="914400">
+            <a:lvl2pPr marL="914400" lvl="1" indent="-317500">
               <a:lnSpc>
                 <a:spcPct val="115000"/>
               </a:lnSpc>
@@ -8896,7 +9188,7 @@
                 <a:sym typeface="Average"/>
               </a:defRPr>
             </a:lvl2pPr>
-            <a:lvl3pPr indent="-317500" lvl="2" marL="1371600">
+            <a:lvl3pPr marL="1371600" lvl="2" indent="-317500">
               <a:lnSpc>
                 <a:spcPct val="115000"/>
               </a:lnSpc>
@@ -8922,7 +9214,7 @@
                 <a:sym typeface="Average"/>
               </a:defRPr>
             </a:lvl3pPr>
-            <a:lvl4pPr indent="-317500" lvl="3" marL="1828800">
+            <a:lvl4pPr marL="1828800" lvl="3" indent="-317500">
               <a:lnSpc>
                 <a:spcPct val="115000"/>
               </a:lnSpc>
@@ -8948,7 +9240,7 @@
                 <a:sym typeface="Average"/>
               </a:defRPr>
             </a:lvl4pPr>
-            <a:lvl5pPr indent="-317500" lvl="4" marL="2286000">
+            <a:lvl5pPr marL="2286000" lvl="4" indent="-317500">
               <a:lnSpc>
                 <a:spcPct val="115000"/>
               </a:lnSpc>
@@ -8974,7 +9266,7 @@
                 <a:sym typeface="Average"/>
               </a:defRPr>
             </a:lvl5pPr>
-            <a:lvl6pPr indent="-317500" lvl="5" marL="2743200">
+            <a:lvl6pPr marL="2743200" lvl="5" indent="-317500">
               <a:lnSpc>
                 <a:spcPct val="115000"/>
               </a:lnSpc>
@@ -9000,7 +9292,7 @@
                 <a:sym typeface="Average"/>
               </a:defRPr>
             </a:lvl6pPr>
-            <a:lvl7pPr indent="-317500" lvl="6" marL="3200400">
+            <a:lvl7pPr marL="3200400" lvl="6" indent="-317500">
               <a:lnSpc>
                 <a:spcPct val="115000"/>
               </a:lnSpc>
@@ -9026,7 +9318,7 @@
                 <a:sym typeface="Average"/>
               </a:defRPr>
             </a:lvl7pPr>
-            <a:lvl8pPr indent="-317500" lvl="7" marL="3657600">
+            <a:lvl8pPr marL="3657600" lvl="7" indent="-317500">
               <a:lnSpc>
                 <a:spcPct val="115000"/>
               </a:lnSpc>
@@ -9052,7 +9344,7 @@
                 <a:sym typeface="Average"/>
               </a:defRPr>
             </a:lvl8pPr>
-            <a:lvl9pPr indent="-317500" lvl="8" marL="4114800">
+            <a:lvl9pPr marL="4114800" lvl="8" indent="-317500">
               <a:lnSpc>
                 <a:spcPct val="115000"/>
               </a:lnSpc>
@@ -9079,15 +9371,19 @@
               </a:defRPr>
             </a:lvl9pPr>
           </a:lstStyle>
-          <a:p/>
+          <a:p>
+            <a:endParaRPr/>
+          </a:p>
         </p:txBody>
       </p:sp>
       <p:sp>
         <p:nvSpPr>
           <p:cNvPr id="8" name="Google Shape;8;p1"/>
-          <p:cNvSpPr txBox="1"/>
+          <p:cNvSpPr txBox="1">
+            <a:spLocks noGrp="1"/>
+          </p:cNvSpPr>
           <p:nvPr>
-            <p:ph idx="12" type="sldNum"/>
+            <p:ph type="sldNum" idx="12"/>
           </p:nvPr>
         </p:nvSpPr>
         <p:spPr>
@@ -9104,7 +9400,7 @@
           </a:ln>
         </p:spPr>
         <p:txBody>
-          <a:bodyPr anchorCtr="0" anchor="ctr" bIns="91425" lIns="91425" spcFirstLastPara="1" rIns="91425" wrap="square" tIns="91425">
+          <a:bodyPr spcFirstLastPara="1" wrap="square" lIns="91425" tIns="91425" rIns="91425" bIns="91425" anchor="ctr" anchorCtr="0">
             <a:noAutofit/>
           </a:bodyPr>
           <a:lstStyle>
@@ -9218,7 +9514,7 @@
             </a:lvl9pPr>
           </a:lstStyle>
           <a:p>
-            <a:pPr indent="0" lvl="0" marL="0" rtl="0" algn="r">
+            <a:pPr marL="0" lvl="0" indent="0" algn="r" rtl="0">
               <a:spcBef>
                 <a:spcPts val="0"/>
               </a:spcBef>
@@ -9237,7 +9533,7 @@
       </p:sp>
     </p:spTree>
   </p:cSld>
-  <p:clrMap accent1="accent1" accent2="accent2" accent3="accent3" accent4="accent4" accent5="accent5" accent6="accent6" bg1="lt1" bg2="dk2" tx1="dk1" tx2="lt2" folHlink="folHlink" hlink="hlink"/>
+  <p:clrMap bg1="lt1" tx1="dk1" bg2="dk2" tx2="lt2" accent1="accent1" accent2="accent2" accent3="accent3" accent4="accent4" accent5="accent5" accent6="accent6" hlink="hlink" folHlink="folHlink"/>
   <p:sldLayoutIdLst>
     <p:sldLayoutId id="2147483648" r:id="rId1"/>
     <p:sldLayoutId id="2147483649" r:id="rId2"/>
@@ -9251,10 +9547,10 @@
     <p:sldLayoutId id="2147483657" r:id="rId10"/>
     <p:sldLayoutId id="2147483658" r:id="rId11"/>
   </p:sldLayoutIdLst>
-  <p:hf dt="0" ftr="0" hdr="0" sldNum="0"/>
+  <p:hf sldNum="0" hdr="0" ftr="0" dt="0"/>
   <p:txStyles>
     <p:titleStyle>
-      <a:defPPr lvl="0" marR="0" rtl="0" algn="l">
+      <a:defPPr marR="0" lvl="0" algn="l" rtl="0">
         <a:lnSpc>
           <a:spcPct val="100000"/>
         </a:lnSpc>
@@ -9265,7 +9561,7 @@
           <a:spcPts val="0"/>
         </a:spcAft>
       </a:defPPr>
-      <a:lvl1pPr lvl="0" marR="0" rtl="0" algn="l">
+      <a:lvl1pPr marR="0" lvl="0" algn="l" rtl="0">
         <a:lnSpc>
           <a:spcPct val="100000"/>
         </a:lnSpc>
@@ -9279,7 +9575,7 @@
           <a:srgbClr val="000000"/>
         </a:buClr>
         <a:buFont typeface="Arial"/>
-        <a:defRPr b="0" i="0" sz="1400" u="none" cap="none" strike="noStrike">
+        <a:defRPr sz="1400" b="0" i="0" u="none" strike="noStrike" cap="none">
           <a:solidFill>
             <a:srgbClr val="000000"/>
           </a:solidFill>
@@ -9289,7 +9585,7 @@
           <a:sym typeface="Arial"/>
         </a:defRPr>
       </a:lvl1pPr>
-      <a:lvl2pPr lvl="1" marR="0" rtl="0" algn="l">
+      <a:lvl2pPr marR="0" lvl="1" algn="l" rtl="0">
         <a:lnSpc>
           <a:spcPct val="100000"/>
         </a:lnSpc>
@@ -9303,7 +9599,7 @@
           <a:srgbClr val="000000"/>
         </a:buClr>
         <a:buFont typeface="Arial"/>
-        <a:defRPr b="0" i="0" sz="1400" u="none" cap="none" strike="noStrike">
+        <a:defRPr sz="1400" b="0" i="0" u="none" strike="noStrike" cap="none">
           <a:solidFill>
             <a:srgbClr val="000000"/>
           </a:solidFill>
@@ -9313,7 +9609,7 @@
           <a:sym typeface="Arial"/>
         </a:defRPr>
       </a:lvl2pPr>
-      <a:lvl3pPr lvl="2" marR="0" rtl="0" algn="l">
+      <a:lvl3pPr marR="0" lvl="2" algn="l" rtl="0">
         <a:lnSpc>
           <a:spcPct val="100000"/>
         </a:lnSpc>
@@ -9327,7 +9623,7 @@
           <a:srgbClr val="000000"/>
         </a:buClr>
         <a:buFont typeface="Arial"/>
-        <a:defRPr b="0" i="0" sz="1400" u="none" cap="none" strike="noStrike">
+        <a:defRPr sz="1400" b="0" i="0" u="none" strike="noStrike" cap="none">
           <a:solidFill>
             <a:srgbClr val="000000"/>
           </a:solidFill>
@@ -9337,7 +9633,7 @@
           <a:sym typeface="Arial"/>
         </a:defRPr>
       </a:lvl3pPr>
-      <a:lvl4pPr lvl="3" marR="0" rtl="0" algn="l">
+      <a:lvl4pPr marR="0" lvl="3" algn="l" rtl="0">
         <a:lnSpc>
           <a:spcPct val="100000"/>
         </a:lnSpc>
@@ -9351,7 +9647,7 @@
           <a:srgbClr val="000000"/>
         </a:buClr>
         <a:buFont typeface="Arial"/>
-        <a:defRPr b="0" i="0" sz="1400" u="none" cap="none" strike="noStrike">
+        <a:defRPr sz="1400" b="0" i="0" u="none" strike="noStrike" cap="none">
           <a:solidFill>
             <a:srgbClr val="000000"/>
           </a:solidFill>
@@ -9361,7 +9657,7 @@
           <a:sym typeface="Arial"/>
         </a:defRPr>
       </a:lvl4pPr>
-      <a:lvl5pPr lvl="4" marR="0" rtl="0" algn="l">
+      <a:lvl5pPr marR="0" lvl="4" algn="l" rtl="0">
         <a:lnSpc>
           <a:spcPct val="100000"/>
         </a:lnSpc>
@@ -9375,7 +9671,7 @@
           <a:srgbClr val="000000"/>
         </a:buClr>
         <a:buFont typeface="Arial"/>
-        <a:defRPr b="0" i="0" sz="1400" u="none" cap="none" strike="noStrike">
+        <a:defRPr sz="1400" b="0" i="0" u="none" strike="noStrike" cap="none">
           <a:solidFill>
             <a:srgbClr val="000000"/>
           </a:solidFill>
@@ -9385,7 +9681,7 @@
           <a:sym typeface="Arial"/>
         </a:defRPr>
       </a:lvl5pPr>
-      <a:lvl6pPr lvl="5" marR="0" rtl="0" algn="l">
+      <a:lvl6pPr marR="0" lvl="5" algn="l" rtl="0">
         <a:lnSpc>
           <a:spcPct val="100000"/>
         </a:lnSpc>
@@ -9399,7 +9695,7 @@
           <a:srgbClr val="000000"/>
         </a:buClr>
         <a:buFont typeface="Arial"/>
-        <a:defRPr b="0" i="0" sz="1400" u="none" cap="none" strike="noStrike">
+        <a:defRPr sz="1400" b="0" i="0" u="none" strike="noStrike" cap="none">
           <a:solidFill>
             <a:srgbClr val="000000"/>
           </a:solidFill>
@@ -9409,7 +9705,7 @@
           <a:sym typeface="Arial"/>
         </a:defRPr>
       </a:lvl6pPr>
-      <a:lvl7pPr lvl="6" marR="0" rtl="0" algn="l">
+      <a:lvl7pPr marR="0" lvl="6" algn="l" rtl="0">
         <a:lnSpc>
           <a:spcPct val="100000"/>
         </a:lnSpc>
@@ -9423,7 +9719,7 @@
           <a:srgbClr val="000000"/>
         </a:buClr>
         <a:buFont typeface="Arial"/>
-        <a:defRPr b="0" i="0" sz="1400" u="none" cap="none" strike="noStrike">
+        <a:defRPr sz="1400" b="0" i="0" u="none" strike="noStrike" cap="none">
           <a:solidFill>
             <a:srgbClr val="000000"/>
           </a:solidFill>
@@ -9433,7 +9729,7 @@
           <a:sym typeface="Arial"/>
         </a:defRPr>
       </a:lvl7pPr>
-      <a:lvl8pPr lvl="7" marR="0" rtl="0" algn="l">
+      <a:lvl8pPr marR="0" lvl="7" algn="l" rtl="0">
         <a:lnSpc>
           <a:spcPct val="100000"/>
         </a:lnSpc>
@@ -9447,7 +9743,7 @@
           <a:srgbClr val="000000"/>
         </a:buClr>
         <a:buFont typeface="Arial"/>
-        <a:defRPr b="0" i="0" sz="1400" u="none" cap="none" strike="noStrike">
+        <a:defRPr sz="1400" b="0" i="0" u="none" strike="noStrike" cap="none">
           <a:solidFill>
             <a:srgbClr val="000000"/>
           </a:solidFill>
@@ -9457,7 +9753,7 @@
           <a:sym typeface="Arial"/>
         </a:defRPr>
       </a:lvl8pPr>
-      <a:lvl9pPr lvl="8" marR="0" rtl="0" algn="l">
+      <a:lvl9pPr marR="0" lvl="8" algn="l" rtl="0">
         <a:lnSpc>
           <a:spcPct val="100000"/>
         </a:lnSpc>
@@ -9471,7 +9767,7 @@
           <a:srgbClr val="000000"/>
         </a:buClr>
         <a:buFont typeface="Arial"/>
-        <a:defRPr b="0" i="0" sz="1400" u="none" cap="none" strike="noStrike">
+        <a:defRPr sz="1400" b="0" i="0" u="none" strike="noStrike" cap="none">
           <a:solidFill>
             <a:srgbClr val="000000"/>
           </a:solidFill>
@@ -9483,7 +9779,7 @@
       </a:lvl9pPr>
     </p:titleStyle>
     <p:bodyStyle>
-      <a:defPPr lvl="0" marR="0" rtl="0" algn="l">
+      <a:defPPr marR="0" lvl="0" algn="l" rtl="0">
         <a:lnSpc>
           <a:spcPct val="100000"/>
         </a:lnSpc>
@@ -9494,7 +9790,7 @@
           <a:spcPts val="0"/>
         </a:spcAft>
       </a:defPPr>
-      <a:lvl1pPr lvl="0" marR="0" rtl="0" algn="l">
+      <a:lvl1pPr marR="0" lvl="0" algn="l" rtl="0">
         <a:lnSpc>
           <a:spcPct val="100000"/>
         </a:lnSpc>
@@ -9508,7 +9804,7 @@
           <a:srgbClr val="000000"/>
         </a:buClr>
         <a:buFont typeface="Arial"/>
-        <a:defRPr b="0" i="0" sz="1400" u="none" cap="none" strike="noStrike">
+        <a:defRPr sz="1400" b="0" i="0" u="none" strike="noStrike" cap="none">
           <a:solidFill>
             <a:srgbClr val="000000"/>
           </a:solidFill>
@@ -9518,7 +9814,7 @@
           <a:sym typeface="Arial"/>
         </a:defRPr>
       </a:lvl1pPr>
-      <a:lvl2pPr lvl="1" marR="0" rtl="0" algn="l">
+      <a:lvl2pPr marR="0" lvl="1" algn="l" rtl="0">
         <a:lnSpc>
           <a:spcPct val="100000"/>
         </a:lnSpc>
@@ -9532,7 +9828,7 @@
           <a:srgbClr val="000000"/>
         </a:buClr>
         <a:buFont typeface="Arial"/>
-        <a:defRPr b="0" i="0" sz="1400" u="none" cap="none" strike="noStrike">
+        <a:defRPr sz="1400" b="0" i="0" u="none" strike="noStrike" cap="none">
           <a:solidFill>
             <a:srgbClr val="000000"/>
           </a:solidFill>
@@ -9542,7 +9838,7 @@
           <a:sym typeface="Arial"/>
         </a:defRPr>
       </a:lvl2pPr>
-      <a:lvl3pPr lvl="2" marR="0" rtl="0" algn="l">
+      <a:lvl3pPr marR="0" lvl="2" algn="l" rtl="0">
         <a:lnSpc>
           <a:spcPct val="100000"/>
         </a:lnSpc>
@@ -9556,7 +9852,7 @@
           <a:srgbClr val="000000"/>
         </a:buClr>
         <a:buFont typeface="Arial"/>
-        <a:defRPr b="0" i="0" sz="1400" u="none" cap="none" strike="noStrike">
+        <a:defRPr sz="1400" b="0" i="0" u="none" strike="noStrike" cap="none">
           <a:solidFill>
             <a:srgbClr val="000000"/>
           </a:solidFill>
@@ -9566,7 +9862,7 @@
           <a:sym typeface="Arial"/>
         </a:defRPr>
       </a:lvl3pPr>
-      <a:lvl4pPr lvl="3" marR="0" rtl="0" algn="l">
+      <a:lvl4pPr marR="0" lvl="3" algn="l" rtl="0">
         <a:lnSpc>
           <a:spcPct val="100000"/>
         </a:lnSpc>
@@ -9580,7 +9876,7 @@
           <a:srgbClr val="000000"/>
         </a:buClr>
         <a:buFont typeface="Arial"/>
-        <a:defRPr b="0" i="0" sz="1400" u="none" cap="none" strike="noStrike">
+        <a:defRPr sz="1400" b="0" i="0" u="none" strike="noStrike" cap="none">
           <a:solidFill>
             <a:srgbClr val="000000"/>
           </a:solidFill>
@@ -9590,7 +9886,7 @@
           <a:sym typeface="Arial"/>
         </a:defRPr>
       </a:lvl4pPr>
-      <a:lvl5pPr lvl="4" marR="0" rtl="0" algn="l">
+      <a:lvl5pPr marR="0" lvl="4" algn="l" rtl="0">
         <a:lnSpc>
           <a:spcPct val="100000"/>
         </a:lnSpc>
@@ -9604,7 +9900,7 @@
           <a:srgbClr val="000000"/>
         </a:buClr>
         <a:buFont typeface="Arial"/>
-        <a:defRPr b="0" i="0" sz="1400" u="none" cap="none" strike="noStrike">
+        <a:defRPr sz="1400" b="0" i="0" u="none" strike="noStrike" cap="none">
           <a:solidFill>
             <a:srgbClr val="000000"/>
           </a:solidFill>
@@ -9614,7 +9910,7 @@
           <a:sym typeface="Arial"/>
         </a:defRPr>
       </a:lvl5pPr>
-      <a:lvl6pPr lvl="5" marR="0" rtl="0" algn="l">
+      <a:lvl6pPr marR="0" lvl="5" algn="l" rtl="0">
         <a:lnSpc>
           <a:spcPct val="100000"/>
         </a:lnSpc>
@@ -9628,7 +9924,7 @@
           <a:srgbClr val="000000"/>
         </a:buClr>
         <a:buFont typeface="Arial"/>
-        <a:defRPr b="0" i="0" sz="1400" u="none" cap="none" strike="noStrike">
+        <a:defRPr sz="1400" b="0" i="0" u="none" strike="noStrike" cap="none">
           <a:solidFill>
             <a:srgbClr val="000000"/>
           </a:solidFill>
@@ -9638,7 +9934,7 @@
           <a:sym typeface="Arial"/>
         </a:defRPr>
       </a:lvl6pPr>
-      <a:lvl7pPr lvl="6" marR="0" rtl="0" algn="l">
+      <a:lvl7pPr marR="0" lvl="6" algn="l" rtl="0">
         <a:lnSpc>
           <a:spcPct val="100000"/>
         </a:lnSpc>
@@ -9652,7 +9948,7 @@
           <a:srgbClr val="000000"/>
         </a:buClr>
         <a:buFont typeface="Arial"/>
-        <a:defRPr b="0" i="0" sz="1400" u="none" cap="none" strike="noStrike">
+        <a:defRPr sz="1400" b="0" i="0" u="none" strike="noStrike" cap="none">
           <a:solidFill>
             <a:srgbClr val="000000"/>
           </a:solidFill>
@@ -9662,7 +9958,7 @@
           <a:sym typeface="Arial"/>
         </a:defRPr>
       </a:lvl7pPr>
-      <a:lvl8pPr lvl="7" marR="0" rtl="0" algn="l">
+      <a:lvl8pPr marR="0" lvl="7" algn="l" rtl="0">
         <a:lnSpc>
           <a:spcPct val="100000"/>
         </a:lnSpc>
@@ -9676,7 +9972,7 @@
           <a:srgbClr val="000000"/>
         </a:buClr>
         <a:buFont typeface="Arial"/>
-        <a:defRPr b="0" i="0" sz="1400" u="none" cap="none" strike="noStrike">
+        <a:defRPr sz="1400" b="0" i="0" u="none" strike="noStrike" cap="none">
           <a:solidFill>
             <a:srgbClr val="000000"/>
           </a:solidFill>
@@ -9686,7 +9982,7 @@
           <a:sym typeface="Arial"/>
         </a:defRPr>
       </a:lvl8pPr>
-      <a:lvl9pPr lvl="8" marR="0" rtl="0" algn="l">
+      <a:lvl9pPr marR="0" lvl="8" algn="l" rtl="0">
         <a:lnSpc>
           <a:spcPct val="100000"/>
         </a:lnSpc>
@@ -9700,7 +9996,7 @@
           <a:srgbClr val="000000"/>
         </a:buClr>
         <a:buFont typeface="Arial"/>
-        <a:defRPr b="0" i="0" sz="1400" u="none" cap="none" strike="noStrike">
+        <a:defRPr sz="1400" b="0" i="0" u="none" strike="noStrike" cap="none">
           <a:solidFill>
             <a:srgbClr val="000000"/>
           </a:solidFill>
@@ -9712,7 +10008,7 @@
       </a:lvl9pPr>
     </p:bodyStyle>
     <p:otherStyle>
-      <a:defPPr lvl="0" marR="0" rtl="0" algn="l">
+      <a:defPPr marR="0" lvl="0" algn="l" rtl="0">
         <a:lnSpc>
           <a:spcPct val="100000"/>
         </a:lnSpc>
@@ -9723,7 +10019,7 @@
           <a:spcPts val="0"/>
         </a:spcAft>
       </a:defPPr>
-      <a:lvl1pPr lvl="0" marR="0" rtl="0" algn="l">
+      <a:lvl1pPr marR="0" lvl="0" algn="l" rtl="0">
         <a:lnSpc>
           <a:spcPct val="100000"/>
         </a:lnSpc>
@@ -9737,7 +10033,7 @@
           <a:srgbClr val="000000"/>
         </a:buClr>
         <a:buFont typeface="Arial"/>
-        <a:defRPr b="0" i="0" sz="1400" u="none" cap="none" strike="noStrike">
+        <a:defRPr sz="1400" b="0" i="0" u="none" strike="noStrike" cap="none">
           <a:solidFill>
             <a:srgbClr val="000000"/>
           </a:solidFill>
@@ -9747,7 +10043,7 @@
           <a:sym typeface="Arial"/>
         </a:defRPr>
       </a:lvl1pPr>
-      <a:lvl2pPr lvl="1" marR="0" rtl="0" algn="l">
+      <a:lvl2pPr marR="0" lvl="1" algn="l" rtl="0">
         <a:lnSpc>
           <a:spcPct val="100000"/>
         </a:lnSpc>
@@ -9761,7 +10057,7 @@
           <a:srgbClr val="000000"/>
         </a:buClr>
         <a:buFont typeface="Arial"/>
-        <a:defRPr b="0" i="0" sz="1400" u="none" cap="none" strike="noStrike">
+        <a:defRPr sz="1400" b="0" i="0" u="none" strike="noStrike" cap="none">
           <a:solidFill>
             <a:srgbClr val="000000"/>
           </a:solidFill>
@@ -9771,7 +10067,7 @@
           <a:sym typeface="Arial"/>
         </a:defRPr>
       </a:lvl2pPr>
-      <a:lvl3pPr lvl="2" marR="0" rtl="0" algn="l">
+      <a:lvl3pPr marR="0" lvl="2" algn="l" rtl="0">
         <a:lnSpc>
           <a:spcPct val="100000"/>
         </a:lnSpc>
@@ -9785,7 +10081,7 @@
           <a:srgbClr val="000000"/>
         </a:buClr>
         <a:buFont typeface="Arial"/>
-        <a:defRPr b="0" i="0" sz="1400" u="none" cap="none" strike="noStrike">
+        <a:defRPr sz="1400" b="0" i="0" u="none" strike="noStrike" cap="none">
           <a:solidFill>
             <a:srgbClr val="000000"/>
           </a:solidFill>
@@ -9795,7 +10091,7 @@
           <a:sym typeface="Arial"/>
         </a:defRPr>
       </a:lvl3pPr>
-      <a:lvl4pPr lvl="3" marR="0" rtl="0" algn="l">
+      <a:lvl4pPr marR="0" lvl="3" algn="l" rtl="0">
         <a:lnSpc>
           <a:spcPct val="100000"/>
         </a:lnSpc>
@@ -9809,7 +10105,7 @@
           <a:srgbClr val="000000"/>
         </a:buClr>
         <a:buFont typeface="Arial"/>
-        <a:defRPr b="0" i="0" sz="1400" u="none" cap="none" strike="noStrike">
+        <a:defRPr sz="1400" b="0" i="0" u="none" strike="noStrike" cap="none">
           <a:solidFill>
             <a:srgbClr val="000000"/>
           </a:solidFill>
@@ -9819,7 +10115,7 @@
           <a:sym typeface="Arial"/>
         </a:defRPr>
       </a:lvl4pPr>
-      <a:lvl5pPr lvl="4" marR="0" rtl="0" algn="l">
+      <a:lvl5pPr marR="0" lvl="4" algn="l" rtl="0">
         <a:lnSpc>
           <a:spcPct val="100000"/>
         </a:lnSpc>
@@ -9833,7 +10129,7 @@
           <a:srgbClr val="000000"/>
         </a:buClr>
         <a:buFont typeface="Arial"/>
-        <a:defRPr b="0" i="0" sz="1400" u="none" cap="none" strike="noStrike">
+        <a:defRPr sz="1400" b="0" i="0" u="none" strike="noStrike" cap="none">
           <a:solidFill>
             <a:srgbClr val="000000"/>
           </a:solidFill>
@@ -9843,7 +10139,7 @@
           <a:sym typeface="Arial"/>
         </a:defRPr>
       </a:lvl5pPr>
-      <a:lvl6pPr lvl="5" marR="0" rtl="0" algn="l">
+      <a:lvl6pPr marR="0" lvl="5" algn="l" rtl="0">
         <a:lnSpc>
           <a:spcPct val="100000"/>
         </a:lnSpc>
@@ -9857,7 +10153,7 @@
           <a:srgbClr val="000000"/>
         </a:buClr>
         <a:buFont typeface="Arial"/>
-        <a:defRPr b="0" i="0" sz="1400" u="none" cap="none" strike="noStrike">
+        <a:defRPr sz="1400" b="0" i="0" u="none" strike="noStrike" cap="none">
           <a:solidFill>
             <a:srgbClr val="000000"/>
           </a:solidFill>
@@ -9867,7 +10163,7 @@
           <a:sym typeface="Arial"/>
         </a:defRPr>
       </a:lvl6pPr>
-      <a:lvl7pPr lvl="6" marR="0" rtl="0" algn="l">
+      <a:lvl7pPr marR="0" lvl="6" algn="l" rtl="0">
         <a:lnSpc>
           <a:spcPct val="100000"/>
         </a:lnSpc>
@@ -9881,7 +10177,7 @@
           <a:srgbClr val="000000"/>
         </a:buClr>
         <a:buFont typeface="Arial"/>
-        <a:defRPr b="0" i="0" sz="1400" u="none" cap="none" strike="noStrike">
+        <a:defRPr sz="1400" b="0" i="0" u="none" strike="noStrike" cap="none">
           <a:solidFill>
             <a:srgbClr val="000000"/>
           </a:solidFill>
@@ -9891,7 +10187,7 @@
           <a:sym typeface="Arial"/>
         </a:defRPr>
       </a:lvl7pPr>
-      <a:lvl8pPr lvl="7" marR="0" rtl="0" algn="l">
+      <a:lvl8pPr marR="0" lvl="7" algn="l" rtl="0">
         <a:lnSpc>
           <a:spcPct val="100000"/>
         </a:lnSpc>
@@ -9905,7 +10201,7 @@
           <a:srgbClr val="000000"/>
         </a:buClr>
         <a:buFont typeface="Arial"/>
-        <a:defRPr b="0" i="0" sz="1400" u="none" cap="none" strike="noStrike">
+        <a:defRPr sz="1400" b="0" i="0" u="none" strike="noStrike" cap="none">
           <a:solidFill>
             <a:srgbClr val="000000"/>
           </a:solidFill>
@@ -9915,7 +10211,7 @@
           <a:sym typeface="Arial"/>
         </a:defRPr>
       </a:lvl8pPr>
-      <a:lvl9pPr lvl="8" marR="0" rtl="0" algn="l">
+      <a:lvl9pPr marR="0" lvl="8" algn="l" rtl="0">
         <a:lnSpc>
           <a:spcPct val="100000"/>
         </a:lnSpc>
@@ -9929,7 +10225,7 @@
           <a:srgbClr val="000000"/>
         </a:buClr>
         <a:buFont typeface="Arial"/>
-        <a:defRPr b="0" i="0" sz="1400" u="none" cap="none" strike="noStrike">
+        <a:defRPr sz="1400" b="0" i="0" u="none" strike="noStrike" cap="none">
           <a:solidFill>
             <a:srgbClr val="000000"/>
           </a:solidFill>
@@ -9945,11 +10241,11 @@
 </file>
 
 <file path=ppt/slides/slide1.xml><?xml version="1.0" encoding="utf-8"?>
-<p:sld xmlns:a="http://schemas.openxmlformats.org/drawingml/2006/main" xmlns:r="http://schemas.openxmlformats.org/officeDocument/2006/relationships" xmlns:mc="http://schemas.openxmlformats.org/markup-compatibility/2006" xmlns:mv="urn:schemas-microsoft-com:mac:vml" xmlns:p="http://schemas.openxmlformats.org/presentationml/2006/main" xmlns:c="http://schemas.openxmlformats.org/drawingml/2006/chart" xmlns:dgm="http://schemas.openxmlformats.org/drawingml/2006/diagram" xmlns:o="urn:schemas-microsoft-com:office:office" xmlns:v="urn:schemas-microsoft-com:vml" xmlns:pvml="urn:schemas-microsoft-com:office:powerpoint" xmlns:com="http://schemas.openxmlformats.org/drawingml/2006/compatibility" xmlns:p14="http://schemas.microsoft.com/office/powerpoint/2010/main" xmlns:p15="http://schemas.microsoft.com/office/powerpoint/2012/main">
+<p:sld xmlns:a="http://schemas.openxmlformats.org/drawingml/2006/main" xmlns:r="http://schemas.openxmlformats.org/officeDocument/2006/relationships" xmlns:p="http://schemas.openxmlformats.org/presentationml/2006/main">
   <p:cSld>
     <p:spTree>
       <p:nvGrpSpPr>
-        <p:cNvPr id="58" name="Shape 58"/>
+        <p:cNvPr id="1" name="Shape 58"/>
         <p:cNvGrpSpPr/>
         <p:nvPr/>
       </p:nvGrpSpPr>
@@ -9998,11 +10294,11 @@
 </file>
 
 <file path=ppt/slides/slide10.xml><?xml version="1.0" encoding="utf-8"?>
-<p:sld xmlns:a="http://schemas.openxmlformats.org/drawingml/2006/main" xmlns:r="http://schemas.openxmlformats.org/officeDocument/2006/relationships" xmlns:mc="http://schemas.openxmlformats.org/markup-compatibility/2006" xmlns:mv="urn:schemas-microsoft-com:mac:vml" xmlns:p="http://schemas.openxmlformats.org/presentationml/2006/main" xmlns:c="http://schemas.openxmlformats.org/drawingml/2006/chart" xmlns:dgm="http://schemas.openxmlformats.org/drawingml/2006/diagram" xmlns:o="urn:schemas-microsoft-com:office:office" xmlns:v="urn:schemas-microsoft-com:vml" xmlns:pvml="urn:schemas-microsoft-com:office:powerpoint" xmlns:com="http://schemas.openxmlformats.org/drawingml/2006/compatibility" xmlns:p14="http://schemas.microsoft.com/office/powerpoint/2010/main" xmlns:p15="http://schemas.microsoft.com/office/powerpoint/2012/main">
+<p:sld xmlns:a="http://schemas.openxmlformats.org/drawingml/2006/main" xmlns:r="http://schemas.openxmlformats.org/officeDocument/2006/relationships" xmlns:p="http://schemas.openxmlformats.org/presentationml/2006/main">
   <p:cSld>
     <p:spTree>
       <p:nvGrpSpPr>
-        <p:cNvPr id="115" name="Shape 115"/>
+        <p:cNvPr id="1" name="Shape 115"/>
         <p:cNvGrpSpPr/>
         <p:nvPr/>
       </p:nvGrpSpPr>
@@ -10017,7 +10313,9 @@
       <p:sp>
         <p:nvSpPr>
           <p:cNvPr id="116" name="Google Shape;116;p22"/>
-          <p:cNvSpPr txBox="1"/>
+          <p:cNvSpPr txBox="1">
+            <a:spLocks noGrp="1"/>
+          </p:cNvSpPr>
           <p:nvPr>
             <p:ph type="title"/>
           </p:nvPr>
@@ -10032,12 +10330,12 @@
           </a:prstGeom>
         </p:spPr>
         <p:txBody>
-          <a:bodyPr anchorCtr="0" anchor="t" bIns="91425" lIns="91425" spcFirstLastPara="1" rIns="91425" wrap="square" tIns="91425">
+          <a:bodyPr spcFirstLastPara="1" wrap="square" lIns="91425" tIns="91425" rIns="91425" bIns="91425" anchor="t" anchorCtr="0">
             <a:noAutofit/>
           </a:bodyPr>
           <a:lstStyle/>
           <a:p>
-            <a:pPr indent="0" lvl="0" marL="0" rtl="0" algn="l">
+            <a:pPr marL="0" lvl="0" indent="0" algn="l" rtl="0">
               <a:spcBef>
                 <a:spcPts val="0"/>
               </a:spcBef>
@@ -10091,11 +10389,11 @@
 </file>
 
 <file path=ppt/slides/slide11.xml><?xml version="1.0" encoding="utf-8"?>
-<p:sld xmlns:a="http://schemas.openxmlformats.org/drawingml/2006/main" xmlns:r="http://schemas.openxmlformats.org/officeDocument/2006/relationships" xmlns:mc="http://schemas.openxmlformats.org/markup-compatibility/2006" xmlns:mv="urn:schemas-microsoft-com:mac:vml" xmlns:p="http://schemas.openxmlformats.org/presentationml/2006/main" xmlns:c="http://schemas.openxmlformats.org/drawingml/2006/chart" xmlns:dgm="http://schemas.openxmlformats.org/drawingml/2006/diagram" xmlns:o="urn:schemas-microsoft-com:office:office" xmlns:v="urn:schemas-microsoft-com:vml" xmlns:pvml="urn:schemas-microsoft-com:office:powerpoint" xmlns:com="http://schemas.openxmlformats.org/drawingml/2006/compatibility" xmlns:p14="http://schemas.microsoft.com/office/powerpoint/2010/main" xmlns:p15="http://schemas.microsoft.com/office/powerpoint/2012/main">
+<p:sld xmlns:a="http://schemas.openxmlformats.org/drawingml/2006/main" xmlns:r="http://schemas.openxmlformats.org/officeDocument/2006/relationships" xmlns:p="http://schemas.openxmlformats.org/presentationml/2006/main">
   <p:cSld>
     <p:spTree>
       <p:nvGrpSpPr>
-        <p:cNvPr id="121" name="Shape 121"/>
+        <p:cNvPr id="1" name="Shape 121"/>
         <p:cNvGrpSpPr/>
         <p:nvPr/>
       </p:nvGrpSpPr>
@@ -10110,7 +10408,9 @@
       <p:sp>
         <p:nvSpPr>
           <p:cNvPr id="122" name="Google Shape;122;p23"/>
-          <p:cNvSpPr txBox="1"/>
+          <p:cNvSpPr txBox="1">
+            <a:spLocks noGrp="1"/>
+          </p:cNvSpPr>
           <p:nvPr>
             <p:ph type="title"/>
           </p:nvPr>
@@ -10125,12 +10425,12 @@
           </a:prstGeom>
         </p:spPr>
         <p:txBody>
-          <a:bodyPr anchorCtr="0" anchor="t" bIns="91425" lIns="91425" spcFirstLastPara="1" rIns="91425" wrap="square" tIns="91425">
+          <a:bodyPr spcFirstLastPara="1" wrap="square" lIns="91425" tIns="91425" rIns="91425" bIns="91425" anchor="t" anchorCtr="0">
             <a:noAutofit/>
           </a:bodyPr>
           <a:lstStyle/>
           <a:p>
-            <a:pPr indent="0" lvl="0" marL="0" rtl="0" algn="l">
+            <a:pPr marL="0" lvl="0" indent="0" algn="l" rtl="0">
               <a:spcBef>
                 <a:spcPts val="0"/>
               </a:spcBef>
@@ -10150,9 +10450,11 @@
       <p:sp>
         <p:nvSpPr>
           <p:cNvPr id="123" name="Google Shape;123;p23"/>
-          <p:cNvSpPr txBox="1"/>
+          <p:cNvSpPr txBox="1">
+            <a:spLocks noGrp="1"/>
+          </p:cNvSpPr>
           <p:nvPr>
-            <p:ph idx="1" type="body"/>
+            <p:ph type="body" idx="1"/>
           </p:nvPr>
         </p:nvSpPr>
         <p:spPr>
@@ -10165,12 +10467,12 @@
           </a:prstGeom>
         </p:spPr>
         <p:txBody>
-          <a:bodyPr anchorCtr="0" anchor="t" bIns="91425" lIns="91425" spcFirstLastPara="1" rIns="91425" wrap="square" tIns="91425">
+          <a:bodyPr spcFirstLastPara="1" wrap="square" lIns="91425" tIns="91425" rIns="91425" bIns="91425" anchor="t" anchorCtr="0">
             <a:noAutofit/>
           </a:bodyPr>
           <a:lstStyle/>
           <a:p>
-            <a:pPr indent="0" lvl="0" marL="457200" rtl="0" algn="ctr">
+            <a:pPr marL="457200" lvl="0" indent="0" algn="ctr" rtl="0">
               <a:spcBef>
                 <a:spcPts val="0"/>
               </a:spcBef>
@@ -10181,11 +10483,7 @@
             </a:pPr>
             <a:r>
               <a:rPr lang="en" sz="3000"/>
-              <a:t>Videos</a:t>
-            </a:r>
-            <a:r>
-              <a:rPr lang="en" sz="3000"/>
-              <a:t> within Music and Entertainment/Pop Culture Categories have an extraordinarily strong probability of being the most trending and generate strong channel traffic.</a:t>
+              <a:t>Videos within Music and Entertainment/Pop Culture Categories have an extraordinarily strong probability of being the most trending and generate strong channel traffic.</a:t>
             </a:r>
             <a:endParaRPr sz="3000"/>
           </a:p>
@@ -10200,11 +10498,11 @@
 </file>
 
 <file path=ppt/slides/slide12.xml><?xml version="1.0" encoding="utf-8"?>
-<p:sld xmlns:a="http://schemas.openxmlformats.org/drawingml/2006/main" xmlns:r="http://schemas.openxmlformats.org/officeDocument/2006/relationships" xmlns:mc="http://schemas.openxmlformats.org/markup-compatibility/2006" xmlns:mv="urn:schemas-microsoft-com:mac:vml" xmlns:p="http://schemas.openxmlformats.org/presentationml/2006/main" xmlns:c="http://schemas.openxmlformats.org/drawingml/2006/chart" xmlns:dgm="http://schemas.openxmlformats.org/drawingml/2006/diagram" xmlns:o="urn:schemas-microsoft-com:office:office" xmlns:v="urn:schemas-microsoft-com:vml" xmlns:pvml="urn:schemas-microsoft-com:office:powerpoint" xmlns:com="http://schemas.openxmlformats.org/drawingml/2006/compatibility" xmlns:p14="http://schemas.microsoft.com/office/powerpoint/2010/main" xmlns:p15="http://schemas.microsoft.com/office/powerpoint/2012/main">
+<p:sld xmlns:a="http://schemas.openxmlformats.org/drawingml/2006/main" xmlns:r="http://schemas.openxmlformats.org/officeDocument/2006/relationships" xmlns:p="http://schemas.openxmlformats.org/presentationml/2006/main">
   <p:cSld>
     <p:spTree>
       <p:nvGrpSpPr>
-        <p:cNvPr id="127" name="Shape 127"/>
+        <p:cNvPr id="1" name="Shape 127"/>
         <p:cNvGrpSpPr/>
         <p:nvPr/>
       </p:nvGrpSpPr>
@@ -10219,7 +10517,9 @@
       <p:sp>
         <p:nvSpPr>
           <p:cNvPr id="128" name="Google Shape;128;p24"/>
-          <p:cNvSpPr txBox="1"/>
+          <p:cNvSpPr txBox="1">
+            <a:spLocks noGrp="1"/>
+          </p:cNvSpPr>
           <p:nvPr>
             <p:ph type="title"/>
           </p:nvPr>
@@ -10234,12 +10534,12 @@
           </a:prstGeom>
         </p:spPr>
         <p:txBody>
-          <a:bodyPr anchorCtr="0" anchor="t" bIns="91425" lIns="91425" spcFirstLastPara="1" rIns="91425" wrap="square" tIns="91425">
+          <a:bodyPr spcFirstLastPara="1" wrap="square" lIns="91425" tIns="91425" rIns="91425" bIns="91425" anchor="t" anchorCtr="0">
             <a:noAutofit/>
           </a:bodyPr>
           <a:lstStyle/>
           <a:p>
-            <a:pPr indent="0" lvl="0" marL="0" rtl="0" algn="l">
+            <a:pPr marL="0" lvl="0" indent="0" algn="l" rtl="0">
               <a:spcBef>
                 <a:spcPts val="0"/>
               </a:spcBef>
@@ -10259,9 +10559,11 @@
       <p:sp>
         <p:nvSpPr>
           <p:cNvPr id="129" name="Google Shape;129;p24"/>
-          <p:cNvSpPr txBox="1"/>
+          <p:cNvSpPr txBox="1">
+            <a:spLocks noGrp="1"/>
+          </p:cNvSpPr>
           <p:nvPr>
-            <p:ph idx="1" type="body"/>
+            <p:ph type="body" idx="1"/>
           </p:nvPr>
         </p:nvSpPr>
         <p:spPr>
@@ -10274,12 +10576,12 @@
           </a:prstGeom>
         </p:spPr>
         <p:txBody>
-          <a:bodyPr anchorCtr="0" anchor="t" bIns="91425" lIns="91425" spcFirstLastPara="1" rIns="91425" wrap="square" tIns="91425">
+          <a:bodyPr spcFirstLastPara="1" wrap="square" lIns="91425" tIns="91425" rIns="91425" bIns="91425" anchor="t" anchorCtr="0">
             <a:noAutofit/>
           </a:bodyPr>
           <a:lstStyle/>
           <a:p>
-            <a:pPr indent="0" lvl="0" marL="0" rtl="0" algn="l">
+            <a:pPr marL="0" lvl="0" indent="0" algn="l" rtl="0">
               <a:spcBef>
                 <a:spcPts val="0"/>
               </a:spcBef>
@@ -10288,9 +10590,6 @@
               </a:spcAft>
               <a:buNone/>
             </a:pPr>
-            <a:r>
-              <a:t/>
-            </a:r>
             <a:endParaRPr/>
           </a:p>
         </p:txBody>
@@ -10388,11 +10687,11 @@
 </file>
 
 <file path=ppt/slides/slide13.xml><?xml version="1.0" encoding="utf-8"?>
-<p:sld xmlns:a="http://schemas.openxmlformats.org/drawingml/2006/main" xmlns:r="http://schemas.openxmlformats.org/officeDocument/2006/relationships" xmlns:mc="http://schemas.openxmlformats.org/markup-compatibility/2006" xmlns:mv="urn:schemas-microsoft-com:mac:vml" xmlns:p="http://schemas.openxmlformats.org/presentationml/2006/main" xmlns:c="http://schemas.openxmlformats.org/drawingml/2006/chart" xmlns:dgm="http://schemas.openxmlformats.org/drawingml/2006/diagram" xmlns:o="urn:schemas-microsoft-com:office:office" xmlns:v="urn:schemas-microsoft-com:vml" xmlns:pvml="urn:schemas-microsoft-com:office:powerpoint" xmlns:com="http://schemas.openxmlformats.org/drawingml/2006/compatibility" xmlns:p14="http://schemas.microsoft.com/office/powerpoint/2010/main" xmlns:p15="http://schemas.microsoft.com/office/powerpoint/2012/main">
+<p:sld xmlns:a="http://schemas.openxmlformats.org/drawingml/2006/main" xmlns:r="http://schemas.openxmlformats.org/officeDocument/2006/relationships" xmlns:p="http://schemas.openxmlformats.org/presentationml/2006/main">
   <p:cSld>
     <p:spTree>
       <p:nvGrpSpPr>
-        <p:cNvPr id="136" name="Shape 136"/>
+        <p:cNvPr id="1" name="Shape 136"/>
         <p:cNvGrpSpPr/>
         <p:nvPr/>
       </p:nvGrpSpPr>
@@ -10407,7 +10706,9 @@
       <p:sp>
         <p:nvSpPr>
           <p:cNvPr id="137" name="Google Shape;137;p25"/>
-          <p:cNvSpPr txBox="1"/>
+          <p:cNvSpPr txBox="1">
+            <a:spLocks noGrp="1"/>
+          </p:cNvSpPr>
           <p:nvPr>
             <p:ph type="title"/>
           </p:nvPr>
@@ -10422,12 +10723,12 @@
           </a:prstGeom>
         </p:spPr>
         <p:txBody>
-          <a:bodyPr anchorCtr="0" anchor="t" bIns="91425" lIns="91425" spcFirstLastPara="1" rIns="91425" wrap="square" tIns="91425">
+          <a:bodyPr spcFirstLastPara="1" wrap="square" lIns="91425" tIns="91425" rIns="91425" bIns="91425" anchor="t" anchorCtr="0">
             <a:noAutofit/>
           </a:bodyPr>
           <a:lstStyle/>
           <a:p>
-            <a:pPr indent="0" lvl="0" marL="0" rtl="0" algn="l">
+            <a:pPr marL="0" lvl="0" indent="0" algn="l" rtl="0">
               <a:spcBef>
                 <a:spcPts val="0"/>
               </a:spcBef>
@@ -10481,11 +10782,11 @@
 </file>
 
 <file path=ppt/slides/slide14.xml><?xml version="1.0" encoding="utf-8"?>
-<p:sld xmlns:a="http://schemas.openxmlformats.org/drawingml/2006/main" xmlns:r="http://schemas.openxmlformats.org/officeDocument/2006/relationships" xmlns:mc="http://schemas.openxmlformats.org/markup-compatibility/2006" xmlns:mv="urn:schemas-microsoft-com:mac:vml" xmlns:p="http://schemas.openxmlformats.org/presentationml/2006/main" xmlns:c="http://schemas.openxmlformats.org/drawingml/2006/chart" xmlns:dgm="http://schemas.openxmlformats.org/drawingml/2006/diagram" xmlns:o="urn:schemas-microsoft-com:office:office" xmlns:v="urn:schemas-microsoft-com:vml" xmlns:pvml="urn:schemas-microsoft-com:office:powerpoint" xmlns:com="http://schemas.openxmlformats.org/drawingml/2006/compatibility" xmlns:p14="http://schemas.microsoft.com/office/powerpoint/2010/main" xmlns:p15="http://schemas.microsoft.com/office/powerpoint/2012/main">
+<p:sld xmlns:a="http://schemas.openxmlformats.org/drawingml/2006/main" xmlns:r="http://schemas.openxmlformats.org/officeDocument/2006/relationships" xmlns:p="http://schemas.openxmlformats.org/presentationml/2006/main">
   <p:cSld>
     <p:spTree>
       <p:nvGrpSpPr>
-        <p:cNvPr id="142" name="Shape 142"/>
+        <p:cNvPr id="1" name="Shape 142"/>
         <p:cNvGrpSpPr/>
         <p:nvPr/>
       </p:nvGrpSpPr>
@@ -10500,7 +10801,9 @@
       <p:sp>
         <p:nvSpPr>
           <p:cNvPr id="143" name="Google Shape;143;p26"/>
-          <p:cNvSpPr txBox="1"/>
+          <p:cNvSpPr txBox="1">
+            <a:spLocks noGrp="1"/>
+          </p:cNvSpPr>
           <p:nvPr>
             <p:ph type="title"/>
           </p:nvPr>
@@ -10515,12 +10818,12 @@
           </a:prstGeom>
         </p:spPr>
         <p:txBody>
-          <a:bodyPr anchorCtr="0" anchor="t" bIns="91425" lIns="91425" spcFirstLastPara="1" rIns="91425" wrap="square" tIns="91425">
+          <a:bodyPr spcFirstLastPara="1" wrap="square" lIns="91425" tIns="91425" rIns="91425" bIns="91425" anchor="t" anchorCtr="0">
             <a:noAutofit/>
           </a:bodyPr>
           <a:lstStyle/>
           <a:p>
-            <a:pPr indent="0" lvl="0" marL="0" rtl="0" algn="l">
+            <a:pPr marL="0" lvl="0" indent="0" algn="l" rtl="0">
               <a:spcBef>
                 <a:spcPts val="0"/>
               </a:spcBef>
@@ -10574,11 +10877,11 @@
 </file>
 
 <file path=ppt/slides/slide15.xml><?xml version="1.0" encoding="utf-8"?>
-<p:sld xmlns:a="http://schemas.openxmlformats.org/drawingml/2006/main" xmlns:r="http://schemas.openxmlformats.org/officeDocument/2006/relationships" xmlns:mc="http://schemas.openxmlformats.org/markup-compatibility/2006" xmlns:mv="urn:schemas-microsoft-com:mac:vml" xmlns:p="http://schemas.openxmlformats.org/presentationml/2006/main" xmlns:c="http://schemas.openxmlformats.org/drawingml/2006/chart" xmlns:dgm="http://schemas.openxmlformats.org/drawingml/2006/diagram" xmlns:o="urn:schemas-microsoft-com:office:office" xmlns:v="urn:schemas-microsoft-com:vml" xmlns:pvml="urn:schemas-microsoft-com:office:powerpoint" xmlns:com="http://schemas.openxmlformats.org/drawingml/2006/compatibility" xmlns:p14="http://schemas.microsoft.com/office/powerpoint/2010/main" xmlns:p15="http://schemas.microsoft.com/office/powerpoint/2012/main">
+<p:sld xmlns:a="http://schemas.openxmlformats.org/drawingml/2006/main" xmlns:r="http://schemas.openxmlformats.org/officeDocument/2006/relationships" xmlns:p="http://schemas.openxmlformats.org/presentationml/2006/main">
   <p:cSld>
     <p:spTree>
       <p:nvGrpSpPr>
-        <p:cNvPr id="148" name="Shape 148"/>
+        <p:cNvPr id="1" name="Shape 148"/>
         <p:cNvGrpSpPr/>
         <p:nvPr/>
       </p:nvGrpSpPr>
@@ -10593,7 +10896,9 @@
       <p:sp>
         <p:nvSpPr>
           <p:cNvPr id="149" name="Google Shape;149;p27"/>
-          <p:cNvSpPr txBox="1"/>
+          <p:cNvSpPr txBox="1">
+            <a:spLocks noGrp="1"/>
+          </p:cNvSpPr>
           <p:nvPr>
             <p:ph type="title"/>
           </p:nvPr>
@@ -10608,12 +10913,12 @@
           </a:prstGeom>
         </p:spPr>
         <p:txBody>
-          <a:bodyPr anchorCtr="0" anchor="t" bIns="91425" lIns="91425" spcFirstLastPara="1" rIns="91425" wrap="square" tIns="91425">
+          <a:bodyPr spcFirstLastPara="1" wrap="square" lIns="91425" tIns="91425" rIns="91425" bIns="91425" anchor="t" anchorCtr="0">
             <a:noAutofit/>
           </a:bodyPr>
           <a:lstStyle/>
           <a:p>
-            <a:pPr indent="0" lvl="0" marL="0" rtl="0" algn="l">
+            <a:pPr marL="0" lvl="0" indent="0" algn="l" rtl="0">
               <a:spcBef>
                 <a:spcPts val="0"/>
               </a:spcBef>
@@ -10633,9 +10938,11 @@
       <p:sp>
         <p:nvSpPr>
           <p:cNvPr id="150" name="Google Shape;150;p27"/>
-          <p:cNvSpPr txBox="1"/>
+          <p:cNvSpPr txBox="1">
+            <a:spLocks noGrp="1"/>
+          </p:cNvSpPr>
           <p:nvPr>
-            <p:ph idx="1" type="body"/>
+            <p:ph type="body" idx="1"/>
           </p:nvPr>
         </p:nvSpPr>
         <p:spPr>
@@ -10648,14 +10955,86 @@
           </a:prstGeom>
         </p:spPr>
         <p:txBody>
-          <a:bodyPr anchorCtr="0" anchor="t" bIns="91425" lIns="91425" spcFirstLastPara="1" rIns="91425" wrap="square" tIns="91425">
+          <a:bodyPr spcFirstLastPara="1" wrap="square" lIns="91425" tIns="91425" rIns="91425" bIns="91425" anchor="t" anchorCtr="0">
             <a:noAutofit/>
           </a:bodyPr>
           <a:lstStyle/>
           <a:p>
-            <a:pPr indent="0" lvl="0" marL="0" rtl="0" algn="l">
-              <a:spcBef>
-                <a:spcPts val="0"/>
+            <a:pPr marL="0" lvl="0" indent="0" algn="l" rtl="0">
+              <a:spcBef>
+                <a:spcPts val="0"/>
+              </a:spcBef>
+              <a:spcAft>
+                <a:spcPts val="0"/>
+              </a:spcAft>
+              <a:buNone/>
+            </a:pPr>
+            <a:endParaRPr dirty="0"/>
+          </a:p>
+          <a:p>
+            <a:pPr marL="0" lvl="0" indent="0" algn="l" rtl="0">
+              <a:spcBef>
+                <a:spcPts val="1600"/>
+              </a:spcBef>
+              <a:spcAft>
+                <a:spcPts val="0"/>
+              </a:spcAft>
+              <a:buNone/>
+            </a:pPr>
+            <a:endParaRPr dirty="0"/>
+          </a:p>
+          <a:p>
+            <a:pPr marL="0" lvl="0" indent="0" algn="l" rtl="0">
+              <a:spcBef>
+                <a:spcPts val="1600"/>
+              </a:spcBef>
+              <a:spcAft>
+                <a:spcPts val="0"/>
+              </a:spcAft>
+              <a:buNone/>
+            </a:pPr>
+            <a:endParaRPr dirty="0"/>
+          </a:p>
+          <a:p>
+            <a:pPr marL="0" lvl="0" indent="0" algn="l" rtl="0">
+              <a:spcBef>
+                <a:spcPts val="1600"/>
+              </a:spcBef>
+              <a:spcAft>
+                <a:spcPts val="0"/>
+              </a:spcAft>
+              <a:buNone/>
+            </a:pPr>
+            <a:endParaRPr dirty="0"/>
+          </a:p>
+          <a:p>
+            <a:pPr marL="0" lvl="0" indent="0" algn="l" rtl="0">
+              <a:spcBef>
+                <a:spcPts val="1600"/>
+              </a:spcBef>
+              <a:spcAft>
+                <a:spcPts val="0"/>
+              </a:spcAft>
+              <a:buNone/>
+            </a:pPr>
+            <a:endParaRPr dirty="0"/>
+          </a:p>
+          <a:p>
+            <a:pPr marL="0" lvl="0" indent="0" algn="l" rtl="0">
+              <a:spcBef>
+                <a:spcPts val="1600"/>
+              </a:spcBef>
+              <a:spcAft>
+                <a:spcPts val="0"/>
+              </a:spcAft>
+              <a:buNone/>
+            </a:pPr>
+            <a:endParaRPr dirty="0"/>
+          </a:p>
+          <a:p>
+            <a:pPr marL="0" lvl="0" indent="0" algn="l" rtl="0">
+              <a:spcBef>
+                <a:spcPts val="1600"/>
               </a:spcBef>
               <a:spcAft>
                 <a:spcPts val="0"/>
@@ -10663,148 +11042,26 @@
               <a:buNone/>
             </a:pPr>
             <a:r>
-              <a:t/>
+              <a:rPr lang="en" dirty="0"/>
+              <a:t>                        r - value is 0.47                                        r - value is  0.83 </a:t>
             </a:r>
-            <a:endParaRPr/>
-          </a:p>
-          <a:p>
-            <a:pPr indent="0" lvl="0" marL="0" rtl="0" algn="l">
+            <a:endParaRPr dirty="0"/>
+          </a:p>
+          <a:p>
+            <a:pPr marL="0" lvl="0" indent="0" algn="l" rtl="0">
               <a:spcBef>
                 <a:spcPts val="1600"/>
               </a:spcBef>
               <a:spcAft>
-                <a:spcPts val="0"/>
+                <a:spcPts val="1600"/>
               </a:spcAft>
               <a:buNone/>
             </a:pPr>
             <a:r>
-              <a:t/>
+              <a:rPr lang="en" dirty="0"/>
+              <a:t>                 Total Likes vs. Total Views                          Total Likes vs. Total Views</a:t>
             </a:r>
-            <a:endParaRPr/>
-          </a:p>
-          <a:p>
-            <a:pPr indent="0" lvl="0" marL="0" rtl="0" algn="l">
-              <a:spcBef>
-                <a:spcPts val="1600"/>
-              </a:spcBef>
-              <a:spcAft>
-                <a:spcPts val="0"/>
-              </a:spcAft>
-              <a:buNone/>
-            </a:pPr>
-            <a:r>
-              <a:t/>
-            </a:r>
-            <a:endParaRPr/>
-          </a:p>
-          <a:p>
-            <a:pPr indent="0" lvl="0" marL="0" rtl="0" algn="l">
-              <a:spcBef>
-                <a:spcPts val="1600"/>
-              </a:spcBef>
-              <a:spcAft>
-                <a:spcPts val="0"/>
-              </a:spcAft>
-              <a:buNone/>
-            </a:pPr>
-            <a:r>
-              <a:t/>
-            </a:r>
-            <a:endParaRPr/>
-          </a:p>
-          <a:p>
-            <a:pPr indent="0" lvl="0" marL="0" rtl="0" algn="l">
-              <a:spcBef>
-                <a:spcPts val="1600"/>
-              </a:spcBef>
-              <a:spcAft>
-                <a:spcPts val="0"/>
-              </a:spcAft>
-              <a:buNone/>
-            </a:pPr>
-            <a:r>
-              <a:t/>
-            </a:r>
-            <a:endParaRPr/>
-          </a:p>
-          <a:p>
-            <a:pPr indent="0" lvl="0" marL="0" rtl="0" algn="l">
-              <a:spcBef>
-                <a:spcPts val="1600"/>
-              </a:spcBef>
-              <a:spcAft>
-                <a:spcPts val="0"/>
-              </a:spcAft>
-              <a:buNone/>
-            </a:pPr>
-            <a:r>
-              <a:t/>
-            </a:r>
-            <a:endParaRPr/>
-          </a:p>
-          <a:p>
-            <a:pPr indent="0" lvl="0" marL="0" rtl="0" algn="l">
-              <a:spcBef>
-                <a:spcPts val="1600"/>
-              </a:spcBef>
-              <a:spcAft>
-                <a:spcPts val="0"/>
-              </a:spcAft>
-              <a:buNone/>
-            </a:pPr>
-            <a:r>
-              <a:rPr lang="en"/>
-              <a:t>                        </a:t>
-            </a:r>
-            <a:r>
-              <a:rPr lang="en"/>
-              <a:t>r</a:t>
-            </a:r>
-            <a:r>
-              <a:rPr lang="en"/>
-              <a:t> - </a:t>
-            </a:r>
-            <a:r>
-              <a:rPr lang="en"/>
-              <a:t>squared</a:t>
-            </a:r>
-            <a:r>
-              <a:rPr lang="en"/>
-              <a:t> is 0.47                                        </a:t>
-            </a:r>
-            <a:r>
-              <a:rPr lang="en"/>
-              <a:t>r - squared is </a:t>
-            </a:r>
-            <a:r>
-              <a:rPr lang="en"/>
-              <a:t> 0.83 </a:t>
-            </a:r>
-            <a:endParaRPr/>
-          </a:p>
-          <a:p>
-            <a:pPr indent="0" lvl="0" marL="0" rtl="0" algn="l">
-              <a:spcBef>
-                <a:spcPts val="1600"/>
-              </a:spcBef>
-              <a:spcAft>
-                <a:spcPts val="1600"/>
-              </a:spcAft>
-              <a:buNone/>
-            </a:pPr>
-            <a:r>
-              <a:rPr lang="en"/>
-              <a:t>                 </a:t>
-            </a:r>
-            <a:r>
-              <a:rPr lang="en"/>
-              <a:t>Total Likes vs. Total Views                          </a:t>
-            </a:r>
-            <a:r>
-              <a:rPr lang="en"/>
-              <a:t>Total Likes vs. Total Views</a:t>
-            </a:r>
-            <a:endParaRPr/>
+            <a:endParaRPr dirty="0"/>
           </a:p>
         </p:txBody>
       </p:sp>
@@ -10873,11 +11130,11 @@
 </file>
 
 <file path=ppt/slides/slide16.xml><?xml version="1.0" encoding="utf-8"?>
-<p:sld xmlns:a="http://schemas.openxmlformats.org/drawingml/2006/main" xmlns:r="http://schemas.openxmlformats.org/officeDocument/2006/relationships" xmlns:mc="http://schemas.openxmlformats.org/markup-compatibility/2006" xmlns:mv="urn:schemas-microsoft-com:mac:vml" xmlns:p="http://schemas.openxmlformats.org/presentationml/2006/main" xmlns:c="http://schemas.openxmlformats.org/drawingml/2006/chart" xmlns:dgm="http://schemas.openxmlformats.org/drawingml/2006/diagram" xmlns:o="urn:schemas-microsoft-com:office:office" xmlns:v="urn:schemas-microsoft-com:vml" xmlns:pvml="urn:schemas-microsoft-com:office:powerpoint" xmlns:com="http://schemas.openxmlformats.org/drawingml/2006/compatibility" xmlns:p14="http://schemas.microsoft.com/office/powerpoint/2010/main" xmlns:p15="http://schemas.microsoft.com/office/powerpoint/2012/main">
+<p:sld xmlns:a="http://schemas.openxmlformats.org/drawingml/2006/main" xmlns:r="http://schemas.openxmlformats.org/officeDocument/2006/relationships" xmlns:p="http://schemas.openxmlformats.org/presentationml/2006/main">
   <p:cSld>
     <p:spTree>
       <p:nvGrpSpPr>
-        <p:cNvPr id="156" name="Shape 156"/>
+        <p:cNvPr id="1" name="Shape 156"/>
         <p:cNvGrpSpPr/>
         <p:nvPr/>
       </p:nvGrpSpPr>
@@ -10892,7 +11149,9 @@
       <p:sp>
         <p:nvSpPr>
           <p:cNvPr id="157" name="Google Shape;157;p28"/>
-          <p:cNvSpPr txBox="1"/>
+          <p:cNvSpPr txBox="1">
+            <a:spLocks noGrp="1"/>
+          </p:cNvSpPr>
           <p:nvPr>
             <p:ph type="title"/>
           </p:nvPr>
@@ -10907,12 +11166,12 @@
           </a:prstGeom>
         </p:spPr>
         <p:txBody>
-          <a:bodyPr anchorCtr="0" anchor="t" bIns="91425" lIns="91425" spcFirstLastPara="1" rIns="91425" wrap="square" tIns="91425">
+          <a:bodyPr spcFirstLastPara="1" wrap="square" lIns="91425" tIns="91425" rIns="91425" bIns="91425" anchor="t" anchorCtr="0">
             <a:noAutofit/>
           </a:bodyPr>
           <a:lstStyle/>
           <a:p>
-            <a:pPr indent="0" lvl="0" marL="0" rtl="0" algn="l">
+            <a:pPr marL="0" lvl="0" indent="0" algn="l" rtl="0">
               <a:spcBef>
                 <a:spcPts val="0"/>
               </a:spcBef>
@@ -10932,9 +11191,11 @@
       <p:sp>
         <p:nvSpPr>
           <p:cNvPr id="158" name="Google Shape;158;p28"/>
-          <p:cNvSpPr txBox="1"/>
+          <p:cNvSpPr txBox="1">
+            <a:spLocks noGrp="1"/>
+          </p:cNvSpPr>
           <p:nvPr>
-            <p:ph idx="1" type="body"/>
+            <p:ph type="body" idx="1"/>
           </p:nvPr>
         </p:nvSpPr>
         <p:spPr>
@@ -10947,12 +11208,12 @@
           </a:prstGeom>
         </p:spPr>
         <p:txBody>
-          <a:bodyPr anchorCtr="0" anchor="t" bIns="91425" lIns="91425" spcFirstLastPara="1" rIns="91425" wrap="square" tIns="91425">
+          <a:bodyPr spcFirstLastPara="1" wrap="square" lIns="91425" tIns="91425" rIns="91425" bIns="91425" anchor="t" anchorCtr="0">
             <a:noAutofit/>
           </a:bodyPr>
           <a:lstStyle/>
           <a:p>
-            <a:pPr indent="0" lvl="0" marL="0" rtl="0" algn="l">
+            <a:pPr marL="0" lvl="0" indent="0" algn="l" rtl="0">
               <a:spcBef>
                 <a:spcPts val="0"/>
               </a:spcBef>
@@ -10961,9 +11222,6 @@
               </a:spcAft>
               <a:buNone/>
             </a:pPr>
-            <a:r>
-              <a:t/>
-            </a:r>
             <a:endParaRPr/>
           </a:p>
         </p:txBody>
@@ -11005,11 +11263,11 @@
 </file>
 
 <file path=ppt/slides/slide17.xml><?xml version="1.0" encoding="utf-8"?>
-<p:sld xmlns:a="http://schemas.openxmlformats.org/drawingml/2006/main" xmlns:r="http://schemas.openxmlformats.org/officeDocument/2006/relationships" xmlns:mc="http://schemas.openxmlformats.org/markup-compatibility/2006" xmlns:mv="urn:schemas-microsoft-com:mac:vml" xmlns:p="http://schemas.openxmlformats.org/presentationml/2006/main" xmlns:c="http://schemas.openxmlformats.org/drawingml/2006/chart" xmlns:dgm="http://schemas.openxmlformats.org/drawingml/2006/diagram" xmlns:o="urn:schemas-microsoft-com:office:office" xmlns:v="urn:schemas-microsoft-com:vml" xmlns:pvml="urn:schemas-microsoft-com:office:powerpoint" xmlns:com="http://schemas.openxmlformats.org/drawingml/2006/compatibility" xmlns:p14="http://schemas.microsoft.com/office/powerpoint/2010/main" xmlns:p15="http://schemas.microsoft.com/office/powerpoint/2012/main">
+<p:sld xmlns:a="http://schemas.openxmlformats.org/drawingml/2006/main" xmlns:r="http://schemas.openxmlformats.org/officeDocument/2006/relationships" xmlns:p="http://schemas.openxmlformats.org/presentationml/2006/main">
   <p:cSld>
     <p:spTree>
       <p:nvGrpSpPr>
-        <p:cNvPr id="163" name="Shape 163"/>
+        <p:cNvPr id="1" name="Shape 163"/>
         <p:cNvGrpSpPr/>
         <p:nvPr/>
       </p:nvGrpSpPr>
@@ -11024,7 +11282,9 @@
       <p:sp>
         <p:nvSpPr>
           <p:cNvPr id="164" name="Google Shape;164;p29"/>
-          <p:cNvSpPr txBox="1"/>
+          <p:cNvSpPr txBox="1">
+            <a:spLocks noGrp="1"/>
+          </p:cNvSpPr>
           <p:nvPr>
             <p:ph type="title"/>
           </p:nvPr>
@@ -11039,12 +11299,12 @@
           </a:prstGeom>
         </p:spPr>
         <p:txBody>
-          <a:bodyPr anchorCtr="0" anchor="t" bIns="91425" lIns="91425" spcFirstLastPara="1" rIns="91425" wrap="square" tIns="91425">
+          <a:bodyPr spcFirstLastPara="1" wrap="square" lIns="91425" tIns="91425" rIns="91425" bIns="91425" anchor="t" anchorCtr="0">
             <a:noAutofit/>
           </a:bodyPr>
           <a:lstStyle/>
           <a:p>
-            <a:pPr indent="0" lvl="0" marL="0" rtl="0" algn="l">
+            <a:pPr marL="0" lvl="0" indent="0" algn="l" rtl="0">
               <a:spcBef>
                 <a:spcPts val="0"/>
               </a:spcBef>
@@ -11064,9 +11324,11 @@
       <p:sp>
         <p:nvSpPr>
           <p:cNvPr id="165" name="Google Shape;165;p29"/>
-          <p:cNvSpPr txBox="1"/>
+          <p:cNvSpPr txBox="1">
+            <a:spLocks noGrp="1"/>
+          </p:cNvSpPr>
           <p:nvPr>
-            <p:ph idx="1" type="body"/>
+            <p:ph type="body" idx="1"/>
           </p:nvPr>
         </p:nvSpPr>
         <p:spPr>
@@ -11079,12 +11341,12 @@
           </a:prstGeom>
         </p:spPr>
         <p:txBody>
-          <a:bodyPr anchorCtr="0" anchor="t" bIns="91425" lIns="91425" spcFirstLastPara="1" rIns="91425" wrap="square" tIns="91425">
+          <a:bodyPr spcFirstLastPara="1" wrap="square" lIns="91425" tIns="91425" rIns="91425" bIns="91425" anchor="t" anchorCtr="0">
             <a:noAutofit/>
           </a:bodyPr>
           <a:lstStyle/>
           <a:p>
-            <a:pPr indent="0" lvl="0" marL="0" rtl="0" algn="l">
+            <a:pPr marL="0" lvl="0" indent="0" algn="l" rtl="0">
               <a:spcBef>
                 <a:spcPts val="0"/>
               </a:spcBef>
@@ -11100,7 +11362,7 @@
             <a:endParaRPr/>
           </a:p>
           <a:p>
-            <a:pPr indent="-317500" lvl="0" marL="457200" rtl="0" algn="just">
+            <a:pPr marL="457200" lvl="0" indent="-317500" algn="just" rtl="0">
               <a:spcBef>
                 <a:spcPts val="1600"/>
               </a:spcBef>
@@ -11137,7 +11399,7 @@
             </a:endParaRPr>
           </a:p>
           <a:p>
-            <a:pPr indent="0" lvl="0" marL="0" rtl="0" algn="just">
+            <a:pPr marL="0" lvl="0" indent="0" algn="just" rtl="0">
               <a:spcBef>
                 <a:spcPts val="1200"/>
               </a:spcBef>
@@ -11169,7 +11431,7 @@
             </a:endParaRPr>
           </a:p>
           <a:p>
-            <a:pPr indent="-317500" lvl="0" marL="457200" rtl="0" algn="just">
+            <a:pPr marL="457200" lvl="0" indent="-317500" algn="just" rtl="0">
               <a:spcBef>
                 <a:spcPts val="1200"/>
               </a:spcBef>
@@ -11206,7 +11468,7 @@
             </a:endParaRPr>
           </a:p>
           <a:p>
-            <a:pPr indent="0" lvl="0" marL="0" rtl="0" algn="just">
+            <a:pPr marL="0" lvl="0" indent="0" algn="just" rtl="0">
               <a:spcBef>
                 <a:spcPts val="1200"/>
               </a:spcBef>
@@ -11268,11 +11530,11 @@
 </file>
 
 <file path=ppt/slides/slide18.xml><?xml version="1.0" encoding="utf-8"?>
-<p:sld xmlns:a="http://schemas.openxmlformats.org/drawingml/2006/main" xmlns:r="http://schemas.openxmlformats.org/officeDocument/2006/relationships" xmlns:mc="http://schemas.openxmlformats.org/markup-compatibility/2006" xmlns:mv="urn:schemas-microsoft-com:mac:vml" xmlns:p="http://schemas.openxmlformats.org/presentationml/2006/main" xmlns:c="http://schemas.openxmlformats.org/drawingml/2006/chart" xmlns:dgm="http://schemas.openxmlformats.org/drawingml/2006/diagram" xmlns:o="urn:schemas-microsoft-com:office:office" xmlns:v="urn:schemas-microsoft-com:vml" xmlns:pvml="urn:schemas-microsoft-com:office:powerpoint" xmlns:com="http://schemas.openxmlformats.org/drawingml/2006/compatibility" xmlns:p14="http://schemas.microsoft.com/office/powerpoint/2010/main" xmlns:p15="http://schemas.microsoft.com/office/powerpoint/2012/main">
+<p:sld xmlns:a="http://schemas.openxmlformats.org/drawingml/2006/main" xmlns:r="http://schemas.openxmlformats.org/officeDocument/2006/relationships" xmlns:p="http://schemas.openxmlformats.org/presentationml/2006/main">
   <p:cSld>
     <p:spTree>
       <p:nvGrpSpPr>
-        <p:cNvPr id="170" name="Shape 170"/>
+        <p:cNvPr id="1" name="Shape 170"/>
         <p:cNvGrpSpPr/>
         <p:nvPr/>
       </p:nvGrpSpPr>
@@ -11287,7 +11549,9 @@
       <p:sp>
         <p:nvSpPr>
           <p:cNvPr id="171" name="Google Shape;171;p30"/>
-          <p:cNvSpPr txBox="1"/>
+          <p:cNvSpPr txBox="1">
+            <a:spLocks noGrp="1"/>
+          </p:cNvSpPr>
           <p:nvPr>
             <p:ph type="title"/>
           </p:nvPr>
@@ -11302,12 +11566,12 @@
           </a:prstGeom>
         </p:spPr>
         <p:txBody>
-          <a:bodyPr anchorCtr="0" anchor="t" bIns="91425" lIns="91425" spcFirstLastPara="1" rIns="91425" wrap="square" tIns="91425">
+          <a:bodyPr spcFirstLastPara="1" wrap="square" lIns="91425" tIns="91425" rIns="91425" bIns="91425" anchor="t" anchorCtr="0">
             <a:noAutofit/>
           </a:bodyPr>
           <a:lstStyle/>
           <a:p>
-            <a:pPr indent="0" lvl="0" marL="0" rtl="0" algn="l">
+            <a:pPr marL="0" lvl="0" indent="0" algn="l" rtl="0">
               <a:spcBef>
                 <a:spcPts val="0"/>
               </a:spcBef>
@@ -11327,9 +11591,11 @@
       <p:sp>
         <p:nvSpPr>
           <p:cNvPr id="172" name="Google Shape;172;p30"/>
-          <p:cNvSpPr txBox="1"/>
+          <p:cNvSpPr txBox="1">
+            <a:spLocks noGrp="1"/>
+          </p:cNvSpPr>
           <p:nvPr>
-            <p:ph idx="1" type="body"/>
+            <p:ph type="body" idx="1"/>
           </p:nvPr>
         </p:nvSpPr>
         <p:spPr>
@@ -11342,12 +11608,12 @@
           </a:prstGeom>
         </p:spPr>
         <p:txBody>
-          <a:bodyPr anchorCtr="0" anchor="t" bIns="91425" lIns="91425" spcFirstLastPara="1" rIns="91425" wrap="square" tIns="91425">
+          <a:bodyPr spcFirstLastPara="1" wrap="square" lIns="91425" tIns="91425" rIns="91425" bIns="91425" anchor="t" anchorCtr="0">
             <a:noAutofit/>
           </a:bodyPr>
           <a:lstStyle/>
           <a:p>
-            <a:pPr indent="-342900" lvl="0" marL="457200" rtl="0" algn="l">
+            <a:pPr marL="457200" lvl="0" indent="-342900" algn="l" rtl="0">
               <a:spcBef>
                 <a:spcPts val="0"/>
               </a:spcBef>
@@ -11364,7 +11630,7 @@
             <a:endParaRPr/>
           </a:p>
           <a:p>
-            <a:pPr indent="-342900" lvl="0" marL="457200" rtl="0" algn="l">
+            <a:pPr marL="457200" lvl="0" indent="-342900" algn="l" rtl="0">
               <a:spcBef>
                 <a:spcPts val="0"/>
               </a:spcBef>
@@ -11376,37 +11642,29 @@
             </a:pPr>
             <a:r>
               <a:rPr lang="en"/>
-              <a:t>Month </a:t>
+              <a:t>Month posted vs. days trending and views</a:t>
             </a:r>
+            <a:endParaRPr/>
+          </a:p>
+          <a:p>
+            <a:pPr marL="457200" lvl="0" indent="-342900" algn="l" rtl="0">
+              <a:spcBef>
+                <a:spcPts val="0"/>
+              </a:spcBef>
+              <a:spcAft>
+                <a:spcPts val="0"/>
+              </a:spcAft>
+              <a:buSzPts val="1800"/>
+              <a:buChar char="●"/>
+            </a:pPr>
             <a:r>
               <a:rPr lang="en"/>
-              <a:t>posted vs. days trending and views</a:t>
+              <a:t>Day posted vs. days trending and views</a:t>
             </a:r>
             <a:endParaRPr/>
           </a:p>
           <a:p>
-            <a:pPr indent="-342900" lvl="0" marL="457200" rtl="0" algn="l">
-              <a:spcBef>
-                <a:spcPts val="0"/>
-              </a:spcBef>
-              <a:spcAft>
-                <a:spcPts val="0"/>
-              </a:spcAft>
-              <a:buSzPts val="1800"/>
-              <a:buChar char="●"/>
-            </a:pPr>
-            <a:r>
-              <a:rPr lang="en"/>
-              <a:t>Day </a:t>
-            </a:r>
-            <a:r>
-              <a:rPr lang="en"/>
-              <a:t>posted vs. days trending and views</a:t>
-            </a:r>
-            <a:endParaRPr/>
-          </a:p>
-          <a:p>
-            <a:pPr indent="-342900" lvl="0" marL="457200" rtl="0" algn="l">
+            <a:pPr marL="457200" lvl="0" indent="-342900" algn="l" rtl="0">
               <a:spcBef>
                 <a:spcPts val="0"/>
               </a:spcBef>
@@ -11461,11 +11719,11 @@
 </file>
 
 <file path=ppt/slides/slide19.xml><?xml version="1.0" encoding="utf-8"?>
-<p:sld xmlns:a="http://schemas.openxmlformats.org/drawingml/2006/main" xmlns:r="http://schemas.openxmlformats.org/officeDocument/2006/relationships" xmlns:mc="http://schemas.openxmlformats.org/markup-compatibility/2006" xmlns:mv="urn:schemas-microsoft-com:mac:vml" xmlns:p="http://schemas.openxmlformats.org/presentationml/2006/main" xmlns:c="http://schemas.openxmlformats.org/drawingml/2006/chart" xmlns:dgm="http://schemas.openxmlformats.org/drawingml/2006/diagram" xmlns:o="urn:schemas-microsoft-com:office:office" xmlns:v="urn:schemas-microsoft-com:vml" xmlns:pvml="urn:schemas-microsoft-com:office:powerpoint" xmlns:com="http://schemas.openxmlformats.org/drawingml/2006/compatibility" xmlns:p14="http://schemas.microsoft.com/office/powerpoint/2010/main" xmlns:p15="http://schemas.microsoft.com/office/powerpoint/2012/main">
+<p:sld xmlns:a="http://schemas.openxmlformats.org/drawingml/2006/main" xmlns:r="http://schemas.openxmlformats.org/officeDocument/2006/relationships" xmlns:p="http://schemas.openxmlformats.org/presentationml/2006/main">
   <p:cSld>
     <p:spTree>
       <p:nvGrpSpPr>
-        <p:cNvPr id="177" name="Shape 177"/>
+        <p:cNvPr id="1" name="Shape 177"/>
         <p:cNvGrpSpPr/>
         <p:nvPr/>
       </p:nvGrpSpPr>
@@ -11480,7 +11738,9 @@
       <p:sp>
         <p:nvSpPr>
           <p:cNvPr id="178" name="Google Shape;178;p31"/>
-          <p:cNvSpPr txBox="1"/>
+          <p:cNvSpPr txBox="1">
+            <a:spLocks noGrp="1"/>
+          </p:cNvSpPr>
           <p:nvPr>
             <p:ph type="title"/>
           </p:nvPr>
@@ -11495,12 +11755,12 @@
           </a:prstGeom>
         </p:spPr>
         <p:txBody>
-          <a:bodyPr anchorCtr="0" anchor="t" bIns="91425" lIns="91425" spcFirstLastPara="1" rIns="91425" wrap="square" tIns="91425">
+          <a:bodyPr spcFirstLastPara="1" wrap="square" lIns="91425" tIns="91425" rIns="91425" bIns="91425" anchor="t" anchorCtr="0">
             <a:noAutofit/>
           </a:bodyPr>
           <a:lstStyle/>
           <a:p>
-            <a:pPr indent="0" lvl="0" marL="0" rtl="0" algn="l">
+            <a:pPr marL="0" lvl="0" indent="0" algn="l" rtl="0">
               <a:spcBef>
                 <a:spcPts val="0"/>
               </a:spcBef>
@@ -11582,11 +11842,11 @@
 </file>
 
 <file path=ppt/slides/slide2.xml><?xml version="1.0" encoding="utf-8"?>
-<p:sld xmlns:a="http://schemas.openxmlformats.org/drawingml/2006/main" xmlns:r="http://schemas.openxmlformats.org/officeDocument/2006/relationships" xmlns:mc="http://schemas.openxmlformats.org/markup-compatibility/2006" xmlns:mv="urn:schemas-microsoft-com:mac:vml" xmlns:p="http://schemas.openxmlformats.org/presentationml/2006/main" xmlns:c="http://schemas.openxmlformats.org/drawingml/2006/chart" xmlns:dgm="http://schemas.openxmlformats.org/drawingml/2006/diagram" xmlns:o="urn:schemas-microsoft-com:office:office" xmlns:v="urn:schemas-microsoft-com:vml" xmlns:pvml="urn:schemas-microsoft-com:office:powerpoint" xmlns:com="http://schemas.openxmlformats.org/drawingml/2006/compatibility" xmlns:p14="http://schemas.microsoft.com/office/powerpoint/2010/main" xmlns:p15="http://schemas.microsoft.com/office/powerpoint/2012/main">
+<p:sld xmlns:a="http://schemas.openxmlformats.org/drawingml/2006/main" xmlns:r="http://schemas.openxmlformats.org/officeDocument/2006/relationships" xmlns:p="http://schemas.openxmlformats.org/presentationml/2006/main">
   <p:cSld>
     <p:spTree>
       <p:nvGrpSpPr>
-        <p:cNvPr id="63" name="Shape 63"/>
+        <p:cNvPr id="1" name="Shape 63"/>
         <p:cNvGrpSpPr/>
         <p:nvPr/>
       </p:nvGrpSpPr>
@@ -11601,7 +11861,9 @@
       <p:sp>
         <p:nvSpPr>
           <p:cNvPr id="64" name="Google Shape;64;p14"/>
-          <p:cNvSpPr txBox="1"/>
+          <p:cNvSpPr txBox="1">
+            <a:spLocks noGrp="1"/>
+          </p:cNvSpPr>
           <p:nvPr>
             <p:ph type="title"/>
           </p:nvPr>
@@ -11616,12 +11878,12 @@
           </a:prstGeom>
         </p:spPr>
         <p:txBody>
-          <a:bodyPr anchorCtr="0" anchor="t" bIns="91425" lIns="91425" spcFirstLastPara="1" rIns="91425" wrap="square" tIns="91425">
+          <a:bodyPr spcFirstLastPara="1" wrap="square" lIns="91425" tIns="91425" rIns="91425" bIns="91425" anchor="t" anchorCtr="0">
             <a:noAutofit/>
           </a:bodyPr>
           <a:lstStyle/>
           <a:p>
-            <a:pPr indent="0" lvl="0" marL="0" rtl="0" algn="ctr">
+            <a:pPr marL="0" lvl="0" indent="0" algn="ctr" rtl="0">
               <a:spcBef>
                 <a:spcPts val="0"/>
               </a:spcBef>
@@ -11641,9 +11903,11 @@
       <p:sp>
         <p:nvSpPr>
           <p:cNvPr id="65" name="Google Shape;65;p14"/>
-          <p:cNvSpPr txBox="1"/>
+          <p:cNvSpPr txBox="1">
+            <a:spLocks noGrp="1"/>
+          </p:cNvSpPr>
           <p:nvPr>
-            <p:ph idx="1" type="body"/>
+            <p:ph type="body" idx="1"/>
           </p:nvPr>
         </p:nvSpPr>
         <p:spPr>
@@ -11654,23 +11918,23 @@
           <a:prstGeom prst="rect">
             <a:avLst/>
           </a:prstGeom>
-          <a:ln cap="flat" cmpd="sng" w="19050">
+          <a:ln w="19050" cap="flat" cmpd="sng">
             <a:solidFill>
               <a:srgbClr val="EFEFEF"/>
             </a:solidFill>
             <a:prstDash val="solid"/>
             <a:round/>
-            <a:headEnd len="sm" w="sm" type="none"/>
-            <a:tailEnd len="sm" w="sm" type="none"/>
+            <a:headEnd type="none" w="sm" len="sm"/>
+            <a:tailEnd type="none" w="sm" len="sm"/>
           </a:ln>
         </p:spPr>
         <p:txBody>
-          <a:bodyPr anchorCtr="0" anchor="t" bIns="91425" lIns="91425" spcFirstLastPara="1" rIns="91425" wrap="square" tIns="91425">
+          <a:bodyPr spcFirstLastPara="1" wrap="square" lIns="91425" tIns="91425" rIns="91425" bIns="91425" anchor="t" anchorCtr="0">
             <a:noAutofit/>
           </a:bodyPr>
           <a:lstStyle/>
           <a:p>
-            <a:pPr indent="0" lvl="0" marL="0" rtl="0" algn="l">
+            <a:pPr marL="0" lvl="0" indent="0" algn="l" rtl="0">
               <a:spcBef>
                 <a:spcPts val="0"/>
               </a:spcBef>
@@ -11690,7 +11954,7 @@
             <a:endParaRPr sz="2100"/>
           </a:p>
           <a:p>
-            <a:pPr indent="0" lvl="0" marL="0" rtl="0" algn="ctr">
+            <a:pPr marL="0" lvl="0" indent="0" algn="ctr" rtl="0">
               <a:spcBef>
                 <a:spcPts val="1600"/>
               </a:spcBef>
@@ -11700,13 +11964,13 @@
               <a:buNone/>
             </a:pPr>
             <a:r>
-              <a:rPr b="1" lang="en" sz="2100"/>
+              <a:rPr lang="en" sz="2100" b="1"/>
               <a:t>Emmanuel, Polina, Michelle, Katie</a:t>
             </a:r>
-            <a:endParaRPr b="1" sz="2100"/>
-          </a:p>
-          <a:p>
-            <a:pPr indent="0" lvl="0" marL="0" rtl="0" algn="l">
+            <a:endParaRPr sz="2100" b="1"/>
+          </a:p>
+          <a:p>
+            <a:pPr marL="0" lvl="0" indent="0" algn="l" rtl="0">
               <a:spcBef>
                 <a:spcPts val="1600"/>
               </a:spcBef>
@@ -11715,48 +11979,34 @@
               </a:spcAft>
               <a:buNone/>
             </a:pPr>
+            <a:endParaRPr sz="2100" b="1"/>
+          </a:p>
+          <a:p>
+            <a:pPr marL="0" lvl="0" indent="0" algn="l" rtl="0">
+              <a:spcBef>
+                <a:spcPts val="1200"/>
+              </a:spcBef>
+              <a:spcAft>
+                <a:spcPts val="0"/>
+              </a:spcAft>
+              <a:buNone/>
+            </a:pPr>
             <a:r>
-              <a:t/>
+              <a:rPr lang="en" sz="2100" b="1"/>
+              <a:t> As a team we communicated, collaborated, wrote hundreds lines of code, and worked on individual parts to do our data investigation and analysis...  </a:t>
             </a:r>
-            <a:endParaRPr b="1" sz="2100"/>
-          </a:p>
-          <a:p>
-            <a:pPr indent="0" lvl="0" marL="0" rtl="0" algn="l">
+            <a:endParaRPr sz="2100" b="1"/>
+          </a:p>
+          <a:p>
+            <a:pPr marL="0" lvl="0" indent="0" algn="l" rtl="0">
               <a:spcBef>
                 <a:spcPts val="1200"/>
               </a:spcBef>
               <a:spcAft>
-                <a:spcPts val="0"/>
-              </a:spcAft>
-              <a:buNone/>
-            </a:pPr>
-            <a:r>
-              <a:rPr b="1" lang="en" sz="2100"/>
-              <a:t> As a team we communicated, collaborated, wrote hundreds lines of code, and worked on individual parts to do our data investigation and analysis</a:t>
-            </a:r>
-            <a:r>
-              <a:rPr b="1" lang="en" sz="2100"/>
-              <a:t>...</a:t>
-            </a:r>
-            <a:r>
-              <a:rPr b="1" lang="en" sz="2100"/>
-              <a:t>  </a:t>
-            </a:r>
-            <a:endParaRPr b="1" sz="2100"/>
-          </a:p>
-          <a:p>
-            <a:pPr indent="0" lvl="0" marL="0" rtl="0" algn="l">
-              <a:spcBef>
-                <a:spcPts val="1200"/>
-              </a:spcBef>
-              <a:spcAft>
                 <a:spcPts val="1600"/>
               </a:spcAft>
               <a:buNone/>
             </a:pPr>
-            <a:r>
-              <a:t/>
-            </a:r>
             <a:endParaRPr/>
           </a:p>
         </p:txBody>
@@ -11770,11 +12020,11 @@
 </file>
 
 <file path=ppt/slides/slide20.xml><?xml version="1.0" encoding="utf-8"?>
-<p:sld xmlns:a="http://schemas.openxmlformats.org/drawingml/2006/main" xmlns:r="http://schemas.openxmlformats.org/officeDocument/2006/relationships" xmlns:mc="http://schemas.openxmlformats.org/markup-compatibility/2006" xmlns:mv="urn:schemas-microsoft-com:mac:vml" xmlns:p="http://schemas.openxmlformats.org/presentationml/2006/main" xmlns:c="http://schemas.openxmlformats.org/drawingml/2006/chart" xmlns:dgm="http://schemas.openxmlformats.org/drawingml/2006/diagram" xmlns:o="urn:schemas-microsoft-com:office:office" xmlns:v="urn:schemas-microsoft-com:vml" xmlns:pvml="urn:schemas-microsoft-com:office:powerpoint" xmlns:com="http://schemas.openxmlformats.org/drawingml/2006/compatibility" xmlns:p14="http://schemas.microsoft.com/office/powerpoint/2010/main" xmlns:p15="http://schemas.microsoft.com/office/powerpoint/2012/main">
+<p:sld xmlns:a="http://schemas.openxmlformats.org/drawingml/2006/main" xmlns:r="http://schemas.openxmlformats.org/officeDocument/2006/relationships" xmlns:p="http://schemas.openxmlformats.org/presentationml/2006/main">
   <p:cSld>
     <p:spTree>
       <p:nvGrpSpPr>
-        <p:cNvPr id="184" name="Shape 184"/>
+        <p:cNvPr id="1" name="Shape 184"/>
         <p:cNvGrpSpPr/>
         <p:nvPr/>
       </p:nvGrpSpPr>
@@ -11789,7 +12039,9 @@
       <p:sp>
         <p:nvSpPr>
           <p:cNvPr id="185" name="Google Shape;185;p32"/>
-          <p:cNvSpPr txBox="1"/>
+          <p:cNvSpPr txBox="1">
+            <a:spLocks noGrp="1"/>
+          </p:cNvSpPr>
           <p:nvPr>
             <p:ph type="title"/>
           </p:nvPr>
@@ -11804,12 +12056,12 @@
           </a:prstGeom>
         </p:spPr>
         <p:txBody>
-          <a:bodyPr anchorCtr="0" anchor="t" bIns="91425" lIns="91425" spcFirstLastPara="1" rIns="91425" wrap="square" tIns="91425">
+          <a:bodyPr spcFirstLastPara="1" wrap="square" lIns="91425" tIns="91425" rIns="91425" bIns="91425" anchor="t" anchorCtr="0">
             <a:noAutofit/>
           </a:bodyPr>
           <a:lstStyle/>
           <a:p>
-            <a:pPr indent="0" lvl="0" marL="0" rtl="0" algn="l">
+            <a:pPr marL="0" lvl="0" indent="0" algn="l" rtl="0">
               <a:spcBef>
                 <a:spcPts val="0"/>
               </a:spcBef>
@@ -11891,11 +12143,11 @@
 </file>
 
 <file path=ppt/slides/slide21.xml><?xml version="1.0" encoding="utf-8"?>
-<p:sld xmlns:a="http://schemas.openxmlformats.org/drawingml/2006/main" xmlns:r="http://schemas.openxmlformats.org/officeDocument/2006/relationships" xmlns:mc="http://schemas.openxmlformats.org/markup-compatibility/2006" xmlns:mv="urn:schemas-microsoft-com:mac:vml" xmlns:p="http://schemas.openxmlformats.org/presentationml/2006/main" xmlns:c="http://schemas.openxmlformats.org/drawingml/2006/chart" xmlns:dgm="http://schemas.openxmlformats.org/drawingml/2006/diagram" xmlns:o="urn:schemas-microsoft-com:office:office" xmlns:v="urn:schemas-microsoft-com:vml" xmlns:pvml="urn:schemas-microsoft-com:office:powerpoint" xmlns:com="http://schemas.openxmlformats.org/drawingml/2006/compatibility" xmlns:p14="http://schemas.microsoft.com/office/powerpoint/2010/main" xmlns:p15="http://schemas.microsoft.com/office/powerpoint/2012/main">
+<p:sld xmlns:a="http://schemas.openxmlformats.org/drawingml/2006/main" xmlns:r="http://schemas.openxmlformats.org/officeDocument/2006/relationships" xmlns:p="http://schemas.openxmlformats.org/presentationml/2006/main">
   <p:cSld>
     <p:spTree>
       <p:nvGrpSpPr>
-        <p:cNvPr id="191" name="Shape 191"/>
+        <p:cNvPr id="1" name="Shape 191"/>
         <p:cNvGrpSpPr/>
         <p:nvPr/>
       </p:nvGrpSpPr>
@@ -11910,7 +12162,9 @@
       <p:sp>
         <p:nvSpPr>
           <p:cNvPr id="192" name="Google Shape;192;p33"/>
-          <p:cNvSpPr txBox="1"/>
+          <p:cNvSpPr txBox="1">
+            <a:spLocks noGrp="1"/>
+          </p:cNvSpPr>
           <p:nvPr>
             <p:ph type="title"/>
           </p:nvPr>
@@ -11925,12 +12179,12 @@
           </a:prstGeom>
         </p:spPr>
         <p:txBody>
-          <a:bodyPr anchorCtr="0" anchor="t" bIns="91425" lIns="91425" spcFirstLastPara="1" rIns="91425" wrap="square" tIns="91425">
+          <a:bodyPr spcFirstLastPara="1" wrap="square" lIns="91425" tIns="91425" rIns="91425" bIns="91425" anchor="t" anchorCtr="0">
             <a:noAutofit/>
           </a:bodyPr>
           <a:lstStyle/>
           <a:p>
-            <a:pPr indent="0" lvl="0" marL="0" rtl="0" algn="l">
+            <a:pPr marL="0" lvl="0" indent="0" algn="l" rtl="0">
               <a:spcBef>
                 <a:spcPts val="0"/>
               </a:spcBef>
@@ -11946,7 +12200,7 @@
             <a:endParaRPr/>
           </a:p>
           <a:p>
-            <a:pPr indent="0" lvl="0" marL="0" rtl="0" algn="l">
+            <a:pPr marL="0" lvl="0" indent="0" algn="l" rtl="0">
               <a:lnSpc>
                 <a:spcPct val="115000"/>
               </a:lnSpc>
@@ -11987,7 +12241,7 @@
             </a:endParaRPr>
           </a:p>
           <a:p>
-            <a:pPr indent="0" lvl="0" marL="0" rtl="0" algn="l">
+            <a:pPr marL="0" lvl="0" indent="0" algn="l" rtl="0">
               <a:lnSpc>
                 <a:spcPct val="115000"/>
               </a:lnSpc>
@@ -12028,7 +12282,7 @@
             </a:endParaRPr>
           </a:p>
           <a:p>
-            <a:pPr indent="0" lvl="0" marL="0" rtl="0" algn="l">
+            <a:pPr marL="0" lvl="0" indent="0" algn="l" rtl="0">
               <a:lnSpc>
                 <a:spcPct val="115000"/>
               </a:lnSpc>
@@ -12040,9 +12294,6 @@
               </a:spcAft>
               <a:buNone/>
             </a:pPr>
-            <a:r>
-              <a:t/>
-            </a:r>
             <a:endParaRPr sz="1400">
               <a:solidFill>
                 <a:srgbClr val="000000"/>
@@ -12057,7 +12308,7 @@
             </a:endParaRPr>
           </a:p>
           <a:p>
-            <a:pPr indent="0" lvl="0" marL="0" rtl="0" algn="l">
+            <a:pPr marL="0" lvl="0" indent="0" algn="l" rtl="0">
               <a:lnSpc>
                 <a:spcPct val="115000"/>
               </a:lnSpc>
@@ -12092,18 +12343,15 @@
             </a:endParaRPr>
           </a:p>
           <a:p>
-            <a:pPr indent="0" lvl="0" marL="0" rtl="0" algn="l">
-              <a:spcBef>
-                <a:spcPts val="0"/>
-              </a:spcBef>
-              <a:spcAft>
-                <a:spcPts val="0"/>
-              </a:spcAft>
-              <a:buNone/>
-            </a:pPr>
-            <a:r>
-              <a:t/>
-            </a:r>
+            <a:pPr marL="0" lvl="0" indent="0" algn="l" rtl="0">
+              <a:spcBef>
+                <a:spcPts val="0"/>
+              </a:spcBef>
+              <a:spcAft>
+                <a:spcPts val="0"/>
+              </a:spcAft>
+              <a:buNone/>
+            </a:pPr>
             <a:endParaRPr/>
           </a:p>
         </p:txBody>
@@ -12184,12 +12432,12 @@
           </a:ln>
         </p:spPr>
         <p:txBody>
-          <a:bodyPr anchorCtr="0" anchor="t" bIns="91425" lIns="91425" spcFirstLastPara="1" rIns="91425" wrap="square" tIns="91425">
+          <a:bodyPr spcFirstLastPara="1" wrap="square" lIns="91425" tIns="91425" rIns="91425" bIns="91425" anchor="t" anchorCtr="0">
             <a:noAutofit/>
           </a:bodyPr>
           <a:lstStyle/>
           <a:p>
-            <a:pPr indent="0" lvl="0" marL="0" rtl="0" algn="l">
+            <a:pPr marL="0" lvl="0" indent="0" algn="l" rtl="0">
               <a:spcBef>
                 <a:spcPts val="0"/>
               </a:spcBef>
@@ -12231,11 +12479,11 @@
 </file>
 
 <file path=ppt/slides/slide22.xml><?xml version="1.0" encoding="utf-8"?>
-<p:sld xmlns:a="http://schemas.openxmlformats.org/drawingml/2006/main" xmlns:r="http://schemas.openxmlformats.org/officeDocument/2006/relationships" xmlns:mc="http://schemas.openxmlformats.org/markup-compatibility/2006" xmlns:mv="urn:schemas-microsoft-com:mac:vml" xmlns:p="http://schemas.openxmlformats.org/presentationml/2006/main" xmlns:c="http://schemas.openxmlformats.org/drawingml/2006/chart" xmlns:dgm="http://schemas.openxmlformats.org/drawingml/2006/diagram" xmlns:o="urn:schemas-microsoft-com:office:office" xmlns:v="urn:schemas-microsoft-com:vml" xmlns:pvml="urn:schemas-microsoft-com:office:powerpoint" xmlns:com="http://schemas.openxmlformats.org/drawingml/2006/compatibility" xmlns:p14="http://schemas.microsoft.com/office/powerpoint/2010/main" xmlns:p15="http://schemas.microsoft.com/office/powerpoint/2012/main">
+<p:sld xmlns:a="http://schemas.openxmlformats.org/drawingml/2006/main" xmlns:r="http://schemas.openxmlformats.org/officeDocument/2006/relationships" xmlns:p="http://schemas.openxmlformats.org/presentationml/2006/main">
   <p:cSld>
     <p:spTree>
       <p:nvGrpSpPr>
-        <p:cNvPr id="199" name="Shape 199"/>
+        <p:cNvPr id="1" name="Shape 199"/>
         <p:cNvGrpSpPr/>
         <p:nvPr/>
       </p:nvGrpSpPr>
@@ -12295,12 +12543,12 @@
           </a:ln>
         </p:spPr>
         <p:txBody>
-          <a:bodyPr anchorCtr="0" anchor="t" bIns="91425" lIns="91425" spcFirstLastPara="1" rIns="91425" wrap="square" tIns="91425">
+          <a:bodyPr spcFirstLastPara="1" wrap="square" lIns="91425" tIns="91425" rIns="91425" bIns="91425" anchor="t" anchorCtr="0">
             <a:noAutofit/>
           </a:bodyPr>
           <a:lstStyle/>
           <a:p>
-            <a:pPr indent="0" lvl="0" marL="0" rtl="0" algn="l">
+            <a:pPr marL="0" lvl="0" indent="0" algn="l" rtl="0">
               <a:spcBef>
                 <a:spcPts val="0"/>
               </a:spcBef>
@@ -12342,11 +12590,11 @@
 </file>
 
 <file path=ppt/slides/slide23.xml><?xml version="1.0" encoding="utf-8"?>
-<p:sld xmlns:a="http://schemas.openxmlformats.org/drawingml/2006/main" xmlns:r="http://schemas.openxmlformats.org/officeDocument/2006/relationships" xmlns:mc="http://schemas.openxmlformats.org/markup-compatibility/2006" xmlns:mv="urn:schemas-microsoft-com:mac:vml" xmlns:p="http://schemas.openxmlformats.org/presentationml/2006/main" xmlns:c="http://schemas.openxmlformats.org/drawingml/2006/chart" xmlns:dgm="http://schemas.openxmlformats.org/drawingml/2006/diagram" xmlns:o="urn:schemas-microsoft-com:office:office" xmlns:v="urn:schemas-microsoft-com:vml" xmlns:pvml="urn:schemas-microsoft-com:office:powerpoint" xmlns:com="http://schemas.openxmlformats.org/drawingml/2006/compatibility" xmlns:p14="http://schemas.microsoft.com/office/powerpoint/2010/main" xmlns:p15="http://schemas.microsoft.com/office/powerpoint/2012/main">
+<p:sld xmlns:a="http://schemas.openxmlformats.org/drawingml/2006/main" xmlns:r="http://schemas.openxmlformats.org/officeDocument/2006/relationships" xmlns:p="http://schemas.openxmlformats.org/presentationml/2006/main">
   <p:cSld>
     <p:spTree>
       <p:nvGrpSpPr>
-        <p:cNvPr id="205" name="Shape 205"/>
+        <p:cNvPr id="1" name="Shape 205"/>
         <p:cNvGrpSpPr/>
         <p:nvPr/>
       </p:nvGrpSpPr>
@@ -12434,12 +12682,12 @@
           </a:ln>
         </p:spPr>
         <p:txBody>
-          <a:bodyPr anchorCtr="0" anchor="t" bIns="91425" lIns="91425" spcFirstLastPara="1" rIns="91425" wrap="square" tIns="91425">
+          <a:bodyPr spcFirstLastPara="1" wrap="square" lIns="91425" tIns="91425" rIns="91425" bIns="91425" anchor="t" anchorCtr="0">
             <a:noAutofit/>
           </a:bodyPr>
           <a:lstStyle/>
           <a:p>
-            <a:pPr indent="0" lvl="0" marL="0" rtl="0" algn="ctr">
+            <a:pPr marL="0" lvl="0" indent="0" algn="ctr" rtl="0">
               <a:spcBef>
                 <a:spcPts val="0"/>
               </a:spcBef>
@@ -12481,11 +12729,11 @@
 </file>
 
 <file path=ppt/slides/slide24.xml><?xml version="1.0" encoding="utf-8"?>
-<p:sld xmlns:a="http://schemas.openxmlformats.org/drawingml/2006/main" xmlns:r="http://schemas.openxmlformats.org/officeDocument/2006/relationships" xmlns:mc="http://schemas.openxmlformats.org/markup-compatibility/2006" xmlns:mv="urn:schemas-microsoft-com:mac:vml" xmlns:p="http://schemas.openxmlformats.org/presentationml/2006/main" xmlns:c="http://schemas.openxmlformats.org/drawingml/2006/chart" xmlns:dgm="http://schemas.openxmlformats.org/drawingml/2006/diagram" xmlns:o="urn:schemas-microsoft-com:office:office" xmlns:v="urn:schemas-microsoft-com:vml" xmlns:pvml="urn:schemas-microsoft-com:office:powerpoint" xmlns:com="http://schemas.openxmlformats.org/drawingml/2006/compatibility" xmlns:p14="http://schemas.microsoft.com/office/powerpoint/2010/main" xmlns:p15="http://schemas.microsoft.com/office/powerpoint/2012/main">
+<p:sld xmlns:a="http://schemas.openxmlformats.org/drawingml/2006/main" xmlns:r="http://schemas.openxmlformats.org/officeDocument/2006/relationships" xmlns:p="http://schemas.openxmlformats.org/presentationml/2006/main">
   <p:cSld>
     <p:spTree>
       <p:nvGrpSpPr>
-        <p:cNvPr id="212" name="Shape 212"/>
+        <p:cNvPr id="1" name="Shape 212"/>
         <p:cNvGrpSpPr/>
         <p:nvPr/>
       </p:nvGrpSpPr>
@@ -12500,7 +12748,9 @@
       <p:sp>
         <p:nvSpPr>
           <p:cNvPr id="213" name="Google Shape;213;p36"/>
-          <p:cNvSpPr txBox="1"/>
+          <p:cNvSpPr txBox="1">
+            <a:spLocks noGrp="1"/>
+          </p:cNvSpPr>
           <p:nvPr>
             <p:ph type="title"/>
           </p:nvPr>
@@ -12515,12 +12765,12 @@
           </a:prstGeom>
         </p:spPr>
         <p:txBody>
-          <a:bodyPr anchorCtr="0" anchor="t" bIns="91425" lIns="91425" spcFirstLastPara="1" rIns="91425" wrap="square" tIns="91425">
+          <a:bodyPr spcFirstLastPara="1" wrap="square" lIns="91425" tIns="91425" rIns="91425" bIns="91425" anchor="t" anchorCtr="0">
             <a:noAutofit/>
           </a:bodyPr>
           <a:lstStyle/>
           <a:p>
-            <a:pPr indent="0" lvl="0" marL="0" rtl="0" algn="l">
+            <a:pPr marL="0" lvl="0" indent="0" algn="l" rtl="0">
               <a:spcBef>
                 <a:spcPts val="0"/>
               </a:spcBef>
@@ -12613,12 +12863,12 @@
           </a:ln>
         </p:spPr>
         <p:txBody>
-          <a:bodyPr anchorCtr="0" anchor="t" bIns="91425" lIns="91425" spcFirstLastPara="1" rIns="91425" wrap="square" tIns="91425">
+          <a:bodyPr spcFirstLastPara="1" wrap="square" lIns="91425" tIns="91425" rIns="91425" bIns="91425" anchor="t" anchorCtr="0">
             <a:noAutofit/>
           </a:bodyPr>
           <a:lstStyle/>
           <a:p>
-            <a:pPr indent="0" lvl="0" marL="0" rtl="0" algn="l">
+            <a:pPr marL="0" lvl="0" indent="0" algn="l" rtl="0">
               <a:spcBef>
                 <a:spcPts val="0"/>
               </a:spcBef>
@@ -12660,11 +12910,11 @@
 </file>
 
 <file path=ppt/slides/slide25.xml><?xml version="1.0" encoding="utf-8"?>
-<p:sld xmlns:a="http://schemas.openxmlformats.org/drawingml/2006/main" xmlns:r="http://schemas.openxmlformats.org/officeDocument/2006/relationships" xmlns:mc="http://schemas.openxmlformats.org/markup-compatibility/2006" xmlns:mv="urn:schemas-microsoft-com:mac:vml" xmlns:p="http://schemas.openxmlformats.org/presentationml/2006/main" xmlns:c="http://schemas.openxmlformats.org/drawingml/2006/chart" xmlns:dgm="http://schemas.openxmlformats.org/drawingml/2006/diagram" xmlns:o="urn:schemas-microsoft-com:office:office" xmlns:v="urn:schemas-microsoft-com:vml" xmlns:pvml="urn:schemas-microsoft-com:office:powerpoint" xmlns:com="http://schemas.openxmlformats.org/drawingml/2006/compatibility" xmlns:p14="http://schemas.microsoft.com/office/powerpoint/2010/main" xmlns:p15="http://schemas.microsoft.com/office/powerpoint/2012/main">
+<p:sld xmlns:a="http://schemas.openxmlformats.org/drawingml/2006/main" xmlns:r="http://schemas.openxmlformats.org/officeDocument/2006/relationships" xmlns:p="http://schemas.openxmlformats.org/presentationml/2006/main">
   <p:cSld>
     <p:spTree>
       <p:nvGrpSpPr>
-        <p:cNvPr id="220" name="Shape 220"/>
+        <p:cNvPr id="1" name="Shape 220"/>
         <p:cNvGrpSpPr/>
         <p:nvPr/>
       </p:nvGrpSpPr>
@@ -12679,7 +12929,9 @@
       <p:sp>
         <p:nvSpPr>
           <p:cNvPr id="221" name="Google Shape;221;p37"/>
-          <p:cNvSpPr txBox="1"/>
+          <p:cNvSpPr txBox="1">
+            <a:spLocks noGrp="1"/>
+          </p:cNvSpPr>
           <p:nvPr>
             <p:ph type="title"/>
           </p:nvPr>
@@ -12694,12 +12946,12 @@
           </a:prstGeom>
         </p:spPr>
         <p:txBody>
-          <a:bodyPr anchorCtr="0" anchor="t" bIns="91425" lIns="91425" spcFirstLastPara="1" rIns="91425" wrap="square" tIns="91425">
+          <a:bodyPr spcFirstLastPara="1" wrap="square" lIns="91425" tIns="91425" rIns="91425" bIns="91425" anchor="t" anchorCtr="0">
             <a:noAutofit/>
           </a:bodyPr>
           <a:lstStyle/>
           <a:p>
-            <a:pPr indent="0" lvl="0" marL="0" rtl="0" algn="l">
+            <a:pPr marL="0" lvl="0" indent="0" algn="l" rtl="0">
               <a:spcBef>
                 <a:spcPts val="0"/>
               </a:spcBef>
@@ -12781,11 +13033,11 @@
 </file>
 
 <file path=ppt/slides/slide26.xml><?xml version="1.0" encoding="utf-8"?>
-<p:sld xmlns:a="http://schemas.openxmlformats.org/drawingml/2006/main" xmlns:r="http://schemas.openxmlformats.org/officeDocument/2006/relationships" xmlns:mc="http://schemas.openxmlformats.org/markup-compatibility/2006" xmlns:mv="urn:schemas-microsoft-com:mac:vml" xmlns:p="http://schemas.openxmlformats.org/presentationml/2006/main" xmlns:c="http://schemas.openxmlformats.org/drawingml/2006/chart" xmlns:dgm="http://schemas.openxmlformats.org/drawingml/2006/diagram" xmlns:o="urn:schemas-microsoft-com:office:office" xmlns:v="urn:schemas-microsoft-com:vml" xmlns:pvml="urn:schemas-microsoft-com:office:powerpoint" xmlns:com="http://schemas.openxmlformats.org/drawingml/2006/compatibility" xmlns:p14="http://schemas.microsoft.com/office/powerpoint/2010/main" xmlns:p15="http://schemas.microsoft.com/office/powerpoint/2012/main">
+<p:sld xmlns:a="http://schemas.openxmlformats.org/drawingml/2006/main" xmlns:r="http://schemas.openxmlformats.org/officeDocument/2006/relationships" xmlns:p="http://schemas.openxmlformats.org/presentationml/2006/main">
   <p:cSld>
     <p:spTree>
       <p:nvGrpSpPr>
-        <p:cNvPr id="227" name="Shape 227"/>
+        <p:cNvPr id="1" name="Shape 227"/>
         <p:cNvGrpSpPr/>
         <p:nvPr/>
       </p:nvGrpSpPr>
@@ -12800,7 +13052,9 @@
       <p:sp>
         <p:nvSpPr>
           <p:cNvPr id="228" name="Google Shape;228;p38"/>
-          <p:cNvSpPr txBox="1"/>
+          <p:cNvSpPr txBox="1">
+            <a:spLocks noGrp="1"/>
+          </p:cNvSpPr>
           <p:nvPr>
             <p:ph type="title"/>
           </p:nvPr>
@@ -12815,12 +13069,12 @@
           </a:prstGeom>
         </p:spPr>
         <p:txBody>
-          <a:bodyPr anchorCtr="0" anchor="t" bIns="91425" lIns="91425" spcFirstLastPara="1" rIns="91425" wrap="square" tIns="91425">
+          <a:bodyPr spcFirstLastPara="1" wrap="square" lIns="91425" tIns="91425" rIns="91425" bIns="91425" anchor="t" anchorCtr="0">
             <a:noAutofit/>
           </a:bodyPr>
           <a:lstStyle/>
           <a:p>
-            <a:pPr indent="0" lvl="0" marL="0" rtl="0" algn="l">
+            <a:pPr marL="0" lvl="0" indent="0" algn="l" rtl="0">
               <a:spcBef>
                 <a:spcPts val="0"/>
               </a:spcBef>
@@ -13014,11 +13268,11 @@
 </file>
 
 <file path=ppt/slides/slide27.xml><?xml version="1.0" encoding="utf-8"?>
-<p:sld xmlns:a="http://schemas.openxmlformats.org/drawingml/2006/main" xmlns:r="http://schemas.openxmlformats.org/officeDocument/2006/relationships" xmlns:mc="http://schemas.openxmlformats.org/markup-compatibility/2006" xmlns:mv="urn:schemas-microsoft-com:mac:vml" xmlns:p="http://schemas.openxmlformats.org/presentationml/2006/main" xmlns:c="http://schemas.openxmlformats.org/drawingml/2006/chart" xmlns:dgm="http://schemas.openxmlformats.org/drawingml/2006/diagram" xmlns:o="urn:schemas-microsoft-com:office:office" xmlns:v="urn:schemas-microsoft-com:vml" xmlns:pvml="urn:schemas-microsoft-com:office:powerpoint" xmlns:com="http://schemas.openxmlformats.org/drawingml/2006/compatibility" xmlns:p14="http://schemas.microsoft.com/office/powerpoint/2010/main" xmlns:p15="http://schemas.microsoft.com/office/powerpoint/2012/main">
+<p:sld xmlns:a="http://schemas.openxmlformats.org/drawingml/2006/main" xmlns:r="http://schemas.openxmlformats.org/officeDocument/2006/relationships" xmlns:p="http://schemas.openxmlformats.org/presentationml/2006/main">
   <p:cSld>
     <p:spTree>
       <p:nvGrpSpPr>
-        <p:cNvPr id="238" name="Shape 238"/>
+        <p:cNvPr id="1" name="Shape 238"/>
         <p:cNvGrpSpPr/>
         <p:nvPr/>
       </p:nvGrpSpPr>
@@ -13078,12 +13332,12 @@
           </a:ln>
         </p:spPr>
         <p:txBody>
-          <a:bodyPr anchorCtr="0" anchor="t" bIns="91425" lIns="91425" spcFirstLastPara="1" rIns="91425" wrap="square" tIns="91425">
+          <a:bodyPr spcFirstLastPara="1" wrap="square" lIns="91425" tIns="91425" rIns="91425" bIns="91425" anchor="t" anchorCtr="0">
             <a:noAutofit/>
           </a:bodyPr>
           <a:lstStyle/>
           <a:p>
-            <a:pPr indent="0" lvl="0" marL="0" rtl="0" algn="ctr">
+            <a:pPr marL="0" lvl="0" indent="0" algn="ctr" rtl="0">
               <a:spcBef>
                 <a:spcPts val="0"/>
               </a:spcBef>
@@ -13125,11 +13379,11 @@
 </file>
 
 <file path=ppt/slides/slide28.xml><?xml version="1.0" encoding="utf-8"?>
-<p:sld xmlns:a="http://schemas.openxmlformats.org/drawingml/2006/main" xmlns:r="http://schemas.openxmlformats.org/officeDocument/2006/relationships" xmlns:mc="http://schemas.openxmlformats.org/markup-compatibility/2006" xmlns:mv="urn:schemas-microsoft-com:mac:vml" xmlns:p="http://schemas.openxmlformats.org/presentationml/2006/main" xmlns:c="http://schemas.openxmlformats.org/drawingml/2006/chart" xmlns:dgm="http://schemas.openxmlformats.org/drawingml/2006/diagram" xmlns:o="urn:schemas-microsoft-com:office:office" xmlns:v="urn:schemas-microsoft-com:vml" xmlns:pvml="urn:schemas-microsoft-com:office:powerpoint" xmlns:com="http://schemas.openxmlformats.org/drawingml/2006/compatibility" xmlns:p14="http://schemas.microsoft.com/office/powerpoint/2010/main" xmlns:p15="http://schemas.microsoft.com/office/powerpoint/2012/main">
+<p:sld xmlns:a="http://schemas.openxmlformats.org/drawingml/2006/main" xmlns:r="http://schemas.openxmlformats.org/officeDocument/2006/relationships" xmlns:p="http://schemas.openxmlformats.org/presentationml/2006/main">
   <p:cSld>
     <p:spTree>
       <p:nvGrpSpPr>
-        <p:cNvPr id="244" name="Shape 244"/>
+        <p:cNvPr id="1" name="Shape 244"/>
         <p:cNvGrpSpPr/>
         <p:nvPr/>
       </p:nvGrpSpPr>
@@ -13144,7 +13398,9 @@
       <p:sp>
         <p:nvSpPr>
           <p:cNvPr id="245" name="Google Shape;245;p40"/>
-          <p:cNvSpPr txBox="1"/>
+          <p:cNvSpPr txBox="1">
+            <a:spLocks noGrp="1"/>
+          </p:cNvSpPr>
           <p:nvPr>
             <p:ph type="title"/>
           </p:nvPr>
@@ -13159,12 +13415,12 @@
           </a:prstGeom>
         </p:spPr>
         <p:txBody>
-          <a:bodyPr anchorCtr="0" anchor="t" bIns="91425" lIns="91425" spcFirstLastPara="1" rIns="91425" wrap="square" tIns="91425">
+          <a:bodyPr spcFirstLastPara="1" wrap="square" lIns="91425" tIns="91425" rIns="91425" bIns="91425" anchor="t" anchorCtr="0">
             <a:noAutofit/>
           </a:bodyPr>
           <a:lstStyle/>
           <a:p>
-            <a:pPr indent="0" lvl="0" marL="0" rtl="0" algn="l">
+            <a:pPr marL="0" lvl="0" indent="0" algn="l" rtl="0">
               <a:spcBef>
                 <a:spcPts val="0"/>
               </a:spcBef>
@@ -13184,9 +13440,11 @@
       <p:sp>
         <p:nvSpPr>
           <p:cNvPr id="246" name="Google Shape;246;p40"/>
-          <p:cNvSpPr txBox="1"/>
+          <p:cNvSpPr txBox="1">
+            <a:spLocks noGrp="1"/>
+          </p:cNvSpPr>
           <p:nvPr>
-            <p:ph idx="1" type="body"/>
+            <p:ph type="body" idx="1"/>
           </p:nvPr>
         </p:nvSpPr>
         <p:spPr>
@@ -13199,12 +13457,12 @@
           </a:prstGeom>
         </p:spPr>
         <p:txBody>
-          <a:bodyPr anchorCtr="0" anchor="t" bIns="91425" lIns="91425" spcFirstLastPara="1" rIns="91425" wrap="square" tIns="91425">
+          <a:bodyPr spcFirstLastPara="1" wrap="square" lIns="91425" tIns="91425" rIns="91425" bIns="91425" anchor="t" anchorCtr="0">
             <a:noAutofit/>
           </a:bodyPr>
           <a:lstStyle/>
           <a:p>
-            <a:pPr indent="0" lvl="0" marL="0" rtl="0" algn="l">
+            <a:pPr marL="0" lvl="0" indent="0" algn="l" rtl="0">
               <a:spcBef>
                 <a:spcPts val="0"/>
               </a:spcBef>
@@ -13220,7 +13478,7 @@
             <a:endParaRPr/>
           </a:p>
           <a:p>
-            <a:pPr indent="0" lvl="0" marL="0" rtl="0" algn="l">
+            <a:pPr marL="0" lvl="0" indent="0" algn="l" rtl="0">
               <a:spcBef>
                 <a:spcPts val="1600"/>
               </a:spcBef>
@@ -13236,7 +13494,7 @@
             <a:endParaRPr/>
           </a:p>
           <a:p>
-            <a:pPr indent="0" lvl="0" marL="0" rtl="0" algn="l">
+            <a:pPr marL="0" lvl="0" indent="0" algn="l" rtl="0">
               <a:spcBef>
                 <a:spcPts val="1600"/>
               </a:spcBef>
@@ -13252,7 +13510,7 @@
             <a:endParaRPr/>
           </a:p>
           <a:p>
-            <a:pPr indent="0" lvl="0" marL="0" rtl="0" algn="l">
+            <a:pPr marL="0" lvl="0" indent="0" algn="l" rtl="0">
               <a:spcBef>
                 <a:spcPts val="1600"/>
               </a:spcBef>
@@ -13261,9 +13519,6 @@
               </a:spcAft>
               <a:buNone/>
             </a:pPr>
-            <a:r>
-              <a:t/>
-            </a:r>
             <a:endParaRPr/>
           </a:p>
         </p:txBody>
@@ -13277,11 +13532,11 @@
 </file>
 
 <file path=ppt/slides/slide29.xml><?xml version="1.0" encoding="utf-8"?>
-<p:sld xmlns:a="http://schemas.openxmlformats.org/drawingml/2006/main" xmlns:r="http://schemas.openxmlformats.org/officeDocument/2006/relationships" xmlns:mc="http://schemas.openxmlformats.org/markup-compatibility/2006" xmlns:mv="urn:schemas-microsoft-com:mac:vml" xmlns:p="http://schemas.openxmlformats.org/presentationml/2006/main" xmlns:c="http://schemas.openxmlformats.org/drawingml/2006/chart" xmlns:dgm="http://schemas.openxmlformats.org/drawingml/2006/diagram" xmlns:o="urn:schemas-microsoft-com:office:office" xmlns:v="urn:schemas-microsoft-com:vml" xmlns:pvml="urn:schemas-microsoft-com:office:powerpoint" xmlns:com="http://schemas.openxmlformats.org/drawingml/2006/compatibility" xmlns:p14="http://schemas.microsoft.com/office/powerpoint/2010/main" xmlns:p15="http://schemas.microsoft.com/office/powerpoint/2012/main">
+<p:sld xmlns:a="http://schemas.openxmlformats.org/drawingml/2006/main" xmlns:r="http://schemas.openxmlformats.org/officeDocument/2006/relationships" xmlns:p="http://schemas.openxmlformats.org/presentationml/2006/main">
   <p:cSld>
     <p:spTree>
       <p:nvGrpSpPr>
-        <p:cNvPr id="250" name="Shape 250"/>
+        <p:cNvPr id="1" name="Shape 250"/>
         <p:cNvGrpSpPr/>
         <p:nvPr/>
       </p:nvGrpSpPr>
@@ -13296,7 +13551,9 @@
       <p:sp>
         <p:nvSpPr>
           <p:cNvPr id="251" name="Google Shape;251;p41"/>
-          <p:cNvSpPr txBox="1"/>
+          <p:cNvSpPr txBox="1">
+            <a:spLocks noGrp="1"/>
+          </p:cNvSpPr>
           <p:nvPr>
             <p:ph type="title"/>
           </p:nvPr>
@@ -13311,12 +13568,12 @@
           </a:prstGeom>
         </p:spPr>
         <p:txBody>
-          <a:bodyPr anchorCtr="0" anchor="t" bIns="91425" lIns="91425" spcFirstLastPara="1" rIns="91425" wrap="square" tIns="91425">
+          <a:bodyPr spcFirstLastPara="1" wrap="square" lIns="91425" tIns="91425" rIns="91425" bIns="91425" anchor="t" anchorCtr="0">
             <a:noAutofit/>
           </a:bodyPr>
           <a:lstStyle/>
           <a:p>
-            <a:pPr indent="0" lvl="0" marL="0" rtl="0" algn="l">
+            <a:pPr marL="0" lvl="0" indent="0" algn="l" rtl="0">
               <a:spcBef>
                 <a:spcPts val="0"/>
               </a:spcBef>
@@ -13336,9 +13593,11 @@
       <p:sp>
         <p:nvSpPr>
           <p:cNvPr id="252" name="Google Shape;252;p41"/>
-          <p:cNvSpPr txBox="1"/>
+          <p:cNvSpPr txBox="1">
+            <a:spLocks noGrp="1"/>
+          </p:cNvSpPr>
           <p:nvPr>
-            <p:ph idx="1" type="body"/>
+            <p:ph type="body" idx="1"/>
           </p:nvPr>
         </p:nvSpPr>
         <p:spPr>
@@ -13351,12 +13610,12 @@
           </a:prstGeom>
         </p:spPr>
         <p:txBody>
-          <a:bodyPr anchorCtr="0" anchor="t" bIns="91425" lIns="91425" spcFirstLastPara="1" rIns="91425" wrap="square" tIns="91425">
+          <a:bodyPr spcFirstLastPara="1" wrap="square" lIns="91425" tIns="91425" rIns="91425" bIns="91425" anchor="t" anchorCtr="0">
             <a:noAutofit/>
           </a:bodyPr>
           <a:lstStyle/>
           <a:p>
-            <a:pPr indent="-342900" lvl="0" marL="457200" rtl="0" algn="l">
+            <a:pPr marL="457200" lvl="0" indent="-342900" algn="l" rtl="0">
               <a:spcBef>
                 <a:spcPts val="0"/>
               </a:spcBef>
@@ -13373,7 +13632,7 @@
             <a:endParaRPr/>
           </a:p>
           <a:p>
-            <a:pPr indent="-342900" lvl="0" marL="457200" rtl="0" algn="l">
+            <a:pPr marL="457200" lvl="0" indent="-342900" algn="l" rtl="0">
               <a:spcBef>
                 <a:spcPts val="0"/>
               </a:spcBef>
@@ -13390,7 +13649,7 @@
             <a:endParaRPr/>
           </a:p>
           <a:p>
-            <a:pPr indent="-342900" lvl="0" marL="457200" rtl="0" algn="l">
+            <a:pPr marL="457200" lvl="0" indent="-342900" algn="l" rtl="0">
               <a:spcBef>
                 <a:spcPts val="0"/>
               </a:spcBef>
@@ -13417,11 +13676,11 @@
 </file>
 
 <file path=ppt/slides/slide3.xml><?xml version="1.0" encoding="utf-8"?>
-<p:sld xmlns:a="http://schemas.openxmlformats.org/drawingml/2006/main" xmlns:r="http://schemas.openxmlformats.org/officeDocument/2006/relationships" xmlns:mc="http://schemas.openxmlformats.org/markup-compatibility/2006" xmlns:mv="urn:schemas-microsoft-com:mac:vml" xmlns:p="http://schemas.openxmlformats.org/presentationml/2006/main" xmlns:c="http://schemas.openxmlformats.org/drawingml/2006/chart" xmlns:dgm="http://schemas.openxmlformats.org/drawingml/2006/diagram" xmlns:o="urn:schemas-microsoft-com:office:office" xmlns:v="urn:schemas-microsoft-com:vml" xmlns:pvml="urn:schemas-microsoft-com:office:powerpoint" xmlns:com="http://schemas.openxmlformats.org/drawingml/2006/compatibility" xmlns:p14="http://schemas.microsoft.com/office/powerpoint/2010/main" xmlns:p15="http://schemas.microsoft.com/office/powerpoint/2012/main">
+<p:sld xmlns:a="http://schemas.openxmlformats.org/drawingml/2006/main" xmlns:r="http://schemas.openxmlformats.org/officeDocument/2006/relationships" xmlns:p="http://schemas.openxmlformats.org/presentationml/2006/main">
   <p:cSld>
     <p:spTree>
       <p:nvGrpSpPr>
-        <p:cNvPr id="69" name="Shape 69"/>
+        <p:cNvPr id="1" name="Shape 69"/>
         <p:cNvGrpSpPr/>
         <p:nvPr/>
       </p:nvGrpSpPr>
@@ -13436,7 +13695,9 @@
       <p:sp>
         <p:nvSpPr>
           <p:cNvPr id="70" name="Google Shape;70;p15"/>
-          <p:cNvSpPr txBox="1"/>
+          <p:cNvSpPr txBox="1">
+            <a:spLocks noGrp="1"/>
+          </p:cNvSpPr>
           <p:nvPr>
             <p:ph type="title"/>
           </p:nvPr>
@@ -13451,12 +13712,12 @@
           </a:prstGeom>
         </p:spPr>
         <p:txBody>
-          <a:bodyPr anchorCtr="0" anchor="t" bIns="91425" lIns="91425" spcFirstLastPara="1" rIns="91425" wrap="square" tIns="91425">
+          <a:bodyPr spcFirstLastPara="1" wrap="square" lIns="91425" tIns="91425" rIns="91425" bIns="91425" anchor="t" anchorCtr="0">
             <a:noAutofit/>
           </a:bodyPr>
           <a:lstStyle/>
           <a:p>
-            <a:pPr indent="0" lvl="0" marL="0" rtl="0" algn="l">
+            <a:pPr marL="0" lvl="0" indent="0" algn="l" rtl="0">
               <a:spcBef>
                 <a:spcPts val="0"/>
               </a:spcBef>
@@ -13549,12 +13810,12 @@
           </a:ln>
         </p:spPr>
         <p:txBody>
-          <a:bodyPr anchorCtr="0" anchor="t" bIns="91425" lIns="91425" spcFirstLastPara="1" rIns="91425" wrap="square" tIns="91425">
+          <a:bodyPr spcFirstLastPara="1" wrap="square" lIns="91425" tIns="91425" rIns="91425" bIns="91425" anchor="t" anchorCtr="0">
             <a:noAutofit/>
           </a:bodyPr>
           <a:lstStyle/>
           <a:p>
-            <a:pPr indent="0" lvl="0" marL="0" rtl="0" algn="l">
+            <a:pPr marL="0" lvl="0" indent="0" algn="l" rtl="0">
               <a:spcBef>
                 <a:spcPts val="0"/>
               </a:spcBef>
@@ -13593,11 +13854,11 @@
 </file>
 
 <file path=ppt/slides/slide30.xml><?xml version="1.0" encoding="utf-8"?>
-<p:sld xmlns:a="http://schemas.openxmlformats.org/drawingml/2006/main" xmlns:r="http://schemas.openxmlformats.org/officeDocument/2006/relationships" xmlns:mc="http://schemas.openxmlformats.org/markup-compatibility/2006" xmlns:mv="urn:schemas-microsoft-com:mac:vml" xmlns:p="http://schemas.openxmlformats.org/presentationml/2006/main" xmlns:c="http://schemas.openxmlformats.org/drawingml/2006/chart" xmlns:dgm="http://schemas.openxmlformats.org/drawingml/2006/diagram" xmlns:o="urn:schemas-microsoft-com:office:office" xmlns:v="urn:schemas-microsoft-com:vml" xmlns:pvml="urn:schemas-microsoft-com:office:powerpoint" xmlns:com="http://schemas.openxmlformats.org/drawingml/2006/compatibility" xmlns:p14="http://schemas.microsoft.com/office/powerpoint/2010/main" xmlns:p15="http://schemas.microsoft.com/office/powerpoint/2012/main">
+<p:sld xmlns:a="http://schemas.openxmlformats.org/drawingml/2006/main" xmlns:r="http://schemas.openxmlformats.org/officeDocument/2006/relationships" xmlns:p="http://schemas.openxmlformats.org/presentationml/2006/main">
   <p:cSld>
     <p:spTree>
       <p:nvGrpSpPr>
-        <p:cNvPr id="256" name="Shape 256"/>
+        <p:cNvPr id="1" name="Shape 256"/>
         <p:cNvGrpSpPr/>
         <p:nvPr/>
       </p:nvGrpSpPr>
@@ -13612,7 +13873,9 @@
       <p:sp>
         <p:nvSpPr>
           <p:cNvPr id="257" name="Google Shape;257;p42"/>
-          <p:cNvSpPr txBox="1"/>
+          <p:cNvSpPr txBox="1">
+            <a:spLocks noGrp="1"/>
+          </p:cNvSpPr>
           <p:nvPr>
             <p:ph type="title"/>
           </p:nvPr>
@@ -13627,12 +13890,12 @@
           </a:prstGeom>
         </p:spPr>
         <p:txBody>
-          <a:bodyPr anchorCtr="0" anchor="t" bIns="91425" lIns="91425" spcFirstLastPara="1" rIns="91425" wrap="square" tIns="91425">
+          <a:bodyPr spcFirstLastPara="1" wrap="square" lIns="91425" tIns="91425" rIns="91425" bIns="91425" anchor="t" anchorCtr="0">
             <a:noAutofit/>
           </a:bodyPr>
           <a:lstStyle/>
           <a:p>
-            <a:pPr indent="0" lvl="0" marL="0" rtl="0" algn="l">
+            <a:pPr marL="0" lvl="0" indent="0" algn="l" rtl="0">
               <a:spcBef>
                 <a:spcPts val="0"/>
               </a:spcBef>
@@ -13652,9 +13915,11 @@
       <p:sp>
         <p:nvSpPr>
           <p:cNvPr id="258" name="Google Shape;258;p42"/>
-          <p:cNvSpPr txBox="1"/>
+          <p:cNvSpPr txBox="1">
+            <a:spLocks noGrp="1"/>
+          </p:cNvSpPr>
           <p:nvPr>
-            <p:ph idx="1" type="body"/>
+            <p:ph type="body" idx="1"/>
           </p:nvPr>
         </p:nvSpPr>
         <p:spPr>
@@ -13667,12 +13932,12 @@
           </a:prstGeom>
         </p:spPr>
         <p:txBody>
-          <a:bodyPr anchorCtr="0" anchor="t" bIns="91425" lIns="91425" spcFirstLastPara="1" rIns="91425" wrap="square" tIns="91425">
+          <a:bodyPr spcFirstLastPara="1" wrap="square" lIns="91425" tIns="91425" rIns="91425" bIns="91425" anchor="t" anchorCtr="0">
             <a:noAutofit/>
           </a:bodyPr>
           <a:lstStyle/>
           <a:p>
-            <a:pPr indent="-342900" lvl="0" marL="457200" rtl="0" algn="l">
+            <a:pPr marL="457200" lvl="0" indent="-342900" algn="l" rtl="0">
               <a:spcBef>
                 <a:spcPts val="0"/>
               </a:spcBef>
@@ -13689,7 +13954,7 @@
             <a:endParaRPr/>
           </a:p>
           <a:p>
-            <a:pPr indent="-317500" lvl="1" marL="914400" rtl="0" algn="l">
+            <a:pPr marL="914400" lvl="1" indent="-317500" algn="l" rtl="0">
               <a:spcBef>
                 <a:spcPts val="0"/>
               </a:spcBef>
@@ -13706,7 +13971,7 @@
             <a:endParaRPr/>
           </a:p>
           <a:p>
-            <a:pPr indent="-317500" lvl="1" marL="914400" rtl="0" algn="l">
+            <a:pPr marL="914400" lvl="1" indent="-317500" algn="l" rtl="0">
               <a:spcBef>
                 <a:spcPts val="0"/>
               </a:spcBef>
@@ -13723,7 +13988,7 @@
             <a:endParaRPr/>
           </a:p>
           <a:p>
-            <a:pPr indent="-317500" lvl="1" marL="914400" rtl="0" algn="l">
+            <a:pPr marL="914400" lvl="1" indent="-317500" algn="l" rtl="0">
               <a:spcBef>
                 <a:spcPts val="0"/>
               </a:spcBef>
@@ -13750,11 +14015,11 @@
 </file>
 
 <file path=ppt/slides/slide31.xml><?xml version="1.0" encoding="utf-8"?>
-<p:sld xmlns:a="http://schemas.openxmlformats.org/drawingml/2006/main" xmlns:r="http://schemas.openxmlformats.org/officeDocument/2006/relationships" xmlns:mc="http://schemas.openxmlformats.org/markup-compatibility/2006" xmlns:mv="urn:schemas-microsoft-com:mac:vml" xmlns:p="http://schemas.openxmlformats.org/presentationml/2006/main" xmlns:c="http://schemas.openxmlformats.org/drawingml/2006/chart" xmlns:dgm="http://schemas.openxmlformats.org/drawingml/2006/diagram" xmlns:o="urn:schemas-microsoft-com:office:office" xmlns:v="urn:schemas-microsoft-com:vml" xmlns:pvml="urn:schemas-microsoft-com:office:powerpoint" xmlns:com="http://schemas.openxmlformats.org/drawingml/2006/compatibility" xmlns:p14="http://schemas.microsoft.com/office/powerpoint/2010/main" xmlns:p15="http://schemas.microsoft.com/office/powerpoint/2012/main">
+<p:sld xmlns:a="http://schemas.openxmlformats.org/drawingml/2006/main" xmlns:r="http://schemas.openxmlformats.org/officeDocument/2006/relationships" xmlns:p="http://schemas.openxmlformats.org/presentationml/2006/main">
   <p:cSld>
     <p:spTree>
       <p:nvGrpSpPr>
-        <p:cNvPr id="262" name="Shape 262"/>
+        <p:cNvPr id="1" name="Shape 262"/>
         <p:cNvGrpSpPr/>
         <p:nvPr/>
       </p:nvGrpSpPr>
@@ -13769,7 +14034,9 @@
       <p:sp>
         <p:nvSpPr>
           <p:cNvPr id="263" name="Google Shape;263;p43"/>
-          <p:cNvSpPr txBox="1"/>
+          <p:cNvSpPr txBox="1">
+            <a:spLocks noGrp="1"/>
+          </p:cNvSpPr>
           <p:nvPr>
             <p:ph type="title"/>
           </p:nvPr>
@@ -13784,12 +14051,12 @@
           </a:prstGeom>
         </p:spPr>
         <p:txBody>
-          <a:bodyPr anchorCtr="0" anchor="t" bIns="91425" lIns="91425" spcFirstLastPara="1" rIns="91425" wrap="square" tIns="91425">
+          <a:bodyPr spcFirstLastPara="1" wrap="square" lIns="91425" tIns="91425" rIns="91425" bIns="91425" anchor="t" anchorCtr="0">
             <a:noAutofit/>
           </a:bodyPr>
           <a:lstStyle/>
           <a:p>
-            <a:pPr indent="0" lvl="0" marL="0" rtl="0" algn="l">
+            <a:pPr marL="0" lvl="0" indent="0" algn="l" rtl="0">
               <a:spcBef>
                 <a:spcPts val="0"/>
               </a:spcBef>
@@ -13809,9 +14076,11 @@
       <p:sp>
         <p:nvSpPr>
           <p:cNvPr id="264" name="Google Shape;264;p43"/>
-          <p:cNvSpPr txBox="1"/>
+          <p:cNvSpPr txBox="1">
+            <a:spLocks noGrp="1"/>
+          </p:cNvSpPr>
           <p:nvPr>
-            <p:ph idx="1" type="body"/>
+            <p:ph type="body" idx="1"/>
           </p:nvPr>
         </p:nvSpPr>
         <p:spPr>
@@ -13824,12 +14093,12 @@
           </a:prstGeom>
         </p:spPr>
         <p:txBody>
-          <a:bodyPr anchorCtr="0" anchor="t" bIns="91425" lIns="91425" spcFirstLastPara="1" rIns="91425" wrap="square" tIns="91425">
+          <a:bodyPr spcFirstLastPara="1" wrap="square" lIns="91425" tIns="91425" rIns="91425" bIns="91425" anchor="t" anchorCtr="0">
             <a:noAutofit/>
           </a:bodyPr>
           <a:lstStyle/>
           <a:p>
-            <a:pPr indent="0" lvl="0" marL="0" rtl="0" algn="l">
+            <a:pPr marL="0" lvl="0" indent="0" algn="l" rtl="0">
               <a:spcBef>
                 <a:spcPts val="0"/>
               </a:spcBef>
@@ -13845,7 +14114,7 @@
             <a:endParaRPr/>
           </a:p>
           <a:p>
-            <a:pPr indent="0" lvl="0" marL="0" rtl="0" algn="l">
+            <a:pPr marL="0" lvl="0" indent="0" algn="l" rtl="0">
               <a:spcBef>
                 <a:spcPts val="1600"/>
               </a:spcBef>
@@ -13861,7 +14130,7 @@
             <a:endParaRPr/>
           </a:p>
           <a:p>
-            <a:pPr indent="0" lvl="0" marL="457200" rtl="0" algn="l">
+            <a:pPr marL="457200" lvl="0" indent="0" algn="l" rtl="0">
               <a:spcBef>
                 <a:spcPts val="1600"/>
               </a:spcBef>
@@ -13870,9 +14139,6 @@
               </a:spcAft>
               <a:buNone/>
             </a:pPr>
-            <a:r>
-              <a:t/>
-            </a:r>
             <a:endParaRPr/>
           </a:p>
         </p:txBody>
@@ -13914,11 +14180,11 @@
 </file>
 
 <file path=ppt/slides/slide32.xml><?xml version="1.0" encoding="utf-8"?>
-<p:sld xmlns:a="http://schemas.openxmlformats.org/drawingml/2006/main" xmlns:r="http://schemas.openxmlformats.org/officeDocument/2006/relationships" xmlns:mc="http://schemas.openxmlformats.org/markup-compatibility/2006" xmlns:mv="urn:schemas-microsoft-com:mac:vml" xmlns:p="http://schemas.openxmlformats.org/presentationml/2006/main" xmlns:c="http://schemas.openxmlformats.org/drawingml/2006/chart" xmlns:dgm="http://schemas.openxmlformats.org/drawingml/2006/diagram" xmlns:o="urn:schemas-microsoft-com:office:office" xmlns:v="urn:schemas-microsoft-com:vml" xmlns:pvml="urn:schemas-microsoft-com:office:powerpoint" xmlns:com="http://schemas.openxmlformats.org/drawingml/2006/compatibility" xmlns:p14="http://schemas.microsoft.com/office/powerpoint/2010/main" xmlns:p15="http://schemas.microsoft.com/office/powerpoint/2012/main">
+<p:sld xmlns:a="http://schemas.openxmlformats.org/drawingml/2006/main" xmlns:r="http://schemas.openxmlformats.org/officeDocument/2006/relationships" xmlns:p="http://schemas.openxmlformats.org/presentationml/2006/main">
   <p:cSld>
     <p:spTree>
       <p:nvGrpSpPr>
-        <p:cNvPr id="269" name="Shape 269"/>
+        <p:cNvPr id="1" name="Shape 269"/>
         <p:cNvGrpSpPr/>
         <p:nvPr/>
       </p:nvGrpSpPr>
@@ -13933,7 +14199,9 @@
       <p:sp>
         <p:nvSpPr>
           <p:cNvPr id="270" name="Google Shape;270;p44"/>
-          <p:cNvSpPr txBox="1"/>
+          <p:cNvSpPr txBox="1">
+            <a:spLocks noGrp="1"/>
+          </p:cNvSpPr>
           <p:nvPr>
             <p:ph type="title"/>
           </p:nvPr>
@@ -13948,12 +14216,12 @@
           </a:prstGeom>
         </p:spPr>
         <p:txBody>
-          <a:bodyPr anchorCtr="0" anchor="t" bIns="91425" lIns="91425" spcFirstLastPara="1" rIns="91425" wrap="square" tIns="91425">
+          <a:bodyPr spcFirstLastPara="1" wrap="square" lIns="91425" tIns="91425" rIns="91425" bIns="91425" anchor="t" anchorCtr="0">
             <a:noAutofit/>
           </a:bodyPr>
           <a:lstStyle/>
           <a:p>
-            <a:pPr indent="0" lvl="0" marL="0" rtl="0" algn="l">
+            <a:pPr marL="0" lvl="0" indent="0" algn="l" rtl="0">
               <a:spcBef>
                 <a:spcPts val="0"/>
               </a:spcBef>
@@ -13973,9 +14241,11 @@
       <p:sp>
         <p:nvSpPr>
           <p:cNvPr id="271" name="Google Shape;271;p44"/>
-          <p:cNvSpPr txBox="1"/>
+          <p:cNvSpPr txBox="1">
+            <a:spLocks noGrp="1"/>
+          </p:cNvSpPr>
           <p:nvPr>
-            <p:ph idx="1" type="body"/>
+            <p:ph type="body" idx="1"/>
           </p:nvPr>
         </p:nvSpPr>
         <p:spPr>
@@ -13988,12 +14258,12 @@
           </a:prstGeom>
         </p:spPr>
         <p:txBody>
-          <a:bodyPr anchorCtr="0" anchor="t" bIns="91425" lIns="91425" spcFirstLastPara="1" rIns="91425" wrap="square" tIns="91425">
+          <a:bodyPr spcFirstLastPara="1" wrap="square" lIns="91425" tIns="91425" rIns="91425" bIns="91425" anchor="t" anchorCtr="0">
             <a:noAutofit/>
           </a:bodyPr>
           <a:lstStyle/>
           <a:p>
-            <a:pPr indent="0" lvl="0" marL="0" rtl="0" algn="l">
+            <a:pPr marL="0" lvl="0" indent="0" algn="l" rtl="0">
               <a:spcBef>
                 <a:spcPts val="0"/>
               </a:spcBef>
@@ -14009,7 +14279,7 @@
             <a:endParaRPr/>
           </a:p>
           <a:p>
-            <a:pPr indent="0" lvl="0" marL="0" rtl="0" algn="l">
+            <a:pPr marL="0" lvl="0" indent="0" algn="l" rtl="0">
               <a:spcBef>
                 <a:spcPts val="1600"/>
               </a:spcBef>
@@ -14063,11 +14333,11 @@
 </file>
 
 <file path=ppt/slides/slide33.xml><?xml version="1.0" encoding="utf-8"?>
-<p:sld xmlns:a="http://schemas.openxmlformats.org/drawingml/2006/main" xmlns:r="http://schemas.openxmlformats.org/officeDocument/2006/relationships" xmlns:mc="http://schemas.openxmlformats.org/markup-compatibility/2006" xmlns:mv="urn:schemas-microsoft-com:mac:vml" xmlns:p="http://schemas.openxmlformats.org/presentationml/2006/main" xmlns:c="http://schemas.openxmlformats.org/drawingml/2006/chart" xmlns:dgm="http://schemas.openxmlformats.org/drawingml/2006/diagram" xmlns:o="urn:schemas-microsoft-com:office:office" xmlns:v="urn:schemas-microsoft-com:vml" xmlns:pvml="urn:schemas-microsoft-com:office:powerpoint" xmlns:com="http://schemas.openxmlformats.org/drawingml/2006/compatibility" xmlns:p14="http://schemas.microsoft.com/office/powerpoint/2010/main" xmlns:p15="http://schemas.microsoft.com/office/powerpoint/2012/main">
+<p:sld xmlns:a="http://schemas.openxmlformats.org/drawingml/2006/main" xmlns:r="http://schemas.openxmlformats.org/officeDocument/2006/relationships" xmlns:p="http://schemas.openxmlformats.org/presentationml/2006/main">
   <p:cSld>
     <p:spTree>
       <p:nvGrpSpPr>
-        <p:cNvPr id="276" name="Shape 276"/>
+        <p:cNvPr id="1" name="Shape 276"/>
         <p:cNvGrpSpPr/>
         <p:nvPr/>
       </p:nvGrpSpPr>
@@ -14082,7 +14352,9 @@
       <p:sp>
         <p:nvSpPr>
           <p:cNvPr id="277" name="Google Shape;277;p45"/>
-          <p:cNvSpPr txBox="1"/>
+          <p:cNvSpPr txBox="1">
+            <a:spLocks noGrp="1"/>
+          </p:cNvSpPr>
           <p:nvPr>
             <p:ph type="title"/>
           </p:nvPr>
@@ -14097,12 +14369,12 @@
           </a:prstGeom>
         </p:spPr>
         <p:txBody>
-          <a:bodyPr anchorCtr="0" anchor="t" bIns="91425" lIns="91425" spcFirstLastPara="1" rIns="91425" wrap="square" tIns="91425">
+          <a:bodyPr spcFirstLastPara="1" wrap="square" lIns="91425" tIns="91425" rIns="91425" bIns="91425" anchor="t" anchorCtr="0">
             <a:noAutofit/>
           </a:bodyPr>
           <a:lstStyle/>
           <a:p>
-            <a:pPr indent="0" lvl="0" marL="0" rtl="0" algn="l">
+            <a:pPr marL="0" lvl="0" indent="0" algn="l" rtl="0">
               <a:spcBef>
                 <a:spcPts val="0"/>
               </a:spcBef>
@@ -14122,9 +14394,11 @@
       <p:sp>
         <p:nvSpPr>
           <p:cNvPr id="278" name="Google Shape;278;p45"/>
-          <p:cNvSpPr txBox="1"/>
+          <p:cNvSpPr txBox="1">
+            <a:spLocks noGrp="1"/>
+          </p:cNvSpPr>
           <p:nvPr>
-            <p:ph idx="1" type="body"/>
+            <p:ph type="body" idx="1"/>
           </p:nvPr>
         </p:nvSpPr>
         <p:spPr>
@@ -14137,12 +14411,12 @@
           </a:prstGeom>
         </p:spPr>
         <p:txBody>
-          <a:bodyPr anchorCtr="0" anchor="t" bIns="91425" lIns="91425" spcFirstLastPara="1" rIns="91425" wrap="square" tIns="91425">
+          <a:bodyPr spcFirstLastPara="1" wrap="square" lIns="91425" tIns="91425" rIns="91425" bIns="91425" anchor="t" anchorCtr="0">
             <a:noAutofit/>
           </a:bodyPr>
           <a:lstStyle/>
           <a:p>
-            <a:pPr indent="0" lvl="0" marL="0" rtl="0" algn="l">
+            <a:pPr marL="0" lvl="0" indent="0" algn="l" rtl="0">
               <a:spcBef>
                 <a:spcPts val="0"/>
               </a:spcBef>
@@ -14158,7 +14432,7 @@
             <a:endParaRPr/>
           </a:p>
           <a:p>
-            <a:pPr indent="0" lvl="0" marL="0" rtl="0" algn="l">
+            <a:pPr marL="0" lvl="0" indent="0" algn="l" rtl="0">
               <a:spcBef>
                 <a:spcPts val="1600"/>
               </a:spcBef>
@@ -14212,11 +14486,11 @@
 </file>
 
 <file path=ppt/slides/slide34.xml><?xml version="1.0" encoding="utf-8"?>
-<p:sld xmlns:a="http://schemas.openxmlformats.org/drawingml/2006/main" xmlns:r="http://schemas.openxmlformats.org/officeDocument/2006/relationships" xmlns:mc="http://schemas.openxmlformats.org/markup-compatibility/2006" xmlns:mv="urn:schemas-microsoft-com:mac:vml" xmlns:p="http://schemas.openxmlformats.org/presentationml/2006/main" xmlns:c="http://schemas.openxmlformats.org/drawingml/2006/chart" xmlns:dgm="http://schemas.openxmlformats.org/drawingml/2006/diagram" xmlns:o="urn:schemas-microsoft-com:office:office" xmlns:v="urn:schemas-microsoft-com:vml" xmlns:pvml="urn:schemas-microsoft-com:office:powerpoint" xmlns:com="http://schemas.openxmlformats.org/drawingml/2006/compatibility" xmlns:p14="http://schemas.microsoft.com/office/powerpoint/2010/main" xmlns:p15="http://schemas.microsoft.com/office/powerpoint/2012/main">
+<p:sld xmlns:a="http://schemas.openxmlformats.org/drawingml/2006/main" xmlns:r="http://schemas.openxmlformats.org/officeDocument/2006/relationships" xmlns:p="http://schemas.openxmlformats.org/presentationml/2006/main">
   <p:cSld>
     <p:spTree>
       <p:nvGrpSpPr>
-        <p:cNvPr id="283" name="Shape 283"/>
+        <p:cNvPr id="1" name="Shape 283"/>
         <p:cNvGrpSpPr/>
         <p:nvPr/>
       </p:nvGrpSpPr>
@@ -14231,7 +14505,9 @@
       <p:sp>
         <p:nvSpPr>
           <p:cNvPr id="284" name="Google Shape;284;p46"/>
-          <p:cNvSpPr txBox="1"/>
+          <p:cNvSpPr txBox="1">
+            <a:spLocks noGrp="1"/>
+          </p:cNvSpPr>
           <p:nvPr>
             <p:ph type="title"/>
           </p:nvPr>
@@ -14246,12 +14522,12 @@
           </a:prstGeom>
         </p:spPr>
         <p:txBody>
-          <a:bodyPr anchorCtr="0" anchor="t" bIns="91425" lIns="91425" spcFirstLastPara="1" rIns="91425" wrap="square" tIns="91425">
+          <a:bodyPr spcFirstLastPara="1" wrap="square" lIns="91425" tIns="91425" rIns="91425" bIns="91425" anchor="t" anchorCtr="0">
             <a:noAutofit/>
           </a:bodyPr>
           <a:lstStyle/>
           <a:p>
-            <a:pPr indent="0" lvl="0" marL="0" rtl="0" algn="l">
+            <a:pPr marL="0" lvl="0" indent="0" algn="l" rtl="0">
               <a:spcBef>
                 <a:spcPts val="0"/>
               </a:spcBef>
@@ -14271,9 +14547,11 @@
       <p:sp>
         <p:nvSpPr>
           <p:cNvPr id="285" name="Google Shape;285;p46"/>
-          <p:cNvSpPr txBox="1"/>
+          <p:cNvSpPr txBox="1">
+            <a:spLocks noGrp="1"/>
+          </p:cNvSpPr>
           <p:nvPr>
-            <p:ph idx="1" type="body"/>
+            <p:ph type="body" idx="1"/>
           </p:nvPr>
         </p:nvSpPr>
         <p:spPr>
@@ -14286,12 +14564,12 @@
           </a:prstGeom>
         </p:spPr>
         <p:txBody>
-          <a:bodyPr anchorCtr="0" anchor="t" bIns="91425" lIns="91425" spcFirstLastPara="1" rIns="91425" wrap="square" tIns="91425">
+          <a:bodyPr spcFirstLastPara="1" wrap="square" lIns="91425" tIns="91425" rIns="91425" bIns="91425" anchor="t" anchorCtr="0">
             <a:noAutofit/>
           </a:bodyPr>
           <a:lstStyle/>
           <a:p>
-            <a:pPr indent="-342900" lvl="0" marL="457200" rtl="0" algn="l">
+            <a:pPr marL="457200" lvl="0" indent="-342900" algn="l" rtl="0">
               <a:spcBef>
                 <a:spcPts val="0"/>
               </a:spcBef>
@@ -14308,7 +14586,7 @@
             <a:endParaRPr/>
           </a:p>
           <a:p>
-            <a:pPr indent="-342900" lvl="0" marL="457200" rtl="0" algn="l">
+            <a:pPr marL="457200" lvl="0" indent="-342900" algn="l" rtl="0">
               <a:spcBef>
                 <a:spcPts val="0"/>
               </a:spcBef>
@@ -14335,11 +14613,11 @@
 </file>
 
 <file path=ppt/slides/slide35.xml><?xml version="1.0" encoding="utf-8"?>
-<p:sld xmlns:a="http://schemas.openxmlformats.org/drawingml/2006/main" xmlns:r="http://schemas.openxmlformats.org/officeDocument/2006/relationships" xmlns:mc="http://schemas.openxmlformats.org/markup-compatibility/2006" xmlns:mv="urn:schemas-microsoft-com:mac:vml" xmlns:p="http://schemas.openxmlformats.org/presentationml/2006/main" xmlns:c="http://schemas.openxmlformats.org/drawingml/2006/chart" xmlns:dgm="http://schemas.openxmlformats.org/drawingml/2006/diagram" xmlns:o="urn:schemas-microsoft-com:office:office" xmlns:v="urn:schemas-microsoft-com:vml" xmlns:pvml="urn:schemas-microsoft-com:office:powerpoint" xmlns:com="http://schemas.openxmlformats.org/drawingml/2006/compatibility" xmlns:p14="http://schemas.microsoft.com/office/powerpoint/2010/main" xmlns:p15="http://schemas.microsoft.com/office/powerpoint/2012/main">
+<p:sld xmlns:a="http://schemas.openxmlformats.org/drawingml/2006/main" xmlns:r="http://schemas.openxmlformats.org/officeDocument/2006/relationships" xmlns:p="http://schemas.openxmlformats.org/presentationml/2006/main">
   <p:cSld>
     <p:spTree>
       <p:nvGrpSpPr>
-        <p:cNvPr id="289" name="Shape 289"/>
+        <p:cNvPr id="1" name="Shape 289"/>
         <p:cNvGrpSpPr/>
         <p:nvPr/>
       </p:nvGrpSpPr>
@@ -14354,7 +14632,9 @@
       <p:sp>
         <p:nvSpPr>
           <p:cNvPr id="290" name="Google Shape;290;p47"/>
-          <p:cNvSpPr txBox="1"/>
+          <p:cNvSpPr txBox="1">
+            <a:spLocks noGrp="1"/>
+          </p:cNvSpPr>
           <p:nvPr>
             <p:ph type="title"/>
           </p:nvPr>
@@ -14369,12 +14649,12 @@
           </a:prstGeom>
         </p:spPr>
         <p:txBody>
-          <a:bodyPr anchorCtr="0" anchor="t" bIns="91425" lIns="91425" spcFirstLastPara="1" rIns="91425" wrap="square" tIns="91425">
+          <a:bodyPr spcFirstLastPara="1" wrap="square" lIns="91425" tIns="91425" rIns="91425" bIns="91425" anchor="t" anchorCtr="0">
             <a:noAutofit/>
           </a:bodyPr>
           <a:lstStyle/>
           <a:p>
-            <a:pPr indent="0" lvl="0" marL="0" rtl="0" algn="l">
+            <a:pPr marL="0" lvl="0" indent="0" algn="l" rtl="0">
               <a:spcBef>
                 <a:spcPts val="0"/>
               </a:spcBef>
@@ -14394,9 +14674,11 @@
       <p:sp>
         <p:nvSpPr>
           <p:cNvPr id="291" name="Google Shape;291;p47"/>
-          <p:cNvSpPr txBox="1"/>
+          <p:cNvSpPr txBox="1">
+            <a:spLocks noGrp="1"/>
+          </p:cNvSpPr>
           <p:nvPr>
-            <p:ph idx="1" type="body"/>
+            <p:ph type="body" idx="1"/>
           </p:nvPr>
         </p:nvSpPr>
         <p:spPr>
@@ -14409,12 +14691,12 @@
           </a:prstGeom>
         </p:spPr>
         <p:txBody>
-          <a:bodyPr anchorCtr="0" anchor="t" bIns="91425" lIns="91425" spcFirstLastPara="1" rIns="91425" wrap="square" tIns="91425">
+          <a:bodyPr spcFirstLastPara="1" wrap="square" lIns="91425" tIns="91425" rIns="91425" bIns="91425" anchor="t" anchorCtr="0">
             <a:noAutofit/>
           </a:bodyPr>
           <a:lstStyle/>
           <a:p>
-            <a:pPr indent="-342900" lvl="0" marL="457200" rtl="0" algn="l">
+            <a:pPr marL="457200" lvl="0" indent="-342900" algn="l" rtl="0">
               <a:spcBef>
                 <a:spcPts val="0"/>
               </a:spcBef>
@@ -14431,7 +14713,7 @@
             <a:endParaRPr/>
           </a:p>
           <a:p>
-            <a:pPr indent="-342900" lvl="0" marL="457200" rtl="0" algn="l">
+            <a:pPr marL="457200" lvl="0" indent="-342900" algn="l" rtl="0">
               <a:spcBef>
                 <a:spcPts val="0"/>
               </a:spcBef>
@@ -14448,7 +14730,7 @@
             <a:endParaRPr/>
           </a:p>
           <a:p>
-            <a:pPr indent="0" lvl="0" marL="914400" rtl="0" algn="l">
+            <a:pPr marL="914400" lvl="0" indent="0" algn="l" rtl="0">
               <a:spcBef>
                 <a:spcPts val="1600"/>
               </a:spcBef>
@@ -14457,9 +14739,6 @@
               </a:spcAft>
               <a:buNone/>
             </a:pPr>
-            <a:r>
-              <a:t/>
-            </a:r>
             <a:endParaRPr/>
           </a:p>
         </p:txBody>
@@ -14473,11 +14752,11 @@
 </file>
 
 <file path=ppt/slides/slide36.xml><?xml version="1.0" encoding="utf-8"?>
-<p:sld xmlns:a="http://schemas.openxmlformats.org/drawingml/2006/main" xmlns:r="http://schemas.openxmlformats.org/officeDocument/2006/relationships" xmlns:mc="http://schemas.openxmlformats.org/markup-compatibility/2006" xmlns:mv="urn:schemas-microsoft-com:mac:vml" xmlns:p="http://schemas.openxmlformats.org/presentationml/2006/main" xmlns:c="http://schemas.openxmlformats.org/drawingml/2006/chart" xmlns:dgm="http://schemas.openxmlformats.org/drawingml/2006/diagram" xmlns:o="urn:schemas-microsoft-com:office:office" xmlns:v="urn:schemas-microsoft-com:vml" xmlns:pvml="urn:schemas-microsoft-com:office:powerpoint" xmlns:com="http://schemas.openxmlformats.org/drawingml/2006/compatibility" xmlns:p14="http://schemas.microsoft.com/office/powerpoint/2010/main" xmlns:p15="http://schemas.microsoft.com/office/powerpoint/2012/main">
+<p:sld xmlns:a="http://schemas.openxmlformats.org/drawingml/2006/main" xmlns:r="http://schemas.openxmlformats.org/officeDocument/2006/relationships" xmlns:p="http://schemas.openxmlformats.org/presentationml/2006/main">
   <p:cSld>
     <p:spTree>
       <p:nvGrpSpPr>
-        <p:cNvPr id="295" name="Shape 295"/>
+        <p:cNvPr id="1" name="Shape 295"/>
         <p:cNvGrpSpPr/>
         <p:nvPr/>
       </p:nvGrpSpPr>
@@ -14492,7 +14771,9 @@
       <p:sp>
         <p:nvSpPr>
           <p:cNvPr id="296" name="Google Shape;296;p48"/>
-          <p:cNvSpPr txBox="1"/>
+          <p:cNvSpPr txBox="1">
+            <a:spLocks noGrp="1"/>
+          </p:cNvSpPr>
           <p:nvPr>
             <p:ph type="title"/>
           </p:nvPr>
@@ -14507,12 +14788,12 @@
           </a:prstGeom>
         </p:spPr>
         <p:txBody>
-          <a:bodyPr anchorCtr="0" anchor="t" bIns="91425" lIns="91425" spcFirstLastPara="1" rIns="91425" wrap="square" tIns="91425">
+          <a:bodyPr spcFirstLastPara="1" wrap="square" lIns="91425" tIns="91425" rIns="91425" bIns="91425" anchor="t" anchorCtr="0">
             <a:noAutofit/>
           </a:bodyPr>
           <a:lstStyle/>
           <a:p>
-            <a:pPr indent="0" lvl="0" marL="0" rtl="0" algn="l">
+            <a:pPr marL="0" lvl="0" indent="0" algn="l" rtl="0">
               <a:spcBef>
                 <a:spcPts val="0"/>
               </a:spcBef>
@@ -14532,9 +14813,11 @@
       <p:sp>
         <p:nvSpPr>
           <p:cNvPr id="297" name="Google Shape;297;p48"/>
-          <p:cNvSpPr txBox="1"/>
+          <p:cNvSpPr txBox="1">
+            <a:spLocks noGrp="1"/>
+          </p:cNvSpPr>
           <p:nvPr>
-            <p:ph idx="1" type="body"/>
+            <p:ph type="body" idx="1"/>
           </p:nvPr>
         </p:nvSpPr>
         <p:spPr>
@@ -14547,12 +14830,12 @@
           </a:prstGeom>
         </p:spPr>
         <p:txBody>
-          <a:bodyPr anchorCtr="0" anchor="t" bIns="91425" lIns="91425" spcFirstLastPara="1" rIns="91425" wrap="square" tIns="91425">
+          <a:bodyPr spcFirstLastPara="1" wrap="square" lIns="91425" tIns="91425" rIns="91425" bIns="91425" anchor="t" anchorCtr="0">
             <a:noAutofit/>
           </a:bodyPr>
           <a:lstStyle/>
           <a:p>
-            <a:pPr indent="-342900" lvl="0" marL="457200" rtl="0" algn="l">
+            <a:pPr marL="457200" lvl="0" indent="-342900" algn="l" rtl="0">
               <a:spcBef>
                 <a:spcPts val="0"/>
               </a:spcBef>
@@ -14569,7 +14852,7 @@
             <a:endParaRPr/>
           </a:p>
           <a:p>
-            <a:pPr indent="-342900" lvl="0" marL="457200" rtl="0" algn="l">
+            <a:pPr marL="457200" lvl="0" indent="-342900" algn="l" rtl="0">
               <a:spcBef>
                 <a:spcPts val="0"/>
               </a:spcBef>
@@ -14586,7 +14869,7 @@
             <a:endParaRPr/>
           </a:p>
           <a:p>
-            <a:pPr indent="-342900" lvl="0" marL="457200" rtl="0" algn="l">
+            <a:pPr marL="457200" lvl="0" indent="-342900" algn="l" rtl="0">
               <a:spcBef>
                 <a:spcPts val="0"/>
               </a:spcBef>
@@ -14603,7 +14886,7 @@
             <a:endParaRPr/>
           </a:p>
           <a:p>
-            <a:pPr indent="-342900" lvl="0" marL="457200" rtl="0" algn="l">
+            <a:pPr marL="457200" lvl="0" indent="-342900" algn="l" rtl="0">
               <a:spcBef>
                 <a:spcPts val="0"/>
               </a:spcBef>
@@ -14658,11 +14941,11 @@
 </file>
 
 <file path=ppt/slides/slide37.xml><?xml version="1.0" encoding="utf-8"?>
-<p:sld xmlns:a="http://schemas.openxmlformats.org/drawingml/2006/main" xmlns:r="http://schemas.openxmlformats.org/officeDocument/2006/relationships" xmlns:mc="http://schemas.openxmlformats.org/markup-compatibility/2006" xmlns:mv="urn:schemas-microsoft-com:mac:vml" xmlns:p="http://schemas.openxmlformats.org/presentationml/2006/main" xmlns:c="http://schemas.openxmlformats.org/drawingml/2006/chart" xmlns:dgm="http://schemas.openxmlformats.org/drawingml/2006/diagram" xmlns:o="urn:schemas-microsoft-com:office:office" xmlns:v="urn:schemas-microsoft-com:vml" xmlns:pvml="urn:schemas-microsoft-com:office:powerpoint" xmlns:com="http://schemas.openxmlformats.org/drawingml/2006/compatibility" xmlns:p14="http://schemas.microsoft.com/office/powerpoint/2010/main" xmlns:p15="http://schemas.microsoft.com/office/powerpoint/2012/main">
+<p:sld xmlns:a="http://schemas.openxmlformats.org/drawingml/2006/main" xmlns:r="http://schemas.openxmlformats.org/officeDocument/2006/relationships" xmlns:p="http://schemas.openxmlformats.org/presentationml/2006/main">
   <p:cSld>
     <p:spTree>
       <p:nvGrpSpPr>
-        <p:cNvPr id="302" name="Shape 302"/>
+        <p:cNvPr id="1" name="Shape 302"/>
         <p:cNvGrpSpPr/>
         <p:nvPr/>
       </p:nvGrpSpPr>
@@ -14677,7 +14960,9 @@
       <p:sp>
         <p:nvSpPr>
           <p:cNvPr id="303" name="Google Shape;303;p49"/>
-          <p:cNvSpPr txBox="1"/>
+          <p:cNvSpPr txBox="1">
+            <a:spLocks noGrp="1"/>
+          </p:cNvSpPr>
           <p:nvPr>
             <p:ph type="title"/>
           </p:nvPr>
@@ -14692,12 +14977,12 @@
           </a:prstGeom>
         </p:spPr>
         <p:txBody>
-          <a:bodyPr anchorCtr="0" anchor="t" bIns="91425" lIns="91425" spcFirstLastPara="1" rIns="91425" wrap="square" tIns="91425">
+          <a:bodyPr spcFirstLastPara="1" wrap="square" lIns="91425" tIns="91425" rIns="91425" bIns="91425" anchor="t" anchorCtr="0">
             <a:noAutofit/>
           </a:bodyPr>
           <a:lstStyle/>
           <a:p>
-            <a:pPr indent="0" lvl="0" marL="0" rtl="0" algn="l">
+            <a:pPr marL="0" lvl="0" indent="0" algn="l" rtl="0">
               <a:spcBef>
                 <a:spcPts val="0"/>
               </a:spcBef>
@@ -14717,9 +15002,11 @@
       <p:sp>
         <p:nvSpPr>
           <p:cNvPr id="304" name="Google Shape;304;p49"/>
-          <p:cNvSpPr txBox="1"/>
+          <p:cNvSpPr txBox="1">
+            <a:spLocks noGrp="1"/>
+          </p:cNvSpPr>
           <p:nvPr>
-            <p:ph idx="1" type="body"/>
+            <p:ph type="body" idx="1"/>
           </p:nvPr>
         </p:nvSpPr>
         <p:spPr>
@@ -14732,12 +15019,12 @@
           </a:prstGeom>
         </p:spPr>
         <p:txBody>
-          <a:bodyPr anchorCtr="0" anchor="t" bIns="91425" lIns="91425" spcFirstLastPara="1" rIns="91425" wrap="square" tIns="91425">
+          <a:bodyPr spcFirstLastPara="1" wrap="square" lIns="91425" tIns="91425" rIns="91425" bIns="91425" anchor="t" anchorCtr="0">
             <a:noAutofit/>
           </a:bodyPr>
           <a:lstStyle/>
           <a:p>
-            <a:pPr indent="0" lvl="0" marL="0" rtl="0" algn="l">
+            <a:pPr marL="0" lvl="0" indent="0" algn="l" rtl="0">
               <a:lnSpc>
                 <a:spcPct val="100000"/>
               </a:lnSpc>
@@ -14802,11 +15089,11 @@
 </file>
 
 <file path=ppt/slides/slide4.xml><?xml version="1.0" encoding="utf-8"?>
-<p:sld xmlns:a="http://schemas.openxmlformats.org/drawingml/2006/main" xmlns:r="http://schemas.openxmlformats.org/officeDocument/2006/relationships" xmlns:mc="http://schemas.openxmlformats.org/markup-compatibility/2006" xmlns:mv="urn:schemas-microsoft-com:mac:vml" xmlns:p="http://schemas.openxmlformats.org/presentationml/2006/main" xmlns:c="http://schemas.openxmlformats.org/drawingml/2006/chart" xmlns:dgm="http://schemas.openxmlformats.org/drawingml/2006/diagram" xmlns:o="urn:schemas-microsoft-com:office:office" xmlns:v="urn:schemas-microsoft-com:vml" xmlns:pvml="urn:schemas-microsoft-com:office:powerpoint" xmlns:com="http://schemas.openxmlformats.org/drawingml/2006/compatibility" xmlns:p14="http://schemas.microsoft.com/office/powerpoint/2010/main" xmlns:p15="http://schemas.microsoft.com/office/powerpoint/2012/main">
+<p:sld xmlns:a="http://schemas.openxmlformats.org/drawingml/2006/main" xmlns:r="http://schemas.openxmlformats.org/officeDocument/2006/relationships" xmlns:p="http://schemas.openxmlformats.org/presentationml/2006/main">
   <p:cSld>
     <p:spTree>
       <p:nvGrpSpPr>
-        <p:cNvPr id="77" name="Shape 77"/>
+        <p:cNvPr id="1" name="Shape 77"/>
         <p:cNvGrpSpPr/>
         <p:nvPr/>
       </p:nvGrpSpPr>
@@ -14821,7 +15108,9 @@
       <p:sp>
         <p:nvSpPr>
           <p:cNvPr id="78" name="Google Shape;78;p16"/>
-          <p:cNvSpPr txBox="1"/>
+          <p:cNvSpPr txBox="1">
+            <a:spLocks noGrp="1"/>
+          </p:cNvSpPr>
           <p:nvPr>
             <p:ph type="title"/>
           </p:nvPr>
@@ -14836,12 +15125,12 @@
           </a:prstGeom>
         </p:spPr>
         <p:txBody>
-          <a:bodyPr anchorCtr="0" anchor="t" bIns="91425" lIns="91425" spcFirstLastPara="1" rIns="91425" wrap="square" tIns="91425">
+          <a:bodyPr spcFirstLastPara="1" wrap="square" lIns="91425" tIns="91425" rIns="91425" bIns="91425" anchor="t" anchorCtr="0">
             <a:noAutofit/>
           </a:bodyPr>
           <a:lstStyle/>
           <a:p>
-            <a:pPr indent="0" lvl="0" marL="0" rtl="0" algn="l">
+            <a:pPr marL="0" lvl="0" indent="0" algn="l" rtl="0">
               <a:spcBef>
                 <a:spcPts val="0"/>
               </a:spcBef>
@@ -14861,9 +15150,11 @@
       <p:sp>
         <p:nvSpPr>
           <p:cNvPr id="79" name="Google Shape;79;p16"/>
-          <p:cNvSpPr txBox="1"/>
+          <p:cNvSpPr txBox="1">
+            <a:spLocks noGrp="1"/>
+          </p:cNvSpPr>
           <p:nvPr>
-            <p:ph idx="1" type="body"/>
+            <p:ph type="body" idx="1"/>
           </p:nvPr>
         </p:nvSpPr>
         <p:spPr>
@@ -14876,27 +15167,24 @@
           </a:prstGeom>
         </p:spPr>
         <p:txBody>
-          <a:bodyPr anchorCtr="0" anchor="t" bIns="91425" lIns="91425" spcFirstLastPara="1" rIns="91425" wrap="square" tIns="91425">
+          <a:bodyPr spcFirstLastPara="1" wrap="square" lIns="91425" tIns="91425" rIns="91425" bIns="91425" anchor="t" anchorCtr="0">
             <a:noAutofit/>
           </a:bodyPr>
           <a:lstStyle/>
           <a:p>
-            <a:pPr indent="0" lvl="0" marL="457200" rtl="0" algn="l">
-              <a:spcBef>
-                <a:spcPts val="0"/>
-              </a:spcBef>
-              <a:spcAft>
-                <a:spcPts val="0"/>
-              </a:spcAft>
-              <a:buNone/>
-            </a:pPr>
-            <a:r>
-              <a:t/>
-            </a:r>
+            <a:pPr marL="457200" lvl="0" indent="0" algn="l" rtl="0">
+              <a:spcBef>
+                <a:spcPts val="0"/>
+              </a:spcBef>
+              <a:spcAft>
+                <a:spcPts val="0"/>
+              </a:spcAft>
+              <a:buNone/>
+            </a:pPr>
             <a:endParaRPr/>
           </a:p>
           <a:p>
-            <a:pPr indent="-342900" lvl="0" marL="457200" rtl="0" algn="l">
+            <a:pPr marL="457200" lvl="0" indent="-342900" algn="l" rtl="0">
               <a:spcBef>
                 <a:spcPts val="1600"/>
               </a:spcBef>
@@ -14913,7 +15201,7 @@
             <a:endParaRPr/>
           </a:p>
           <a:p>
-            <a:pPr indent="-342900" lvl="0" marL="457200" rtl="0" algn="l">
+            <a:pPr marL="457200" lvl="0" indent="-342900" algn="l" rtl="0">
               <a:spcBef>
                 <a:spcPts val="0"/>
               </a:spcBef>
@@ -14930,7 +15218,7 @@
             <a:endParaRPr/>
           </a:p>
           <a:p>
-            <a:pPr indent="-342900" lvl="0" marL="457200" rtl="0" algn="l">
+            <a:pPr marL="457200" lvl="0" indent="-342900" algn="l" rtl="0">
               <a:spcBef>
                 <a:spcPts val="0"/>
               </a:spcBef>
@@ -14947,7 +15235,7 @@
             <a:endParaRPr/>
           </a:p>
           <a:p>
-            <a:pPr indent="-342900" lvl="0" marL="457200" rtl="0" algn="l">
+            <a:pPr marL="457200" lvl="0" indent="-342900" algn="l" rtl="0">
               <a:spcBef>
                 <a:spcPts val="0"/>
               </a:spcBef>
@@ -14964,7 +15252,7 @@
             <a:endParaRPr/>
           </a:p>
           <a:p>
-            <a:pPr indent="-342900" lvl="0" marL="457200" rtl="0" algn="l">
+            <a:pPr marL="457200" lvl="0" indent="-342900" algn="l" rtl="0">
               <a:spcBef>
                 <a:spcPts val="0"/>
               </a:spcBef>
@@ -14981,7 +15269,7 @@
             <a:endParaRPr/>
           </a:p>
           <a:p>
-            <a:pPr indent="-342900" lvl="0" marL="457200" rtl="0" algn="l">
+            <a:pPr marL="457200" lvl="0" indent="-342900" algn="l" rtl="0">
               <a:spcBef>
                 <a:spcPts val="0"/>
               </a:spcBef>
@@ -15036,11 +15324,11 @@
 </file>
 
 <file path=ppt/slides/slide5.xml><?xml version="1.0" encoding="utf-8"?>
-<p:sld xmlns:a="http://schemas.openxmlformats.org/drawingml/2006/main" xmlns:r="http://schemas.openxmlformats.org/officeDocument/2006/relationships" xmlns:mc="http://schemas.openxmlformats.org/markup-compatibility/2006" xmlns:mv="urn:schemas-microsoft-com:mac:vml" xmlns:p="http://schemas.openxmlformats.org/presentationml/2006/main" xmlns:c="http://schemas.openxmlformats.org/drawingml/2006/chart" xmlns:dgm="http://schemas.openxmlformats.org/drawingml/2006/diagram" xmlns:o="urn:schemas-microsoft-com:office:office" xmlns:v="urn:schemas-microsoft-com:vml" xmlns:pvml="urn:schemas-microsoft-com:office:powerpoint" xmlns:com="http://schemas.openxmlformats.org/drawingml/2006/compatibility" xmlns:p14="http://schemas.microsoft.com/office/powerpoint/2010/main" xmlns:p15="http://schemas.microsoft.com/office/powerpoint/2012/main">
+<p:sld xmlns:a="http://schemas.openxmlformats.org/drawingml/2006/main" xmlns:r="http://schemas.openxmlformats.org/officeDocument/2006/relationships" xmlns:p="http://schemas.openxmlformats.org/presentationml/2006/main">
   <p:cSld>
     <p:spTree>
       <p:nvGrpSpPr>
-        <p:cNvPr id="84" name="Shape 84"/>
+        <p:cNvPr id="1" name="Shape 84"/>
         <p:cNvGrpSpPr/>
         <p:nvPr/>
       </p:nvGrpSpPr>
@@ -15055,7 +15343,9 @@
       <p:sp>
         <p:nvSpPr>
           <p:cNvPr id="85" name="Google Shape;85;p17"/>
-          <p:cNvSpPr txBox="1"/>
+          <p:cNvSpPr txBox="1">
+            <a:spLocks noGrp="1"/>
+          </p:cNvSpPr>
           <p:nvPr>
             <p:ph type="title"/>
           </p:nvPr>
@@ -15070,12 +15360,12 @@
           </a:prstGeom>
         </p:spPr>
         <p:txBody>
-          <a:bodyPr anchorCtr="0" anchor="t" bIns="91425" lIns="91425" spcFirstLastPara="1" rIns="91425" wrap="square" tIns="91425">
+          <a:bodyPr spcFirstLastPara="1" wrap="square" lIns="91425" tIns="91425" rIns="91425" bIns="91425" anchor="t" anchorCtr="0">
             <a:noAutofit/>
           </a:bodyPr>
           <a:lstStyle/>
           <a:p>
-            <a:pPr indent="0" lvl="0" marL="0" rtl="0" algn="l">
+            <a:pPr marL="0" lvl="0" indent="0" algn="l" rtl="0">
               <a:spcBef>
                 <a:spcPts val="0"/>
               </a:spcBef>
@@ -15095,9 +15385,11 @@
       <p:sp>
         <p:nvSpPr>
           <p:cNvPr id="86" name="Google Shape;86;p17"/>
-          <p:cNvSpPr txBox="1"/>
+          <p:cNvSpPr txBox="1">
+            <a:spLocks noGrp="1"/>
+          </p:cNvSpPr>
           <p:nvPr>
-            <p:ph idx="1" type="body"/>
+            <p:ph type="body" idx="1"/>
           </p:nvPr>
         </p:nvSpPr>
         <p:spPr>
@@ -15110,12 +15402,12 @@
           </a:prstGeom>
         </p:spPr>
         <p:txBody>
-          <a:bodyPr anchorCtr="0" anchor="t" bIns="91425" lIns="91425" spcFirstLastPara="1" rIns="91425" wrap="square" tIns="91425">
+          <a:bodyPr spcFirstLastPara="1" wrap="square" lIns="91425" tIns="91425" rIns="91425" bIns="91425" anchor="t" anchorCtr="0">
             <a:noAutofit/>
           </a:bodyPr>
           <a:lstStyle/>
           <a:p>
-            <a:pPr indent="-361950" lvl="0" marL="457200" rtl="0" algn="l">
+            <a:pPr marL="457200" lvl="0" indent="-361950" algn="l" rtl="0">
               <a:lnSpc>
                 <a:spcPct val="100000"/>
               </a:lnSpc>
@@ -15130,16 +15422,12 @@
             </a:pPr>
             <a:r>
               <a:rPr lang="en" sz="2100"/>
-              <a:t>Column</a:t>
-            </a:r>
-            <a:r>
-              <a:rPr lang="en" sz="2100"/>
-              <a:t> in our Data set that classified YouTube videos numerically.</a:t>
+              <a:t>Column in our Data set that classified YouTube videos numerically.</a:t>
             </a:r>
             <a:endParaRPr sz="2100"/>
           </a:p>
           <a:p>
-            <a:pPr indent="0" lvl="0" marL="0" rtl="0" algn="l">
+            <a:pPr marL="0" lvl="0" indent="0" algn="l" rtl="0">
               <a:lnSpc>
                 <a:spcPct val="100000"/>
               </a:lnSpc>
@@ -15151,13 +15439,10 @@
               </a:spcAft>
               <a:buNone/>
             </a:pPr>
-            <a:r>
-              <a:t/>
-            </a:r>
             <a:endParaRPr sz="2100"/>
           </a:p>
           <a:p>
-            <a:pPr indent="-361950" lvl="0" marL="457200" rtl="0" algn="l">
+            <a:pPr marL="457200" lvl="0" indent="-361950" algn="l" rtl="0">
               <a:lnSpc>
                 <a:spcPct val="100000"/>
               </a:lnSpc>
@@ -15177,7 +15462,7 @@
             <a:endParaRPr sz="2100"/>
           </a:p>
           <a:p>
-            <a:pPr indent="0" lvl="0" marL="457200" rtl="0" algn="l">
+            <a:pPr marL="457200" lvl="0" indent="0" algn="l" rtl="0">
               <a:lnSpc>
                 <a:spcPct val="100000"/>
               </a:lnSpc>
@@ -15189,13 +15474,10 @@
               </a:spcAft>
               <a:buNone/>
             </a:pPr>
-            <a:r>
-              <a:t/>
-            </a:r>
             <a:endParaRPr sz="2100"/>
           </a:p>
           <a:p>
-            <a:pPr indent="-361950" lvl="0" marL="457200" rtl="0" algn="l">
+            <a:pPr marL="457200" lvl="0" indent="-361950" algn="l" rtl="0">
               <a:lnSpc>
                 <a:spcPct val="100000"/>
               </a:lnSpc>
@@ -15215,7 +15497,7 @@
             <a:endParaRPr sz="2100"/>
           </a:p>
           <a:p>
-            <a:pPr indent="0" lvl="0" marL="457200" rtl="0" algn="l">
+            <a:pPr marL="457200" lvl="0" indent="0" algn="l" rtl="0">
               <a:lnSpc>
                 <a:spcPct val="100000"/>
               </a:lnSpc>
@@ -15227,13 +15509,10 @@
               </a:spcAft>
               <a:buNone/>
             </a:pPr>
-            <a:r>
-              <a:t/>
-            </a:r>
             <a:endParaRPr sz="2100"/>
           </a:p>
           <a:p>
-            <a:pPr indent="-361950" lvl="0" marL="457200" rtl="0" algn="l">
+            <a:pPr marL="457200" lvl="0" indent="-361950" algn="l" rtl="0">
               <a:lnSpc>
                 <a:spcPct val="100000"/>
               </a:lnSpc>
@@ -15248,35 +15527,24 @@
             </a:pPr>
             <a:r>
               <a:rPr lang="en" sz="2100"/>
-              <a:t>The Category ID  had to be decoded through a </a:t>
-            </a:r>
-            <a:r>
-              <a:rPr lang="en" sz="2100"/>
-              <a:t>query</a:t>
-            </a:r>
-            <a:r>
-              <a:rPr lang="en" sz="2100"/>
-              <a:t> process of the Youtube Data API v3. </a:t>
+              <a:t>The Category ID  had to be decoded through a query process of the Youtube Data API v3. </a:t>
             </a:r>
             <a:endParaRPr sz="2100"/>
           </a:p>
           <a:p>
-            <a:pPr indent="0" lvl="0" marL="0" rtl="0" algn="l">
-              <a:spcBef>
-                <a:spcPts val="0"/>
-              </a:spcBef>
-              <a:spcAft>
-                <a:spcPts val="0"/>
-              </a:spcAft>
-              <a:buNone/>
-            </a:pPr>
-            <a:r>
-              <a:t/>
-            </a:r>
-            <a:endParaRPr b="1" sz="2100"/>
-          </a:p>
-          <a:p>
-            <a:pPr indent="0" lvl="0" marL="0" rtl="0" algn="l">
+            <a:pPr marL="0" lvl="0" indent="0" algn="l" rtl="0">
+              <a:spcBef>
+                <a:spcPts val="0"/>
+              </a:spcBef>
+              <a:spcAft>
+                <a:spcPts val="0"/>
+              </a:spcAft>
+              <a:buNone/>
+            </a:pPr>
+            <a:endParaRPr sz="2100" b="1"/>
+          </a:p>
+          <a:p>
+            <a:pPr marL="0" lvl="0" indent="0" algn="l" rtl="0">
               <a:spcBef>
                 <a:spcPts val="1600"/>
               </a:spcBef>
@@ -15285,13 +15553,10 @@
               </a:spcAft>
               <a:buNone/>
             </a:pPr>
-            <a:r>
-              <a:t/>
-            </a:r>
             <a:endParaRPr/>
           </a:p>
           <a:p>
-            <a:pPr indent="0" lvl="0" marL="0" rtl="0" algn="l">
+            <a:pPr marL="0" lvl="0" indent="0" algn="l" rtl="0">
               <a:spcBef>
                 <a:spcPts val="1600"/>
               </a:spcBef>
@@ -15300,9 +15565,6 @@
               </a:spcAft>
               <a:buNone/>
             </a:pPr>
-            <a:r>
-              <a:t/>
-            </a:r>
             <a:endParaRPr/>
           </a:p>
         </p:txBody>
@@ -15316,11 +15578,11 @@
 </file>
 
 <file path=ppt/slides/slide6.xml><?xml version="1.0" encoding="utf-8"?>
-<p:sld xmlns:a="http://schemas.openxmlformats.org/drawingml/2006/main" xmlns:r="http://schemas.openxmlformats.org/officeDocument/2006/relationships" xmlns:mc="http://schemas.openxmlformats.org/markup-compatibility/2006" xmlns:mv="urn:schemas-microsoft-com:mac:vml" xmlns:p="http://schemas.openxmlformats.org/presentationml/2006/main" xmlns:c="http://schemas.openxmlformats.org/drawingml/2006/chart" xmlns:dgm="http://schemas.openxmlformats.org/drawingml/2006/diagram" xmlns:o="urn:schemas-microsoft-com:office:office" xmlns:v="urn:schemas-microsoft-com:vml" xmlns:pvml="urn:schemas-microsoft-com:office:powerpoint" xmlns:com="http://schemas.openxmlformats.org/drawingml/2006/compatibility" xmlns:p14="http://schemas.microsoft.com/office/powerpoint/2010/main" xmlns:p15="http://schemas.microsoft.com/office/powerpoint/2012/main">
+<p:sld xmlns:a="http://schemas.openxmlformats.org/drawingml/2006/main" xmlns:r="http://schemas.openxmlformats.org/officeDocument/2006/relationships" xmlns:p="http://schemas.openxmlformats.org/presentationml/2006/main">
   <p:cSld>
     <p:spTree>
       <p:nvGrpSpPr>
-        <p:cNvPr id="90" name="Shape 90"/>
+        <p:cNvPr id="1" name="Shape 90"/>
         <p:cNvGrpSpPr/>
         <p:nvPr/>
       </p:nvGrpSpPr>
@@ -15335,7 +15597,9 @@
       <p:sp>
         <p:nvSpPr>
           <p:cNvPr id="91" name="Google Shape;91;p18"/>
-          <p:cNvSpPr txBox="1"/>
+          <p:cNvSpPr txBox="1">
+            <a:spLocks noGrp="1"/>
+          </p:cNvSpPr>
           <p:nvPr>
             <p:ph type="title"/>
           </p:nvPr>
@@ -15350,12 +15614,12 @@
           </a:prstGeom>
         </p:spPr>
         <p:txBody>
-          <a:bodyPr anchorCtr="0" anchor="t" bIns="91425" lIns="91425" spcFirstLastPara="1" rIns="91425" wrap="square" tIns="91425">
+          <a:bodyPr spcFirstLastPara="1" wrap="square" lIns="91425" tIns="91425" rIns="91425" bIns="91425" anchor="t" anchorCtr="0">
             <a:noAutofit/>
           </a:bodyPr>
           <a:lstStyle/>
           <a:p>
-            <a:pPr indent="0" lvl="0" marL="0" rtl="0" algn="l">
+            <a:pPr marL="0" lvl="0" indent="0" algn="l" rtl="0">
               <a:spcBef>
                 <a:spcPts val="0"/>
               </a:spcBef>
@@ -15375,9 +15639,11 @@
       <p:sp>
         <p:nvSpPr>
           <p:cNvPr id="92" name="Google Shape;92;p18"/>
-          <p:cNvSpPr txBox="1"/>
+          <p:cNvSpPr txBox="1">
+            <a:spLocks noGrp="1"/>
+          </p:cNvSpPr>
           <p:nvPr>
-            <p:ph idx="1" type="body"/>
+            <p:ph type="body" idx="1"/>
           </p:nvPr>
         </p:nvSpPr>
         <p:spPr>
@@ -15390,12 +15656,12 @@
           </a:prstGeom>
         </p:spPr>
         <p:txBody>
-          <a:bodyPr anchorCtr="0" anchor="t" bIns="91425" lIns="91425" spcFirstLastPara="1" rIns="91425" wrap="square" tIns="91425">
+          <a:bodyPr spcFirstLastPara="1" wrap="square" lIns="91425" tIns="91425" rIns="91425" bIns="91425" anchor="t" anchorCtr="0">
             <a:noAutofit/>
           </a:bodyPr>
           <a:lstStyle/>
           <a:p>
-            <a:pPr indent="-342900" lvl="0" marL="457200" rtl="0" algn="l">
+            <a:pPr marL="457200" lvl="0" indent="-342900" algn="l" rtl="0">
               <a:lnSpc>
                 <a:spcPct val="150000"/>
               </a:lnSpc>
@@ -15415,7 +15681,7 @@
             <a:endParaRPr/>
           </a:p>
           <a:p>
-            <a:pPr indent="0" lvl="0" marL="457200" rtl="0" algn="l">
+            <a:pPr marL="457200" lvl="0" indent="0" algn="l" rtl="0">
               <a:lnSpc>
                 <a:spcPct val="150000"/>
               </a:lnSpc>
@@ -15427,13 +15693,10 @@
               </a:spcAft>
               <a:buNone/>
             </a:pPr>
-            <a:r>
-              <a:t/>
-            </a:r>
             <a:endParaRPr/>
           </a:p>
           <a:p>
-            <a:pPr indent="-342900" lvl="0" marL="457200" rtl="0" algn="l">
+            <a:pPr marL="457200" lvl="0" indent="-342900" algn="l" rtl="0">
               <a:lnSpc>
                 <a:spcPct val="150000"/>
               </a:lnSpc>
@@ -15453,7 +15716,7 @@
             <a:endParaRPr/>
           </a:p>
           <a:p>
-            <a:pPr indent="0" lvl="0" marL="457200" rtl="0" algn="l">
+            <a:pPr marL="457200" lvl="0" indent="0" algn="l" rtl="0">
               <a:lnSpc>
                 <a:spcPct val="150000"/>
               </a:lnSpc>
@@ -15465,13 +15728,10 @@
               </a:spcAft>
               <a:buNone/>
             </a:pPr>
-            <a:r>
-              <a:t/>
-            </a:r>
             <a:endParaRPr/>
           </a:p>
           <a:p>
-            <a:pPr indent="-342900" lvl="0" marL="457200" rtl="0" algn="l">
+            <a:pPr marL="457200" lvl="0" indent="-342900" algn="l" rtl="0">
               <a:lnSpc>
                 <a:spcPct val="150000"/>
               </a:lnSpc>
@@ -15491,7 +15751,7 @@
             <a:endParaRPr/>
           </a:p>
           <a:p>
-            <a:pPr indent="0" lvl="0" marL="457200" rtl="0" algn="l">
+            <a:pPr marL="457200" lvl="0" indent="0" algn="l" rtl="0">
               <a:lnSpc>
                 <a:spcPct val="150000"/>
               </a:lnSpc>
@@ -15503,13 +15763,10 @@
               </a:spcAft>
               <a:buNone/>
             </a:pPr>
-            <a:r>
-              <a:t/>
-            </a:r>
             <a:endParaRPr/>
           </a:p>
           <a:p>
-            <a:pPr indent="-342900" lvl="0" marL="457200" rtl="0" algn="l">
+            <a:pPr marL="457200" lvl="0" indent="-342900" algn="l" rtl="0">
               <a:lnSpc>
                 <a:spcPct val="150000"/>
               </a:lnSpc>
@@ -15529,7 +15786,7 @@
             <a:endParaRPr/>
           </a:p>
           <a:p>
-            <a:pPr indent="0" lvl="0" marL="0" rtl="0" algn="l">
+            <a:pPr marL="0" lvl="0" indent="0" algn="l" rtl="0">
               <a:lnSpc>
                 <a:spcPct val="150000"/>
               </a:lnSpc>
@@ -15542,7 +15799,7 @@
               <a:buNone/>
             </a:pPr>
             <a:r>
-              <a:rPr b="1" lang="en"/>
+              <a:rPr lang="en" b="1"/>
               <a:t>10. Music  24. Entertainment  1. Film &amp; Animation  34. Comedy  22. People &amp; Blogs</a:t>
             </a:r>
             <a:endParaRPr b="1"/>
@@ -15586,11 +15843,11 @@
 </file>
 
 <file path=ppt/slides/slide7.xml><?xml version="1.0" encoding="utf-8"?>
-<p:sld xmlns:a="http://schemas.openxmlformats.org/drawingml/2006/main" xmlns:r="http://schemas.openxmlformats.org/officeDocument/2006/relationships" xmlns:mc="http://schemas.openxmlformats.org/markup-compatibility/2006" xmlns:mv="urn:schemas-microsoft-com:mac:vml" xmlns:p="http://schemas.openxmlformats.org/presentationml/2006/main" xmlns:c="http://schemas.openxmlformats.org/drawingml/2006/chart" xmlns:dgm="http://schemas.openxmlformats.org/drawingml/2006/diagram" xmlns:o="urn:schemas-microsoft-com:office:office" xmlns:v="urn:schemas-microsoft-com:vml" xmlns:pvml="urn:schemas-microsoft-com:office:powerpoint" xmlns:com="http://schemas.openxmlformats.org/drawingml/2006/compatibility" xmlns:p14="http://schemas.microsoft.com/office/powerpoint/2010/main" xmlns:p15="http://schemas.microsoft.com/office/powerpoint/2012/main">
+<p:sld xmlns:a="http://schemas.openxmlformats.org/drawingml/2006/main" xmlns:r="http://schemas.openxmlformats.org/officeDocument/2006/relationships" xmlns:p="http://schemas.openxmlformats.org/presentationml/2006/main">
   <p:cSld>
     <p:spTree>
       <p:nvGrpSpPr>
-        <p:cNvPr id="97" name="Shape 97"/>
+        <p:cNvPr id="1" name="Shape 97"/>
         <p:cNvGrpSpPr/>
         <p:nvPr/>
       </p:nvGrpSpPr>
@@ -15605,7 +15862,9 @@
       <p:sp>
         <p:nvSpPr>
           <p:cNvPr id="98" name="Google Shape;98;p19"/>
-          <p:cNvSpPr txBox="1"/>
+          <p:cNvSpPr txBox="1">
+            <a:spLocks noGrp="1"/>
+          </p:cNvSpPr>
           <p:nvPr>
             <p:ph type="title"/>
           </p:nvPr>
@@ -15620,12 +15879,12 @@
           </a:prstGeom>
         </p:spPr>
         <p:txBody>
-          <a:bodyPr anchorCtr="0" anchor="t" bIns="91425" lIns="91425" spcFirstLastPara="1" rIns="91425" wrap="square" tIns="91425">
+          <a:bodyPr spcFirstLastPara="1" wrap="square" lIns="91425" tIns="91425" rIns="91425" bIns="91425" anchor="t" anchorCtr="0">
             <a:noAutofit/>
           </a:bodyPr>
           <a:lstStyle/>
           <a:p>
-            <a:pPr indent="0" lvl="0" marL="0" rtl="0" algn="l">
+            <a:pPr marL="0" lvl="0" indent="0" algn="l" rtl="0">
               <a:spcBef>
                 <a:spcPts val="0"/>
               </a:spcBef>
@@ -15679,11 +15938,11 @@
 </file>
 
 <file path=ppt/slides/slide8.xml><?xml version="1.0" encoding="utf-8"?>
-<p:sld xmlns:a="http://schemas.openxmlformats.org/drawingml/2006/main" xmlns:r="http://schemas.openxmlformats.org/officeDocument/2006/relationships" xmlns:mc="http://schemas.openxmlformats.org/markup-compatibility/2006" xmlns:mv="urn:schemas-microsoft-com:mac:vml" xmlns:p="http://schemas.openxmlformats.org/presentationml/2006/main" xmlns:c="http://schemas.openxmlformats.org/drawingml/2006/chart" xmlns:dgm="http://schemas.openxmlformats.org/drawingml/2006/diagram" xmlns:o="urn:schemas-microsoft-com:office:office" xmlns:v="urn:schemas-microsoft-com:vml" xmlns:pvml="urn:schemas-microsoft-com:office:powerpoint" xmlns:com="http://schemas.openxmlformats.org/drawingml/2006/compatibility" xmlns:p14="http://schemas.microsoft.com/office/powerpoint/2010/main" xmlns:p15="http://schemas.microsoft.com/office/powerpoint/2012/main">
+<p:sld xmlns:a="http://schemas.openxmlformats.org/drawingml/2006/main" xmlns:r="http://schemas.openxmlformats.org/officeDocument/2006/relationships" xmlns:p="http://schemas.openxmlformats.org/presentationml/2006/main">
   <p:cSld>
     <p:spTree>
       <p:nvGrpSpPr>
-        <p:cNvPr id="103" name="Shape 103"/>
+        <p:cNvPr id="1" name="Shape 103"/>
         <p:cNvGrpSpPr/>
         <p:nvPr/>
       </p:nvGrpSpPr>
@@ -15698,7 +15957,9 @@
       <p:sp>
         <p:nvSpPr>
           <p:cNvPr id="104" name="Google Shape;104;p20"/>
-          <p:cNvSpPr txBox="1"/>
+          <p:cNvSpPr txBox="1">
+            <a:spLocks noGrp="1"/>
+          </p:cNvSpPr>
           <p:nvPr>
             <p:ph type="title"/>
           </p:nvPr>
@@ -15713,12 +15974,12 @@
           </a:prstGeom>
         </p:spPr>
         <p:txBody>
-          <a:bodyPr anchorCtr="0" anchor="t" bIns="91425" lIns="91425" spcFirstLastPara="1" rIns="91425" wrap="square" tIns="91425">
+          <a:bodyPr spcFirstLastPara="1" wrap="square" lIns="91425" tIns="91425" rIns="91425" bIns="91425" anchor="t" anchorCtr="0">
             <a:noAutofit/>
           </a:bodyPr>
           <a:lstStyle/>
           <a:p>
-            <a:pPr indent="0" lvl="0" marL="0" rtl="0" algn="l">
+            <a:pPr marL="0" lvl="0" indent="0" algn="l" rtl="0">
               <a:spcBef>
                 <a:spcPts val="0"/>
               </a:spcBef>
@@ -15772,11 +16033,11 @@
 </file>
 
 <file path=ppt/slides/slide9.xml><?xml version="1.0" encoding="utf-8"?>
-<p:sld xmlns:a="http://schemas.openxmlformats.org/drawingml/2006/main" xmlns:r="http://schemas.openxmlformats.org/officeDocument/2006/relationships" xmlns:mc="http://schemas.openxmlformats.org/markup-compatibility/2006" xmlns:mv="urn:schemas-microsoft-com:mac:vml" xmlns:p="http://schemas.openxmlformats.org/presentationml/2006/main" xmlns:c="http://schemas.openxmlformats.org/drawingml/2006/chart" xmlns:dgm="http://schemas.openxmlformats.org/drawingml/2006/diagram" xmlns:o="urn:schemas-microsoft-com:office:office" xmlns:v="urn:schemas-microsoft-com:vml" xmlns:pvml="urn:schemas-microsoft-com:office:powerpoint" xmlns:com="http://schemas.openxmlformats.org/drawingml/2006/compatibility" xmlns:p14="http://schemas.microsoft.com/office/powerpoint/2010/main" xmlns:p15="http://schemas.microsoft.com/office/powerpoint/2012/main">
+<p:sld xmlns:a="http://schemas.openxmlformats.org/drawingml/2006/main" xmlns:r="http://schemas.openxmlformats.org/officeDocument/2006/relationships" xmlns:p="http://schemas.openxmlformats.org/presentationml/2006/main">
   <p:cSld>
     <p:spTree>
       <p:nvGrpSpPr>
-        <p:cNvPr id="109" name="Shape 109"/>
+        <p:cNvPr id="1" name="Shape 109"/>
         <p:cNvGrpSpPr/>
         <p:nvPr/>
       </p:nvGrpSpPr>
@@ -15791,7 +16052,9 @@
       <p:sp>
         <p:nvSpPr>
           <p:cNvPr id="110" name="Google Shape;110;p21"/>
-          <p:cNvSpPr txBox="1"/>
+          <p:cNvSpPr txBox="1">
+            <a:spLocks noGrp="1"/>
+          </p:cNvSpPr>
           <p:nvPr>
             <p:ph type="title"/>
           </p:nvPr>
@@ -15806,12 +16069,12 @@
           </a:prstGeom>
         </p:spPr>
         <p:txBody>
-          <a:bodyPr anchorCtr="0" anchor="t" bIns="91425" lIns="91425" spcFirstLastPara="1" rIns="91425" wrap="square" tIns="91425">
+          <a:bodyPr spcFirstLastPara="1" wrap="square" lIns="91425" tIns="91425" rIns="91425" bIns="91425" anchor="t" anchorCtr="0">
             <a:noAutofit/>
           </a:bodyPr>
           <a:lstStyle/>
           <a:p>
-            <a:pPr indent="0" lvl="0" marL="0" rtl="0" algn="l">
+            <a:pPr marL="0" lvl="0" indent="0" algn="l" rtl="0">
               <a:spcBef>
                 <a:spcPts val="0"/>
               </a:spcBef>
@@ -15865,7 +16128,288 @@
 </file>
 
 <file path=ppt/theme/theme1.xml><?xml version="1.0" encoding="utf-8"?>
-<a:theme xmlns:a="http://schemas.openxmlformats.org/drawingml/2006/main" xmlns:r="http://schemas.openxmlformats.org/officeDocument/2006/relationships">
+<a:theme xmlns:a="http://schemas.openxmlformats.org/drawingml/2006/main" name="Slate">
+  <a:themeElements>
+    <a:clrScheme name="Slate">
+      <a:dk1>
+        <a:srgbClr val="FFFFFF"/>
+      </a:dk1>
+      <a:lt1>
+        <a:srgbClr val="37474F"/>
+      </a:lt1>
+      <a:dk2>
+        <a:srgbClr val="9E9E9E"/>
+      </a:dk2>
+      <a:lt2>
+        <a:srgbClr val="E0E0E0"/>
+      </a:lt2>
+      <a:accent1>
+        <a:srgbClr val="616161"/>
+      </a:accent1>
+      <a:accent2>
+        <a:srgbClr val="78909C"/>
+      </a:accent2>
+      <a:accent3>
+        <a:srgbClr val="CACACA"/>
+      </a:accent3>
+      <a:accent4>
+        <a:srgbClr val="64FFDA"/>
+      </a:accent4>
+      <a:accent5>
+        <a:srgbClr val="FFD966"/>
+      </a:accent5>
+      <a:accent6>
+        <a:srgbClr val="F5F5F5"/>
+      </a:accent6>
+      <a:hlink>
+        <a:srgbClr val="FFD966"/>
+      </a:hlink>
+      <a:folHlink>
+        <a:srgbClr val="FFD966"/>
+      </a:folHlink>
+    </a:clrScheme>
+    <a:fontScheme name="Office">
+      <a:majorFont>
+        <a:latin typeface="Arial"/>
+        <a:ea typeface=""/>
+        <a:cs typeface=""/>
+        <a:font script="Jpan" typeface="ＭＳ Ｐゴシック"/>
+        <a:font script="Hang" typeface="맑은 고딕"/>
+        <a:font script="Hans" typeface="宋体"/>
+        <a:font script="Hant" typeface="新細明體"/>
+        <a:font script="Arab" typeface="Times New Roman"/>
+        <a:font script="Hebr" typeface="Times New Roman"/>
+        <a:font script="Thai" typeface="Angsana New"/>
+        <a:font script="Ethi" typeface="Nyala"/>
+        <a:font script="Beng" typeface="Vrinda"/>
+        <a:font script="Gujr" typeface="Shruti"/>
+        <a:font script="Khmr" typeface="MoolBoran"/>
+        <a:font script="Knda" typeface="Tunga"/>
+        <a:font script="Guru" typeface="Raavi"/>
+        <a:font script="Cans" typeface="Euphemia"/>
+        <a:font script="Cher" typeface="Plantagenet Cherokee"/>
+        <a:font script="Yiii" typeface="Microsoft Yi Baiti"/>
+        <a:font script="Tibt" typeface="Microsoft Himalaya"/>
+        <a:font script="Thaa" typeface="MV Boli"/>
+        <a:font script="Deva" typeface="Mangal"/>
+        <a:font script="Telu" typeface="Gautami"/>
+        <a:font script="Taml" typeface="Latha"/>
+        <a:font script="Syrc" typeface="Estrangelo Edessa"/>
+        <a:font script="Orya" typeface="Kalinga"/>
+        <a:font script="Mlym" typeface="Kartika"/>
+        <a:font script="Laoo" typeface="DokChampa"/>
+        <a:font script="Sinh" typeface="Iskoola Pota"/>
+        <a:font script="Mong" typeface="Mongolian Baiti"/>
+        <a:font script="Viet" typeface="Times New Roman"/>
+        <a:font script="Uigh" typeface="Microsoft Uighur"/>
+        <a:font script="Geor" typeface="Sylfaen"/>
+      </a:majorFont>
+      <a:minorFont>
+        <a:latin typeface="Arial"/>
+        <a:ea typeface=""/>
+        <a:cs typeface=""/>
+        <a:font script="Jpan" typeface="ＭＳ Ｐゴシック"/>
+        <a:font script="Hang" typeface="맑은 고딕"/>
+        <a:font script="Hans" typeface="宋体"/>
+        <a:font script="Hant" typeface="新細明體"/>
+        <a:font script="Arab" typeface="Arial"/>
+        <a:font script="Hebr" typeface="Arial"/>
+        <a:font script="Thai" typeface="Cordia New"/>
+        <a:font script="Ethi" typeface="Nyala"/>
+        <a:font script="Beng" typeface="Vrinda"/>
+        <a:font script="Gujr" typeface="Shruti"/>
+        <a:font script="Khmr" typeface="DaunPenh"/>
+        <a:font script="Knda" typeface="Tunga"/>
+        <a:font script="Guru" typeface="Raavi"/>
+        <a:font script="Cans" typeface="Euphemia"/>
+        <a:font script="Cher" typeface="Plantagenet Cherokee"/>
+        <a:font script="Yiii" typeface="Microsoft Yi Baiti"/>
+        <a:font script="Tibt" typeface="Microsoft Himalaya"/>
+        <a:font script="Thaa" typeface="MV Boli"/>
+        <a:font script="Deva" typeface="Mangal"/>
+        <a:font script="Telu" typeface="Gautami"/>
+        <a:font script="Taml" typeface="Latha"/>
+        <a:font script="Syrc" typeface="Estrangelo Edessa"/>
+        <a:font script="Orya" typeface="Kalinga"/>
+        <a:font script="Mlym" typeface="Kartika"/>
+        <a:font script="Laoo" typeface="DokChampa"/>
+        <a:font script="Sinh" typeface="Iskoola Pota"/>
+        <a:font script="Mong" typeface="Mongolian Baiti"/>
+        <a:font script="Viet" typeface="Arial"/>
+        <a:font script="Uigh" typeface="Microsoft Uighur"/>
+        <a:font script="Geor" typeface="Sylfaen"/>
+      </a:minorFont>
+    </a:fontScheme>
+    <a:fmtScheme name="Office">
+      <a:fillStyleLst>
+        <a:solidFill>
+          <a:schemeClr val="phClr"/>
+        </a:solidFill>
+        <a:gradFill rotWithShape="1">
+          <a:gsLst>
+            <a:gs pos="0">
+              <a:schemeClr val="phClr">
+                <a:tint val="50000"/>
+                <a:satMod val="300000"/>
+              </a:schemeClr>
+            </a:gs>
+            <a:gs pos="35000">
+              <a:schemeClr val="phClr">
+                <a:tint val="37000"/>
+                <a:satMod val="300000"/>
+              </a:schemeClr>
+            </a:gs>
+            <a:gs pos="100000">
+              <a:schemeClr val="phClr">
+                <a:tint val="15000"/>
+                <a:satMod val="350000"/>
+              </a:schemeClr>
+            </a:gs>
+          </a:gsLst>
+          <a:lin ang="16200000" scaled="1"/>
+        </a:gradFill>
+        <a:gradFill rotWithShape="1">
+          <a:gsLst>
+            <a:gs pos="0">
+              <a:schemeClr val="phClr">
+                <a:tint val="100000"/>
+                <a:shade val="100000"/>
+                <a:satMod val="130000"/>
+              </a:schemeClr>
+            </a:gs>
+            <a:gs pos="100000">
+              <a:schemeClr val="phClr">
+                <a:tint val="50000"/>
+                <a:shade val="100000"/>
+                <a:satMod val="350000"/>
+              </a:schemeClr>
+            </a:gs>
+          </a:gsLst>
+          <a:lin ang="16200000" scaled="0"/>
+        </a:gradFill>
+      </a:fillStyleLst>
+      <a:lnStyleLst>
+        <a:ln w="9525" cap="flat" cmpd="sng" algn="ctr">
+          <a:solidFill>
+            <a:schemeClr val="phClr">
+              <a:shade val="95000"/>
+              <a:satMod val="105000"/>
+            </a:schemeClr>
+          </a:solidFill>
+          <a:prstDash val="solid"/>
+        </a:ln>
+        <a:ln w="25400" cap="flat" cmpd="sng" algn="ctr">
+          <a:solidFill>
+            <a:schemeClr val="phClr"/>
+          </a:solidFill>
+          <a:prstDash val="solid"/>
+        </a:ln>
+        <a:ln w="38100" cap="flat" cmpd="sng" algn="ctr">
+          <a:solidFill>
+            <a:schemeClr val="phClr"/>
+          </a:solidFill>
+          <a:prstDash val="solid"/>
+        </a:ln>
+      </a:lnStyleLst>
+      <a:effectStyleLst>
+        <a:effectStyle>
+          <a:effectLst>
+            <a:outerShdw blurRad="40000" dist="20000" dir="5400000" rotWithShape="0">
+              <a:srgbClr val="000000">
+                <a:alpha val="38000"/>
+              </a:srgbClr>
+            </a:outerShdw>
+          </a:effectLst>
+        </a:effectStyle>
+        <a:effectStyle>
+          <a:effectLst>
+            <a:outerShdw blurRad="40000" dist="23000" dir="5400000" rotWithShape="0">
+              <a:srgbClr val="000000">
+                <a:alpha val="35000"/>
+              </a:srgbClr>
+            </a:outerShdw>
+          </a:effectLst>
+        </a:effectStyle>
+        <a:effectStyle>
+          <a:effectLst>
+            <a:outerShdw blurRad="40000" dist="23000" dir="5400000" rotWithShape="0">
+              <a:srgbClr val="000000">
+                <a:alpha val="35000"/>
+              </a:srgbClr>
+            </a:outerShdw>
+          </a:effectLst>
+          <a:scene3d>
+            <a:camera prst="orthographicFront">
+              <a:rot lat="0" lon="0" rev="0"/>
+            </a:camera>
+            <a:lightRig rig="threePt" dir="t">
+              <a:rot lat="0" lon="0" rev="1200000"/>
+            </a:lightRig>
+          </a:scene3d>
+          <a:sp3d>
+            <a:bevelT w="63500" h="25400"/>
+          </a:sp3d>
+        </a:effectStyle>
+      </a:effectStyleLst>
+      <a:bgFillStyleLst>
+        <a:solidFill>
+          <a:schemeClr val="phClr"/>
+        </a:solidFill>
+        <a:gradFill rotWithShape="1">
+          <a:gsLst>
+            <a:gs pos="0">
+              <a:schemeClr val="phClr">
+                <a:tint val="40000"/>
+                <a:satMod val="350000"/>
+              </a:schemeClr>
+            </a:gs>
+            <a:gs pos="40000">
+              <a:schemeClr val="phClr">
+                <a:tint val="45000"/>
+                <a:shade val="99000"/>
+                <a:satMod val="350000"/>
+              </a:schemeClr>
+            </a:gs>
+            <a:gs pos="100000">
+              <a:schemeClr val="phClr">
+                <a:shade val="20000"/>
+                <a:satMod val="255000"/>
+              </a:schemeClr>
+            </a:gs>
+          </a:gsLst>
+          <a:path path="circle">
+            <a:fillToRect l="50000" t="-80000" r="50000" b="180000"/>
+          </a:path>
+        </a:gradFill>
+        <a:gradFill rotWithShape="1">
+          <a:gsLst>
+            <a:gs pos="0">
+              <a:schemeClr val="phClr">
+                <a:tint val="80000"/>
+                <a:satMod val="300000"/>
+              </a:schemeClr>
+            </a:gs>
+            <a:gs pos="100000">
+              <a:schemeClr val="phClr">
+                <a:shade val="30000"/>
+                <a:satMod val="200000"/>
+              </a:schemeClr>
+            </a:gs>
+          </a:gsLst>
+          <a:path path="circle">
+            <a:fillToRect l="50000" t="50000" r="50000" b="50000"/>
+          </a:path>
+        </a:gradFill>
+      </a:bgFillStyleLst>
+    </a:fmtScheme>
+  </a:themeElements>
+  <a:objectDefaults/>
+  <a:extraClrSchemeLst/>
+</a:theme>
+</file>
+
+<file path=ppt/theme/theme2.xml><?xml version="1.0" encoding="utf-8"?>
+<a:theme xmlns:a="http://schemas.openxmlformats.org/drawingml/2006/main">
   <a:themeElements>
     <a:clrScheme name="Default">
       <a:dk1>
@@ -16140,284 +16684,7 @@
       </a:bgFillStyleLst>
     </a:fmtScheme>
   </a:themeElements>
-</a:theme>
-</file>
-
-<file path=ppt/theme/theme2.xml><?xml version="1.0" encoding="utf-8"?>
-<a:theme xmlns:a="http://schemas.openxmlformats.org/drawingml/2006/main" xmlns:r="http://schemas.openxmlformats.org/officeDocument/2006/relationships" name="Slate">
-  <a:themeElements>
-    <a:clrScheme name="Slate">
-      <a:dk1>
-        <a:srgbClr val="FFFFFF"/>
-      </a:dk1>
-      <a:lt1>
-        <a:srgbClr val="37474F"/>
-      </a:lt1>
-      <a:dk2>
-        <a:srgbClr val="9E9E9E"/>
-      </a:dk2>
-      <a:lt2>
-        <a:srgbClr val="E0E0E0"/>
-      </a:lt2>
-      <a:accent1>
-        <a:srgbClr val="616161"/>
-      </a:accent1>
-      <a:accent2>
-        <a:srgbClr val="78909C"/>
-      </a:accent2>
-      <a:accent3>
-        <a:srgbClr val="CACACA"/>
-      </a:accent3>
-      <a:accent4>
-        <a:srgbClr val="64FFDA"/>
-      </a:accent4>
-      <a:accent5>
-        <a:srgbClr val="FFD966"/>
-      </a:accent5>
-      <a:accent6>
-        <a:srgbClr val="F5F5F5"/>
-      </a:accent6>
-      <a:hlink>
-        <a:srgbClr val="FFD966"/>
-      </a:hlink>
-      <a:folHlink>
-        <a:srgbClr val="FFD966"/>
-      </a:folHlink>
-    </a:clrScheme>
-    <a:fontScheme name="Office">
-      <a:majorFont>
-        <a:latin typeface="Arial"/>
-        <a:ea typeface=""/>
-        <a:cs typeface=""/>
-        <a:font script="Jpan" typeface="ＭＳ Ｐゴシック"/>
-        <a:font script="Hang" typeface="맑은 고딕"/>
-        <a:font script="Hans" typeface="宋体"/>
-        <a:font script="Hant" typeface="新細明體"/>
-        <a:font script="Arab" typeface="Times New Roman"/>
-        <a:font script="Hebr" typeface="Times New Roman"/>
-        <a:font script="Thai" typeface="Angsana New"/>
-        <a:font script="Ethi" typeface="Nyala"/>
-        <a:font script="Beng" typeface="Vrinda"/>
-        <a:font script="Gujr" typeface="Shruti"/>
-        <a:font script="Khmr" typeface="MoolBoran"/>
-        <a:font script="Knda" typeface="Tunga"/>
-        <a:font script="Guru" typeface="Raavi"/>
-        <a:font script="Cans" typeface="Euphemia"/>
-        <a:font script="Cher" typeface="Plantagenet Cherokee"/>
-        <a:font script="Yiii" typeface="Microsoft Yi Baiti"/>
-        <a:font script="Tibt" typeface="Microsoft Himalaya"/>
-        <a:font script="Thaa" typeface="MV Boli"/>
-        <a:font script="Deva" typeface="Mangal"/>
-        <a:font script="Telu" typeface="Gautami"/>
-        <a:font script="Taml" typeface="Latha"/>
-        <a:font script="Syrc" typeface="Estrangelo Edessa"/>
-        <a:font script="Orya" typeface="Kalinga"/>
-        <a:font script="Mlym" typeface="Kartika"/>
-        <a:font script="Laoo" typeface="DokChampa"/>
-        <a:font script="Sinh" typeface="Iskoola Pota"/>
-        <a:font script="Mong" typeface="Mongolian Baiti"/>
-        <a:font script="Viet" typeface="Times New Roman"/>
-        <a:font script="Uigh" typeface="Microsoft Uighur"/>
-        <a:font script="Geor" typeface="Sylfaen"/>
-      </a:majorFont>
-      <a:minorFont>
-        <a:latin typeface="Arial"/>
-        <a:ea typeface=""/>
-        <a:cs typeface=""/>
-        <a:font script="Jpan" typeface="ＭＳ Ｐゴシック"/>
-        <a:font script="Hang" typeface="맑은 고딕"/>
-        <a:font script="Hans" typeface="宋体"/>
-        <a:font script="Hant" typeface="新細明體"/>
-        <a:font script="Arab" typeface="Arial"/>
-        <a:font script="Hebr" typeface="Arial"/>
-        <a:font script="Thai" typeface="Cordia New"/>
-        <a:font script="Ethi" typeface="Nyala"/>
-        <a:font script="Beng" typeface="Vrinda"/>
-        <a:font script="Gujr" typeface="Shruti"/>
-        <a:font script="Khmr" typeface="DaunPenh"/>
-        <a:font script="Knda" typeface="Tunga"/>
-        <a:font script="Guru" typeface="Raavi"/>
-        <a:font script="Cans" typeface="Euphemia"/>
-        <a:font script="Cher" typeface="Plantagenet Cherokee"/>
-        <a:font script="Yiii" typeface="Microsoft Yi Baiti"/>
-        <a:font script="Tibt" typeface="Microsoft Himalaya"/>
-        <a:font script="Thaa" typeface="MV Boli"/>
-        <a:font script="Deva" typeface="Mangal"/>
-        <a:font script="Telu" typeface="Gautami"/>
-        <a:font script="Taml" typeface="Latha"/>
-        <a:font script="Syrc" typeface="Estrangelo Edessa"/>
-        <a:font script="Orya" typeface="Kalinga"/>
-        <a:font script="Mlym" typeface="Kartika"/>
-        <a:font script="Laoo" typeface="DokChampa"/>
-        <a:font script="Sinh" typeface="Iskoola Pota"/>
-        <a:font script="Mong" typeface="Mongolian Baiti"/>
-        <a:font script="Viet" typeface="Arial"/>
-        <a:font script="Uigh" typeface="Microsoft Uighur"/>
-        <a:font script="Geor" typeface="Sylfaen"/>
-      </a:minorFont>
-    </a:fontScheme>
-    <a:fmtScheme name="Office">
-      <a:fillStyleLst>
-        <a:solidFill>
-          <a:schemeClr val="phClr"/>
-        </a:solidFill>
-        <a:gradFill rotWithShape="1">
-          <a:gsLst>
-            <a:gs pos="0">
-              <a:schemeClr val="phClr">
-                <a:tint val="50000"/>
-                <a:satMod val="300000"/>
-              </a:schemeClr>
-            </a:gs>
-            <a:gs pos="35000">
-              <a:schemeClr val="phClr">
-                <a:tint val="37000"/>
-                <a:satMod val="300000"/>
-              </a:schemeClr>
-            </a:gs>
-            <a:gs pos="100000">
-              <a:schemeClr val="phClr">
-                <a:tint val="15000"/>
-                <a:satMod val="350000"/>
-              </a:schemeClr>
-            </a:gs>
-          </a:gsLst>
-          <a:lin ang="16200000" scaled="1"/>
-        </a:gradFill>
-        <a:gradFill rotWithShape="1">
-          <a:gsLst>
-            <a:gs pos="0">
-              <a:schemeClr val="phClr">
-                <a:tint val="100000"/>
-                <a:shade val="100000"/>
-                <a:satMod val="130000"/>
-              </a:schemeClr>
-            </a:gs>
-            <a:gs pos="100000">
-              <a:schemeClr val="phClr">
-                <a:tint val="50000"/>
-                <a:shade val="100000"/>
-                <a:satMod val="350000"/>
-              </a:schemeClr>
-            </a:gs>
-          </a:gsLst>
-          <a:lin ang="16200000" scaled="0"/>
-        </a:gradFill>
-      </a:fillStyleLst>
-      <a:lnStyleLst>
-        <a:ln w="9525" cap="flat" cmpd="sng" algn="ctr">
-          <a:solidFill>
-            <a:schemeClr val="phClr">
-              <a:shade val="95000"/>
-              <a:satMod val="105000"/>
-            </a:schemeClr>
-          </a:solidFill>
-          <a:prstDash val="solid"/>
-        </a:ln>
-        <a:ln w="25400" cap="flat" cmpd="sng" algn="ctr">
-          <a:solidFill>
-            <a:schemeClr val="phClr"/>
-          </a:solidFill>
-          <a:prstDash val="solid"/>
-        </a:ln>
-        <a:ln w="38100" cap="flat" cmpd="sng" algn="ctr">
-          <a:solidFill>
-            <a:schemeClr val="phClr"/>
-          </a:solidFill>
-          <a:prstDash val="solid"/>
-        </a:ln>
-      </a:lnStyleLst>
-      <a:effectStyleLst>
-        <a:effectStyle>
-          <a:effectLst>
-            <a:outerShdw blurRad="40000" dist="20000" dir="5400000" rotWithShape="0">
-              <a:srgbClr val="000000">
-                <a:alpha val="38000"/>
-              </a:srgbClr>
-            </a:outerShdw>
-          </a:effectLst>
-        </a:effectStyle>
-        <a:effectStyle>
-          <a:effectLst>
-            <a:outerShdw blurRad="40000" dist="23000" dir="5400000" rotWithShape="0">
-              <a:srgbClr val="000000">
-                <a:alpha val="35000"/>
-              </a:srgbClr>
-            </a:outerShdw>
-          </a:effectLst>
-        </a:effectStyle>
-        <a:effectStyle>
-          <a:effectLst>
-            <a:outerShdw blurRad="40000" dist="23000" dir="5400000" rotWithShape="0">
-              <a:srgbClr val="000000">
-                <a:alpha val="35000"/>
-              </a:srgbClr>
-            </a:outerShdw>
-          </a:effectLst>
-          <a:scene3d>
-            <a:camera prst="orthographicFront">
-              <a:rot lat="0" lon="0" rev="0"/>
-            </a:camera>
-            <a:lightRig rig="threePt" dir="t">
-              <a:rot lat="0" lon="0" rev="1200000"/>
-            </a:lightRig>
-          </a:scene3d>
-          <a:sp3d>
-            <a:bevelT w="63500" h="25400"/>
-          </a:sp3d>
-        </a:effectStyle>
-      </a:effectStyleLst>
-      <a:bgFillStyleLst>
-        <a:solidFill>
-          <a:schemeClr val="phClr"/>
-        </a:solidFill>
-        <a:gradFill rotWithShape="1">
-          <a:gsLst>
-            <a:gs pos="0">
-              <a:schemeClr val="phClr">
-                <a:tint val="40000"/>
-                <a:satMod val="350000"/>
-              </a:schemeClr>
-            </a:gs>
-            <a:gs pos="40000">
-              <a:schemeClr val="phClr">
-                <a:tint val="45000"/>
-                <a:shade val="99000"/>
-                <a:satMod val="350000"/>
-              </a:schemeClr>
-            </a:gs>
-            <a:gs pos="100000">
-              <a:schemeClr val="phClr">
-                <a:shade val="20000"/>
-                <a:satMod val="255000"/>
-              </a:schemeClr>
-            </a:gs>
-          </a:gsLst>
-          <a:path path="circle">
-            <a:fillToRect l="50000" t="-80000" r="50000" b="180000"/>
-          </a:path>
-        </a:gradFill>
-        <a:gradFill rotWithShape="1">
-          <a:gsLst>
-            <a:gs pos="0">
-              <a:schemeClr val="phClr">
-                <a:tint val="80000"/>
-                <a:satMod val="300000"/>
-              </a:schemeClr>
-            </a:gs>
-            <a:gs pos="100000">
-              <a:schemeClr val="phClr">
-                <a:shade val="30000"/>
-                <a:satMod val="200000"/>
-              </a:schemeClr>
-            </a:gs>
-          </a:gsLst>
-          <a:path path="circle">
-            <a:fillToRect l="50000" t="50000" r="50000" b="50000"/>
-          </a:path>
-        </a:gradFill>
-      </a:bgFillStyleLst>
-    </a:fmtScheme>
-  </a:themeElements>
+  <a:objectDefaults/>
+  <a:extraClrSchemeLst/>
 </a:theme>
 </file>